--- a/포트폴리오 NEW.pptx
+++ b/포트폴리오 NEW.pptx
@@ -11,40 +11,56 @@
     <p:sldId id="257" r:id="rId5"/>
     <p:sldId id="259" r:id="rId6"/>
     <p:sldId id="260" r:id="rId7"/>
-    <p:sldId id="266" r:id="rId8"/>
-    <p:sldId id="267" r:id="rId9"/>
-    <p:sldId id="261" r:id="rId10"/>
-    <p:sldId id="262" r:id="rId11"/>
-    <p:sldId id="263" r:id="rId12"/>
-    <p:sldId id="264" r:id="rId13"/>
-    <p:sldId id="265" r:id="rId14"/>
+    <p:sldId id="277" r:id="rId8"/>
+    <p:sldId id="266" r:id="rId9"/>
+    <p:sldId id="272" r:id="rId10"/>
+    <p:sldId id="273" r:id="rId11"/>
+    <p:sldId id="274" r:id="rId12"/>
+    <p:sldId id="275" r:id="rId13"/>
+    <p:sldId id="267" r:id="rId14"/>
+    <p:sldId id="268" r:id="rId15"/>
+    <p:sldId id="270" r:id="rId16"/>
+    <p:sldId id="271" r:id="rId17"/>
+    <p:sldId id="269" r:id="rId18"/>
+    <p:sldId id="261" r:id="rId19"/>
+    <p:sldId id="262" r:id="rId20"/>
+    <p:sldId id="263" r:id="rId21"/>
+    <p:sldId id="264" r:id="rId22"/>
+    <p:sldId id="265" r:id="rId23"/>
   </p:sldIdLst>
   <p:sldSz cx="12192000" cy="6858000"/>
   <p:notesSz cx="6858000" cy="9144000"/>
   <p:embeddedFontLst>
     <p:embeddedFont>
+      <p:font typeface="Calibri" panose="020F0502020204030204" pitchFamily="34" charset="0"/>
+      <p:regular r:id="rId24"/>
+      <p:bold r:id="rId25"/>
+      <p:italic r:id="rId26"/>
+      <p:boldItalic r:id="rId27"/>
+    </p:embeddedFont>
+    <p:embeddedFont>
       <p:font typeface="에스코어 드림 3 Light" panose="020B0303030302020204" pitchFamily="34" charset="-127"/>
-      <p:regular r:id="rId15"/>
+      <p:regular r:id="rId28"/>
     </p:embeddedFont>
     <p:embeddedFont>
       <p:font typeface="에스코어 드림 4 Regular" panose="020B0503030302020204" pitchFamily="34" charset="-127"/>
-      <p:regular r:id="rId16"/>
+      <p:regular r:id="rId29"/>
     </p:embeddedFont>
     <p:embeddedFont>
       <p:font typeface="에스코어 드림 5 Medium" panose="020B0503030302020204" pitchFamily="34" charset="-127"/>
-      <p:regular r:id="rId17"/>
+      <p:regular r:id="rId30"/>
     </p:embeddedFont>
     <p:embeddedFont>
       <p:font typeface="에스코어 드림 6 Bold" panose="020B0703030302020204" pitchFamily="34" charset="-127"/>
-      <p:bold r:id="rId18"/>
+      <p:bold r:id="rId31"/>
     </p:embeddedFont>
     <p:embeddedFont>
       <p:font typeface="에스코어 드림 7 ExtraBold" panose="020B0803030302020204" pitchFamily="34" charset="-127"/>
-      <p:bold r:id="rId19"/>
+      <p:bold r:id="rId32"/>
     </p:embeddedFont>
     <p:embeddedFont>
       <p:font typeface="에스코어 드림 9 Black" panose="020B0A03030302020204" pitchFamily="34" charset="-127"/>
-      <p:bold r:id="rId20"/>
+      <p:bold r:id="rId33"/>
     </p:embeddedFont>
   </p:embeddedFontLst>
   <p:defaultTextStyle>
@@ -2320,6 +2336,4517 @@
       </p:grpSpPr>
       <p:sp>
         <p:nvSpPr>
+          <p:cNvPr id="27" name="TextBox 26"/>
+          <p:cNvSpPr txBox="1"/>
+          <p:nvPr/>
+        </p:nvSpPr>
+        <p:spPr>
+          <a:xfrm>
+            <a:off x="1172022" y="451481"/>
+            <a:ext cx="2296845" cy="707886"/>
+          </a:xfrm>
+          <a:prstGeom prst="rect">
+            <a:avLst/>
+          </a:prstGeom>
+          <a:noFill/>
+        </p:spPr>
+        <p:txBody>
+          <a:bodyPr wrap="square" rtlCol="0">
+            <a:spAutoFit/>
+          </a:bodyPr>
+          <a:lstStyle/>
+          <a:p>
+            <a:r>
+              <a:rPr lang="en-US" altLang="ko-KR" sz="4000" dirty="0">
+                <a:solidFill>
+                  <a:srgbClr val="1D1D1D"/>
+                </a:solidFill>
+                <a:latin typeface="에스코어 드림 6 Bold" panose="020B0703030302020204" pitchFamily="34" charset="-127"/>
+                <a:ea typeface="에스코어 드림 6 Bold" panose="020B0703030302020204" pitchFamily="34" charset="-127"/>
+              </a:rPr>
+              <a:t>Projects</a:t>
+            </a:r>
+            <a:endParaRPr lang="ko-KR" altLang="en-US" sz="4000" dirty="0">
+              <a:solidFill>
+                <a:srgbClr val="1D1D1D"/>
+              </a:solidFill>
+              <a:latin typeface="에스코어 드림 6 Bold" panose="020B0703030302020204" pitchFamily="34" charset="-127"/>
+              <a:ea typeface="에스코어 드림 6 Bold" panose="020B0703030302020204" pitchFamily="34" charset="-127"/>
+            </a:endParaRPr>
+          </a:p>
+        </p:txBody>
+      </p:sp>
+      <p:sp>
+        <p:nvSpPr>
+          <p:cNvPr id="28" name="TextBox 27"/>
+          <p:cNvSpPr txBox="1"/>
+          <p:nvPr/>
+        </p:nvSpPr>
+        <p:spPr>
+          <a:xfrm>
+            <a:off x="454470" y="1924188"/>
+            <a:ext cx="5237331" cy="1477328"/>
+          </a:xfrm>
+          <a:prstGeom prst="rect">
+            <a:avLst/>
+          </a:prstGeom>
+          <a:noFill/>
+        </p:spPr>
+        <p:txBody>
+          <a:bodyPr wrap="none" rtlCol="0">
+            <a:spAutoFit/>
+          </a:bodyPr>
+          <a:lstStyle/>
+          <a:p>
+            <a:r>
+              <a:rPr lang="en-US" altLang="ko-KR" u="sng" dirty="0">
+                <a:latin typeface="에스코어 드림 4 Regular" panose="020B0503030302020204" pitchFamily="34" charset="-127"/>
+                <a:ea typeface="에스코어 드림 4 Regular" panose="020B0503030302020204" pitchFamily="34" charset="-127"/>
+              </a:rPr>
+              <a:t>Data</a:t>
+            </a:r>
+          </a:p>
+          <a:p>
+            <a:pPr marL="285750" indent="-285750">
+              <a:buFont typeface="Wingdings" panose="05000000000000000000" pitchFamily="2" charset="2"/>
+              <a:buChar char="ü"/>
+            </a:pPr>
+            <a:endParaRPr lang="en-US" altLang="ko-KR" dirty="0">
+              <a:latin typeface="에스코어 드림 4 Regular" panose="020B0503030302020204" pitchFamily="34" charset="-127"/>
+              <a:ea typeface="에스코어 드림 4 Regular" panose="020B0503030302020204" pitchFamily="34" charset="-127"/>
+            </a:endParaRPr>
+          </a:p>
+          <a:p>
+            <a:pPr marL="285750" indent="-285750">
+              <a:buFont typeface="Wingdings" panose="05000000000000000000" pitchFamily="2" charset="2"/>
+              <a:buChar char="ü"/>
+            </a:pPr>
+            <a:r>
+              <a:rPr lang="ko-KR" altLang="en-US" dirty="0">
+                <a:latin typeface="에스코어 드림 4 Regular" panose="020B0503030302020204" pitchFamily="34" charset="-127"/>
+                <a:ea typeface="에스코어 드림 4 Regular" panose="020B0503030302020204" pitchFamily="34" charset="-127"/>
+              </a:rPr>
+              <a:t>생활인구 특성 데이터 </a:t>
+            </a:r>
+            <a:r>
+              <a:rPr lang="en-US" altLang="ko-KR" dirty="0">
+                <a:latin typeface="에스코어 드림 4 Regular" panose="020B0503030302020204" pitchFamily="34" charset="-127"/>
+                <a:ea typeface="에스코어 드림 4 Regular" panose="020B0503030302020204" pitchFamily="34" charset="-127"/>
+              </a:rPr>
+              <a:t>: </a:t>
+            </a:r>
+            <a:r>
+              <a:rPr lang="ko-KR" altLang="en-US" dirty="0">
+                <a:latin typeface="에스코어 드림 4 Regular" panose="020B0503030302020204" pitchFamily="34" charset="-127"/>
+                <a:ea typeface="에스코어 드림 4 Regular" panose="020B0503030302020204" pitchFamily="34" charset="-127"/>
+              </a:rPr>
+              <a:t>유동인구</a:t>
+            </a:r>
+            <a:endParaRPr lang="en-US" altLang="ko-KR" dirty="0">
+              <a:latin typeface="에스코어 드림 4 Regular" panose="020B0503030302020204" pitchFamily="34" charset="-127"/>
+              <a:ea typeface="에스코어 드림 4 Regular" panose="020B0503030302020204" pitchFamily="34" charset="-127"/>
+            </a:endParaRPr>
+          </a:p>
+          <a:p>
+            <a:pPr marL="285750" indent="-285750">
+              <a:buFont typeface="Wingdings" panose="05000000000000000000" pitchFamily="2" charset="2"/>
+              <a:buChar char="ü"/>
+            </a:pPr>
+            <a:r>
+              <a:rPr lang="ko-KR" altLang="en-US" dirty="0">
+                <a:latin typeface="에스코어 드림 4 Regular" panose="020B0503030302020204" pitchFamily="34" charset="-127"/>
+                <a:ea typeface="에스코어 드림 4 Regular" panose="020B0503030302020204" pitchFamily="34" charset="-127"/>
+              </a:rPr>
+              <a:t>상권 특성 데이터 </a:t>
+            </a:r>
+            <a:r>
+              <a:rPr lang="en-US" altLang="ko-KR" dirty="0">
+                <a:latin typeface="에스코어 드림 4 Regular" panose="020B0503030302020204" pitchFamily="34" charset="-127"/>
+                <a:ea typeface="에스코어 드림 4 Regular" panose="020B0503030302020204" pitchFamily="34" charset="-127"/>
+              </a:rPr>
+              <a:t>: </a:t>
+            </a:r>
+            <a:r>
+              <a:rPr lang="ko-KR" altLang="en-US" dirty="0" err="1">
+                <a:latin typeface="에스코어 드림 4 Regular" panose="020B0503030302020204" pitchFamily="34" charset="-127"/>
+                <a:ea typeface="에스코어 드림 4 Regular" panose="020B0503030302020204" pitchFamily="34" charset="-127"/>
+              </a:rPr>
+              <a:t>추청</a:t>
+            </a:r>
+            <a:r>
+              <a:rPr lang="ko-KR" altLang="en-US" dirty="0">
+                <a:latin typeface="에스코어 드림 4 Regular" panose="020B0503030302020204" pitchFamily="34" charset="-127"/>
+                <a:ea typeface="에스코어 드림 4 Regular" panose="020B0503030302020204" pitchFamily="34" charset="-127"/>
+              </a:rPr>
+              <a:t> 매출액</a:t>
+            </a:r>
+            <a:endParaRPr lang="en-US" altLang="ko-KR" dirty="0">
+              <a:latin typeface="에스코어 드림 4 Regular" panose="020B0503030302020204" pitchFamily="34" charset="-127"/>
+              <a:ea typeface="에스코어 드림 4 Regular" panose="020B0503030302020204" pitchFamily="34" charset="-127"/>
+            </a:endParaRPr>
+          </a:p>
+          <a:p>
+            <a:pPr marL="285750" indent="-285750">
+              <a:buFont typeface="Wingdings" panose="05000000000000000000" pitchFamily="2" charset="2"/>
+              <a:buChar char="ü"/>
+            </a:pPr>
+            <a:r>
+              <a:rPr lang="ko-KR" altLang="en-US" dirty="0">
+                <a:latin typeface="에스코어 드림 4 Regular" panose="020B0503030302020204" pitchFamily="34" charset="-127"/>
+                <a:ea typeface="에스코어 드림 4 Regular" panose="020B0503030302020204" pitchFamily="34" charset="-127"/>
+              </a:rPr>
+              <a:t>기타 특성 데이터 </a:t>
+            </a:r>
+            <a:r>
+              <a:rPr lang="en-US" altLang="ko-KR" dirty="0">
+                <a:latin typeface="에스코어 드림 4 Regular" panose="020B0503030302020204" pitchFamily="34" charset="-127"/>
+                <a:ea typeface="에스코어 드림 4 Regular" panose="020B0503030302020204" pitchFamily="34" charset="-127"/>
+              </a:rPr>
+              <a:t>: </a:t>
+            </a:r>
+            <a:r>
+              <a:rPr lang="ko-KR" altLang="en-US" dirty="0">
+                <a:latin typeface="에스코어 드림 4 Regular" panose="020B0503030302020204" pitchFamily="34" charset="-127"/>
+                <a:ea typeface="에스코어 드림 4 Regular" panose="020B0503030302020204" pitchFamily="34" charset="-127"/>
+              </a:rPr>
+              <a:t>코로나 </a:t>
+            </a:r>
+            <a:r>
+              <a:rPr lang="ko-KR" altLang="en-US" dirty="0" err="1">
+                <a:latin typeface="에스코어 드림 4 Regular" panose="020B0503030302020204" pitchFamily="34" charset="-127"/>
+                <a:ea typeface="에스코어 드림 4 Regular" panose="020B0503030302020204" pitchFamily="34" charset="-127"/>
+              </a:rPr>
+              <a:t>확진자</a:t>
+            </a:r>
+            <a:r>
+              <a:rPr lang="en-US" altLang="ko-KR" dirty="0">
+                <a:latin typeface="에스코어 드림 4 Regular" panose="020B0503030302020204" pitchFamily="34" charset="-127"/>
+                <a:ea typeface="에스코어 드림 4 Regular" panose="020B0503030302020204" pitchFamily="34" charset="-127"/>
+              </a:rPr>
+              <a:t>,</a:t>
+            </a:r>
+            <a:r>
+              <a:rPr lang="ko-KR" altLang="en-US" dirty="0">
+                <a:latin typeface="에스코어 드림 4 Regular" panose="020B0503030302020204" pitchFamily="34" charset="-127"/>
+                <a:ea typeface="에스코어 드림 4 Regular" panose="020B0503030302020204" pitchFamily="34" charset="-127"/>
+              </a:rPr>
+              <a:t> 폐업</a:t>
+            </a:r>
+            <a:r>
+              <a:rPr lang="en-US" altLang="ko-KR" dirty="0">
+                <a:latin typeface="에스코어 드림 4 Regular" panose="020B0503030302020204" pitchFamily="34" charset="-127"/>
+                <a:ea typeface="에스코어 드림 4 Regular" panose="020B0503030302020204" pitchFamily="34" charset="-127"/>
+              </a:rPr>
+              <a:t>/</a:t>
+            </a:r>
+            <a:r>
+              <a:rPr lang="ko-KR" altLang="en-US" dirty="0" err="1">
+                <a:latin typeface="에스코어 드림 4 Regular" panose="020B0503030302020204" pitchFamily="34" charset="-127"/>
+                <a:ea typeface="에스코어 드림 4 Regular" panose="020B0503030302020204" pitchFamily="34" charset="-127"/>
+              </a:rPr>
+              <a:t>공실률</a:t>
+            </a:r>
+            <a:r>
+              <a:rPr lang="en-US" altLang="ko-KR" dirty="0">
+                <a:latin typeface="에스코어 드림 4 Regular" panose="020B0503030302020204" pitchFamily="34" charset="-127"/>
+                <a:ea typeface="에스코어 드림 4 Regular" panose="020B0503030302020204" pitchFamily="34" charset="-127"/>
+              </a:rPr>
+              <a:t> </a:t>
+            </a:r>
+          </a:p>
+        </p:txBody>
+      </p:sp>
+      <p:sp>
+        <p:nvSpPr>
+          <p:cNvPr id="30" name="TextBox 29"/>
+          <p:cNvSpPr txBox="1"/>
+          <p:nvPr/>
+        </p:nvSpPr>
+        <p:spPr>
+          <a:xfrm>
+            <a:off x="195473" y="311719"/>
+            <a:ext cx="976549" cy="923330"/>
+          </a:xfrm>
+          <a:prstGeom prst="rect">
+            <a:avLst/>
+          </a:prstGeom>
+          <a:noFill/>
+        </p:spPr>
+        <p:txBody>
+          <a:bodyPr wrap="none" rtlCol="0">
+            <a:spAutoFit/>
+          </a:bodyPr>
+          <a:lstStyle/>
+          <a:p>
+            <a:r>
+              <a:rPr lang="en-US" altLang="ko-KR" sz="5400" spc="-300" dirty="0">
+                <a:solidFill>
+                  <a:srgbClr val="1D1D1D"/>
+                </a:solidFill>
+                <a:latin typeface="에스코어 드림 7 ExtraBold" panose="020B0803030302020204" pitchFamily="34" charset="-127"/>
+                <a:ea typeface="에스코어 드림 7 ExtraBold" panose="020B0803030302020204" pitchFamily="34" charset="-127"/>
+              </a:rPr>
+              <a:t>03</a:t>
+            </a:r>
+            <a:endParaRPr lang="ko-KR" altLang="en-US" sz="5400" spc="-300" dirty="0">
+              <a:solidFill>
+                <a:srgbClr val="1D1D1D"/>
+              </a:solidFill>
+              <a:latin typeface="에스코어 드림 7 ExtraBold" panose="020B0803030302020204" pitchFamily="34" charset="-127"/>
+              <a:ea typeface="에스코어 드림 7 ExtraBold" panose="020B0803030302020204" pitchFamily="34" charset="-127"/>
+            </a:endParaRPr>
+          </a:p>
+        </p:txBody>
+      </p:sp>
+      <p:sp>
+        <p:nvSpPr>
+          <p:cNvPr id="3" name="직사각형 2"/>
+          <p:cNvSpPr/>
+          <p:nvPr/>
+        </p:nvSpPr>
+        <p:spPr>
+          <a:xfrm>
+            <a:off x="363362" y="1327678"/>
+            <a:ext cx="9526967" cy="461665"/>
+          </a:xfrm>
+          <a:prstGeom prst="rect">
+            <a:avLst/>
+          </a:prstGeom>
+        </p:spPr>
+        <p:txBody>
+          <a:bodyPr wrap="none">
+            <a:spAutoFit/>
+          </a:bodyPr>
+          <a:lstStyle/>
+          <a:p>
+            <a:r>
+              <a:rPr lang="en-US" altLang="ko-KR" sz="2400" dirty="0">
+                <a:latin typeface="에스코어 드림 6 Bold" panose="020B0703030302020204" pitchFamily="34" charset="-127"/>
+                <a:ea typeface="에스코어 드림 6 Bold" panose="020B0703030302020204" pitchFamily="34" charset="-127"/>
+              </a:rPr>
+              <a:t>2020 </a:t>
+            </a:r>
+            <a:r>
+              <a:rPr lang="ko-KR" altLang="en-US" sz="2400" dirty="0">
+                <a:latin typeface="에스코어 드림 6 Bold" panose="020B0703030302020204" pitchFamily="34" charset="-127"/>
+                <a:ea typeface="에스코어 드림 6 Bold" panose="020B0703030302020204" pitchFamily="34" charset="-127"/>
+              </a:rPr>
+              <a:t>코로나 확산으로 인한 경제적 손실 분석 </a:t>
+            </a:r>
+            <a:r>
+              <a:rPr lang="en-US" altLang="ko-KR" sz="2400" dirty="0">
+                <a:latin typeface="에스코어 드림 6 Bold" panose="020B0703030302020204" pitchFamily="34" charset="-127"/>
+                <a:ea typeface="에스코어 드림 6 Bold" panose="020B0703030302020204" pitchFamily="34" charset="-127"/>
+              </a:rPr>
+              <a:t>: </a:t>
+            </a:r>
+            <a:r>
+              <a:rPr lang="ko-KR" altLang="en-US" sz="2400" dirty="0">
+                <a:latin typeface="에스코어 드림 6 Bold" panose="020B0703030302020204" pitchFamily="34" charset="-127"/>
+                <a:ea typeface="에스코어 드림 6 Bold" panose="020B0703030302020204" pitchFamily="34" charset="-127"/>
+              </a:rPr>
+              <a:t>이태원 상권을 중심으로</a:t>
+            </a:r>
+            <a:endParaRPr lang="en-US" altLang="ko-KR" sz="2400" dirty="0">
+              <a:latin typeface="에스코어 드림 6 Bold" panose="020B0703030302020204" pitchFamily="34" charset="-127"/>
+              <a:ea typeface="에스코어 드림 6 Bold" panose="020B0703030302020204" pitchFamily="34" charset="-127"/>
+            </a:endParaRPr>
+          </a:p>
+        </p:txBody>
+      </p:sp>
+      <p:sp>
+        <p:nvSpPr>
+          <p:cNvPr id="7" name="TextBox 6">
+            <a:extLst>
+              <a:ext uri="{FF2B5EF4-FFF2-40B4-BE49-F238E27FC236}">
+                <a16:creationId xmlns:a16="http://schemas.microsoft.com/office/drawing/2014/main" id="{F3EEE0CD-41F1-4791-857F-7E4D51147A2A}"/>
+              </a:ext>
+            </a:extLst>
+          </p:cNvPr>
+          <p:cNvSpPr txBox="1"/>
+          <p:nvPr/>
+        </p:nvSpPr>
+        <p:spPr>
+          <a:xfrm>
+            <a:off x="454470" y="3526114"/>
+            <a:ext cx="4545475" cy="1200329"/>
+          </a:xfrm>
+          <a:prstGeom prst="rect">
+            <a:avLst/>
+          </a:prstGeom>
+          <a:noFill/>
+        </p:spPr>
+        <p:txBody>
+          <a:bodyPr wrap="none" rtlCol="0">
+            <a:spAutoFit/>
+          </a:bodyPr>
+          <a:lstStyle/>
+          <a:p>
+            <a:r>
+              <a:rPr lang="en-US" altLang="ko-KR" u="sng" dirty="0">
+                <a:latin typeface="에스코어 드림 4 Regular" panose="020B0503030302020204" pitchFamily="34" charset="-127"/>
+                <a:ea typeface="에스코어 드림 4 Regular" panose="020B0503030302020204" pitchFamily="34" charset="-127"/>
+              </a:rPr>
+              <a:t>Environment</a:t>
+            </a:r>
+          </a:p>
+          <a:p>
+            <a:pPr marL="285750" indent="-285750">
+              <a:buFont typeface="Wingdings" panose="05000000000000000000" pitchFamily="2" charset="2"/>
+              <a:buChar char="ü"/>
+            </a:pPr>
+            <a:endParaRPr lang="en-US" altLang="ko-KR" dirty="0">
+              <a:latin typeface="에스코어 드림 4 Regular" panose="020B0503030302020204" pitchFamily="34" charset="-127"/>
+              <a:ea typeface="에스코어 드림 4 Regular" panose="020B0503030302020204" pitchFamily="34" charset="-127"/>
+            </a:endParaRPr>
+          </a:p>
+          <a:p>
+            <a:pPr marL="285750" indent="-285750">
+              <a:buFont typeface="Wingdings" panose="05000000000000000000" pitchFamily="2" charset="2"/>
+              <a:buChar char="ü"/>
+            </a:pPr>
+            <a:r>
+              <a:rPr lang="en-US" altLang="ko-KR" dirty="0">
+                <a:latin typeface="에스코어 드림 4 Regular" panose="020B0503030302020204" pitchFamily="34" charset="-127"/>
+                <a:ea typeface="에스코어 드림 4 Regular" panose="020B0503030302020204" pitchFamily="34" charset="-127"/>
+              </a:rPr>
+              <a:t>Python 3.6+ / </a:t>
+            </a:r>
+            <a:r>
+              <a:rPr lang="en-US" altLang="ko-KR" dirty="0" err="1">
+                <a:latin typeface="에스코어 드림 4 Regular" panose="020B0503030302020204" pitchFamily="34" charset="-127"/>
+                <a:ea typeface="에스코어 드림 4 Regular" panose="020B0503030302020204" pitchFamily="34" charset="-127"/>
+              </a:rPr>
+              <a:t>Jupyter</a:t>
+            </a:r>
+            <a:r>
+              <a:rPr lang="en-US" altLang="ko-KR" dirty="0">
+                <a:latin typeface="에스코어 드림 4 Regular" panose="020B0503030302020204" pitchFamily="34" charset="-127"/>
+                <a:ea typeface="에스코어 드림 4 Regular" panose="020B0503030302020204" pitchFamily="34" charset="-127"/>
+              </a:rPr>
+              <a:t> /Tableau </a:t>
+            </a:r>
+          </a:p>
+          <a:p>
+            <a:pPr marL="285750" indent="-285750">
+              <a:buFont typeface="Wingdings" panose="05000000000000000000" pitchFamily="2" charset="2"/>
+              <a:buChar char="ü"/>
+            </a:pPr>
+            <a:r>
+              <a:rPr lang="en-US" altLang="ko-KR" dirty="0">
+                <a:latin typeface="에스코어 드림 4 Regular" panose="020B0503030302020204" pitchFamily="34" charset="-127"/>
+                <a:ea typeface="에스코어 드림 4 Regular" panose="020B0503030302020204" pitchFamily="34" charset="-127"/>
+              </a:rPr>
+              <a:t>Pandas / MySQL /Scikit-learn / </a:t>
+            </a:r>
+            <a:r>
+              <a:rPr lang="en-US" altLang="ko-KR" dirty="0" err="1">
+                <a:latin typeface="에스코어 드림 4 Regular" panose="020B0503030302020204" pitchFamily="34" charset="-127"/>
+                <a:ea typeface="에스코어 드림 4 Regular" panose="020B0503030302020204" pitchFamily="34" charset="-127"/>
+              </a:rPr>
+              <a:t>Plotly</a:t>
+            </a:r>
+            <a:endParaRPr lang="en-US" altLang="ko-KR" dirty="0">
+              <a:latin typeface="에스코어 드림 4 Regular" panose="020B0503030302020204" pitchFamily="34" charset="-127"/>
+              <a:ea typeface="에스코어 드림 4 Regular" panose="020B0503030302020204" pitchFamily="34" charset="-127"/>
+            </a:endParaRPr>
+          </a:p>
+        </p:txBody>
+      </p:sp>
+      <p:sp>
+        <p:nvSpPr>
+          <p:cNvPr id="8" name="TextBox 7">
+            <a:extLst>
+              <a:ext uri="{FF2B5EF4-FFF2-40B4-BE49-F238E27FC236}">
+                <a16:creationId xmlns:a16="http://schemas.microsoft.com/office/drawing/2014/main" id="{A859DAD7-3884-4217-9908-A7EFE6A65C66}"/>
+              </a:ext>
+            </a:extLst>
+          </p:cNvPr>
+          <p:cNvSpPr txBox="1"/>
+          <p:nvPr/>
+        </p:nvSpPr>
+        <p:spPr>
+          <a:xfrm>
+            <a:off x="6096000" y="1881972"/>
+            <a:ext cx="5593198" cy="1200329"/>
+          </a:xfrm>
+          <a:prstGeom prst="rect">
+            <a:avLst/>
+          </a:prstGeom>
+          <a:noFill/>
+        </p:spPr>
+        <p:txBody>
+          <a:bodyPr wrap="none" rtlCol="0">
+            <a:spAutoFit/>
+          </a:bodyPr>
+          <a:lstStyle/>
+          <a:p>
+            <a:r>
+              <a:rPr lang="en-US" altLang="ko-KR" u="sng" dirty="0">
+                <a:latin typeface="에스코어 드림 4 Regular" panose="020B0503030302020204" pitchFamily="34" charset="-127"/>
+                <a:ea typeface="에스코어 드림 4 Regular" panose="020B0503030302020204" pitchFamily="34" charset="-127"/>
+              </a:rPr>
+              <a:t>Purpose</a:t>
+            </a:r>
+          </a:p>
+          <a:p>
+            <a:pPr marL="285750" indent="-285750">
+              <a:buFont typeface="Wingdings" panose="05000000000000000000" pitchFamily="2" charset="2"/>
+              <a:buChar char="ü"/>
+            </a:pPr>
+            <a:endParaRPr lang="en-US" altLang="ko-KR" dirty="0">
+              <a:latin typeface="에스코어 드림 4 Regular" panose="020B0503030302020204" pitchFamily="34" charset="-127"/>
+              <a:ea typeface="에스코어 드림 4 Regular" panose="020B0503030302020204" pitchFamily="34" charset="-127"/>
+            </a:endParaRPr>
+          </a:p>
+          <a:p>
+            <a:pPr marL="285750" indent="-285750">
+              <a:buFont typeface="Wingdings" panose="05000000000000000000" pitchFamily="2" charset="2"/>
+              <a:buChar char="ü"/>
+            </a:pPr>
+            <a:r>
+              <a:rPr lang="ko-KR" altLang="en-US" dirty="0">
+                <a:latin typeface="에스코어 드림 4 Regular" panose="020B0503030302020204" pitchFamily="34" charset="-127"/>
+                <a:ea typeface="에스코어 드림 4 Regular" panose="020B0503030302020204" pitchFamily="34" charset="-127"/>
+              </a:rPr>
+              <a:t>코로나 이후 개별 상권 자영업 손실 특성을 분석</a:t>
+            </a:r>
+            <a:r>
+              <a:rPr lang="en-US" altLang="ko-KR" dirty="0">
+                <a:latin typeface="에스코어 드림 4 Regular" panose="020B0503030302020204" pitchFamily="34" charset="-127"/>
+                <a:ea typeface="에스코어 드림 4 Regular" panose="020B0503030302020204" pitchFamily="34" charset="-127"/>
+              </a:rPr>
+              <a:t>.</a:t>
+            </a:r>
+          </a:p>
+          <a:p>
+            <a:pPr marL="285750" indent="-285750">
+              <a:buFont typeface="Wingdings" panose="05000000000000000000" pitchFamily="2" charset="2"/>
+              <a:buChar char="ü"/>
+            </a:pPr>
+            <a:r>
+              <a:rPr lang="ko-KR" altLang="en-US" dirty="0">
+                <a:latin typeface="에스코어 드림 4 Regular" panose="020B0503030302020204" pitchFamily="34" charset="-127"/>
+                <a:ea typeface="에스코어 드림 4 Regular" panose="020B0503030302020204" pitchFamily="34" charset="-127"/>
+              </a:rPr>
+              <a:t>상권 특성을 반영한 구체적인 기준을 제시하고자 함</a:t>
+            </a:r>
+            <a:r>
+              <a:rPr lang="en-US" altLang="ko-KR" dirty="0">
+                <a:latin typeface="에스코어 드림 4 Regular" panose="020B0503030302020204" pitchFamily="34" charset="-127"/>
+                <a:ea typeface="에스코어 드림 4 Regular" panose="020B0503030302020204" pitchFamily="34" charset="-127"/>
+              </a:rPr>
+              <a:t>.</a:t>
+            </a:r>
+          </a:p>
+        </p:txBody>
+      </p:sp>
+      <p:sp>
+        <p:nvSpPr>
+          <p:cNvPr id="12" name="TextBox 11">
+            <a:extLst>
+              <a:ext uri="{FF2B5EF4-FFF2-40B4-BE49-F238E27FC236}">
+                <a16:creationId xmlns:a16="http://schemas.microsoft.com/office/drawing/2014/main" id="{59A159C5-1039-4D5B-95DC-1A339E2ABCD7}"/>
+              </a:ext>
+            </a:extLst>
+          </p:cNvPr>
+          <p:cNvSpPr txBox="1"/>
+          <p:nvPr/>
+        </p:nvSpPr>
+        <p:spPr>
+          <a:xfrm>
+            <a:off x="454470" y="5018543"/>
+            <a:ext cx="5612434" cy="1200329"/>
+          </a:xfrm>
+          <a:prstGeom prst="rect">
+            <a:avLst/>
+          </a:prstGeom>
+          <a:noFill/>
+        </p:spPr>
+        <p:txBody>
+          <a:bodyPr wrap="none" rtlCol="0">
+            <a:spAutoFit/>
+          </a:bodyPr>
+          <a:lstStyle/>
+          <a:p>
+            <a:r>
+              <a:rPr lang="en-US" altLang="ko-KR" u="sng" dirty="0" err="1">
+                <a:latin typeface="에스코어 드림 4 Regular" panose="020B0503030302020204" pitchFamily="34" charset="-127"/>
+                <a:ea typeface="에스코어 드림 4 Regular" panose="020B0503030302020204" pitchFamily="34" charset="-127"/>
+              </a:rPr>
+              <a:t>Bankground</a:t>
+            </a:r>
+            <a:endParaRPr lang="en-US" altLang="ko-KR" u="sng" dirty="0">
+              <a:latin typeface="에스코어 드림 4 Regular" panose="020B0503030302020204" pitchFamily="34" charset="-127"/>
+              <a:ea typeface="에스코어 드림 4 Regular" panose="020B0503030302020204" pitchFamily="34" charset="-127"/>
+            </a:endParaRPr>
+          </a:p>
+          <a:p>
+            <a:endParaRPr lang="en-US" altLang="ko-KR" u="sng" dirty="0">
+              <a:latin typeface="에스코어 드림 4 Regular" panose="020B0503030302020204" pitchFamily="34" charset="-127"/>
+              <a:ea typeface="에스코어 드림 4 Regular" panose="020B0503030302020204" pitchFamily="34" charset="-127"/>
+            </a:endParaRPr>
+          </a:p>
+          <a:p>
+            <a:pPr marL="285750" indent="-285750">
+              <a:buFont typeface="Wingdings" panose="05000000000000000000" pitchFamily="2" charset="2"/>
+              <a:buChar char="ü"/>
+            </a:pPr>
+            <a:r>
+              <a:rPr lang="ko-KR" altLang="en-US" dirty="0">
+                <a:latin typeface="에스코어 드림 4 Regular" panose="020B0503030302020204" pitchFamily="34" charset="-127"/>
+                <a:ea typeface="에스코어 드림 4 Regular" panose="020B0503030302020204" pitchFamily="34" charset="-127"/>
+              </a:rPr>
+              <a:t>코로나 이후 자영업계에 큰 손실이 발생되고 있음</a:t>
+            </a:r>
+            <a:endParaRPr lang="en-US" altLang="ko-KR" dirty="0">
+              <a:latin typeface="에스코어 드림 4 Regular" panose="020B0503030302020204" pitchFamily="34" charset="-127"/>
+              <a:ea typeface="에스코어 드림 4 Regular" panose="020B0503030302020204" pitchFamily="34" charset="-127"/>
+            </a:endParaRPr>
+          </a:p>
+          <a:p>
+            <a:pPr marL="285750" indent="-285750">
+              <a:buFont typeface="Wingdings" panose="05000000000000000000" pitchFamily="2" charset="2"/>
+              <a:buChar char="ü"/>
+            </a:pPr>
+            <a:r>
+              <a:rPr lang="en-US" altLang="ko-KR" dirty="0">
+                <a:latin typeface="에스코어 드림 4 Regular" panose="020B0503030302020204" pitchFamily="34" charset="-127"/>
+                <a:ea typeface="에스코어 드림 4 Regular" panose="020B0503030302020204" pitchFamily="34" charset="-127"/>
+              </a:rPr>
+              <a:t>But </a:t>
+            </a:r>
+            <a:r>
+              <a:rPr lang="ko-KR" altLang="en-US" dirty="0">
+                <a:latin typeface="에스코어 드림 4 Regular" panose="020B0503030302020204" pitchFamily="34" charset="-127"/>
+                <a:ea typeface="에스코어 드림 4 Regular" panose="020B0503030302020204" pitchFamily="34" charset="-127"/>
+              </a:rPr>
+              <a:t>정부가 제안하는 자영업자 지원정책은 제한적임</a:t>
+            </a:r>
+            <a:endParaRPr lang="en-US" altLang="ko-KR" dirty="0">
+              <a:latin typeface="에스코어 드림 4 Regular" panose="020B0503030302020204" pitchFamily="34" charset="-127"/>
+              <a:ea typeface="에스코어 드림 4 Regular" panose="020B0503030302020204" pitchFamily="34" charset="-127"/>
+            </a:endParaRPr>
+          </a:p>
+        </p:txBody>
+      </p:sp>
+      <p:sp>
+        <p:nvSpPr>
+          <p:cNvPr id="14" name="TextBox 13">
+            <a:extLst>
+              <a:ext uri="{FF2B5EF4-FFF2-40B4-BE49-F238E27FC236}">
+                <a16:creationId xmlns:a16="http://schemas.microsoft.com/office/drawing/2014/main" id="{D58A6128-E0DB-4D12-BA7A-DA58639FFD18}"/>
+              </a:ext>
+            </a:extLst>
+          </p:cNvPr>
+          <p:cNvSpPr txBox="1"/>
+          <p:nvPr/>
+        </p:nvSpPr>
+        <p:spPr>
+          <a:xfrm>
+            <a:off x="6096000" y="3587601"/>
+            <a:ext cx="5221301" cy="1754326"/>
+          </a:xfrm>
+          <a:prstGeom prst="rect">
+            <a:avLst/>
+          </a:prstGeom>
+          <a:noFill/>
+        </p:spPr>
+        <p:txBody>
+          <a:bodyPr wrap="none" rtlCol="0">
+            <a:spAutoFit/>
+          </a:bodyPr>
+          <a:lstStyle/>
+          <a:p>
+            <a:r>
+              <a:rPr lang="en-US" altLang="ko-KR" u="sng" dirty="0">
+                <a:latin typeface="에스코어 드림 4 Regular" panose="020B0503030302020204" pitchFamily="34" charset="-127"/>
+                <a:ea typeface="에스코어 드림 4 Regular" panose="020B0503030302020204" pitchFamily="34" charset="-127"/>
+              </a:rPr>
+              <a:t>Methodology</a:t>
+            </a:r>
+          </a:p>
+          <a:p>
+            <a:pPr marL="285750" indent="-285750">
+              <a:buFont typeface="Wingdings" panose="05000000000000000000" pitchFamily="2" charset="2"/>
+              <a:buChar char="ü"/>
+            </a:pPr>
+            <a:endParaRPr lang="en-US" altLang="ko-KR" dirty="0">
+              <a:latin typeface="에스코어 드림 4 Regular" panose="020B0503030302020204" pitchFamily="34" charset="-127"/>
+              <a:ea typeface="에스코어 드림 4 Regular" panose="020B0503030302020204" pitchFamily="34" charset="-127"/>
+            </a:endParaRPr>
+          </a:p>
+          <a:p>
+            <a:pPr marL="285750" indent="-285750">
+              <a:buFont typeface="Wingdings" panose="05000000000000000000" pitchFamily="2" charset="2"/>
+              <a:buChar char="ü"/>
+            </a:pPr>
+            <a:r>
+              <a:rPr lang="ko-KR" altLang="en-US" dirty="0">
+                <a:latin typeface="에스코어 드림 4 Regular" panose="020B0503030302020204" pitchFamily="34" charset="-127"/>
+                <a:ea typeface="에스코어 드림 4 Regular" panose="020B0503030302020204" pitchFamily="34" charset="-127"/>
+              </a:rPr>
+              <a:t>대표성</a:t>
+            </a:r>
+            <a:r>
+              <a:rPr lang="en-US" altLang="ko-KR" dirty="0">
+                <a:latin typeface="에스코어 드림 4 Regular" panose="020B0503030302020204" pitchFamily="34" charset="-127"/>
+                <a:ea typeface="에스코어 드림 4 Regular" panose="020B0503030302020204" pitchFamily="34" charset="-127"/>
+              </a:rPr>
+              <a:t>, </a:t>
+            </a:r>
+            <a:r>
+              <a:rPr lang="ko-KR" altLang="en-US" dirty="0">
+                <a:latin typeface="에스코어 드림 4 Regular" panose="020B0503030302020204" pitchFamily="34" charset="-127"/>
+                <a:ea typeface="에스코어 드림 4 Regular" panose="020B0503030302020204" pitchFamily="34" charset="-127"/>
+              </a:rPr>
+              <a:t>위험성</a:t>
+            </a:r>
+            <a:r>
+              <a:rPr lang="en-US" altLang="ko-KR" dirty="0">
+                <a:latin typeface="에스코어 드림 4 Regular" panose="020B0503030302020204" pitchFamily="34" charset="-127"/>
+                <a:ea typeface="에스코어 드림 4 Regular" panose="020B0503030302020204" pitchFamily="34" charset="-127"/>
+              </a:rPr>
+              <a:t>, </a:t>
+            </a:r>
+            <a:r>
+              <a:rPr lang="ko-KR" altLang="en-US" dirty="0">
+                <a:latin typeface="에스코어 드림 4 Regular" panose="020B0503030302020204" pitchFamily="34" charset="-127"/>
+                <a:ea typeface="에스코어 드림 4 Regular" panose="020B0503030302020204" pitchFamily="34" charset="-127"/>
+              </a:rPr>
+              <a:t>개성을 기준으로 타겟 지역 선정</a:t>
+            </a:r>
+            <a:endParaRPr lang="en-US" altLang="ko-KR" dirty="0">
+              <a:latin typeface="에스코어 드림 4 Regular" panose="020B0503030302020204" pitchFamily="34" charset="-127"/>
+              <a:ea typeface="에스코어 드림 4 Regular" panose="020B0503030302020204" pitchFamily="34" charset="-127"/>
+            </a:endParaRPr>
+          </a:p>
+          <a:p>
+            <a:r>
+              <a:rPr lang="en-US" altLang="ko-KR" dirty="0">
+                <a:latin typeface="에스코어 드림 4 Regular" panose="020B0503030302020204" pitchFamily="34" charset="-127"/>
+                <a:ea typeface="에스코어 드림 4 Regular" panose="020B0503030302020204" pitchFamily="34" charset="-127"/>
+              </a:rPr>
+              <a:t>	</a:t>
+            </a:r>
+            <a:r>
+              <a:rPr lang="ko-KR" altLang="en-US" dirty="0">
+                <a:latin typeface="에스코어 드림 4 Regular" panose="020B0503030302020204" pitchFamily="34" charset="-127"/>
+                <a:ea typeface="에스코어 드림 4 Regular" panose="020B0503030302020204" pitchFamily="34" charset="-127"/>
+              </a:rPr>
+              <a:t> 👉 이태원 지역 선정</a:t>
+            </a:r>
+            <a:r>
+              <a:rPr lang="en-US" altLang="ko-KR" dirty="0">
+                <a:latin typeface="에스코어 드림 4 Regular" panose="020B0503030302020204" pitchFamily="34" charset="-127"/>
+                <a:ea typeface="에스코어 드림 4 Regular" panose="020B0503030302020204" pitchFamily="34" charset="-127"/>
+              </a:rPr>
+              <a:t>(Gentrification)</a:t>
+            </a:r>
+          </a:p>
+          <a:p>
+            <a:pPr marL="285750" indent="-285750">
+              <a:buFont typeface="Wingdings" panose="05000000000000000000" pitchFamily="2" charset="2"/>
+              <a:buChar char="ü"/>
+            </a:pPr>
+            <a:r>
+              <a:rPr lang="ko-KR" altLang="en-US" dirty="0">
+                <a:latin typeface="에스코어 드림 4 Regular" panose="020B0503030302020204" pitchFamily="34" charset="-127"/>
+                <a:ea typeface="에스코어 드림 4 Regular" panose="020B0503030302020204" pitchFamily="34" charset="-127"/>
+              </a:rPr>
+              <a:t>매출 증감 분석 👉 </a:t>
+            </a:r>
+            <a:r>
+              <a:rPr lang="ko-KR" altLang="en-US" dirty="0" err="1">
+                <a:latin typeface="에스코어 드림 4 Regular" panose="020B0503030302020204" pitchFamily="34" charset="-127"/>
+                <a:ea typeface="에스코어 드림 4 Regular" panose="020B0503030302020204" pitchFamily="34" charset="-127"/>
+              </a:rPr>
+              <a:t>상권별</a:t>
+            </a:r>
+            <a:r>
+              <a:rPr lang="en-US" altLang="ko-KR" dirty="0">
+                <a:latin typeface="에스코어 드림 4 Regular" panose="020B0503030302020204" pitchFamily="34" charset="-127"/>
+                <a:ea typeface="에스코어 드림 4 Regular" panose="020B0503030302020204" pitchFamily="34" charset="-127"/>
+              </a:rPr>
+              <a:t>, </a:t>
+            </a:r>
+            <a:r>
+              <a:rPr lang="ko-KR" altLang="en-US" dirty="0">
+                <a:latin typeface="에스코어 드림 4 Regular" panose="020B0503030302020204" pitchFamily="34" charset="-127"/>
+                <a:ea typeface="에스코어 드림 4 Regular" panose="020B0503030302020204" pitchFamily="34" charset="-127"/>
+              </a:rPr>
+              <a:t>업종별로 </a:t>
+            </a:r>
+            <a:endParaRPr lang="en-US" altLang="ko-KR" dirty="0">
+              <a:latin typeface="에스코어 드림 4 Regular" panose="020B0503030302020204" pitchFamily="34" charset="-127"/>
+              <a:ea typeface="에스코어 드림 4 Regular" panose="020B0503030302020204" pitchFamily="34" charset="-127"/>
+            </a:endParaRPr>
+          </a:p>
+          <a:p>
+            <a:pPr marL="285750" indent="-285750">
+              <a:buFont typeface="Wingdings" panose="05000000000000000000" pitchFamily="2" charset="2"/>
+              <a:buChar char="ü"/>
+            </a:pPr>
+            <a:r>
+              <a:rPr lang="ko-KR" altLang="en-US" dirty="0">
+                <a:latin typeface="에스코어 드림 4 Regular" panose="020B0503030302020204" pitchFamily="34" charset="-127"/>
+                <a:ea typeface="에스코어 드림 4 Regular" panose="020B0503030302020204" pitchFamily="34" charset="-127"/>
+              </a:rPr>
+              <a:t>업종</a:t>
+            </a:r>
+            <a:r>
+              <a:rPr lang="en-US" altLang="ko-KR" dirty="0">
+                <a:latin typeface="에스코어 드림 4 Regular" panose="020B0503030302020204" pitchFamily="34" charset="-127"/>
+                <a:ea typeface="에스코어 드림 4 Regular" panose="020B0503030302020204" pitchFamily="34" charset="-127"/>
+              </a:rPr>
+              <a:t>,</a:t>
+            </a:r>
+            <a:r>
+              <a:rPr lang="ko-KR" altLang="en-US" dirty="0">
+                <a:latin typeface="에스코어 드림 4 Regular" panose="020B0503030302020204" pitchFamily="34" charset="-127"/>
+                <a:ea typeface="에스코어 드림 4 Regular" panose="020B0503030302020204" pitchFamily="34" charset="-127"/>
+              </a:rPr>
+              <a:t>상권 군집분석 👉 </a:t>
+            </a:r>
+            <a:r>
+              <a:rPr lang="en-US" altLang="ko-KR" dirty="0">
+                <a:latin typeface="에스코어 드림 4 Regular" panose="020B0503030302020204" pitchFamily="34" charset="-127"/>
+                <a:ea typeface="에스코어 드림 4 Regular" panose="020B0503030302020204" pitchFamily="34" charset="-127"/>
+              </a:rPr>
+              <a:t>K-means </a:t>
+            </a:r>
+            <a:r>
+              <a:rPr lang="ko-KR" altLang="en-US" dirty="0">
+                <a:latin typeface="에스코어 드림 4 Regular" panose="020B0503030302020204" pitchFamily="34" charset="-127"/>
+                <a:ea typeface="에스코어 드림 4 Regular" panose="020B0503030302020204" pitchFamily="34" charset="-127"/>
+              </a:rPr>
+              <a:t>적용</a:t>
+            </a:r>
+            <a:endParaRPr lang="en-US" altLang="ko-KR" dirty="0">
+              <a:latin typeface="에스코어 드림 4 Regular" panose="020B0503030302020204" pitchFamily="34" charset="-127"/>
+              <a:ea typeface="에스코어 드림 4 Regular" panose="020B0503030302020204" pitchFamily="34" charset="-127"/>
+            </a:endParaRPr>
+          </a:p>
+        </p:txBody>
+      </p:sp>
+    </p:spTree>
+    <p:extLst>
+      <p:ext uri="{BB962C8B-B14F-4D97-AF65-F5344CB8AC3E}">
+        <p14:creationId xmlns:p14="http://schemas.microsoft.com/office/powerpoint/2010/main" val="3167792468"/>
+      </p:ext>
+    </p:extLst>
+  </p:cSld>
+  <p:clrMapOvr>
+    <a:masterClrMapping/>
+  </p:clrMapOvr>
+</p:sld>
+</file>
+
+<file path=ppt/slides/slide11.xml><?xml version="1.0" encoding="utf-8"?>
+<p:sld xmlns:a="http://schemas.openxmlformats.org/drawingml/2006/main" xmlns:r="http://schemas.openxmlformats.org/officeDocument/2006/relationships" xmlns:p="http://schemas.openxmlformats.org/presentationml/2006/main">
+  <p:cSld>
+    <p:spTree>
+      <p:nvGrpSpPr>
+        <p:cNvPr id="1" name=""/>
+        <p:cNvGrpSpPr/>
+        <p:nvPr/>
+      </p:nvGrpSpPr>
+      <p:grpSpPr>
+        <a:xfrm>
+          <a:off x="0" y="0"/>
+          <a:ext cx="0" cy="0"/>
+          <a:chOff x="0" y="0"/>
+          <a:chExt cx="0" cy="0"/>
+        </a:xfrm>
+      </p:grpSpPr>
+      <p:sp>
+        <p:nvSpPr>
+          <p:cNvPr id="27" name="TextBox 26"/>
+          <p:cNvSpPr txBox="1"/>
+          <p:nvPr/>
+        </p:nvSpPr>
+        <p:spPr>
+          <a:xfrm>
+            <a:off x="1172022" y="451481"/>
+            <a:ext cx="2296845" cy="707886"/>
+          </a:xfrm>
+          <a:prstGeom prst="rect">
+            <a:avLst/>
+          </a:prstGeom>
+          <a:noFill/>
+        </p:spPr>
+        <p:txBody>
+          <a:bodyPr wrap="square" rtlCol="0">
+            <a:spAutoFit/>
+          </a:bodyPr>
+          <a:lstStyle/>
+          <a:p>
+            <a:r>
+              <a:rPr lang="en-US" altLang="ko-KR" sz="4000" dirty="0">
+                <a:solidFill>
+                  <a:srgbClr val="1D1D1D"/>
+                </a:solidFill>
+                <a:latin typeface="에스코어 드림 6 Bold" panose="020B0703030302020204" pitchFamily="34" charset="-127"/>
+                <a:ea typeface="에스코어 드림 6 Bold" panose="020B0703030302020204" pitchFamily="34" charset="-127"/>
+              </a:rPr>
+              <a:t>Projects</a:t>
+            </a:r>
+            <a:endParaRPr lang="ko-KR" altLang="en-US" sz="4000" dirty="0">
+              <a:solidFill>
+                <a:srgbClr val="1D1D1D"/>
+              </a:solidFill>
+              <a:latin typeface="에스코어 드림 6 Bold" panose="020B0703030302020204" pitchFamily="34" charset="-127"/>
+              <a:ea typeface="에스코어 드림 6 Bold" panose="020B0703030302020204" pitchFamily="34" charset="-127"/>
+            </a:endParaRPr>
+          </a:p>
+        </p:txBody>
+      </p:sp>
+      <p:sp>
+        <p:nvSpPr>
+          <p:cNvPr id="28" name="TextBox 27"/>
+          <p:cNvSpPr txBox="1"/>
+          <p:nvPr/>
+        </p:nvSpPr>
+        <p:spPr>
+          <a:xfrm>
+            <a:off x="454470" y="2230148"/>
+            <a:ext cx="5234125" cy="1200329"/>
+          </a:xfrm>
+          <a:prstGeom prst="rect">
+            <a:avLst/>
+          </a:prstGeom>
+          <a:noFill/>
+        </p:spPr>
+        <p:txBody>
+          <a:bodyPr wrap="none" rtlCol="0">
+            <a:spAutoFit/>
+          </a:bodyPr>
+          <a:lstStyle/>
+          <a:p>
+            <a:r>
+              <a:rPr lang="en-US" altLang="ko-KR" u="sng" dirty="0">
+                <a:latin typeface="에스코어 드림 4 Regular" panose="020B0503030302020204" pitchFamily="34" charset="-127"/>
+                <a:ea typeface="에스코어 드림 4 Regular" panose="020B0503030302020204" pitchFamily="34" charset="-127"/>
+              </a:rPr>
+              <a:t>Issue 1 : </a:t>
+            </a:r>
+            <a:r>
+              <a:rPr lang="ko-KR" altLang="en-US" u="sng" dirty="0" err="1">
+                <a:latin typeface="에스코어 드림 4 Regular" panose="020B0503030302020204" pitchFamily="34" charset="-127"/>
+                <a:ea typeface="에스코어 드림 4 Regular" panose="020B0503030302020204" pitchFamily="34" charset="-127"/>
+              </a:rPr>
+              <a:t>폐업률</a:t>
+            </a:r>
+            <a:r>
+              <a:rPr lang="ko-KR" altLang="en-US" u="sng" dirty="0">
+                <a:latin typeface="에스코어 드림 4 Regular" panose="020B0503030302020204" pitchFamily="34" charset="-127"/>
+                <a:ea typeface="에스코어 드림 4 Regular" panose="020B0503030302020204" pitchFamily="34" charset="-127"/>
+              </a:rPr>
+              <a:t> </a:t>
+            </a:r>
+            <a:endParaRPr lang="en-US" altLang="ko-KR" u="sng" dirty="0">
+              <a:latin typeface="에스코어 드림 4 Regular" panose="020B0503030302020204" pitchFamily="34" charset="-127"/>
+              <a:ea typeface="에스코어 드림 4 Regular" panose="020B0503030302020204" pitchFamily="34" charset="-127"/>
+            </a:endParaRPr>
+          </a:p>
+          <a:p>
+            <a:pPr marL="285750" indent="-285750">
+              <a:buFont typeface="Wingdings" panose="05000000000000000000" pitchFamily="2" charset="2"/>
+              <a:buChar char="ü"/>
+            </a:pPr>
+            <a:endParaRPr lang="en-US" altLang="ko-KR" dirty="0">
+              <a:latin typeface="에스코어 드림 4 Regular" panose="020B0503030302020204" pitchFamily="34" charset="-127"/>
+              <a:ea typeface="에스코어 드림 4 Regular" panose="020B0503030302020204" pitchFamily="34" charset="-127"/>
+            </a:endParaRPr>
+          </a:p>
+          <a:p>
+            <a:pPr marL="285750" indent="-285750">
+              <a:buFont typeface="Wingdings" panose="05000000000000000000" pitchFamily="2" charset="2"/>
+              <a:buChar char="ü"/>
+            </a:pPr>
+            <a:r>
+              <a:rPr lang="ko-KR" altLang="en-US" dirty="0">
+                <a:latin typeface="에스코어 드림 4 Regular" panose="020B0503030302020204" pitchFamily="34" charset="-127"/>
+                <a:ea typeface="에스코어 드림 4 Regular" panose="020B0503030302020204" pitchFamily="34" charset="-127"/>
+              </a:rPr>
+              <a:t>코로나 이후 </a:t>
+            </a:r>
+            <a:r>
+              <a:rPr lang="ko-KR" altLang="en-US" dirty="0" err="1">
+                <a:latin typeface="에스코어 드림 4 Regular" panose="020B0503030302020204" pitchFamily="34" charset="-127"/>
+                <a:ea typeface="에스코어 드림 4 Regular" panose="020B0503030302020204" pitchFamily="34" charset="-127"/>
+              </a:rPr>
+              <a:t>폐업률이</a:t>
+            </a:r>
+            <a:r>
+              <a:rPr lang="ko-KR" altLang="en-US" dirty="0">
+                <a:latin typeface="에스코어 드림 4 Regular" panose="020B0503030302020204" pitchFamily="34" charset="-127"/>
+                <a:ea typeface="에스코어 드림 4 Regular" panose="020B0503030302020204" pitchFamily="34" charset="-127"/>
+              </a:rPr>
+              <a:t> 지속적으로 증가하지 않음</a:t>
+            </a:r>
+            <a:endParaRPr lang="en-US" altLang="ko-KR" dirty="0">
+              <a:latin typeface="에스코어 드림 4 Regular" panose="020B0503030302020204" pitchFamily="34" charset="-127"/>
+              <a:ea typeface="에스코어 드림 4 Regular" panose="020B0503030302020204" pitchFamily="34" charset="-127"/>
+            </a:endParaRPr>
+          </a:p>
+          <a:p>
+            <a:pPr marL="285750" indent="-285750">
+              <a:buFont typeface="Wingdings" panose="05000000000000000000" pitchFamily="2" charset="2"/>
+              <a:buChar char="ü"/>
+            </a:pPr>
+            <a:r>
+              <a:rPr lang="ko-KR" altLang="en-US" dirty="0" err="1">
+                <a:latin typeface="에스코어 드림 4 Regular" panose="020B0503030302020204" pitchFamily="34" charset="-127"/>
+                <a:ea typeface="에스코어 드림 4 Regular" panose="020B0503030302020204" pitchFamily="34" charset="-127"/>
+              </a:rPr>
+              <a:t>폐업률이</a:t>
+            </a:r>
+            <a:r>
+              <a:rPr lang="ko-KR" altLang="en-US" dirty="0">
+                <a:latin typeface="에스코어 드림 4 Regular" panose="020B0503030302020204" pitchFamily="34" charset="-127"/>
+                <a:ea typeface="에스코어 드림 4 Regular" panose="020B0503030302020204" pitchFamily="34" charset="-127"/>
+              </a:rPr>
+              <a:t> 증가했을 것이란 최초 가설 성립 ❌</a:t>
+            </a:r>
+            <a:endParaRPr lang="en-US" altLang="ko-KR" dirty="0">
+              <a:latin typeface="에스코어 드림 4 Regular" panose="020B0503030302020204" pitchFamily="34" charset="-127"/>
+              <a:ea typeface="에스코어 드림 4 Regular" panose="020B0503030302020204" pitchFamily="34" charset="-127"/>
+            </a:endParaRPr>
+          </a:p>
+        </p:txBody>
+      </p:sp>
+      <p:sp>
+        <p:nvSpPr>
+          <p:cNvPr id="30" name="TextBox 29"/>
+          <p:cNvSpPr txBox="1"/>
+          <p:nvPr/>
+        </p:nvSpPr>
+        <p:spPr>
+          <a:xfrm>
+            <a:off x="195473" y="311719"/>
+            <a:ext cx="976549" cy="923330"/>
+          </a:xfrm>
+          <a:prstGeom prst="rect">
+            <a:avLst/>
+          </a:prstGeom>
+          <a:noFill/>
+        </p:spPr>
+        <p:txBody>
+          <a:bodyPr wrap="none" rtlCol="0">
+            <a:spAutoFit/>
+          </a:bodyPr>
+          <a:lstStyle/>
+          <a:p>
+            <a:r>
+              <a:rPr lang="en-US" altLang="ko-KR" sz="5400" spc="-300" dirty="0">
+                <a:solidFill>
+                  <a:srgbClr val="1D1D1D"/>
+                </a:solidFill>
+                <a:latin typeface="에스코어 드림 7 ExtraBold" panose="020B0803030302020204" pitchFamily="34" charset="-127"/>
+                <a:ea typeface="에스코어 드림 7 ExtraBold" panose="020B0803030302020204" pitchFamily="34" charset="-127"/>
+              </a:rPr>
+              <a:t>03</a:t>
+            </a:r>
+            <a:endParaRPr lang="ko-KR" altLang="en-US" sz="5400" spc="-300" dirty="0">
+              <a:solidFill>
+                <a:srgbClr val="1D1D1D"/>
+              </a:solidFill>
+              <a:latin typeface="에스코어 드림 7 ExtraBold" panose="020B0803030302020204" pitchFamily="34" charset="-127"/>
+              <a:ea typeface="에스코어 드림 7 ExtraBold" panose="020B0803030302020204" pitchFamily="34" charset="-127"/>
+            </a:endParaRPr>
+          </a:p>
+        </p:txBody>
+      </p:sp>
+      <p:sp>
+        <p:nvSpPr>
+          <p:cNvPr id="3" name="직사각형 2"/>
+          <p:cNvSpPr/>
+          <p:nvPr/>
+        </p:nvSpPr>
+        <p:spPr>
+          <a:xfrm>
+            <a:off x="363362" y="1327678"/>
+            <a:ext cx="9526967" cy="461665"/>
+          </a:xfrm>
+          <a:prstGeom prst="rect">
+            <a:avLst/>
+          </a:prstGeom>
+        </p:spPr>
+        <p:txBody>
+          <a:bodyPr wrap="none">
+            <a:spAutoFit/>
+          </a:bodyPr>
+          <a:lstStyle/>
+          <a:p>
+            <a:r>
+              <a:rPr lang="en-US" altLang="ko-KR" sz="2400" dirty="0">
+                <a:latin typeface="에스코어 드림 6 Bold" panose="020B0703030302020204" pitchFamily="34" charset="-127"/>
+                <a:ea typeface="에스코어 드림 6 Bold" panose="020B0703030302020204" pitchFamily="34" charset="-127"/>
+              </a:rPr>
+              <a:t>2020 </a:t>
+            </a:r>
+            <a:r>
+              <a:rPr lang="ko-KR" altLang="en-US" sz="2400" dirty="0">
+                <a:latin typeface="에스코어 드림 6 Bold" panose="020B0703030302020204" pitchFamily="34" charset="-127"/>
+                <a:ea typeface="에스코어 드림 6 Bold" panose="020B0703030302020204" pitchFamily="34" charset="-127"/>
+              </a:rPr>
+              <a:t>코로나 확산으로 인한 경제적 손실 분석 </a:t>
+            </a:r>
+            <a:r>
+              <a:rPr lang="en-US" altLang="ko-KR" sz="2400" dirty="0">
+                <a:latin typeface="에스코어 드림 6 Bold" panose="020B0703030302020204" pitchFamily="34" charset="-127"/>
+                <a:ea typeface="에스코어 드림 6 Bold" panose="020B0703030302020204" pitchFamily="34" charset="-127"/>
+              </a:rPr>
+              <a:t>: </a:t>
+            </a:r>
+            <a:r>
+              <a:rPr lang="ko-KR" altLang="en-US" sz="2400" dirty="0">
+                <a:latin typeface="에스코어 드림 6 Bold" panose="020B0703030302020204" pitchFamily="34" charset="-127"/>
+                <a:ea typeface="에스코어 드림 6 Bold" panose="020B0703030302020204" pitchFamily="34" charset="-127"/>
+              </a:rPr>
+              <a:t>이태원 상권을 중심으로</a:t>
+            </a:r>
+            <a:endParaRPr lang="en-US" altLang="ko-KR" sz="2400" dirty="0">
+              <a:latin typeface="에스코어 드림 6 Bold" panose="020B0703030302020204" pitchFamily="34" charset="-127"/>
+              <a:ea typeface="에스코어 드림 6 Bold" panose="020B0703030302020204" pitchFamily="34" charset="-127"/>
+            </a:endParaRPr>
+          </a:p>
+        </p:txBody>
+      </p:sp>
+      <p:pic>
+        <p:nvPicPr>
+          <p:cNvPr id="10" name="그림 9">
+            <a:extLst>
+              <a:ext uri="{FF2B5EF4-FFF2-40B4-BE49-F238E27FC236}">
+                <a16:creationId xmlns:a16="http://schemas.microsoft.com/office/drawing/2014/main" id="{FFE6C8EA-A6E8-4B53-A1CB-691D5E8E1B3B}"/>
+              </a:ext>
+            </a:extLst>
+          </p:cNvPr>
+          <p:cNvPicPr>
+            <a:picLocks noChangeAspect="1"/>
+          </p:cNvPicPr>
+          <p:nvPr/>
+        </p:nvPicPr>
+        <p:blipFill>
+          <a:blip r:embed="rId2" cstate="print">
+            <a:extLst>
+              <a:ext uri="{28A0092B-C50C-407E-A947-70E740481C1C}">
+                <a14:useLocalDpi xmlns:a14="http://schemas.microsoft.com/office/drawing/2010/main" val="0"/>
+              </a:ext>
+            </a:extLst>
+          </a:blip>
+          <a:stretch>
+            <a:fillRect/>
+          </a:stretch>
+        </p:blipFill>
+        <p:spPr>
+          <a:xfrm>
+            <a:off x="652754" y="4000012"/>
+            <a:ext cx="2141247" cy="1530310"/>
+          </a:xfrm>
+          <a:prstGeom prst="rect">
+            <a:avLst/>
+          </a:prstGeom>
+          <a:solidFill>
+            <a:srgbClr val="FFFFFF">
+              <a:shade val="85000"/>
+            </a:srgbClr>
+          </a:solidFill>
+          <a:ln w="88900" cap="sq">
+            <a:solidFill>
+              <a:srgbClr val="FFFFFF"/>
+            </a:solidFill>
+            <a:miter lim="800000"/>
+          </a:ln>
+          <a:effectLst>
+            <a:outerShdw blurRad="55000" dist="18000" dir="5400000" algn="tl" rotWithShape="0">
+              <a:srgbClr val="000000">
+                <a:alpha val="40000"/>
+              </a:srgbClr>
+            </a:outerShdw>
+          </a:effectLst>
+          <a:scene3d>
+            <a:camera prst="orthographicFront"/>
+            <a:lightRig rig="twoPt" dir="t">
+              <a:rot lat="0" lon="0" rev="7200000"/>
+            </a:lightRig>
+          </a:scene3d>
+          <a:sp3d>
+            <a:bevelT w="25400" h="19050"/>
+            <a:contourClr>
+              <a:srgbClr val="FFFFFF"/>
+            </a:contourClr>
+          </a:sp3d>
+        </p:spPr>
+      </p:pic>
+      <p:pic>
+        <p:nvPicPr>
+          <p:cNvPr id="11" name="그림 10">
+            <a:extLst>
+              <a:ext uri="{FF2B5EF4-FFF2-40B4-BE49-F238E27FC236}">
+                <a16:creationId xmlns:a16="http://schemas.microsoft.com/office/drawing/2014/main" id="{9958A9D7-CBA0-43CD-A07A-A9C095368F28}"/>
+              </a:ext>
+            </a:extLst>
+          </p:cNvPr>
+          <p:cNvPicPr>
+            <a:picLocks noChangeAspect="1"/>
+          </p:cNvPicPr>
+          <p:nvPr/>
+        </p:nvPicPr>
+        <p:blipFill>
+          <a:blip r:embed="rId3" cstate="print">
+            <a:extLst>
+              <a:ext uri="{28A0092B-C50C-407E-A947-70E740481C1C}">
+                <a14:useLocalDpi xmlns:a14="http://schemas.microsoft.com/office/drawing/2010/main" val="0"/>
+              </a:ext>
+            </a:extLst>
+          </a:blip>
+          <a:stretch>
+            <a:fillRect/>
+          </a:stretch>
+        </p:blipFill>
+        <p:spPr>
+          <a:xfrm>
+            <a:off x="3111379" y="4000012"/>
+            <a:ext cx="2259837" cy="1530310"/>
+          </a:xfrm>
+          <a:prstGeom prst="rect">
+            <a:avLst/>
+          </a:prstGeom>
+          <a:solidFill>
+            <a:srgbClr val="FFFFFF">
+              <a:shade val="85000"/>
+            </a:srgbClr>
+          </a:solidFill>
+          <a:ln w="88900" cap="sq">
+            <a:solidFill>
+              <a:srgbClr val="FFFFFF"/>
+            </a:solidFill>
+            <a:miter lim="800000"/>
+          </a:ln>
+          <a:effectLst>
+            <a:outerShdw blurRad="55000" dist="18000" dir="5400000" algn="tl" rotWithShape="0">
+              <a:srgbClr val="000000">
+                <a:alpha val="40000"/>
+              </a:srgbClr>
+            </a:outerShdw>
+          </a:effectLst>
+          <a:scene3d>
+            <a:camera prst="orthographicFront"/>
+            <a:lightRig rig="twoPt" dir="t">
+              <a:rot lat="0" lon="0" rev="7200000"/>
+            </a:lightRig>
+          </a:scene3d>
+          <a:sp3d>
+            <a:bevelT w="25400" h="19050"/>
+            <a:contourClr>
+              <a:srgbClr val="FFFFFF"/>
+            </a:contourClr>
+          </a:sp3d>
+        </p:spPr>
+      </p:pic>
+      <p:pic>
+        <p:nvPicPr>
+          <p:cNvPr id="13" name="그래픽 12" descr="오른쪽을 가리키는 검지">
+            <a:extLst>
+              <a:ext uri="{FF2B5EF4-FFF2-40B4-BE49-F238E27FC236}">
+                <a16:creationId xmlns:a16="http://schemas.microsoft.com/office/drawing/2014/main" id="{4AA4F7AE-AAC5-4611-AFA5-44BC4B133BB4}"/>
+              </a:ext>
+            </a:extLst>
+          </p:cNvPr>
+          <p:cNvPicPr>
+            <a:picLocks noChangeAspect="1"/>
+          </p:cNvPicPr>
+          <p:nvPr/>
+        </p:nvPicPr>
+        <p:blipFill>
+          <a:blip r:embed="rId4">
+            <a:extLst>
+              <a:ext uri="{28A0092B-C50C-407E-A947-70E740481C1C}">
+                <a14:useLocalDpi xmlns:a14="http://schemas.microsoft.com/office/drawing/2010/main" val="0"/>
+              </a:ext>
+              <a:ext uri="{96DAC541-7B7A-43D3-8B79-37D633B846F1}">
+                <asvg:svgBlip xmlns:asvg="http://schemas.microsoft.com/office/drawing/2016/SVG/main" r:embed="rId5"/>
+              </a:ext>
+            </a:extLst>
+          </a:blip>
+          <a:stretch>
+            <a:fillRect/>
+          </a:stretch>
+        </p:blipFill>
+        <p:spPr>
+          <a:xfrm>
+            <a:off x="5828766" y="3422428"/>
+            <a:ext cx="938138" cy="938138"/>
+          </a:xfrm>
+          <a:prstGeom prst="rect">
+            <a:avLst/>
+          </a:prstGeom>
+        </p:spPr>
+      </p:pic>
+      <p:sp>
+        <p:nvSpPr>
+          <p:cNvPr id="15" name="TextBox 14">
+            <a:extLst>
+              <a:ext uri="{FF2B5EF4-FFF2-40B4-BE49-F238E27FC236}">
+                <a16:creationId xmlns:a16="http://schemas.microsoft.com/office/drawing/2014/main" id="{99FA889D-B5C2-405E-B1D4-2E0817FDB669}"/>
+              </a:ext>
+            </a:extLst>
+          </p:cNvPr>
+          <p:cNvSpPr txBox="1"/>
+          <p:nvPr/>
+        </p:nvSpPr>
+        <p:spPr>
+          <a:xfrm>
+            <a:off x="6907075" y="2228671"/>
+            <a:ext cx="4708340" cy="1200329"/>
+          </a:xfrm>
+          <a:prstGeom prst="rect">
+            <a:avLst/>
+          </a:prstGeom>
+          <a:noFill/>
+        </p:spPr>
+        <p:txBody>
+          <a:bodyPr wrap="none" rtlCol="0">
+            <a:spAutoFit/>
+          </a:bodyPr>
+          <a:lstStyle/>
+          <a:p>
+            <a:r>
+              <a:rPr lang="en-US" altLang="ko-KR" u="sng" dirty="0">
+                <a:latin typeface="에스코어 드림 4 Regular" panose="020B0503030302020204" pitchFamily="34" charset="-127"/>
+                <a:ea typeface="에스코어 드림 4 Regular" panose="020B0503030302020204" pitchFamily="34" charset="-127"/>
+              </a:rPr>
+              <a:t>Solution 1 : </a:t>
+            </a:r>
+            <a:r>
+              <a:rPr lang="ko-KR" altLang="en-US" u="sng" dirty="0" err="1">
+                <a:latin typeface="에스코어 드림 4 Regular" panose="020B0503030302020204" pitchFamily="34" charset="-127"/>
+                <a:ea typeface="에스코어 드림 4 Regular" panose="020B0503030302020204" pitchFamily="34" charset="-127"/>
+              </a:rPr>
+              <a:t>매출증감액</a:t>
+            </a:r>
+            <a:r>
+              <a:rPr lang="ko-KR" altLang="en-US" u="sng" dirty="0">
+                <a:latin typeface="에스코어 드림 4 Regular" panose="020B0503030302020204" pitchFamily="34" charset="-127"/>
+                <a:ea typeface="에스코어 드림 4 Regular" panose="020B0503030302020204" pitchFamily="34" charset="-127"/>
+              </a:rPr>
+              <a:t> 및 증감률 분석 </a:t>
+            </a:r>
+            <a:endParaRPr lang="en-US" altLang="ko-KR" u="sng" dirty="0">
+              <a:latin typeface="에스코어 드림 4 Regular" panose="020B0503030302020204" pitchFamily="34" charset="-127"/>
+              <a:ea typeface="에스코어 드림 4 Regular" panose="020B0503030302020204" pitchFamily="34" charset="-127"/>
+            </a:endParaRPr>
+          </a:p>
+          <a:p>
+            <a:pPr marL="285750" indent="-285750">
+              <a:buFont typeface="Wingdings" panose="05000000000000000000" pitchFamily="2" charset="2"/>
+              <a:buChar char="ü"/>
+            </a:pPr>
+            <a:endParaRPr lang="en-US" altLang="ko-KR" dirty="0">
+              <a:latin typeface="에스코어 드림 4 Regular" panose="020B0503030302020204" pitchFamily="34" charset="-127"/>
+              <a:ea typeface="에스코어 드림 4 Regular" panose="020B0503030302020204" pitchFamily="34" charset="-127"/>
+            </a:endParaRPr>
+          </a:p>
+          <a:p>
+            <a:pPr marL="285750" indent="-285750">
+              <a:buFont typeface="Wingdings" panose="05000000000000000000" pitchFamily="2" charset="2"/>
+              <a:buChar char="ü"/>
+            </a:pPr>
+            <a:r>
+              <a:rPr lang="ko-KR" altLang="en-US" dirty="0">
+                <a:latin typeface="에스코어 드림 4 Regular" panose="020B0503030302020204" pitchFamily="34" charset="-127"/>
+                <a:ea typeface="에스코어 드림 4 Regular" panose="020B0503030302020204" pitchFamily="34" charset="-127"/>
+              </a:rPr>
+              <a:t>예상과 달리</a:t>
+            </a:r>
+            <a:r>
+              <a:rPr lang="en-US" altLang="ko-KR" dirty="0">
+                <a:latin typeface="에스코어 드림 4 Regular" panose="020B0503030302020204" pitchFamily="34" charset="-127"/>
+                <a:ea typeface="에스코어 드림 4 Regular" panose="020B0503030302020204" pitchFamily="34" charset="-127"/>
+              </a:rPr>
+              <a:t>, </a:t>
+            </a:r>
+            <a:r>
+              <a:rPr lang="ko-KR" altLang="en-US" dirty="0">
+                <a:latin typeface="에스코어 드림 4 Regular" panose="020B0503030302020204" pitchFamily="34" charset="-127"/>
+                <a:ea typeface="에스코어 드림 4 Regular" panose="020B0503030302020204" pitchFamily="34" charset="-127"/>
+              </a:rPr>
+              <a:t>일부 업종의 매출액 증가 확인</a:t>
+            </a:r>
+            <a:endParaRPr lang="en-US" altLang="ko-KR" dirty="0">
+              <a:latin typeface="에스코어 드림 4 Regular" panose="020B0503030302020204" pitchFamily="34" charset="-127"/>
+              <a:ea typeface="에스코어 드림 4 Regular" panose="020B0503030302020204" pitchFamily="34" charset="-127"/>
+            </a:endParaRPr>
+          </a:p>
+          <a:p>
+            <a:pPr marL="285750" indent="-285750">
+              <a:buFont typeface="Wingdings" panose="05000000000000000000" pitchFamily="2" charset="2"/>
+              <a:buChar char="ü"/>
+            </a:pPr>
+            <a:r>
+              <a:rPr lang="ko-KR" altLang="en-US" dirty="0">
+                <a:latin typeface="에스코어 드림 4 Regular" panose="020B0503030302020204" pitchFamily="34" charset="-127"/>
+                <a:ea typeface="에스코어 드림 4 Regular" panose="020B0503030302020204" pitchFamily="34" charset="-127"/>
+              </a:rPr>
+              <a:t>업종별 특성 구분의 필요성 도출</a:t>
+            </a:r>
+            <a:endParaRPr lang="en-US" altLang="ko-KR" dirty="0">
+              <a:latin typeface="에스코어 드림 4 Regular" panose="020B0503030302020204" pitchFamily="34" charset="-127"/>
+              <a:ea typeface="에스코어 드림 4 Regular" panose="020B0503030302020204" pitchFamily="34" charset="-127"/>
+            </a:endParaRPr>
+          </a:p>
+        </p:txBody>
+      </p:sp>
+      <p:pic>
+        <p:nvPicPr>
+          <p:cNvPr id="18" name="Object 29">
+            <a:extLst>
+              <a:ext uri="{FF2B5EF4-FFF2-40B4-BE49-F238E27FC236}">
+                <a16:creationId xmlns:a16="http://schemas.microsoft.com/office/drawing/2014/main" id="{3342439A-D9E5-4C13-B12E-8397AA6C00EC}"/>
+              </a:ext>
+            </a:extLst>
+          </p:cNvPr>
+          <p:cNvPicPr>
+            <a:picLocks noChangeAspect="1"/>
+          </p:cNvPicPr>
+          <p:nvPr/>
+        </p:nvPicPr>
+        <p:blipFill>
+          <a:blip r:embed="rId6" cstate="print"/>
+          <a:stretch>
+            <a:fillRect/>
+          </a:stretch>
+        </p:blipFill>
+        <p:spPr>
+          <a:xfrm>
+            <a:off x="6934888" y="3980026"/>
+            <a:ext cx="2242622" cy="1530309"/>
+          </a:xfrm>
+          <a:prstGeom prst="rect">
+            <a:avLst/>
+          </a:prstGeom>
+          <a:solidFill>
+            <a:srgbClr val="FFFFFF">
+              <a:shade val="85000"/>
+            </a:srgbClr>
+          </a:solidFill>
+          <a:ln w="88900" cap="sq">
+            <a:solidFill>
+              <a:srgbClr val="FFFFFF"/>
+            </a:solidFill>
+            <a:miter lim="800000"/>
+          </a:ln>
+          <a:effectLst>
+            <a:outerShdw blurRad="55000" dist="18000" dir="5400000" algn="tl" rotWithShape="0">
+              <a:srgbClr val="000000">
+                <a:alpha val="40000"/>
+              </a:srgbClr>
+            </a:outerShdw>
+          </a:effectLst>
+          <a:scene3d>
+            <a:camera prst="orthographicFront"/>
+            <a:lightRig rig="twoPt" dir="t">
+              <a:rot lat="0" lon="0" rev="7200000"/>
+            </a:lightRig>
+          </a:scene3d>
+          <a:sp3d>
+            <a:bevelT w="25400" h="19050"/>
+            <a:contourClr>
+              <a:srgbClr val="FFFFFF"/>
+            </a:contourClr>
+          </a:sp3d>
+        </p:spPr>
+      </p:pic>
+      <p:pic>
+        <p:nvPicPr>
+          <p:cNvPr id="19" name="Object 33">
+            <a:extLst>
+              <a:ext uri="{FF2B5EF4-FFF2-40B4-BE49-F238E27FC236}">
+                <a16:creationId xmlns:a16="http://schemas.microsoft.com/office/drawing/2014/main" id="{D75E78A4-6E6B-4FEF-8642-B42583DFA706}"/>
+              </a:ext>
+            </a:extLst>
+          </p:cNvPr>
+          <p:cNvPicPr>
+            <a:picLocks noChangeAspect="1"/>
+          </p:cNvPicPr>
+          <p:nvPr/>
+        </p:nvPicPr>
+        <p:blipFill>
+          <a:blip r:embed="rId7" cstate="print"/>
+          <a:stretch>
+            <a:fillRect/>
+          </a:stretch>
+        </p:blipFill>
+        <p:spPr>
+          <a:xfrm>
+            <a:off x="9421722" y="3965425"/>
+            <a:ext cx="2362872" cy="1552197"/>
+          </a:xfrm>
+          <a:prstGeom prst="rect">
+            <a:avLst/>
+          </a:prstGeom>
+          <a:solidFill>
+            <a:srgbClr val="FFFFFF">
+              <a:shade val="85000"/>
+            </a:srgbClr>
+          </a:solidFill>
+          <a:ln w="88900" cap="sq">
+            <a:solidFill>
+              <a:srgbClr val="FFFFFF"/>
+            </a:solidFill>
+            <a:miter lim="800000"/>
+          </a:ln>
+          <a:effectLst>
+            <a:outerShdw blurRad="55000" dist="18000" dir="5400000" algn="tl" rotWithShape="0">
+              <a:srgbClr val="000000">
+                <a:alpha val="40000"/>
+              </a:srgbClr>
+            </a:outerShdw>
+          </a:effectLst>
+          <a:scene3d>
+            <a:camera prst="orthographicFront"/>
+            <a:lightRig rig="twoPt" dir="t">
+              <a:rot lat="0" lon="0" rev="7200000"/>
+            </a:lightRig>
+          </a:scene3d>
+          <a:sp3d>
+            <a:bevelT w="25400" h="19050"/>
+            <a:contourClr>
+              <a:srgbClr val="FFFFFF"/>
+            </a:contourClr>
+          </a:sp3d>
+        </p:spPr>
+      </p:pic>
+    </p:spTree>
+    <p:extLst>
+      <p:ext uri="{BB962C8B-B14F-4D97-AF65-F5344CB8AC3E}">
+        <p14:creationId xmlns:p14="http://schemas.microsoft.com/office/powerpoint/2010/main" val="2084079891"/>
+      </p:ext>
+    </p:extLst>
+  </p:cSld>
+  <p:clrMapOvr>
+    <a:masterClrMapping/>
+  </p:clrMapOvr>
+</p:sld>
+</file>
+
+<file path=ppt/slides/slide12.xml><?xml version="1.0" encoding="utf-8"?>
+<p:sld xmlns:a="http://schemas.openxmlformats.org/drawingml/2006/main" xmlns:r="http://schemas.openxmlformats.org/officeDocument/2006/relationships" xmlns:p="http://schemas.openxmlformats.org/presentationml/2006/main">
+  <p:cSld>
+    <p:spTree>
+      <p:nvGrpSpPr>
+        <p:cNvPr id="1" name=""/>
+        <p:cNvGrpSpPr/>
+        <p:nvPr/>
+      </p:nvGrpSpPr>
+      <p:grpSpPr>
+        <a:xfrm>
+          <a:off x="0" y="0"/>
+          <a:ext cx="0" cy="0"/>
+          <a:chOff x="0" y="0"/>
+          <a:chExt cx="0" cy="0"/>
+        </a:xfrm>
+      </p:grpSpPr>
+      <p:sp>
+        <p:nvSpPr>
+          <p:cNvPr id="27" name="TextBox 26"/>
+          <p:cNvSpPr txBox="1"/>
+          <p:nvPr/>
+        </p:nvSpPr>
+        <p:spPr>
+          <a:xfrm>
+            <a:off x="1172022" y="451481"/>
+            <a:ext cx="2296845" cy="707886"/>
+          </a:xfrm>
+          <a:prstGeom prst="rect">
+            <a:avLst/>
+          </a:prstGeom>
+          <a:noFill/>
+        </p:spPr>
+        <p:txBody>
+          <a:bodyPr wrap="square" rtlCol="0">
+            <a:spAutoFit/>
+          </a:bodyPr>
+          <a:lstStyle/>
+          <a:p>
+            <a:r>
+              <a:rPr lang="en-US" altLang="ko-KR" sz="4000" dirty="0">
+                <a:solidFill>
+                  <a:srgbClr val="1D1D1D"/>
+                </a:solidFill>
+                <a:latin typeface="에스코어 드림 6 Bold" panose="020B0703030302020204" pitchFamily="34" charset="-127"/>
+                <a:ea typeface="에스코어 드림 6 Bold" panose="020B0703030302020204" pitchFamily="34" charset="-127"/>
+              </a:rPr>
+              <a:t>Projects</a:t>
+            </a:r>
+            <a:endParaRPr lang="ko-KR" altLang="en-US" sz="4000" dirty="0">
+              <a:solidFill>
+                <a:srgbClr val="1D1D1D"/>
+              </a:solidFill>
+              <a:latin typeface="에스코어 드림 6 Bold" panose="020B0703030302020204" pitchFamily="34" charset="-127"/>
+              <a:ea typeface="에스코어 드림 6 Bold" panose="020B0703030302020204" pitchFamily="34" charset="-127"/>
+            </a:endParaRPr>
+          </a:p>
+        </p:txBody>
+      </p:sp>
+      <p:sp>
+        <p:nvSpPr>
+          <p:cNvPr id="28" name="TextBox 27"/>
+          <p:cNvSpPr txBox="1"/>
+          <p:nvPr/>
+        </p:nvSpPr>
+        <p:spPr>
+          <a:xfrm>
+            <a:off x="454470" y="2230148"/>
+            <a:ext cx="5908990" cy="1200329"/>
+          </a:xfrm>
+          <a:prstGeom prst="rect">
+            <a:avLst/>
+          </a:prstGeom>
+          <a:noFill/>
+        </p:spPr>
+        <p:txBody>
+          <a:bodyPr wrap="none" rtlCol="0">
+            <a:spAutoFit/>
+          </a:bodyPr>
+          <a:lstStyle/>
+          <a:p>
+            <a:r>
+              <a:rPr lang="en-US" altLang="ko-KR" u="sng" dirty="0">
+                <a:latin typeface="에스코어 드림 4 Regular" panose="020B0503030302020204" pitchFamily="34" charset="-127"/>
+                <a:ea typeface="에스코어 드림 4 Regular" panose="020B0503030302020204" pitchFamily="34" charset="-127"/>
+              </a:rPr>
+              <a:t>Issue 2 : </a:t>
+            </a:r>
+            <a:r>
+              <a:rPr lang="ko-KR" altLang="en-US" u="sng" dirty="0">
+                <a:latin typeface="에스코어 드림 4 Regular" panose="020B0503030302020204" pitchFamily="34" charset="-127"/>
+                <a:ea typeface="에스코어 드림 4 Regular" panose="020B0503030302020204" pitchFamily="34" charset="-127"/>
+              </a:rPr>
+              <a:t>군집 수 설정 기준 </a:t>
+            </a:r>
+            <a:endParaRPr lang="en-US" altLang="ko-KR" u="sng" dirty="0">
+              <a:latin typeface="에스코어 드림 4 Regular" panose="020B0503030302020204" pitchFamily="34" charset="-127"/>
+              <a:ea typeface="에스코어 드림 4 Regular" panose="020B0503030302020204" pitchFamily="34" charset="-127"/>
+            </a:endParaRPr>
+          </a:p>
+          <a:p>
+            <a:pPr marL="285750" indent="-285750">
+              <a:buFont typeface="Wingdings" panose="05000000000000000000" pitchFamily="2" charset="2"/>
+              <a:buChar char="ü"/>
+            </a:pPr>
+            <a:endParaRPr lang="en-US" altLang="ko-KR" dirty="0">
+              <a:latin typeface="에스코어 드림 4 Regular" panose="020B0503030302020204" pitchFamily="34" charset="-127"/>
+              <a:ea typeface="에스코어 드림 4 Regular" panose="020B0503030302020204" pitchFamily="34" charset="-127"/>
+            </a:endParaRPr>
+          </a:p>
+          <a:p>
+            <a:pPr marL="285750" indent="-285750">
+              <a:buFont typeface="Wingdings" panose="05000000000000000000" pitchFamily="2" charset="2"/>
+              <a:buChar char="ü"/>
+            </a:pPr>
+            <a:r>
+              <a:rPr lang="en-US" altLang="ko-KR" dirty="0">
+                <a:latin typeface="에스코어 드림 4 Regular" panose="020B0503030302020204" pitchFamily="34" charset="-127"/>
+                <a:ea typeface="에스코어 드림 4 Regular" panose="020B0503030302020204" pitchFamily="34" charset="-127"/>
+              </a:rPr>
+              <a:t>K-means</a:t>
+            </a:r>
+            <a:r>
+              <a:rPr lang="ko-KR" altLang="en-US" dirty="0">
+                <a:latin typeface="에스코어 드림 4 Regular" panose="020B0503030302020204" pitchFamily="34" charset="-127"/>
+                <a:ea typeface="에스코어 드림 4 Regular" panose="020B0503030302020204" pitchFamily="34" charset="-127"/>
+              </a:rPr>
+              <a:t> 기법의 고질적인 한계이기도 한 </a:t>
+            </a:r>
+            <a:r>
+              <a:rPr lang="ko-KR" altLang="en-US" dirty="0" err="1">
+                <a:latin typeface="에스코어 드림 4 Regular" panose="020B0503030302020204" pitchFamily="34" charset="-127"/>
+                <a:ea typeface="에스코어 드림 4 Regular" panose="020B0503030302020204" pitchFamily="34" charset="-127"/>
+              </a:rPr>
+              <a:t>군집수</a:t>
+            </a:r>
+            <a:r>
+              <a:rPr lang="ko-KR" altLang="en-US" dirty="0">
+                <a:latin typeface="에스코어 드림 4 Regular" panose="020B0503030302020204" pitchFamily="34" charset="-127"/>
+                <a:ea typeface="에스코어 드림 4 Regular" panose="020B0503030302020204" pitchFamily="34" charset="-127"/>
+              </a:rPr>
+              <a:t> 설정</a:t>
+            </a:r>
+            <a:endParaRPr lang="en-US" altLang="ko-KR" dirty="0">
+              <a:latin typeface="에스코어 드림 4 Regular" panose="020B0503030302020204" pitchFamily="34" charset="-127"/>
+              <a:ea typeface="에스코어 드림 4 Regular" panose="020B0503030302020204" pitchFamily="34" charset="-127"/>
+            </a:endParaRPr>
+          </a:p>
+          <a:p>
+            <a:pPr marL="285750" indent="-285750">
+              <a:buFont typeface="Wingdings" panose="05000000000000000000" pitchFamily="2" charset="2"/>
+              <a:buChar char="ü"/>
+            </a:pPr>
+            <a:r>
+              <a:rPr lang="ko-KR" altLang="en-US" dirty="0" err="1">
+                <a:latin typeface="에스코어 드림 4 Regular" panose="020B0503030302020204" pitchFamily="34" charset="-127"/>
+                <a:ea typeface="에스코어 드림 4 Regular" panose="020B0503030302020204" pitchFamily="34" charset="-127"/>
+              </a:rPr>
+              <a:t>엘보우</a:t>
+            </a:r>
+            <a:r>
+              <a:rPr lang="ko-KR" altLang="en-US" dirty="0">
+                <a:latin typeface="에스코어 드림 4 Regular" panose="020B0503030302020204" pitchFamily="34" charset="-127"/>
+                <a:ea typeface="에스코어 드림 4 Regular" panose="020B0503030302020204" pitchFamily="34" charset="-127"/>
+              </a:rPr>
+              <a:t> </a:t>
+            </a:r>
+            <a:r>
+              <a:rPr lang="en-US" altLang="ko-KR" dirty="0">
+                <a:latin typeface="에스코어 드림 4 Regular" panose="020B0503030302020204" pitchFamily="34" charset="-127"/>
+                <a:ea typeface="에스코어 드림 4 Regular" panose="020B0503030302020204" pitchFamily="34" charset="-127"/>
+              </a:rPr>
+              <a:t>&amp; </a:t>
+            </a:r>
+            <a:r>
+              <a:rPr lang="ko-KR" altLang="en-US" dirty="0">
+                <a:latin typeface="에스코어 드림 4 Regular" panose="020B0503030302020204" pitchFamily="34" charset="-127"/>
+                <a:ea typeface="에스코어 드림 4 Regular" panose="020B0503030302020204" pitchFamily="34" charset="-127"/>
+              </a:rPr>
+              <a:t>실루엣 기법 </a:t>
+            </a:r>
+            <a:r>
+              <a:rPr lang="en-US" altLang="ko-KR" dirty="0">
+                <a:latin typeface="에스코어 드림 4 Regular" panose="020B0503030302020204" pitchFamily="34" charset="-127"/>
+                <a:ea typeface="에스코어 드림 4 Regular" panose="020B0503030302020204" pitchFamily="34" charset="-127"/>
+              </a:rPr>
+              <a:t>&gt; </a:t>
+            </a:r>
+            <a:r>
+              <a:rPr lang="ko-KR" altLang="en-US" dirty="0" err="1">
+                <a:latin typeface="에스코어 드림 4 Regular" panose="020B0503030302020204" pitchFamily="34" charset="-127"/>
+                <a:ea typeface="에스코어 드림 4 Regular" panose="020B0503030302020204" pitchFamily="34" charset="-127"/>
+              </a:rPr>
+              <a:t>상권별</a:t>
+            </a:r>
+            <a:r>
+              <a:rPr lang="ko-KR" altLang="en-US" dirty="0">
+                <a:latin typeface="에스코어 드림 4 Regular" panose="020B0503030302020204" pitchFamily="34" charset="-127"/>
+                <a:ea typeface="에스코어 드림 4 Regular" panose="020B0503030302020204" pitchFamily="34" charset="-127"/>
+              </a:rPr>
+              <a:t> 업종 특성 반영 </a:t>
+            </a:r>
+            <a:r>
+              <a:rPr lang="en-US" altLang="ko-KR" dirty="0">
+                <a:latin typeface="에스코어 드림 4 Regular" panose="020B0503030302020204" pitchFamily="34" charset="-127"/>
+                <a:ea typeface="에스코어 드림 4 Regular" panose="020B0503030302020204" pitchFamily="34" charset="-127"/>
+              </a:rPr>
+              <a:t>X</a:t>
+            </a:r>
+          </a:p>
+        </p:txBody>
+      </p:sp>
+      <p:sp>
+        <p:nvSpPr>
+          <p:cNvPr id="30" name="TextBox 29"/>
+          <p:cNvSpPr txBox="1"/>
+          <p:nvPr/>
+        </p:nvSpPr>
+        <p:spPr>
+          <a:xfrm>
+            <a:off x="195473" y="311719"/>
+            <a:ext cx="976549" cy="923330"/>
+          </a:xfrm>
+          <a:prstGeom prst="rect">
+            <a:avLst/>
+          </a:prstGeom>
+          <a:noFill/>
+        </p:spPr>
+        <p:txBody>
+          <a:bodyPr wrap="none" rtlCol="0">
+            <a:spAutoFit/>
+          </a:bodyPr>
+          <a:lstStyle/>
+          <a:p>
+            <a:r>
+              <a:rPr lang="en-US" altLang="ko-KR" sz="5400" spc="-300" dirty="0">
+                <a:solidFill>
+                  <a:srgbClr val="1D1D1D"/>
+                </a:solidFill>
+                <a:latin typeface="에스코어 드림 7 ExtraBold" panose="020B0803030302020204" pitchFamily="34" charset="-127"/>
+                <a:ea typeface="에스코어 드림 7 ExtraBold" panose="020B0803030302020204" pitchFamily="34" charset="-127"/>
+              </a:rPr>
+              <a:t>03</a:t>
+            </a:r>
+            <a:endParaRPr lang="ko-KR" altLang="en-US" sz="5400" spc="-300" dirty="0">
+              <a:solidFill>
+                <a:srgbClr val="1D1D1D"/>
+              </a:solidFill>
+              <a:latin typeface="에스코어 드림 7 ExtraBold" panose="020B0803030302020204" pitchFamily="34" charset="-127"/>
+              <a:ea typeface="에스코어 드림 7 ExtraBold" panose="020B0803030302020204" pitchFamily="34" charset="-127"/>
+            </a:endParaRPr>
+          </a:p>
+        </p:txBody>
+      </p:sp>
+      <p:sp>
+        <p:nvSpPr>
+          <p:cNvPr id="3" name="직사각형 2"/>
+          <p:cNvSpPr/>
+          <p:nvPr/>
+        </p:nvSpPr>
+        <p:spPr>
+          <a:xfrm>
+            <a:off x="363362" y="1327678"/>
+            <a:ext cx="9526967" cy="461665"/>
+          </a:xfrm>
+          <a:prstGeom prst="rect">
+            <a:avLst/>
+          </a:prstGeom>
+        </p:spPr>
+        <p:txBody>
+          <a:bodyPr wrap="none">
+            <a:spAutoFit/>
+          </a:bodyPr>
+          <a:lstStyle/>
+          <a:p>
+            <a:r>
+              <a:rPr lang="en-US" altLang="ko-KR" sz="2400" dirty="0">
+                <a:latin typeface="에스코어 드림 6 Bold" panose="020B0703030302020204" pitchFamily="34" charset="-127"/>
+                <a:ea typeface="에스코어 드림 6 Bold" panose="020B0703030302020204" pitchFamily="34" charset="-127"/>
+              </a:rPr>
+              <a:t>2020 </a:t>
+            </a:r>
+            <a:r>
+              <a:rPr lang="ko-KR" altLang="en-US" sz="2400" dirty="0">
+                <a:latin typeface="에스코어 드림 6 Bold" panose="020B0703030302020204" pitchFamily="34" charset="-127"/>
+                <a:ea typeface="에스코어 드림 6 Bold" panose="020B0703030302020204" pitchFamily="34" charset="-127"/>
+              </a:rPr>
+              <a:t>코로나 확산으로 인한 경제적 손실 분석 </a:t>
+            </a:r>
+            <a:r>
+              <a:rPr lang="en-US" altLang="ko-KR" sz="2400" dirty="0">
+                <a:latin typeface="에스코어 드림 6 Bold" panose="020B0703030302020204" pitchFamily="34" charset="-127"/>
+                <a:ea typeface="에스코어 드림 6 Bold" panose="020B0703030302020204" pitchFamily="34" charset="-127"/>
+              </a:rPr>
+              <a:t>: </a:t>
+            </a:r>
+            <a:r>
+              <a:rPr lang="ko-KR" altLang="en-US" sz="2400" dirty="0">
+                <a:latin typeface="에스코어 드림 6 Bold" panose="020B0703030302020204" pitchFamily="34" charset="-127"/>
+                <a:ea typeface="에스코어 드림 6 Bold" panose="020B0703030302020204" pitchFamily="34" charset="-127"/>
+              </a:rPr>
+              <a:t>이태원 상권을 중심으로</a:t>
+            </a:r>
+            <a:endParaRPr lang="en-US" altLang="ko-KR" sz="2400" dirty="0">
+              <a:latin typeface="에스코어 드림 6 Bold" panose="020B0703030302020204" pitchFamily="34" charset="-127"/>
+              <a:ea typeface="에스코어 드림 6 Bold" panose="020B0703030302020204" pitchFamily="34" charset="-127"/>
+            </a:endParaRPr>
+          </a:p>
+        </p:txBody>
+      </p:sp>
+      <p:pic>
+        <p:nvPicPr>
+          <p:cNvPr id="13" name="그래픽 12" descr="오른쪽을 가리키는 검지">
+            <a:extLst>
+              <a:ext uri="{FF2B5EF4-FFF2-40B4-BE49-F238E27FC236}">
+                <a16:creationId xmlns:a16="http://schemas.microsoft.com/office/drawing/2014/main" id="{4AA4F7AE-AAC5-4611-AFA5-44BC4B133BB4}"/>
+              </a:ext>
+            </a:extLst>
+          </p:cNvPr>
+          <p:cNvPicPr>
+            <a:picLocks noChangeAspect="1"/>
+          </p:cNvPicPr>
+          <p:nvPr/>
+        </p:nvPicPr>
+        <p:blipFill>
+          <a:blip r:embed="rId2">
+            <a:extLst>
+              <a:ext uri="{28A0092B-C50C-407E-A947-70E740481C1C}">
+                <a14:useLocalDpi xmlns:a14="http://schemas.microsoft.com/office/drawing/2010/main" val="0"/>
+              </a:ext>
+              <a:ext uri="{96DAC541-7B7A-43D3-8B79-37D633B846F1}">
+                <asvg:svgBlip xmlns:asvg="http://schemas.microsoft.com/office/drawing/2016/SVG/main" r:embed="rId3"/>
+              </a:ext>
+            </a:extLst>
+          </a:blip>
+          <a:stretch>
+            <a:fillRect/>
+          </a:stretch>
+        </p:blipFill>
+        <p:spPr>
+          <a:xfrm rot="5400000">
+            <a:off x="2320444" y="3535018"/>
+            <a:ext cx="938138" cy="938138"/>
+          </a:xfrm>
+          <a:prstGeom prst="rect">
+            <a:avLst/>
+          </a:prstGeom>
+        </p:spPr>
+      </p:pic>
+      <p:sp>
+        <p:nvSpPr>
+          <p:cNvPr id="15" name="TextBox 14">
+            <a:extLst>
+              <a:ext uri="{FF2B5EF4-FFF2-40B4-BE49-F238E27FC236}">
+                <a16:creationId xmlns:a16="http://schemas.microsoft.com/office/drawing/2014/main" id="{99FA889D-B5C2-405E-B1D4-2E0817FDB669}"/>
+              </a:ext>
+            </a:extLst>
+          </p:cNvPr>
+          <p:cNvSpPr txBox="1"/>
+          <p:nvPr/>
+        </p:nvSpPr>
+        <p:spPr>
+          <a:xfrm>
+            <a:off x="494191" y="4577697"/>
+            <a:ext cx="5012911" cy="1200329"/>
+          </a:xfrm>
+          <a:prstGeom prst="rect">
+            <a:avLst/>
+          </a:prstGeom>
+          <a:noFill/>
+        </p:spPr>
+        <p:txBody>
+          <a:bodyPr wrap="none" rtlCol="0">
+            <a:spAutoFit/>
+          </a:bodyPr>
+          <a:lstStyle/>
+          <a:p>
+            <a:r>
+              <a:rPr lang="en-US" altLang="ko-KR" u="sng" dirty="0">
+                <a:latin typeface="에스코어 드림 4 Regular" panose="020B0503030302020204" pitchFamily="34" charset="-127"/>
+                <a:ea typeface="에스코어 드림 4 Regular" panose="020B0503030302020204" pitchFamily="34" charset="-127"/>
+              </a:rPr>
+              <a:t>Solution 2 : </a:t>
+            </a:r>
+            <a:r>
+              <a:rPr lang="ko-KR" altLang="en-US" u="sng" dirty="0">
+                <a:latin typeface="에스코어 드림 4 Regular" panose="020B0503030302020204" pitchFamily="34" charset="-127"/>
+                <a:ea typeface="에스코어 드림 4 Regular" panose="020B0503030302020204" pitchFamily="34" charset="-127"/>
+              </a:rPr>
+              <a:t>공신력 있는 기준 활용 </a:t>
+            </a:r>
+            <a:endParaRPr lang="en-US" altLang="ko-KR" u="sng" dirty="0">
+              <a:latin typeface="에스코어 드림 4 Regular" panose="020B0503030302020204" pitchFamily="34" charset="-127"/>
+              <a:ea typeface="에스코어 드림 4 Regular" panose="020B0503030302020204" pitchFamily="34" charset="-127"/>
+            </a:endParaRPr>
+          </a:p>
+          <a:p>
+            <a:pPr marL="285750" indent="-285750">
+              <a:buFont typeface="Wingdings" panose="05000000000000000000" pitchFamily="2" charset="2"/>
+              <a:buChar char="ü"/>
+            </a:pPr>
+            <a:endParaRPr lang="en-US" altLang="ko-KR" dirty="0">
+              <a:latin typeface="에스코어 드림 4 Regular" panose="020B0503030302020204" pitchFamily="34" charset="-127"/>
+              <a:ea typeface="에스코어 드림 4 Regular" panose="020B0503030302020204" pitchFamily="34" charset="-127"/>
+            </a:endParaRPr>
+          </a:p>
+          <a:p>
+            <a:pPr marL="285750" indent="-285750">
+              <a:buFont typeface="Wingdings" panose="05000000000000000000" pitchFamily="2" charset="2"/>
+              <a:buChar char="ü"/>
+            </a:pPr>
+            <a:r>
+              <a:rPr lang="ko-KR" altLang="en-US" dirty="0">
+                <a:latin typeface="에스코어 드림 4 Regular" panose="020B0503030302020204" pitchFamily="34" charset="-127"/>
+                <a:ea typeface="에스코어 드림 4 Regular" panose="020B0503030302020204" pitchFamily="34" charset="-127"/>
+              </a:rPr>
+              <a:t>서울신용보증재단의 코로나 상권 분류 기준</a:t>
+            </a:r>
+            <a:endParaRPr lang="en-US" altLang="ko-KR" dirty="0">
+              <a:latin typeface="에스코어 드림 4 Regular" panose="020B0503030302020204" pitchFamily="34" charset="-127"/>
+              <a:ea typeface="에스코어 드림 4 Regular" panose="020B0503030302020204" pitchFamily="34" charset="-127"/>
+            </a:endParaRPr>
+          </a:p>
+          <a:p>
+            <a:pPr marL="285750" indent="-285750">
+              <a:buFont typeface="Wingdings" panose="05000000000000000000" pitchFamily="2" charset="2"/>
+              <a:buChar char="ü"/>
+            </a:pPr>
+            <a:r>
+              <a:rPr lang="ko-KR" altLang="en-US" dirty="0" err="1">
+                <a:latin typeface="에스코어 드림 4 Regular" panose="020B0503030302020204" pitchFamily="34" charset="-127"/>
+                <a:ea typeface="에스코어 드림 4 Regular" panose="020B0503030302020204" pitchFamily="34" charset="-127"/>
+              </a:rPr>
+              <a:t>공신력있는</a:t>
+            </a:r>
+            <a:r>
+              <a:rPr lang="ko-KR" altLang="en-US" dirty="0">
+                <a:latin typeface="에스코어 드림 4 Regular" panose="020B0503030302020204" pitchFamily="34" charset="-127"/>
+                <a:ea typeface="에스코어 드림 4 Regular" panose="020B0503030302020204" pitchFamily="34" charset="-127"/>
+              </a:rPr>
+              <a:t> 기관의 기준을 활용하여 상권 분류</a:t>
+            </a:r>
+            <a:endParaRPr lang="en-US" altLang="ko-KR" dirty="0">
+              <a:latin typeface="에스코어 드림 4 Regular" panose="020B0503030302020204" pitchFamily="34" charset="-127"/>
+              <a:ea typeface="에스코어 드림 4 Regular" panose="020B0503030302020204" pitchFamily="34" charset="-127"/>
+            </a:endParaRPr>
+          </a:p>
+        </p:txBody>
+      </p:sp>
+      <p:pic>
+        <p:nvPicPr>
+          <p:cNvPr id="12" name="그림 11">
+            <a:extLst>
+              <a:ext uri="{FF2B5EF4-FFF2-40B4-BE49-F238E27FC236}">
+                <a16:creationId xmlns:a16="http://schemas.microsoft.com/office/drawing/2014/main" id="{559950FE-B51E-44CA-AFD0-FDE9342AB694}"/>
+              </a:ext>
+            </a:extLst>
+          </p:cNvPr>
+          <p:cNvPicPr>
+            <a:picLocks noChangeAspect="1"/>
+          </p:cNvPicPr>
+          <p:nvPr/>
+        </p:nvPicPr>
+        <p:blipFill>
+          <a:blip r:embed="rId4"/>
+          <a:stretch>
+            <a:fillRect/>
+          </a:stretch>
+        </p:blipFill>
+        <p:spPr>
+          <a:xfrm>
+            <a:off x="6818175" y="2501900"/>
+            <a:ext cx="4688244" cy="2878282"/>
+          </a:xfrm>
+          <a:prstGeom prst="rect">
+            <a:avLst/>
+          </a:prstGeom>
+          <a:solidFill>
+            <a:srgbClr val="FFFFFF">
+              <a:shade val="85000"/>
+            </a:srgbClr>
+          </a:solidFill>
+          <a:ln w="88900" cap="sq">
+            <a:solidFill>
+              <a:srgbClr val="FFFFFF"/>
+            </a:solidFill>
+            <a:miter lim="800000"/>
+          </a:ln>
+          <a:effectLst>
+            <a:outerShdw blurRad="55000" dist="18000" dir="5400000" algn="tl" rotWithShape="0">
+              <a:srgbClr val="000000">
+                <a:alpha val="40000"/>
+              </a:srgbClr>
+            </a:outerShdw>
+          </a:effectLst>
+          <a:scene3d>
+            <a:camera prst="orthographicFront"/>
+            <a:lightRig rig="twoPt" dir="t">
+              <a:rot lat="0" lon="0" rev="7200000"/>
+            </a:lightRig>
+          </a:scene3d>
+          <a:sp3d>
+            <a:bevelT w="25400" h="19050"/>
+            <a:contourClr>
+              <a:srgbClr val="FFFFFF"/>
+            </a:contourClr>
+          </a:sp3d>
+        </p:spPr>
+      </p:pic>
+      <p:sp>
+        <p:nvSpPr>
+          <p:cNvPr id="14" name="타원 13">
+            <a:extLst>
+              <a:ext uri="{FF2B5EF4-FFF2-40B4-BE49-F238E27FC236}">
+                <a16:creationId xmlns:a16="http://schemas.microsoft.com/office/drawing/2014/main" id="{3FFF9F43-E112-4737-9EA2-39313D7B7677}"/>
+              </a:ext>
+            </a:extLst>
+          </p:cNvPr>
+          <p:cNvSpPr/>
+          <p:nvPr/>
+        </p:nvSpPr>
+        <p:spPr>
+          <a:xfrm>
+            <a:off x="9406113" y="2517932"/>
+            <a:ext cx="2000264" cy="1500198"/>
+          </a:xfrm>
+          <a:prstGeom prst="ellipse">
+            <a:avLst/>
+          </a:prstGeom>
+          <a:noFill/>
+          <a:ln w="38100">
+            <a:solidFill>
+              <a:srgbClr val="FF0000"/>
+            </a:solidFill>
+          </a:ln>
+        </p:spPr>
+        <p:style>
+          <a:lnRef idx="2">
+            <a:schemeClr val="accent1">
+              <a:shade val="50000"/>
+            </a:schemeClr>
+          </a:lnRef>
+          <a:fillRef idx="1">
+            <a:schemeClr val="accent1"/>
+          </a:fillRef>
+          <a:effectRef idx="0">
+            <a:schemeClr val="accent1"/>
+          </a:effectRef>
+          <a:fontRef idx="minor">
+            <a:schemeClr val="lt1"/>
+          </a:fontRef>
+        </p:style>
+        <p:txBody>
+          <a:bodyPr rtlCol="0" anchor="ctr"/>
+          <a:lstStyle/>
+          <a:p>
+            <a:pPr marL="0" marR="0" lvl="0" indent="0" algn="ctr" defTabSz="914400" rtl="0" eaLnBrk="1" fontAlgn="auto" latinLnBrk="0" hangingPunct="1">
+              <a:lnSpc>
+                <a:spcPct val="100000"/>
+              </a:lnSpc>
+              <a:spcBef>
+                <a:spcPts val="0"/>
+              </a:spcBef>
+              <a:spcAft>
+                <a:spcPts val="0"/>
+              </a:spcAft>
+              <a:buClrTx/>
+              <a:buSzTx/>
+              <a:buFontTx/>
+              <a:buNone/>
+              <a:tabLst/>
+              <a:defRPr/>
+            </a:pPr>
+            <a:endParaRPr kumimoji="0" lang="ko-KR" altLang="en-US" sz="1800" b="0" i="0" u="none" strike="noStrike" kern="1200" cap="none" spc="0" normalizeH="0" baseline="0" noProof="0">
+              <a:ln>
+                <a:noFill/>
+              </a:ln>
+              <a:solidFill>
+                <a:prstClr val="white"/>
+              </a:solidFill>
+              <a:effectLst/>
+              <a:uLnTx/>
+              <a:uFillTx/>
+              <a:latin typeface="Calibri"/>
+              <a:cs typeface="+mn-cs"/>
+            </a:endParaRPr>
+          </a:p>
+        </p:txBody>
+      </p:sp>
+      <p:sp>
+        <p:nvSpPr>
+          <p:cNvPr id="16" name="타원 15">
+            <a:extLst>
+              <a:ext uri="{FF2B5EF4-FFF2-40B4-BE49-F238E27FC236}">
+                <a16:creationId xmlns:a16="http://schemas.microsoft.com/office/drawing/2014/main" id="{03A6809F-4F47-4D40-9852-81D21633B0C4}"/>
+              </a:ext>
+            </a:extLst>
+          </p:cNvPr>
+          <p:cNvSpPr/>
+          <p:nvPr/>
+        </p:nvSpPr>
+        <p:spPr>
+          <a:xfrm>
+            <a:off x="7262973" y="4018130"/>
+            <a:ext cx="2786082" cy="1214446"/>
+          </a:xfrm>
+          <a:prstGeom prst="ellipse">
+            <a:avLst/>
+          </a:prstGeom>
+          <a:noFill/>
+          <a:ln w="38100">
+            <a:solidFill>
+              <a:srgbClr val="FF0000"/>
+            </a:solidFill>
+          </a:ln>
+        </p:spPr>
+        <p:style>
+          <a:lnRef idx="2">
+            <a:schemeClr val="accent1">
+              <a:shade val="50000"/>
+            </a:schemeClr>
+          </a:lnRef>
+          <a:fillRef idx="1">
+            <a:schemeClr val="accent1"/>
+          </a:fillRef>
+          <a:effectRef idx="0">
+            <a:schemeClr val="accent1"/>
+          </a:effectRef>
+          <a:fontRef idx="minor">
+            <a:schemeClr val="lt1"/>
+          </a:fontRef>
+        </p:style>
+        <p:txBody>
+          <a:bodyPr rtlCol="0" anchor="ctr"/>
+          <a:lstStyle/>
+          <a:p>
+            <a:pPr marL="0" marR="0" lvl="0" indent="0" algn="ctr" defTabSz="914400" rtl="0" eaLnBrk="1" fontAlgn="auto" latinLnBrk="0" hangingPunct="1">
+              <a:lnSpc>
+                <a:spcPct val="100000"/>
+              </a:lnSpc>
+              <a:spcBef>
+                <a:spcPts val="0"/>
+              </a:spcBef>
+              <a:spcAft>
+                <a:spcPts val="0"/>
+              </a:spcAft>
+              <a:buClrTx/>
+              <a:buSzTx/>
+              <a:buFontTx/>
+              <a:buNone/>
+              <a:tabLst/>
+              <a:defRPr/>
+            </a:pPr>
+            <a:endParaRPr kumimoji="0" lang="ko-KR" altLang="en-US" sz="1800" b="0" i="0" u="none" strike="noStrike" kern="1200" cap="none" spc="0" normalizeH="0" baseline="0" noProof="0">
+              <a:ln>
+                <a:noFill/>
+              </a:ln>
+              <a:solidFill>
+                <a:prstClr val="white"/>
+              </a:solidFill>
+              <a:effectLst/>
+              <a:uLnTx/>
+              <a:uFillTx/>
+              <a:latin typeface="Calibri"/>
+              <a:cs typeface="+mn-cs"/>
+            </a:endParaRPr>
+          </a:p>
+        </p:txBody>
+      </p:sp>
+      <p:sp>
+        <p:nvSpPr>
+          <p:cNvPr id="17" name="TextBox 16">
+            <a:extLst>
+              <a:ext uri="{FF2B5EF4-FFF2-40B4-BE49-F238E27FC236}">
+                <a16:creationId xmlns:a16="http://schemas.microsoft.com/office/drawing/2014/main" id="{D25FF839-5B17-4E70-B79C-2796238986F4}"/>
+              </a:ext>
+            </a:extLst>
+          </p:cNvPr>
+          <p:cNvSpPr txBox="1"/>
+          <p:nvPr/>
+        </p:nvSpPr>
+        <p:spPr>
+          <a:xfrm>
+            <a:off x="7021326" y="5664239"/>
+            <a:ext cx="4281941" cy="646331"/>
+          </a:xfrm>
+          <a:prstGeom prst="rect">
+            <a:avLst/>
+          </a:prstGeom>
+          <a:noFill/>
+        </p:spPr>
+        <p:txBody>
+          <a:bodyPr wrap="none" rtlCol="0">
+            <a:spAutoFit/>
+          </a:bodyPr>
+          <a:lstStyle/>
+          <a:p>
+            <a:pPr algn="ctr"/>
+            <a:r>
+              <a:rPr lang="ko-KR" altLang="en-US" dirty="0">
+                <a:latin typeface="에스코어 드림 4 Regular" panose="020B0503030302020204" pitchFamily="34" charset="-127"/>
+                <a:ea typeface="에스코어 드림 4 Regular" panose="020B0503030302020204" pitchFamily="34" charset="-127"/>
+              </a:rPr>
+              <a:t>전년도 대비 매출 증감액과 유동인구 기준</a:t>
+            </a:r>
+            <a:endParaRPr lang="en-US" altLang="ko-KR" dirty="0">
+              <a:latin typeface="에스코어 드림 4 Regular" panose="020B0503030302020204" pitchFamily="34" charset="-127"/>
+              <a:ea typeface="에스코어 드림 4 Regular" panose="020B0503030302020204" pitchFamily="34" charset="-127"/>
+            </a:endParaRPr>
+          </a:p>
+          <a:p>
+            <a:pPr algn="ctr"/>
+            <a:r>
+              <a:rPr lang="ko-KR" altLang="en-US" dirty="0">
+                <a:latin typeface="에스코어 드림 4 Regular" panose="020B0503030302020204" pitchFamily="34" charset="-127"/>
+                <a:ea typeface="에스코어 드림 4 Regular" panose="020B0503030302020204" pitchFamily="34" charset="-127"/>
+              </a:rPr>
+              <a:t>이태원 내 </a:t>
+            </a:r>
+            <a:r>
+              <a:rPr lang="en-US" altLang="ko-KR" dirty="0">
+                <a:latin typeface="에스코어 드림 4 Regular" panose="020B0503030302020204" pitchFamily="34" charset="-127"/>
+                <a:ea typeface="에스코어 드림 4 Regular" panose="020B0503030302020204" pitchFamily="34" charset="-127"/>
+              </a:rPr>
+              <a:t>11</a:t>
+            </a:r>
+            <a:r>
+              <a:rPr lang="ko-KR" altLang="en-US" dirty="0">
+                <a:latin typeface="에스코어 드림 4 Regular" panose="020B0503030302020204" pitchFamily="34" charset="-127"/>
+                <a:ea typeface="에스코어 드림 4 Regular" panose="020B0503030302020204" pitchFamily="34" charset="-127"/>
+              </a:rPr>
+              <a:t>개 지역의 군집분석 결과</a:t>
+            </a:r>
+            <a:endParaRPr lang="en-US" altLang="ko-KR" dirty="0">
+              <a:latin typeface="에스코어 드림 4 Regular" panose="020B0503030302020204" pitchFamily="34" charset="-127"/>
+              <a:ea typeface="에스코어 드림 4 Regular" panose="020B0503030302020204" pitchFamily="34" charset="-127"/>
+            </a:endParaRPr>
+          </a:p>
+        </p:txBody>
+      </p:sp>
+    </p:spTree>
+    <p:extLst>
+      <p:ext uri="{BB962C8B-B14F-4D97-AF65-F5344CB8AC3E}">
+        <p14:creationId xmlns:p14="http://schemas.microsoft.com/office/powerpoint/2010/main" val="2701509136"/>
+      </p:ext>
+    </p:extLst>
+  </p:cSld>
+  <p:clrMapOvr>
+    <a:masterClrMapping/>
+  </p:clrMapOvr>
+</p:sld>
+</file>
+
+<file path=ppt/slides/slide13.xml><?xml version="1.0" encoding="utf-8"?>
+<p:sld xmlns:a="http://schemas.openxmlformats.org/drawingml/2006/main" xmlns:r="http://schemas.openxmlformats.org/officeDocument/2006/relationships" xmlns:p="http://schemas.openxmlformats.org/presentationml/2006/main">
+  <p:cSld>
+    <p:spTree>
+      <p:nvGrpSpPr>
+        <p:cNvPr id="1" name=""/>
+        <p:cNvGrpSpPr/>
+        <p:nvPr/>
+      </p:nvGrpSpPr>
+      <p:grpSpPr>
+        <a:xfrm>
+          <a:off x="0" y="0"/>
+          <a:ext cx="0" cy="0"/>
+          <a:chOff x="0" y="0"/>
+          <a:chExt cx="0" cy="0"/>
+        </a:xfrm>
+      </p:grpSpPr>
+      <p:sp>
+        <p:nvSpPr>
+          <p:cNvPr id="27" name="TextBox 26"/>
+          <p:cNvSpPr txBox="1"/>
+          <p:nvPr/>
+        </p:nvSpPr>
+        <p:spPr>
+          <a:xfrm>
+            <a:off x="1172022" y="451481"/>
+            <a:ext cx="2296845" cy="707886"/>
+          </a:xfrm>
+          <a:prstGeom prst="rect">
+            <a:avLst/>
+          </a:prstGeom>
+          <a:noFill/>
+        </p:spPr>
+        <p:txBody>
+          <a:bodyPr wrap="square" rtlCol="0">
+            <a:spAutoFit/>
+          </a:bodyPr>
+          <a:lstStyle/>
+          <a:p>
+            <a:r>
+              <a:rPr lang="en-US" altLang="ko-KR" sz="4000" dirty="0">
+                <a:solidFill>
+                  <a:srgbClr val="1D1D1D"/>
+                </a:solidFill>
+                <a:latin typeface="에스코어 드림 6 Bold" panose="020B0703030302020204" pitchFamily="34" charset="-127"/>
+                <a:ea typeface="에스코어 드림 6 Bold" panose="020B0703030302020204" pitchFamily="34" charset="-127"/>
+              </a:rPr>
+              <a:t>Projects</a:t>
+            </a:r>
+            <a:endParaRPr lang="ko-KR" altLang="en-US" sz="4000" dirty="0">
+              <a:solidFill>
+                <a:srgbClr val="1D1D1D"/>
+              </a:solidFill>
+              <a:latin typeface="에스코어 드림 6 Bold" panose="020B0703030302020204" pitchFamily="34" charset="-127"/>
+              <a:ea typeface="에스코어 드림 6 Bold" panose="020B0703030302020204" pitchFamily="34" charset="-127"/>
+            </a:endParaRPr>
+          </a:p>
+        </p:txBody>
+      </p:sp>
+      <p:sp>
+        <p:nvSpPr>
+          <p:cNvPr id="28" name="TextBox 27"/>
+          <p:cNvSpPr txBox="1"/>
+          <p:nvPr/>
+        </p:nvSpPr>
+        <p:spPr>
+          <a:xfrm>
+            <a:off x="454470" y="2230148"/>
+            <a:ext cx="5726248" cy="1200329"/>
+          </a:xfrm>
+          <a:prstGeom prst="rect">
+            <a:avLst/>
+          </a:prstGeom>
+          <a:noFill/>
+        </p:spPr>
+        <p:txBody>
+          <a:bodyPr wrap="none" rtlCol="0">
+            <a:spAutoFit/>
+          </a:bodyPr>
+          <a:lstStyle/>
+          <a:p>
+            <a:r>
+              <a:rPr lang="en-US" altLang="ko-KR" u="sng" dirty="0">
+                <a:latin typeface="에스코어 드림 4 Regular" panose="020B0503030302020204" pitchFamily="34" charset="-127"/>
+                <a:ea typeface="에스코어 드림 4 Regular" panose="020B0503030302020204" pitchFamily="34" charset="-127"/>
+              </a:rPr>
+              <a:t>Issue 3 : </a:t>
+            </a:r>
+            <a:r>
+              <a:rPr lang="ko-KR" altLang="en-US" u="sng" dirty="0">
+                <a:latin typeface="에스코어 드림 4 Regular" panose="020B0503030302020204" pitchFamily="34" charset="-127"/>
+                <a:ea typeface="에스코어 드림 4 Regular" panose="020B0503030302020204" pitchFamily="34" charset="-127"/>
+              </a:rPr>
+              <a:t>기존 정책과의 차별성 </a:t>
+            </a:r>
+            <a:endParaRPr lang="en-US" altLang="ko-KR" u="sng" dirty="0">
+              <a:latin typeface="에스코어 드림 4 Regular" panose="020B0503030302020204" pitchFamily="34" charset="-127"/>
+              <a:ea typeface="에스코어 드림 4 Regular" panose="020B0503030302020204" pitchFamily="34" charset="-127"/>
+            </a:endParaRPr>
+          </a:p>
+          <a:p>
+            <a:pPr marL="285750" indent="-285750">
+              <a:buFont typeface="Wingdings" panose="05000000000000000000" pitchFamily="2" charset="2"/>
+              <a:buChar char="ü"/>
+            </a:pPr>
+            <a:endParaRPr lang="en-US" altLang="ko-KR" dirty="0">
+              <a:latin typeface="에스코어 드림 4 Regular" panose="020B0503030302020204" pitchFamily="34" charset="-127"/>
+              <a:ea typeface="에스코어 드림 4 Regular" panose="020B0503030302020204" pitchFamily="34" charset="-127"/>
+            </a:endParaRPr>
+          </a:p>
+          <a:p>
+            <a:pPr marL="285750" indent="-285750">
+              <a:buFont typeface="Wingdings" panose="05000000000000000000" pitchFamily="2" charset="2"/>
+              <a:buChar char="ü"/>
+            </a:pPr>
+            <a:r>
+              <a:rPr lang="ko-KR" altLang="en-US" dirty="0">
+                <a:latin typeface="에스코어 드림 4 Regular" panose="020B0503030302020204" pitchFamily="34" charset="-127"/>
+                <a:ea typeface="에스코어 드림 4 Regular" panose="020B0503030302020204" pitchFamily="34" charset="-127"/>
+              </a:rPr>
+              <a:t>기존 정책의 한계점을 극복할 수 있는 새로운 방법</a:t>
+            </a:r>
+            <a:endParaRPr lang="en-US" altLang="ko-KR" dirty="0">
+              <a:latin typeface="에스코어 드림 4 Regular" panose="020B0503030302020204" pitchFamily="34" charset="-127"/>
+              <a:ea typeface="에스코어 드림 4 Regular" panose="020B0503030302020204" pitchFamily="34" charset="-127"/>
+            </a:endParaRPr>
+          </a:p>
+          <a:p>
+            <a:pPr marL="285750" indent="-285750">
+              <a:buFont typeface="Wingdings" panose="05000000000000000000" pitchFamily="2" charset="2"/>
+              <a:buChar char="ü"/>
+            </a:pPr>
+            <a:r>
+              <a:rPr lang="ko-KR" altLang="en-US" dirty="0">
+                <a:latin typeface="에스코어 드림 4 Regular" panose="020B0503030302020204" pitchFamily="34" charset="-127"/>
+                <a:ea typeface="에스코어 드림 4 Regular" panose="020B0503030302020204" pitchFamily="34" charset="-127"/>
+              </a:rPr>
+              <a:t>기존 정책의 한계점 </a:t>
+            </a:r>
+            <a:r>
+              <a:rPr lang="en-US" altLang="ko-KR" dirty="0">
+                <a:latin typeface="에스코어 드림 4 Regular" panose="020B0503030302020204" pitchFamily="34" charset="-127"/>
+                <a:ea typeface="에스코어 드림 4 Regular" panose="020B0503030302020204" pitchFamily="34" charset="-127"/>
+              </a:rPr>
+              <a:t>: </a:t>
+            </a:r>
+            <a:r>
+              <a:rPr lang="ko-KR" altLang="en-US" dirty="0">
+                <a:latin typeface="에스코어 드림 4 Regular" panose="020B0503030302020204" pitchFamily="34" charset="-127"/>
+                <a:ea typeface="에스코어 드림 4 Regular" panose="020B0503030302020204" pitchFamily="34" charset="-127"/>
+              </a:rPr>
+              <a:t>상권 특성과 업종 특성을 반영 </a:t>
+            </a:r>
+            <a:r>
+              <a:rPr lang="en-US" altLang="ko-KR" dirty="0">
+                <a:latin typeface="에스코어 드림 4 Regular" panose="020B0503030302020204" pitchFamily="34" charset="-127"/>
+                <a:ea typeface="에스코어 드림 4 Regular" panose="020B0503030302020204" pitchFamily="34" charset="-127"/>
+              </a:rPr>
+              <a:t>X</a:t>
+            </a:r>
+          </a:p>
+        </p:txBody>
+      </p:sp>
+      <p:sp>
+        <p:nvSpPr>
+          <p:cNvPr id="30" name="TextBox 29"/>
+          <p:cNvSpPr txBox="1"/>
+          <p:nvPr/>
+        </p:nvSpPr>
+        <p:spPr>
+          <a:xfrm>
+            <a:off x="195473" y="311719"/>
+            <a:ext cx="976549" cy="923330"/>
+          </a:xfrm>
+          <a:prstGeom prst="rect">
+            <a:avLst/>
+          </a:prstGeom>
+          <a:noFill/>
+        </p:spPr>
+        <p:txBody>
+          <a:bodyPr wrap="none" rtlCol="0">
+            <a:spAutoFit/>
+          </a:bodyPr>
+          <a:lstStyle/>
+          <a:p>
+            <a:r>
+              <a:rPr lang="en-US" altLang="ko-KR" sz="5400" spc="-300" dirty="0">
+                <a:solidFill>
+                  <a:srgbClr val="1D1D1D"/>
+                </a:solidFill>
+                <a:latin typeface="에스코어 드림 7 ExtraBold" panose="020B0803030302020204" pitchFamily="34" charset="-127"/>
+                <a:ea typeface="에스코어 드림 7 ExtraBold" panose="020B0803030302020204" pitchFamily="34" charset="-127"/>
+              </a:rPr>
+              <a:t>03</a:t>
+            </a:r>
+            <a:endParaRPr lang="ko-KR" altLang="en-US" sz="5400" spc="-300" dirty="0">
+              <a:solidFill>
+                <a:srgbClr val="1D1D1D"/>
+              </a:solidFill>
+              <a:latin typeface="에스코어 드림 7 ExtraBold" panose="020B0803030302020204" pitchFamily="34" charset="-127"/>
+              <a:ea typeface="에스코어 드림 7 ExtraBold" panose="020B0803030302020204" pitchFamily="34" charset="-127"/>
+            </a:endParaRPr>
+          </a:p>
+        </p:txBody>
+      </p:sp>
+      <p:sp>
+        <p:nvSpPr>
+          <p:cNvPr id="3" name="직사각형 2"/>
+          <p:cNvSpPr/>
+          <p:nvPr/>
+        </p:nvSpPr>
+        <p:spPr>
+          <a:xfrm>
+            <a:off x="363362" y="1327678"/>
+            <a:ext cx="9526967" cy="461665"/>
+          </a:xfrm>
+          <a:prstGeom prst="rect">
+            <a:avLst/>
+          </a:prstGeom>
+        </p:spPr>
+        <p:txBody>
+          <a:bodyPr wrap="none">
+            <a:spAutoFit/>
+          </a:bodyPr>
+          <a:lstStyle/>
+          <a:p>
+            <a:r>
+              <a:rPr lang="en-US" altLang="ko-KR" sz="2400" dirty="0">
+                <a:latin typeface="에스코어 드림 6 Bold" panose="020B0703030302020204" pitchFamily="34" charset="-127"/>
+                <a:ea typeface="에스코어 드림 6 Bold" panose="020B0703030302020204" pitchFamily="34" charset="-127"/>
+              </a:rPr>
+              <a:t>2020 </a:t>
+            </a:r>
+            <a:r>
+              <a:rPr lang="ko-KR" altLang="en-US" sz="2400" dirty="0">
+                <a:latin typeface="에스코어 드림 6 Bold" panose="020B0703030302020204" pitchFamily="34" charset="-127"/>
+                <a:ea typeface="에스코어 드림 6 Bold" panose="020B0703030302020204" pitchFamily="34" charset="-127"/>
+              </a:rPr>
+              <a:t>코로나 확산으로 인한 경제적 손실 분석 </a:t>
+            </a:r>
+            <a:r>
+              <a:rPr lang="en-US" altLang="ko-KR" sz="2400" dirty="0">
+                <a:latin typeface="에스코어 드림 6 Bold" panose="020B0703030302020204" pitchFamily="34" charset="-127"/>
+                <a:ea typeface="에스코어 드림 6 Bold" panose="020B0703030302020204" pitchFamily="34" charset="-127"/>
+              </a:rPr>
+              <a:t>: </a:t>
+            </a:r>
+            <a:r>
+              <a:rPr lang="ko-KR" altLang="en-US" sz="2400" dirty="0">
+                <a:latin typeface="에스코어 드림 6 Bold" panose="020B0703030302020204" pitchFamily="34" charset="-127"/>
+                <a:ea typeface="에스코어 드림 6 Bold" panose="020B0703030302020204" pitchFamily="34" charset="-127"/>
+              </a:rPr>
+              <a:t>이태원 상권을 중심으로</a:t>
+            </a:r>
+            <a:endParaRPr lang="en-US" altLang="ko-KR" sz="2400" dirty="0">
+              <a:latin typeface="에스코어 드림 6 Bold" panose="020B0703030302020204" pitchFamily="34" charset="-127"/>
+              <a:ea typeface="에스코어 드림 6 Bold" panose="020B0703030302020204" pitchFamily="34" charset="-127"/>
+            </a:endParaRPr>
+          </a:p>
+        </p:txBody>
+      </p:sp>
+      <p:pic>
+        <p:nvPicPr>
+          <p:cNvPr id="13" name="그래픽 12" descr="오른쪽을 가리키는 검지">
+            <a:extLst>
+              <a:ext uri="{FF2B5EF4-FFF2-40B4-BE49-F238E27FC236}">
+                <a16:creationId xmlns:a16="http://schemas.microsoft.com/office/drawing/2014/main" id="{4AA4F7AE-AAC5-4611-AFA5-44BC4B133BB4}"/>
+              </a:ext>
+            </a:extLst>
+          </p:cNvPr>
+          <p:cNvPicPr>
+            <a:picLocks noChangeAspect="1"/>
+          </p:cNvPicPr>
+          <p:nvPr/>
+        </p:nvPicPr>
+        <p:blipFill>
+          <a:blip r:embed="rId2">
+            <a:extLst>
+              <a:ext uri="{28A0092B-C50C-407E-A947-70E740481C1C}">
+                <a14:useLocalDpi xmlns:a14="http://schemas.microsoft.com/office/drawing/2010/main" val="0"/>
+              </a:ext>
+              <a:ext uri="{96DAC541-7B7A-43D3-8B79-37D633B846F1}">
+                <asvg:svgBlip xmlns:asvg="http://schemas.microsoft.com/office/drawing/2016/SVG/main" r:embed="rId3"/>
+              </a:ext>
+            </a:extLst>
+          </a:blip>
+          <a:stretch>
+            <a:fillRect/>
+          </a:stretch>
+        </p:blipFill>
+        <p:spPr>
+          <a:xfrm rot="5400000">
+            <a:off x="2320444" y="3535018"/>
+            <a:ext cx="938138" cy="938138"/>
+          </a:xfrm>
+          <a:prstGeom prst="rect">
+            <a:avLst/>
+          </a:prstGeom>
+        </p:spPr>
+      </p:pic>
+      <p:sp>
+        <p:nvSpPr>
+          <p:cNvPr id="15" name="TextBox 14">
+            <a:extLst>
+              <a:ext uri="{FF2B5EF4-FFF2-40B4-BE49-F238E27FC236}">
+                <a16:creationId xmlns:a16="http://schemas.microsoft.com/office/drawing/2014/main" id="{99FA889D-B5C2-405E-B1D4-2E0817FDB669}"/>
+              </a:ext>
+            </a:extLst>
+          </p:cNvPr>
+          <p:cNvSpPr txBox="1"/>
+          <p:nvPr/>
+        </p:nvSpPr>
+        <p:spPr>
+          <a:xfrm>
+            <a:off x="494191" y="4577697"/>
+            <a:ext cx="5642891" cy="1477328"/>
+          </a:xfrm>
+          <a:prstGeom prst="rect">
+            <a:avLst/>
+          </a:prstGeom>
+          <a:noFill/>
+        </p:spPr>
+        <p:txBody>
+          <a:bodyPr wrap="none" rtlCol="0">
+            <a:spAutoFit/>
+          </a:bodyPr>
+          <a:lstStyle/>
+          <a:p>
+            <a:r>
+              <a:rPr lang="en-US" altLang="ko-KR" u="sng" dirty="0">
+                <a:latin typeface="에스코어 드림 4 Regular" panose="020B0503030302020204" pitchFamily="34" charset="-127"/>
+                <a:ea typeface="에스코어 드림 4 Regular" panose="020B0503030302020204" pitchFamily="34" charset="-127"/>
+              </a:rPr>
+              <a:t>Solution 3 : </a:t>
+            </a:r>
+            <a:r>
+              <a:rPr lang="ko-KR" altLang="en-US" u="sng" dirty="0">
+                <a:latin typeface="에스코어 드림 4 Regular" panose="020B0503030302020204" pitchFamily="34" charset="-127"/>
+                <a:ea typeface="에스코어 드림 4 Regular" panose="020B0503030302020204" pitchFamily="34" charset="-127"/>
+              </a:rPr>
+              <a:t>포인트제를 도입한 새로운 지급 기준 제시 </a:t>
+            </a:r>
+            <a:endParaRPr lang="en-US" altLang="ko-KR" u="sng" dirty="0">
+              <a:latin typeface="에스코어 드림 4 Regular" panose="020B0503030302020204" pitchFamily="34" charset="-127"/>
+              <a:ea typeface="에스코어 드림 4 Regular" panose="020B0503030302020204" pitchFamily="34" charset="-127"/>
+            </a:endParaRPr>
+          </a:p>
+          <a:p>
+            <a:pPr marL="285750" indent="-285750">
+              <a:buFont typeface="Wingdings" panose="05000000000000000000" pitchFamily="2" charset="2"/>
+              <a:buChar char="ü"/>
+            </a:pPr>
+            <a:endParaRPr lang="en-US" altLang="ko-KR" dirty="0">
+              <a:latin typeface="에스코어 드림 4 Regular" panose="020B0503030302020204" pitchFamily="34" charset="-127"/>
+              <a:ea typeface="에스코어 드림 4 Regular" panose="020B0503030302020204" pitchFamily="34" charset="-127"/>
+            </a:endParaRPr>
+          </a:p>
+          <a:p>
+            <a:pPr marL="285750" indent="-285750">
+              <a:buFont typeface="Wingdings" panose="05000000000000000000" pitchFamily="2" charset="2"/>
+              <a:buChar char="ü"/>
+            </a:pPr>
+            <a:r>
+              <a:rPr lang="ko-KR" altLang="en-US" dirty="0">
+                <a:latin typeface="에스코어 드림 4 Regular" panose="020B0503030302020204" pitchFamily="34" charset="-127"/>
+                <a:ea typeface="에스코어 드림 4 Regular" panose="020B0503030302020204" pitchFamily="34" charset="-127"/>
+              </a:rPr>
+              <a:t>업종과 상권을 모두 기준으로 할 수 있음</a:t>
+            </a:r>
+            <a:endParaRPr lang="en-US" altLang="ko-KR" dirty="0">
+              <a:latin typeface="에스코어 드림 4 Regular" panose="020B0503030302020204" pitchFamily="34" charset="-127"/>
+              <a:ea typeface="에스코어 드림 4 Regular" panose="020B0503030302020204" pitchFamily="34" charset="-127"/>
+            </a:endParaRPr>
+          </a:p>
+          <a:p>
+            <a:pPr marL="285750" indent="-285750">
+              <a:buFont typeface="Wingdings" panose="05000000000000000000" pitchFamily="2" charset="2"/>
+              <a:buChar char="ü"/>
+            </a:pPr>
+            <a:r>
+              <a:rPr lang="ko-KR" altLang="en-US" dirty="0">
+                <a:latin typeface="에스코어 드림 4 Regular" panose="020B0503030302020204" pitchFamily="34" charset="-127"/>
+                <a:ea typeface="에스코어 드림 4 Regular" panose="020B0503030302020204" pitchFamily="34" charset="-127"/>
+              </a:rPr>
+              <a:t>각 영역 별 접수를 합산하여 지원금을 산정</a:t>
+            </a:r>
+            <a:endParaRPr lang="en-US" altLang="ko-KR" dirty="0">
+              <a:latin typeface="에스코어 드림 4 Regular" panose="020B0503030302020204" pitchFamily="34" charset="-127"/>
+              <a:ea typeface="에스코어 드림 4 Regular" panose="020B0503030302020204" pitchFamily="34" charset="-127"/>
+            </a:endParaRPr>
+          </a:p>
+          <a:p>
+            <a:pPr marL="285750" indent="-285750">
+              <a:buFont typeface="Wingdings" panose="05000000000000000000" pitchFamily="2" charset="2"/>
+              <a:buChar char="ü"/>
+            </a:pPr>
+            <a:r>
+              <a:rPr lang="ko-KR" altLang="en-US" dirty="0">
+                <a:latin typeface="에스코어 드림 4 Regular" panose="020B0503030302020204" pitchFamily="34" charset="-127"/>
+                <a:ea typeface="에스코어 드림 4 Regular" panose="020B0503030302020204" pitchFamily="34" charset="-127"/>
+              </a:rPr>
+              <a:t>새로운 특성을 반영하기에 용이하다는 장점</a:t>
+            </a:r>
+            <a:endParaRPr lang="en-US" altLang="ko-KR" dirty="0">
+              <a:latin typeface="에스코어 드림 4 Regular" panose="020B0503030302020204" pitchFamily="34" charset="-127"/>
+              <a:ea typeface="에스코어 드림 4 Regular" panose="020B0503030302020204" pitchFamily="34" charset="-127"/>
+            </a:endParaRPr>
+          </a:p>
+        </p:txBody>
+      </p:sp>
+      <p:pic>
+        <p:nvPicPr>
+          <p:cNvPr id="18" name="Object 8">
+            <a:extLst>
+              <a:ext uri="{FF2B5EF4-FFF2-40B4-BE49-F238E27FC236}">
+                <a16:creationId xmlns:a16="http://schemas.microsoft.com/office/drawing/2014/main" id="{D3F3DBE0-C6AF-4CAD-B264-5448EC4590DD}"/>
+              </a:ext>
+            </a:extLst>
+          </p:cNvPr>
+          <p:cNvPicPr>
+            <a:picLocks noChangeAspect="1"/>
+          </p:cNvPicPr>
+          <p:nvPr/>
+        </p:nvPicPr>
+        <p:blipFill rotWithShape="1">
+          <a:blip r:embed="rId4" cstate="print"/>
+          <a:srcRect l="24812" t="25052" r="25176" b="25450"/>
+          <a:stretch/>
+        </p:blipFill>
+        <p:spPr>
+          <a:xfrm>
+            <a:off x="6780770" y="1957654"/>
+            <a:ext cx="4305300" cy="1774231"/>
+          </a:xfrm>
+          <a:prstGeom prst="rect">
+            <a:avLst/>
+          </a:prstGeom>
+        </p:spPr>
+      </p:pic>
+      <p:pic>
+        <p:nvPicPr>
+          <p:cNvPr id="4" name="그림 3">
+            <a:extLst>
+              <a:ext uri="{FF2B5EF4-FFF2-40B4-BE49-F238E27FC236}">
+                <a16:creationId xmlns:a16="http://schemas.microsoft.com/office/drawing/2014/main" id="{4B5D358B-7DC3-4790-85E3-6CD7A318654C}"/>
+              </a:ext>
+            </a:extLst>
+          </p:cNvPr>
+          <p:cNvPicPr>
+            <a:picLocks noChangeAspect="1"/>
+          </p:cNvPicPr>
+          <p:nvPr/>
+        </p:nvPicPr>
+        <p:blipFill>
+          <a:blip r:embed="rId5"/>
+          <a:stretch>
+            <a:fillRect/>
+          </a:stretch>
+        </p:blipFill>
+        <p:spPr>
+          <a:xfrm>
+            <a:off x="6780770" y="4367682"/>
+            <a:ext cx="4305300" cy="1897358"/>
+          </a:xfrm>
+          <a:prstGeom prst="rect">
+            <a:avLst/>
+          </a:prstGeom>
+        </p:spPr>
+      </p:pic>
+    </p:spTree>
+    <p:extLst>
+      <p:ext uri="{BB962C8B-B14F-4D97-AF65-F5344CB8AC3E}">
+        <p14:creationId xmlns:p14="http://schemas.microsoft.com/office/powerpoint/2010/main" val="3076374010"/>
+      </p:ext>
+    </p:extLst>
+  </p:cSld>
+  <p:clrMapOvr>
+    <a:masterClrMapping/>
+  </p:clrMapOvr>
+</p:sld>
+</file>
+
+<file path=ppt/slides/slide14.xml><?xml version="1.0" encoding="utf-8"?>
+<p:sld xmlns:a="http://schemas.openxmlformats.org/drawingml/2006/main" xmlns:r="http://schemas.openxmlformats.org/officeDocument/2006/relationships" xmlns:p="http://schemas.openxmlformats.org/presentationml/2006/main">
+  <p:cSld>
+    <p:spTree>
+      <p:nvGrpSpPr>
+        <p:cNvPr id="1" name=""/>
+        <p:cNvGrpSpPr/>
+        <p:nvPr/>
+      </p:nvGrpSpPr>
+      <p:grpSpPr>
+        <a:xfrm>
+          <a:off x="0" y="0"/>
+          <a:ext cx="0" cy="0"/>
+          <a:chOff x="0" y="0"/>
+          <a:chExt cx="0" cy="0"/>
+        </a:xfrm>
+      </p:grpSpPr>
+      <p:sp>
+        <p:nvSpPr>
+          <p:cNvPr id="27" name="TextBox 26"/>
+          <p:cNvSpPr txBox="1"/>
+          <p:nvPr/>
+        </p:nvSpPr>
+        <p:spPr>
+          <a:xfrm>
+            <a:off x="1172022" y="451481"/>
+            <a:ext cx="2296845" cy="707886"/>
+          </a:xfrm>
+          <a:prstGeom prst="rect">
+            <a:avLst/>
+          </a:prstGeom>
+          <a:noFill/>
+        </p:spPr>
+        <p:txBody>
+          <a:bodyPr wrap="square" rtlCol="0">
+            <a:spAutoFit/>
+          </a:bodyPr>
+          <a:lstStyle/>
+          <a:p>
+            <a:r>
+              <a:rPr lang="en-US" altLang="ko-KR" sz="4000" dirty="0">
+                <a:solidFill>
+                  <a:srgbClr val="1D1D1D"/>
+                </a:solidFill>
+                <a:latin typeface="에스코어 드림 6 Bold" panose="020B0703030302020204" pitchFamily="34" charset="-127"/>
+                <a:ea typeface="에스코어 드림 6 Bold" panose="020B0703030302020204" pitchFamily="34" charset="-127"/>
+              </a:rPr>
+              <a:t>Projects</a:t>
+            </a:r>
+            <a:endParaRPr lang="ko-KR" altLang="en-US" sz="4000" dirty="0">
+              <a:solidFill>
+                <a:srgbClr val="1D1D1D"/>
+              </a:solidFill>
+              <a:latin typeface="에스코어 드림 6 Bold" panose="020B0703030302020204" pitchFamily="34" charset="-127"/>
+              <a:ea typeface="에스코어 드림 6 Bold" panose="020B0703030302020204" pitchFamily="34" charset="-127"/>
+            </a:endParaRPr>
+          </a:p>
+        </p:txBody>
+      </p:sp>
+      <p:sp>
+        <p:nvSpPr>
+          <p:cNvPr id="28" name="TextBox 27"/>
+          <p:cNvSpPr txBox="1"/>
+          <p:nvPr/>
+        </p:nvSpPr>
+        <p:spPr>
+          <a:xfrm>
+            <a:off x="454470" y="1924188"/>
+            <a:ext cx="5237331" cy="1477328"/>
+          </a:xfrm>
+          <a:prstGeom prst="rect">
+            <a:avLst/>
+          </a:prstGeom>
+          <a:noFill/>
+        </p:spPr>
+        <p:txBody>
+          <a:bodyPr wrap="none" rtlCol="0">
+            <a:spAutoFit/>
+          </a:bodyPr>
+          <a:lstStyle/>
+          <a:p>
+            <a:r>
+              <a:rPr lang="en-US" altLang="ko-KR" u="sng" dirty="0">
+                <a:latin typeface="에스코어 드림 4 Regular" panose="020B0503030302020204" pitchFamily="34" charset="-127"/>
+                <a:ea typeface="에스코어 드림 4 Regular" panose="020B0503030302020204" pitchFamily="34" charset="-127"/>
+              </a:rPr>
+              <a:t>Data</a:t>
+            </a:r>
+          </a:p>
+          <a:p>
+            <a:pPr marL="285750" indent="-285750">
+              <a:buFont typeface="Wingdings" panose="05000000000000000000" pitchFamily="2" charset="2"/>
+              <a:buChar char="ü"/>
+            </a:pPr>
+            <a:endParaRPr lang="en-US" altLang="ko-KR" dirty="0">
+              <a:latin typeface="에스코어 드림 4 Regular" panose="020B0503030302020204" pitchFamily="34" charset="-127"/>
+              <a:ea typeface="에스코어 드림 4 Regular" panose="020B0503030302020204" pitchFamily="34" charset="-127"/>
+            </a:endParaRPr>
+          </a:p>
+          <a:p>
+            <a:pPr marL="285750" indent="-285750">
+              <a:buFont typeface="Wingdings" panose="05000000000000000000" pitchFamily="2" charset="2"/>
+              <a:buChar char="ü"/>
+            </a:pPr>
+            <a:r>
+              <a:rPr lang="ko-KR" altLang="en-US" dirty="0">
+                <a:latin typeface="에스코어 드림 4 Regular" panose="020B0503030302020204" pitchFamily="34" charset="-127"/>
+                <a:ea typeface="에스코어 드림 4 Regular" panose="020B0503030302020204" pitchFamily="34" charset="-127"/>
+              </a:rPr>
+              <a:t>생활인구 특성 데이터 </a:t>
+            </a:r>
+            <a:r>
+              <a:rPr lang="en-US" altLang="ko-KR" dirty="0">
+                <a:latin typeface="에스코어 드림 4 Regular" panose="020B0503030302020204" pitchFamily="34" charset="-127"/>
+                <a:ea typeface="에스코어 드림 4 Regular" panose="020B0503030302020204" pitchFamily="34" charset="-127"/>
+              </a:rPr>
+              <a:t>: </a:t>
+            </a:r>
+            <a:r>
+              <a:rPr lang="ko-KR" altLang="en-US" dirty="0">
+                <a:latin typeface="에스코어 드림 4 Regular" panose="020B0503030302020204" pitchFamily="34" charset="-127"/>
+                <a:ea typeface="에스코어 드림 4 Regular" panose="020B0503030302020204" pitchFamily="34" charset="-127"/>
+              </a:rPr>
+              <a:t>유동인구</a:t>
+            </a:r>
+            <a:endParaRPr lang="en-US" altLang="ko-KR" dirty="0">
+              <a:latin typeface="에스코어 드림 4 Regular" panose="020B0503030302020204" pitchFamily="34" charset="-127"/>
+              <a:ea typeface="에스코어 드림 4 Regular" panose="020B0503030302020204" pitchFamily="34" charset="-127"/>
+            </a:endParaRPr>
+          </a:p>
+          <a:p>
+            <a:pPr marL="285750" indent="-285750">
+              <a:buFont typeface="Wingdings" panose="05000000000000000000" pitchFamily="2" charset="2"/>
+              <a:buChar char="ü"/>
+            </a:pPr>
+            <a:r>
+              <a:rPr lang="ko-KR" altLang="en-US" dirty="0">
+                <a:latin typeface="에스코어 드림 4 Regular" panose="020B0503030302020204" pitchFamily="34" charset="-127"/>
+                <a:ea typeface="에스코어 드림 4 Regular" panose="020B0503030302020204" pitchFamily="34" charset="-127"/>
+              </a:rPr>
+              <a:t>상권 특성 데이터 </a:t>
+            </a:r>
+            <a:r>
+              <a:rPr lang="en-US" altLang="ko-KR" dirty="0">
+                <a:latin typeface="에스코어 드림 4 Regular" panose="020B0503030302020204" pitchFamily="34" charset="-127"/>
+                <a:ea typeface="에스코어 드림 4 Regular" panose="020B0503030302020204" pitchFamily="34" charset="-127"/>
+              </a:rPr>
+              <a:t>: </a:t>
+            </a:r>
+            <a:r>
+              <a:rPr lang="ko-KR" altLang="en-US" dirty="0" err="1">
+                <a:latin typeface="에스코어 드림 4 Regular" panose="020B0503030302020204" pitchFamily="34" charset="-127"/>
+                <a:ea typeface="에스코어 드림 4 Regular" panose="020B0503030302020204" pitchFamily="34" charset="-127"/>
+              </a:rPr>
+              <a:t>추청</a:t>
+            </a:r>
+            <a:r>
+              <a:rPr lang="ko-KR" altLang="en-US" dirty="0">
+                <a:latin typeface="에스코어 드림 4 Regular" panose="020B0503030302020204" pitchFamily="34" charset="-127"/>
+                <a:ea typeface="에스코어 드림 4 Regular" panose="020B0503030302020204" pitchFamily="34" charset="-127"/>
+              </a:rPr>
+              <a:t> 매출액</a:t>
+            </a:r>
+            <a:endParaRPr lang="en-US" altLang="ko-KR" dirty="0">
+              <a:latin typeface="에스코어 드림 4 Regular" panose="020B0503030302020204" pitchFamily="34" charset="-127"/>
+              <a:ea typeface="에스코어 드림 4 Regular" panose="020B0503030302020204" pitchFamily="34" charset="-127"/>
+            </a:endParaRPr>
+          </a:p>
+          <a:p>
+            <a:pPr marL="285750" indent="-285750">
+              <a:buFont typeface="Wingdings" panose="05000000000000000000" pitchFamily="2" charset="2"/>
+              <a:buChar char="ü"/>
+            </a:pPr>
+            <a:r>
+              <a:rPr lang="ko-KR" altLang="en-US" dirty="0">
+                <a:latin typeface="에스코어 드림 4 Regular" panose="020B0503030302020204" pitchFamily="34" charset="-127"/>
+                <a:ea typeface="에스코어 드림 4 Regular" panose="020B0503030302020204" pitchFamily="34" charset="-127"/>
+              </a:rPr>
+              <a:t>기타 특성 데이터 </a:t>
+            </a:r>
+            <a:r>
+              <a:rPr lang="en-US" altLang="ko-KR" dirty="0">
+                <a:latin typeface="에스코어 드림 4 Regular" panose="020B0503030302020204" pitchFamily="34" charset="-127"/>
+                <a:ea typeface="에스코어 드림 4 Regular" panose="020B0503030302020204" pitchFamily="34" charset="-127"/>
+              </a:rPr>
+              <a:t>: </a:t>
+            </a:r>
+            <a:r>
+              <a:rPr lang="ko-KR" altLang="en-US" dirty="0">
+                <a:latin typeface="에스코어 드림 4 Regular" panose="020B0503030302020204" pitchFamily="34" charset="-127"/>
+                <a:ea typeface="에스코어 드림 4 Regular" panose="020B0503030302020204" pitchFamily="34" charset="-127"/>
+              </a:rPr>
+              <a:t>코로나 </a:t>
+            </a:r>
+            <a:r>
+              <a:rPr lang="ko-KR" altLang="en-US" dirty="0" err="1">
+                <a:latin typeface="에스코어 드림 4 Regular" panose="020B0503030302020204" pitchFamily="34" charset="-127"/>
+                <a:ea typeface="에스코어 드림 4 Regular" panose="020B0503030302020204" pitchFamily="34" charset="-127"/>
+              </a:rPr>
+              <a:t>확진자</a:t>
+            </a:r>
+            <a:r>
+              <a:rPr lang="en-US" altLang="ko-KR" dirty="0">
+                <a:latin typeface="에스코어 드림 4 Regular" panose="020B0503030302020204" pitchFamily="34" charset="-127"/>
+                <a:ea typeface="에스코어 드림 4 Regular" panose="020B0503030302020204" pitchFamily="34" charset="-127"/>
+              </a:rPr>
+              <a:t>,</a:t>
+            </a:r>
+            <a:r>
+              <a:rPr lang="ko-KR" altLang="en-US" dirty="0">
+                <a:latin typeface="에스코어 드림 4 Regular" panose="020B0503030302020204" pitchFamily="34" charset="-127"/>
+                <a:ea typeface="에스코어 드림 4 Regular" panose="020B0503030302020204" pitchFamily="34" charset="-127"/>
+              </a:rPr>
+              <a:t> 폐업</a:t>
+            </a:r>
+            <a:r>
+              <a:rPr lang="en-US" altLang="ko-KR" dirty="0">
+                <a:latin typeface="에스코어 드림 4 Regular" panose="020B0503030302020204" pitchFamily="34" charset="-127"/>
+                <a:ea typeface="에스코어 드림 4 Regular" panose="020B0503030302020204" pitchFamily="34" charset="-127"/>
+              </a:rPr>
+              <a:t>/</a:t>
+            </a:r>
+            <a:r>
+              <a:rPr lang="ko-KR" altLang="en-US" dirty="0" err="1">
+                <a:latin typeface="에스코어 드림 4 Regular" panose="020B0503030302020204" pitchFamily="34" charset="-127"/>
+                <a:ea typeface="에스코어 드림 4 Regular" panose="020B0503030302020204" pitchFamily="34" charset="-127"/>
+              </a:rPr>
+              <a:t>공실률</a:t>
+            </a:r>
+            <a:r>
+              <a:rPr lang="en-US" altLang="ko-KR" dirty="0">
+                <a:latin typeface="에스코어 드림 4 Regular" panose="020B0503030302020204" pitchFamily="34" charset="-127"/>
+                <a:ea typeface="에스코어 드림 4 Regular" panose="020B0503030302020204" pitchFamily="34" charset="-127"/>
+              </a:rPr>
+              <a:t> </a:t>
+            </a:r>
+          </a:p>
+        </p:txBody>
+      </p:sp>
+      <p:sp>
+        <p:nvSpPr>
+          <p:cNvPr id="30" name="TextBox 29"/>
+          <p:cNvSpPr txBox="1"/>
+          <p:nvPr/>
+        </p:nvSpPr>
+        <p:spPr>
+          <a:xfrm>
+            <a:off x="195473" y="311719"/>
+            <a:ext cx="976549" cy="923330"/>
+          </a:xfrm>
+          <a:prstGeom prst="rect">
+            <a:avLst/>
+          </a:prstGeom>
+          <a:noFill/>
+        </p:spPr>
+        <p:txBody>
+          <a:bodyPr wrap="none" rtlCol="0">
+            <a:spAutoFit/>
+          </a:bodyPr>
+          <a:lstStyle/>
+          <a:p>
+            <a:r>
+              <a:rPr lang="en-US" altLang="ko-KR" sz="5400" spc="-300" dirty="0">
+                <a:solidFill>
+                  <a:srgbClr val="1D1D1D"/>
+                </a:solidFill>
+                <a:latin typeface="에스코어 드림 7 ExtraBold" panose="020B0803030302020204" pitchFamily="34" charset="-127"/>
+                <a:ea typeface="에스코어 드림 7 ExtraBold" panose="020B0803030302020204" pitchFamily="34" charset="-127"/>
+              </a:rPr>
+              <a:t>03</a:t>
+            </a:r>
+            <a:endParaRPr lang="ko-KR" altLang="en-US" sz="5400" spc="-300" dirty="0">
+              <a:solidFill>
+                <a:srgbClr val="1D1D1D"/>
+              </a:solidFill>
+              <a:latin typeface="에스코어 드림 7 ExtraBold" panose="020B0803030302020204" pitchFamily="34" charset="-127"/>
+              <a:ea typeface="에스코어 드림 7 ExtraBold" panose="020B0803030302020204" pitchFamily="34" charset="-127"/>
+            </a:endParaRPr>
+          </a:p>
+        </p:txBody>
+      </p:sp>
+      <p:sp>
+        <p:nvSpPr>
+          <p:cNvPr id="3" name="직사각형 2"/>
+          <p:cNvSpPr/>
+          <p:nvPr/>
+        </p:nvSpPr>
+        <p:spPr>
+          <a:xfrm>
+            <a:off x="363362" y="1327678"/>
+            <a:ext cx="9526967" cy="461665"/>
+          </a:xfrm>
+          <a:prstGeom prst="rect">
+            <a:avLst/>
+          </a:prstGeom>
+        </p:spPr>
+        <p:txBody>
+          <a:bodyPr wrap="none">
+            <a:spAutoFit/>
+          </a:bodyPr>
+          <a:lstStyle/>
+          <a:p>
+            <a:r>
+              <a:rPr lang="en-US" altLang="ko-KR" sz="2400" dirty="0">
+                <a:latin typeface="에스코어 드림 6 Bold" panose="020B0703030302020204" pitchFamily="34" charset="-127"/>
+                <a:ea typeface="에스코어 드림 6 Bold" panose="020B0703030302020204" pitchFamily="34" charset="-127"/>
+              </a:rPr>
+              <a:t>2020 </a:t>
+            </a:r>
+            <a:r>
+              <a:rPr lang="ko-KR" altLang="en-US" sz="2400" dirty="0">
+                <a:latin typeface="에스코어 드림 6 Bold" panose="020B0703030302020204" pitchFamily="34" charset="-127"/>
+                <a:ea typeface="에스코어 드림 6 Bold" panose="020B0703030302020204" pitchFamily="34" charset="-127"/>
+              </a:rPr>
+              <a:t>코로나 확산으로 인한 경제적 손실 분석 </a:t>
+            </a:r>
+            <a:r>
+              <a:rPr lang="en-US" altLang="ko-KR" sz="2400" dirty="0">
+                <a:latin typeface="에스코어 드림 6 Bold" panose="020B0703030302020204" pitchFamily="34" charset="-127"/>
+                <a:ea typeface="에스코어 드림 6 Bold" panose="020B0703030302020204" pitchFamily="34" charset="-127"/>
+              </a:rPr>
+              <a:t>: </a:t>
+            </a:r>
+            <a:r>
+              <a:rPr lang="ko-KR" altLang="en-US" sz="2400" dirty="0">
+                <a:latin typeface="에스코어 드림 6 Bold" panose="020B0703030302020204" pitchFamily="34" charset="-127"/>
+                <a:ea typeface="에스코어 드림 6 Bold" panose="020B0703030302020204" pitchFamily="34" charset="-127"/>
+              </a:rPr>
+              <a:t>이태원 상권을 중심으로</a:t>
+            </a:r>
+            <a:endParaRPr lang="en-US" altLang="ko-KR" sz="2400" dirty="0">
+              <a:latin typeface="에스코어 드림 6 Bold" panose="020B0703030302020204" pitchFamily="34" charset="-127"/>
+              <a:ea typeface="에스코어 드림 6 Bold" panose="020B0703030302020204" pitchFamily="34" charset="-127"/>
+            </a:endParaRPr>
+          </a:p>
+        </p:txBody>
+      </p:sp>
+      <p:sp>
+        <p:nvSpPr>
+          <p:cNvPr id="7" name="TextBox 6">
+            <a:extLst>
+              <a:ext uri="{FF2B5EF4-FFF2-40B4-BE49-F238E27FC236}">
+                <a16:creationId xmlns:a16="http://schemas.microsoft.com/office/drawing/2014/main" id="{F3EEE0CD-41F1-4791-857F-7E4D51147A2A}"/>
+              </a:ext>
+            </a:extLst>
+          </p:cNvPr>
+          <p:cNvSpPr txBox="1"/>
+          <p:nvPr/>
+        </p:nvSpPr>
+        <p:spPr>
+          <a:xfrm>
+            <a:off x="454470" y="3526114"/>
+            <a:ext cx="4545475" cy="1200329"/>
+          </a:xfrm>
+          <a:prstGeom prst="rect">
+            <a:avLst/>
+          </a:prstGeom>
+          <a:noFill/>
+        </p:spPr>
+        <p:txBody>
+          <a:bodyPr wrap="none" rtlCol="0">
+            <a:spAutoFit/>
+          </a:bodyPr>
+          <a:lstStyle/>
+          <a:p>
+            <a:r>
+              <a:rPr lang="en-US" altLang="ko-KR" u="sng" dirty="0">
+                <a:latin typeface="에스코어 드림 4 Regular" panose="020B0503030302020204" pitchFamily="34" charset="-127"/>
+                <a:ea typeface="에스코어 드림 4 Regular" panose="020B0503030302020204" pitchFamily="34" charset="-127"/>
+              </a:rPr>
+              <a:t>Environment</a:t>
+            </a:r>
+          </a:p>
+          <a:p>
+            <a:pPr marL="285750" indent="-285750">
+              <a:buFont typeface="Wingdings" panose="05000000000000000000" pitchFamily="2" charset="2"/>
+              <a:buChar char="ü"/>
+            </a:pPr>
+            <a:endParaRPr lang="en-US" altLang="ko-KR" dirty="0">
+              <a:latin typeface="에스코어 드림 4 Regular" panose="020B0503030302020204" pitchFamily="34" charset="-127"/>
+              <a:ea typeface="에스코어 드림 4 Regular" panose="020B0503030302020204" pitchFamily="34" charset="-127"/>
+            </a:endParaRPr>
+          </a:p>
+          <a:p>
+            <a:pPr marL="285750" indent="-285750">
+              <a:buFont typeface="Wingdings" panose="05000000000000000000" pitchFamily="2" charset="2"/>
+              <a:buChar char="ü"/>
+            </a:pPr>
+            <a:r>
+              <a:rPr lang="en-US" altLang="ko-KR" dirty="0">
+                <a:latin typeface="에스코어 드림 4 Regular" panose="020B0503030302020204" pitchFamily="34" charset="-127"/>
+                <a:ea typeface="에스코어 드림 4 Regular" panose="020B0503030302020204" pitchFamily="34" charset="-127"/>
+              </a:rPr>
+              <a:t>Python 3.6+ / </a:t>
+            </a:r>
+            <a:r>
+              <a:rPr lang="en-US" altLang="ko-KR" dirty="0" err="1">
+                <a:latin typeface="에스코어 드림 4 Regular" panose="020B0503030302020204" pitchFamily="34" charset="-127"/>
+                <a:ea typeface="에스코어 드림 4 Regular" panose="020B0503030302020204" pitchFamily="34" charset="-127"/>
+              </a:rPr>
+              <a:t>Jupyter</a:t>
+            </a:r>
+            <a:r>
+              <a:rPr lang="en-US" altLang="ko-KR" dirty="0">
+                <a:latin typeface="에스코어 드림 4 Regular" panose="020B0503030302020204" pitchFamily="34" charset="-127"/>
+                <a:ea typeface="에스코어 드림 4 Regular" panose="020B0503030302020204" pitchFamily="34" charset="-127"/>
+              </a:rPr>
+              <a:t> /Tableau </a:t>
+            </a:r>
+          </a:p>
+          <a:p>
+            <a:pPr marL="285750" indent="-285750">
+              <a:buFont typeface="Wingdings" panose="05000000000000000000" pitchFamily="2" charset="2"/>
+              <a:buChar char="ü"/>
+            </a:pPr>
+            <a:r>
+              <a:rPr lang="en-US" altLang="ko-KR" dirty="0">
+                <a:latin typeface="에스코어 드림 4 Regular" panose="020B0503030302020204" pitchFamily="34" charset="-127"/>
+                <a:ea typeface="에스코어 드림 4 Regular" panose="020B0503030302020204" pitchFamily="34" charset="-127"/>
+              </a:rPr>
+              <a:t>Pandas / MySQL /Scikit-learn / </a:t>
+            </a:r>
+            <a:r>
+              <a:rPr lang="en-US" altLang="ko-KR" dirty="0" err="1">
+                <a:latin typeface="에스코어 드림 4 Regular" panose="020B0503030302020204" pitchFamily="34" charset="-127"/>
+                <a:ea typeface="에스코어 드림 4 Regular" panose="020B0503030302020204" pitchFamily="34" charset="-127"/>
+              </a:rPr>
+              <a:t>Plotly</a:t>
+            </a:r>
+            <a:endParaRPr lang="en-US" altLang="ko-KR" dirty="0">
+              <a:latin typeface="에스코어 드림 4 Regular" panose="020B0503030302020204" pitchFamily="34" charset="-127"/>
+              <a:ea typeface="에스코어 드림 4 Regular" panose="020B0503030302020204" pitchFamily="34" charset="-127"/>
+            </a:endParaRPr>
+          </a:p>
+        </p:txBody>
+      </p:sp>
+      <p:sp>
+        <p:nvSpPr>
+          <p:cNvPr id="8" name="TextBox 7">
+            <a:extLst>
+              <a:ext uri="{FF2B5EF4-FFF2-40B4-BE49-F238E27FC236}">
+                <a16:creationId xmlns:a16="http://schemas.microsoft.com/office/drawing/2014/main" id="{A859DAD7-3884-4217-9908-A7EFE6A65C66}"/>
+              </a:ext>
+            </a:extLst>
+          </p:cNvPr>
+          <p:cNvSpPr txBox="1"/>
+          <p:nvPr/>
+        </p:nvSpPr>
+        <p:spPr>
+          <a:xfrm>
+            <a:off x="6096000" y="1881972"/>
+            <a:ext cx="5593198" cy="1200329"/>
+          </a:xfrm>
+          <a:prstGeom prst="rect">
+            <a:avLst/>
+          </a:prstGeom>
+          <a:noFill/>
+        </p:spPr>
+        <p:txBody>
+          <a:bodyPr wrap="none" rtlCol="0">
+            <a:spAutoFit/>
+          </a:bodyPr>
+          <a:lstStyle/>
+          <a:p>
+            <a:r>
+              <a:rPr lang="en-US" altLang="ko-KR" u="sng" dirty="0">
+                <a:latin typeface="에스코어 드림 4 Regular" panose="020B0503030302020204" pitchFamily="34" charset="-127"/>
+                <a:ea typeface="에스코어 드림 4 Regular" panose="020B0503030302020204" pitchFamily="34" charset="-127"/>
+              </a:rPr>
+              <a:t>Purpose</a:t>
+            </a:r>
+          </a:p>
+          <a:p>
+            <a:pPr marL="285750" indent="-285750">
+              <a:buFont typeface="Wingdings" panose="05000000000000000000" pitchFamily="2" charset="2"/>
+              <a:buChar char="ü"/>
+            </a:pPr>
+            <a:endParaRPr lang="en-US" altLang="ko-KR" dirty="0">
+              <a:latin typeface="에스코어 드림 4 Regular" panose="020B0503030302020204" pitchFamily="34" charset="-127"/>
+              <a:ea typeface="에스코어 드림 4 Regular" panose="020B0503030302020204" pitchFamily="34" charset="-127"/>
+            </a:endParaRPr>
+          </a:p>
+          <a:p>
+            <a:pPr marL="285750" indent="-285750">
+              <a:buFont typeface="Wingdings" panose="05000000000000000000" pitchFamily="2" charset="2"/>
+              <a:buChar char="ü"/>
+            </a:pPr>
+            <a:r>
+              <a:rPr lang="ko-KR" altLang="en-US" dirty="0">
+                <a:latin typeface="에스코어 드림 4 Regular" panose="020B0503030302020204" pitchFamily="34" charset="-127"/>
+                <a:ea typeface="에스코어 드림 4 Regular" panose="020B0503030302020204" pitchFamily="34" charset="-127"/>
+              </a:rPr>
+              <a:t>코로나 이후 개별 상권 자영업 손실 특성을 분석</a:t>
+            </a:r>
+            <a:r>
+              <a:rPr lang="en-US" altLang="ko-KR" dirty="0">
+                <a:latin typeface="에스코어 드림 4 Regular" panose="020B0503030302020204" pitchFamily="34" charset="-127"/>
+                <a:ea typeface="에스코어 드림 4 Regular" panose="020B0503030302020204" pitchFamily="34" charset="-127"/>
+              </a:rPr>
+              <a:t>.</a:t>
+            </a:r>
+          </a:p>
+          <a:p>
+            <a:pPr marL="285750" indent="-285750">
+              <a:buFont typeface="Wingdings" panose="05000000000000000000" pitchFamily="2" charset="2"/>
+              <a:buChar char="ü"/>
+            </a:pPr>
+            <a:r>
+              <a:rPr lang="ko-KR" altLang="en-US" dirty="0">
+                <a:latin typeface="에스코어 드림 4 Regular" panose="020B0503030302020204" pitchFamily="34" charset="-127"/>
+                <a:ea typeface="에스코어 드림 4 Regular" panose="020B0503030302020204" pitchFamily="34" charset="-127"/>
+              </a:rPr>
+              <a:t>상권 특성을 반영한 구체적인 기준을 제시하고자 함</a:t>
+            </a:r>
+            <a:r>
+              <a:rPr lang="en-US" altLang="ko-KR" dirty="0">
+                <a:latin typeface="에스코어 드림 4 Regular" panose="020B0503030302020204" pitchFamily="34" charset="-127"/>
+                <a:ea typeface="에스코어 드림 4 Regular" panose="020B0503030302020204" pitchFamily="34" charset="-127"/>
+              </a:rPr>
+              <a:t>.</a:t>
+            </a:r>
+          </a:p>
+        </p:txBody>
+      </p:sp>
+      <p:sp>
+        <p:nvSpPr>
+          <p:cNvPr id="12" name="TextBox 11">
+            <a:extLst>
+              <a:ext uri="{FF2B5EF4-FFF2-40B4-BE49-F238E27FC236}">
+                <a16:creationId xmlns:a16="http://schemas.microsoft.com/office/drawing/2014/main" id="{59A159C5-1039-4D5B-95DC-1A339E2ABCD7}"/>
+              </a:ext>
+            </a:extLst>
+          </p:cNvPr>
+          <p:cNvSpPr txBox="1"/>
+          <p:nvPr/>
+        </p:nvSpPr>
+        <p:spPr>
+          <a:xfrm>
+            <a:off x="454470" y="5018543"/>
+            <a:ext cx="5612434" cy="1200329"/>
+          </a:xfrm>
+          <a:prstGeom prst="rect">
+            <a:avLst/>
+          </a:prstGeom>
+          <a:noFill/>
+        </p:spPr>
+        <p:txBody>
+          <a:bodyPr wrap="none" rtlCol="0">
+            <a:spAutoFit/>
+          </a:bodyPr>
+          <a:lstStyle/>
+          <a:p>
+            <a:r>
+              <a:rPr lang="en-US" altLang="ko-KR" u="sng" dirty="0" err="1">
+                <a:latin typeface="에스코어 드림 4 Regular" panose="020B0503030302020204" pitchFamily="34" charset="-127"/>
+                <a:ea typeface="에스코어 드림 4 Regular" panose="020B0503030302020204" pitchFamily="34" charset="-127"/>
+              </a:rPr>
+              <a:t>Bankground</a:t>
+            </a:r>
+            <a:endParaRPr lang="en-US" altLang="ko-KR" u="sng" dirty="0">
+              <a:latin typeface="에스코어 드림 4 Regular" panose="020B0503030302020204" pitchFamily="34" charset="-127"/>
+              <a:ea typeface="에스코어 드림 4 Regular" panose="020B0503030302020204" pitchFamily="34" charset="-127"/>
+            </a:endParaRPr>
+          </a:p>
+          <a:p>
+            <a:endParaRPr lang="en-US" altLang="ko-KR" u="sng" dirty="0">
+              <a:latin typeface="에스코어 드림 4 Regular" panose="020B0503030302020204" pitchFamily="34" charset="-127"/>
+              <a:ea typeface="에스코어 드림 4 Regular" panose="020B0503030302020204" pitchFamily="34" charset="-127"/>
+            </a:endParaRPr>
+          </a:p>
+          <a:p>
+            <a:pPr marL="285750" indent="-285750">
+              <a:buFont typeface="Wingdings" panose="05000000000000000000" pitchFamily="2" charset="2"/>
+              <a:buChar char="ü"/>
+            </a:pPr>
+            <a:r>
+              <a:rPr lang="ko-KR" altLang="en-US" dirty="0">
+                <a:latin typeface="에스코어 드림 4 Regular" panose="020B0503030302020204" pitchFamily="34" charset="-127"/>
+                <a:ea typeface="에스코어 드림 4 Regular" panose="020B0503030302020204" pitchFamily="34" charset="-127"/>
+              </a:rPr>
+              <a:t>코로나 이후 자영업계에 큰 손실이 발생되고 있음</a:t>
+            </a:r>
+            <a:endParaRPr lang="en-US" altLang="ko-KR" dirty="0">
+              <a:latin typeface="에스코어 드림 4 Regular" panose="020B0503030302020204" pitchFamily="34" charset="-127"/>
+              <a:ea typeface="에스코어 드림 4 Regular" panose="020B0503030302020204" pitchFamily="34" charset="-127"/>
+            </a:endParaRPr>
+          </a:p>
+          <a:p>
+            <a:pPr marL="285750" indent="-285750">
+              <a:buFont typeface="Wingdings" panose="05000000000000000000" pitchFamily="2" charset="2"/>
+              <a:buChar char="ü"/>
+            </a:pPr>
+            <a:r>
+              <a:rPr lang="en-US" altLang="ko-KR" dirty="0">
+                <a:latin typeface="에스코어 드림 4 Regular" panose="020B0503030302020204" pitchFamily="34" charset="-127"/>
+                <a:ea typeface="에스코어 드림 4 Regular" panose="020B0503030302020204" pitchFamily="34" charset="-127"/>
+              </a:rPr>
+              <a:t>But </a:t>
+            </a:r>
+            <a:r>
+              <a:rPr lang="ko-KR" altLang="en-US" dirty="0">
+                <a:latin typeface="에스코어 드림 4 Regular" panose="020B0503030302020204" pitchFamily="34" charset="-127"/>
+                <a:ea typeface="에스코어 드림 4 Regular" panose="020B0503030302020204" pitchFamily="34" charset="-127"/>
+              </a:rPr>
+              <a:t>정부가 제안하는 자영업자 지원정책은 제한적임</a:t>
+            </a:r>
+            <a:endParaRPr lang="en-US" altLang="ko-KR" dirty="0">
+              <a:latin typeface="에스코어 드림 4 Regular" panose="020B0503030302020204" pitchFamily="34" charset="-127"/>
+              <a:ea typeface="에스코어 드림 4 Regular" panose="020B0503030302020204" pitchFamily="34" charset="-127"/>
+            </a:endParaRPr>
+          </a:p>
+        </p:txBody>
+      </p:sp>
+      <p:sp>
+        <p:nvSpPr>
+          <p:cNvPr id="14" name="TextBox 13">
+            <a:extLst>
+              <a:ext uri="{FF2B5EF4-FFF2-40B4-BE49-F238E27FC236}">
+                <a16:creationId xmlns:a16="http://schemas.microsoft.com/office/drawing/2014/main" id="{D58A6128-E0DB-4D12-BA7A-DA58639FFD18}"/>
+              </a:ext>
+            </a:extLst>
+          </p:cNvPr>
+          <p:cNvSpPr txBox="1"/>
+          <p:nvPr/>
+        </p:nvSpPr>
+        <p:spPr>
+          <a:xfrm>
+            <a:off x="6096000" y="3587601"/>
+            <a:ext cx="5221301" cy="1754326"/>
+          </a:xfrm>
+          <a:prstGeom prst="rect">
+            <a:avLst/>
+          </a:prstGeom>
+          <a:noFill/>
+        </p:spPr>
+        <p:txBody>
+          <a:bodyPr wrap="none" rtlCol="0">
+            <a:spAutoFit/>
+          </a:bodyPr>
+          <a:lstStyle/>
+          <a:p>
+            <a:r>
+              <a:rPr lang="en-US" altLang="ko-KR" u="sng" dirty="0">
+                <a:latin typeface="에스코어 드림 4 Regular" panose="020B0503030302020204" pitchFamily="34" charset="-127"/>
+                <a:ea typeface="에스코어 드림 4 Regular" panose="020B0503030302020204" pitchFamily="34" charset="-127"/>
+              </a:rPr>
+              <a:t>Methodology</a:t>
+            </a:r>
+          </a:p>
+          <a:p>
+            <a:pPr marL="285750" indent="-285750">
+              <a:buFont typeface="Wingdings" panose="05000000000000000000" pitchFamily="2" charset="2"/>
+              <a:buChar char="ü"/>
+            </a:pPr>
+            <a:endParaRPr lang="en-US" altLang="ko-KR" dirty="0">
+              <a:latin typeface="에스코어 드림 4 Regular" panose="020B0503030302020204" pitchFamily="34" charset="-127"/>
+              <a:ea typeface="에스코어 드림 4 Regular" panose="020B0503030302020204" pitchFamily="34" charset="-127"/>
+            </a:endParaRPr>
+          </a:p>
+          <a:p>
+            <a:pPr marL="285750" indent="-285750">
+              <a:buFont typeface="Wingdings" panose="05000000000000000000" pitchFamily="2" charset="2"/>
+              <a:buChar char="ü"/>
+            </a:pPr>
+            <a:r>
+              <a:rPr lang="ko-KR" altLang="en-US" dirty="0">
+                <a:latin typeface="에스코어 드림 4 Regular" panose="020B0503030302020204" pitchFamily="34" charset="-127"/>
+                <a:ea typeface="에스코어 드림 4 Regular" panose="020B0503030302020204" pitchFamily="34" charset="-127"/>
+              </a:rPr>
+              <a:t>대표성</a:t>
+            </a:r>
+            <a:r>
+              <a:rPr lang="en-US" altLang="ko-KR" dirty="0">
+                <a:latin typeface="에스코어 드림 4 Regular" panose="020B0503030302020204" pitchFamily="34" charset="-127"/>
+                <a:ea typeface="에스코어 드림 4 Regular" panose="020B0503030302020204" pitchFamily="34" charset="-127"/>
+              </a:rPr>
+              <a:t>, </a:t>
+            </a:r>
+            <a:r>
+              <a:rPr lang="ko-KR" altLang="en-US" dirty="0">
+                <a:latin typeface="에스코어 드림 4 Regular" panose="020B0503030302020204" pitchFamily="34" charset="-127"/>
+                <a:ea typeface="에스코어 드림 4 Regular" panose="020B0503030302020204" pitchFamily="34" charset="-127"/>
+              </a:rPr>
+              <a:t>위험성</a:t>
+            </a:r>
+            <a:r>
+              <a:rPr lang="en-US" altLang="ko-KR" dirty="0">
+                <a:latin typeface="에스코어 드림 4 Regular" panose="020B0503030302020204" pitchFamily="34" charset="-127"/>
+                <a:ea typeface="에스코어 드림 4 Regular" panose="020B0503030302020204" pitchFamily="34" charset="-127"/>
+              </a:rPr>
+              <a:t>, </a:t>
+            </a:r>
+            <a:r>
+              <a:rPr lang="ko-KR" altLang="en-US" dirty="0">
+                <a:latin typeface="에스코어 드림 4 Regular" panose="020B0503030302020204" pitchFamily="34" charset="-127"/>
+                <a:ea typeface="에스코어 드림 4 Regular" panose="020B0503030302020204" pitchFamily="34" charset="-127"/>
+              </a:rPr>
+              <a:t>개성을 기준으로 타겟 지역 선정</a:t>
+            </a:r>
+            <a:endParaRPr lang="en-US" altLang="ko-KR" dirty="0">
+              <a:latin typeface="에스코어 드림 4 Regular" panose="020B0503030302020204" pitchFamily="34" charset="-127"/>
+              <a:ea typeface="에스코어 드림 4 Regular" panose="020B0503030302020204" pitchFamily="34" charset="-127"/>
+            </a:endParaRPr>
+          </a:p>
+          <a:p>
+            <a:r>
+              <a:rPr lang="en-US" altLang="ko-KR" dirty="0">
+                <a:latin typeface="에스코어 드림 4 Regular" panose="020B0503030302020204" pitchFamily="34" charset="-127"/>
+                <a:ea typeface="에스코어 드림 4 Regular" panose="020B0503030302020204" pitchFamily="34" charset="-127"/>
+              </a:rPr>
+              <a:t>	</a:t>
+            </a:r>
+            <a:r>
+              <a:rPr lang="ko-KR" altLang="en-US" dirty="0">
+                <a:latin typeface="에스코어 드림 4 Regular" panose="020B0503030302020204" pitchFamily="34" charset="-127"/>
+                <a:ea typeface="에스코어 드림 4 Regular" panose="020B0503030302020204" pitchFamily="34" charset="-127"/>
+              </a:rPr>
+              <a:t> 👉 이태원 지역 선정</a:t>
+            </a:r>
+            <a:r>
+              <a:rPr lang="en-US" altLang="ko-KR" dirty="0">
+                <a:latin typeface="에스코어 드림 4 Regular" panose="020B0503030302020204" pitchFamily="34" charset="-127"/>
+                <a:ea typeface="에스코어 드림 4 Regular" panose="020B0503030302020204" pitchFamily="34" charset="-127"/>
+              </a:rPr>
+              <a:t>(Gentrification)</a:t>
+            </a:r>
+          </a:p>
+          <a:p>
+            <a:pPr marL="285750" indent="-285750">
+              <a:buFont typeface="Wingdings" panose="05000000000000000000" pitchFamily="2" charset="2"/>
+              <a:buChar char="ü"/>
+            </a:pPr>
+            <a:r>
+              <a:rPr lang="ko-KR" altLang="en-US" dirty="0">
+                <a:latin typeface="에스코어 드림 4 Regular" panose="020B0503030302020204" pitchFamily="34" charset="-127"/>
+                <a:ea typeface="에스코어 드림 4 Regular" panose="020B0503030302020204" pitchFamily="34" charset="-127"/>
+              </a:rPr>
+              <a:t>매출 증감 분석 👉 </a:t>
+            </a:r>
+            <a:r>
+              <a:rPr lang="ko-KR" altLang="en-US" dirty="0" err="1">
+                <a:latin typeface="에스코어 드림 4 Regular" panose="020B0503030302020204" pitchFamily="34" charset="-127"/>
+                <a:ea typeface="에스코어 드림 4 Regular" panose="020B0503030302020204" pitchFamily="34" charset="-127"/>
+              </a:rPr>
+              <a:t>상권별</a:t>
+            </a:r>
+            <a:r>
+              <a:rPr lang="en-US" altLang="ko-KR" dirty="0">
+                <a:latin typeface="에스코어 드림 4 Regular" panose="020B0503030302020204" pitchFamily="34" charset="-127"/>
+                <a:ea typeface="에스코어 드림 4 Regular" panose="020B0503030302020204" pitchFamily="34" charset="-127"/>
+              </a:rPr>
+              <a:t>, </a:t>
+            </a:r>
+            <a:r>
+              <a:rPr lang="ko-KR" altLang="en-US" dirty="0">
+                <a:latin typeface="에스코어 드림 4 Regular" panose="020B0503030302020204" pitchFamily="34" charset="-127"/>
+                <a:ea typeface="에스코어 드림 4 Regular" panose="020B0503030302020204" pitchFamily="34" charset="-127"/>
+              </a:rPr>
+              <a:t>업종별로 </a:t>
+            </a:r>
+            <a:endParaRPr lang="en-US" altLang="ko-KR" dirty="0">
+              <a:latin typeface="에스코어 드림 4 Regular" panose="020B0503030302020204" pitchFamily="34" charset="-127"/>
+              <a:ea typeface="에스코어 드림 4 Regular" panose="020B0503030302020204" pitchFamily="34" charset="-127"/>
+            </a:endParaRPr>
+          </a:p>
+          <a:p>
+            <a:pPr marL="285750" indent="-285750">
+              <a:buFont typeface="Wingdings" panose="05000000000000000000" pitchFamily="2" charset="2"/>
+              <a:buChar char="ü"/>
+            </a:pPr>
+            <a:r>
+              <a:rPr lang="ko-KR" altLang="en-US" dirty="0">
+                <a:latin typeface="에스코어 드림 4 Regular" panose="020B0503030302020204" pitchFamily="34" charset="-127"/>
+                <a:ea typeface="에스코어 드림 4 Regular" panose="020B0503030302020204" pitchFamily="34" charset="-127"/>
+              </a:rPr>
+              <a:t>업종</a:t>
+            </a:r>
+            <a:r>
+              <a:rPr lang="en-US" altLang="ko-KR" dirty="0">
+                <a:latin typeface="에스코어 드림 4 Regular" panose="020B0503030302020204" pitchFamily="34" charset="-127"/>
+                <a:ea typeface="에스코어 드림 4 Regular" panose="020B0503030302020204" pitchFamily="34" charset="-127"/>
+              </a:rPr>
+              <a:t>,</a:t>
+            </a:r>
+            <a:r>
+              <a:rPr lang="ko-KR" altLang="en-US" dirty="0">
+                <a:latin typeface="에스코어 드림 4 Regular" panose="020B0503030302020204" pitchFamily="34" charset="-127"/>
+                <a:ea typeface="에스코어 드림 4 Regular" panose="020B0503030302020204" pitchFamily="34" charset="-127"/>
+              </a:rPr>
+              <a:t>상권 군집분석 👉 </a:t>
+            </a:r>
+            <a:r>
+              <a:rPr lang="en-US" altLang="ko-KR" dirty="0">
+                <a:latin typeface="에스코어 드림 4 Regular" panose="020B0503030302020204" pitchFamily="34" charset="-127"/>
+                <a:ea typeface="에스코어 드림 4 Regular" panose="020B0503030302020204" pitchFamily="34" charset="-127"/>
+              </a:rPr>
+              <a:t>K-means </a:t>
+            </a:r>
+            <a:r>
+              <a:rPr lang="ko-KR" altLang="en-US" dirty="0">
+                <a:latin typeface="에스코어 드림 4 Regular" panose="020B0503030302020204" pitchFamily="34" charset="-127"/>
+                <a:ea typeface="에스코어 드림 4 Regular" panose="020B0503030302020204" pitchFamily="34" charset="-127"/>
+              </a:rPr>
+              <a:t>적용</a:t>
+            </a:r>
+            <a:endParaRPr lang="en-US" altLang="ko-KR" dirty="0">
+              <a:latin typeface="에스코어 드림 4 Regular" panose="020B0503030302020204" pitchFamily="34" charset="-127"/>
+              <a:ea typeface="에스코어 드림 4 Regular" panose="020B0503030302020204" pitchFamily="34" charset="-127"/>
+            </a:endParaRPr>
+          </a:p>
+        </p:txBody>
+      </p:sp>
+    </p:spTree>
+    <p:extLst>
+      <p:ext uri="{BB962C8B-B14F-4D97-AF65-F5344CB8AC3E}">
+        <p14:creationId xmlns:p14="http://schemas.microsoft.com/office/powerpoint/2010/main" val="1696520558"/>
+      </p:ext>
+    </p:extLst>
+  </p:cSld>
+  <p:clrMapOvr>
+    <a:masterClrMapping/>
+  </p:clrMapOvr>
+</p:sld>
+</file>
+
+<file path=ppt/slides/slide15.xml><?xml version="1.0" encoding="utf-8"?>
+<p:sld xmlns:a="http://schemas.openxmlformats.org/drawingml/2006/main" xmlns:r="http://schemas.openxmlformats.org/officeDocument/2006/relationships" xmlns:p="http://schemas.openxmlformats.org/presentationml/2006/main">
+  <p:cSld>
+    <p:spTree>
+      <p:nvGrpSpPr>
+        <p:cNvPr id="1" name=""/>
+        <p:cNvGrpSpPr/>
+        <p:nvPr/>
+      </p:nvGrpSpPr>
+      <p:grpSpPr>
+        <a:xfrm>
+          <a:off x="0" y="0"/>
+          <a:ext cx="0" cy="0"/>
+          <a:chOff x="0" y="0"/>
+          <a:chExt cx="0" cy="0"/>
+        </a:xfrm>
+      </p:grpSpPr>
+      <p:sp>
+        <p:nvSpPr>
+          <p:cNvPr id="27" name="TextBox 26"/>
+          <p:cNvSpPr txBox="1"/>
+          <p:nvPr/>
+        </p:nvSpPr>
+        <p:spPr>
+          <a:xfrm>
+            <a:off x="1043255" y="569880"/>
+            <a:ext cx="3302507" cy="461665"/>
+          </a:xfrm>
+          <a:prstGeom prst="rect">
+            <a:avLst/>
+          </a:prstGeom>
+          <a:noFill/>
+        </p:spPr>
+        <p:txBody>
+          <a:bodyPr wrap="none" rtlCol="0">
+            <a:spAutoFit/>
+          </a:bodyPr>
+          <a:lstStyle/>
+          <a:p>
+            <a:r>
+              <a:rPr lang="ko-KR" altLang="en-US" sz="2400" dirty="0" err="1">
+                <a:solidFill>
+                  <a:srgbClr val="1D1D1D"/>
+                </a:solidFill>
+                <a:latin typeface="에스코어 드림 4 Regular" panose="020B0503030302020204" pitchFamily="34" charset="-127"/>
+                <a:ea typeface="에스코어 드림 4 Regular" panose="020B0503030302020204" pitchFamily="34" charset="-127"/>
+              </a:rPr>
+              <a:t>포니부하곰</a:t>
+            </a:r>
+            <a:r>
+              <a:rPr lang="ko-KR" altLang="en-US" sz="2400" dirty="0">
+                <a:solidFill>
+                  <a:srgbClr val="1D1D1D"/>
+                </a:solidFill>
+                <a:latin typeface="에스코어 드림 4 Regular" panose="020B0503030302020204" pitchFamily="34" charset="-127"/>
+                <a:ea typeface="에스코어 드림 4 Regular" panose="020B0503030302020204" pitchFamily="34" charset="-127"/>
+              </a:rPr>
+              <a:t> </a:t>
+            </a:r>
+            <a:r>
+              <a:rPr lang="en-US" altLang="ko-KR" sz="2400" dirty="0">
+                <a:solidFill>
+                  <a:srgbClr val="1D1D1D"/>
+                </a:solidFill>
+                <a:latin typeface="에스코어 드림 4 Regular" panose="020B0503030302020204" pitchFamily="34" charset="-127"/>
+                <a:ea typeface="에스코어 드림 4 Regular" panose="020B0503030302020204" pitchFamily="34" charset="-127"/>
+              </a:rPr>
+              <a:t>PPT </a:t>
+            </a:r>
+            <a:r>
+              <a:rPr lang="ko-KR" altLang="en-US" sz="2400" dirty="0">
+                <a:solidFill>
+                  <a:srgbClr val="1D1D1D"/>
+                </a:solidFill>
+                <a:latin typeface="에스코어 드림 4 Regular" panose="020B0503030302020204" pitchFamily="34" charset="-127"/>
+                <a:ea typeface="에스코어 드림 4 Regular" panose="020B0503030302020204" pitchFamily="34" charset="-127"/>
+              </a:rPr>
+              <a:t>템플릿</a:t>
+            </a:r>
+          </a:p>
+        </p:txBody>
+      </p:sp>
+      <p:sp>
+        <p:nvSpPr>
+          <p:cNvPr id="30" name="TextBox 29"/>
+          <p:cNvSpPr txBox="1"/>
+          <p:nvPr/>
+        </p:nvSpPr>
+        <p:spPr>
+          <a:xfrm>
+            <a:off x="195473" y="311719"/>
+            <a:ext cx="976549" cy="923330"/>
+          </a:xfrm>
+          <a:prstGeom prst="rect">
+            <a:avLst/>
+          </a:prstGeom>
+          <a:noFill/>
+        </p:spPr>
+        <p:txBody>
+          <a:bodyPr wrap="none" rtlCol="0">
+            <a:spAutoFit/>
+          </a:bodyPr>
+          <a:lstStyle/>
+          <a:p>
+            <a:r>
+              <a:rPr lang="en-US" altLang="ko-KR" sz="5400" spc="-300" dirty="0">
+                <a:solidFill>
+                  <a:srgbClr val="1D1D1D"/>
+                </a:solidFill>
+                <a:latin typeface="에스코어 드림 7 ExtraBold" panose="020B0803030302020204" pitchFamily="34" charset="-127"/>
+                <a:ea typeface="에스코어 드림 7 ExtraBold" panose="020B0803030302020204" pitchFamily="34" charset="-127"/>
+              </a:rPr>
+              <a:t>02</a:t>
+            </a:r>
+            <a:endParaRPr lang="ko-KR" altLang="en-US" sz="5400" spc="-300" dirty="0">
+              <a:solidFill>
+                <a:srgbClr val="1D1D1D"/>
+              </a:solidFill>
+              <a:latin typeface="에스코어 드림 7 ExtraBold" panose="020B0803030302020204" pitchFamily="34" charset="-127"/>
+              <a:ea typeface="에스코어 드림 7 ExtraBold" panose="020B0803030302020204" pitchFamily="34" charset="-127"/>
+            </a:endParaRPr>
+          </a:p>
+        </p:txBody>
+      </p:sp>
+      <p:sp>
+        <p:nvSpPr>
+          <p:cNvPr id="10" name="TextBox 9"/>
+          <p:cNvSpPr txBox="1"/>
+          <p:nvPr/>
+        </p:nvSpPr>
+        <p:spPr>
+          <a:xfrm>
+            <a:off x="847393" y="2038488"/>
+            <a:ext cx="1909497" cy="646331"/>
+          </a:xfrm>
+          <a:prstGeom prst="rect">
+            <a:avLst/>
+          </a:prstGeom>
+          <a:noFill/>
+        </p:spPr>
+        <p:txBody>
+          <a:bodyPr wrap="none" rtlCol="0">
+            <a:spAutoFit/>
+          </a:bodyPr>
+          <a:lstStyle/>
+          <a:p>
+            <a:pPr marL="342900" indent="-342900">
+              <a:buAutoNum type="arabicPeriod"/>
+            </a:pPr>
+            <a:r>
+              <a:rPr lang="ko-KR" altLang="en-US" dirty="0" err="1">
+                <a:latin typeface="에스코어 드림 4 Regular" panose="020B0503030302020204" pitchFamily="34" charset="-127"/>
+                <a:ea typeface="에스코어 드림 4 Regular" panose="020B0503030302020204" pitchFamily="34" charset="-127"/>
+              </a:rPr>
+              <a:t>나눔스퀘어</a:t>
+            </a:r>
+            <a:endParaRPr lang="en-US" altLang="ko-KR" dirty="0">
+              <a:latin typeface="에스코어 드림 4 Regular" panose="020B0503030302020204" pitchFamily="34" charset="-127"/>
+              <a:ea typeface="에스코어 드림 4 Regular" panose="020B0503030302020204" pitchFamily="34" charset="-127"/>
+            </a:endParaRPr>
+          </a:p>
+          <a:p>
+            <a:pPr marL="342900" indent="-342900">
+              <a:buAutoNum type="arabicPeriod"/>
+            </a:pPr>
+            <a:r>
+              <a:rPr lang="ko-KR" altLang="en-US" dirty="0" err="1">
+                <a:latin typeface="에스코어 드림 4 Regular" panose="020B0503030302020204" pitchFamily="34" charset="-127"/>
+                <a:ea typeface="에스코어 드림 4 Regular" panose="020B0503030302020204" pitchFamily="34" charset="-127"/>
+              </a:rPr>
+              <a:t>나눔바른고딕</a:t>
+            </a:r>
+            <a:r>
+              <a:rPr lang="ko-KR" altLang="en-US" dirty="0">
+                <a:latin typeface="에스코어 드림 4 Regular" panose="020B0503030302020204" pitchFamily="34" charset="-127"/>
+                <a:ea typeface="에스코어 드림 4 Regular" panose="020B0503030302020204" pitchFamily="34" charset="-127"/>
+              </a:rPr>
+              <a:t> </a:t>
+            </a:r>
+            <a:endParaRPr lang="en-US" altLang="ko-KR" dirty="0">
+              <a:latin typeface="에스코어 드림 4 Regular" panose="020B0503030302020204" pitchFamily="34" charset="-127"/>
+              <a:ea typeface="에스코어 드림 4 Regular" panose="020B0503030302020204" pitchFamily="34" charset="-127"/>
+            </a:endParaRPr>
+          </a:p>
+        </p:txBody>
+      </p:sp>
+      <p:sp>
+        <p:nvSpPr>
+          <p:cNvPr id="11" name="직사각형 10"/>
+          <p:cNvSpPr/>
+          <p:nvPr/>
+        </p:nvSpPr>
+        <p:spPr>
+          <a:xfrm>
+            <a:off x="847393" y="1637343"/>
+            <a:ext cx="1741182" cy="400110"/>
+          </a:xfrm>
+          <a:prstGeom prst="rect">
+            <a:avLst/>
+          </a:prstGeom>
+        </p:spPr>
+        <p:txBody>
+          <a:bodyPr wrap="none">
+            <a:spAutoFit/>
+          </a:bodyPr>
+          <a:lstStyle/>
+          <a:p>
+            <a:r>
+              <a:rPr lang="ko-KR" altLang="en-US" sz="2000" dirty="0">
+                <a:latin typeface="에스코어 드림 4 Regular" panose="020B0503030302020204" pitchFamily="34" charset="-127"/>
+                <a:ea typeface="에스코어 드림 4 Regular" panose="020B0503030302020204" pitchFamily="34" charset="-127"/>
+              </a:rPr>
+              <a:t>사용한 글씨체</a:t>
+            </a:r>
+            <a:endParaRPr lang="en-US" altLang="ko-KR" sz="2000" dirty="0">
+              <a:latin typeface="에스코어 드림 4 Regular" panose="020B0503030302020204" pitchFamily="34" charset="-127"/>
+              <a:ea typeface="에스코어 드림 4 Regular" panose="020B0503030302020204" pitchFamily="34" charset="-127"/>
+            </a:endParaRPr>
+          </a:p>
+        </p:txBody>
+      </p:sp>
+    </p:spTree>
+    <p:extLst>
+      <p:ext uri="{BB962C8B-B14F-4D97-AF65-F5344CB8AC3E}">
+        <p14:creationId xmlns:p14="http://schemas.microsoft.com/office/powerpoint/2010/main" val="969379500"/>
+      </p:ext>
+    </p:extLst>
+  </p:cSld>
+  <p:clrMapOvr>
+    <a:masterClrMapping/>
+  </p:clrMapOvr>
+</p:sld>
+</file>
+
+<file path=ppt/slides/slide16.xml><?xml version="1.0" encoding="utf-8"?>
+<p:sld xmlns:a="http://schemas.openxmlformats.org/drawingml/2006/main" xmlns:r="http://schemas.openxmlformats.org/officeDocument/2006/relationships" xmlns:p="http://schemas.openxmlformats.org/presentationml/2006/main">
+  <p:cSld>
+    <p:spTree>
+      <p:nvGrpSpPr>
+        <p:cNvPr id="1" name=""/>
+        <p:cNvGrpSpPr/>
+        <p:nvPr/>
+      </p:nvGrpSpPr>
+      <p:grpSpPr>
+        <a:xfrm>
+          <a:off x="0" y="0"/>
+          <a:ext cx="0" cy="0"/>
+          <a:chOff x="0" y="0"/>
+          <a:chExt cx="0" cy="0"/>
+        </a:xfrm>
+      </p:grpSpPr>
+      <p:sp>
+        <p:nvSpPr>
+          <p:cNvPr id="27" name="TextBox 26"/>
+          <p:cNvSpPr txBox="1"/>
+          <p:nvPr/>
+        </p:nvSpPr>
+        <p:spPr>
+          <a:xfrm>
+            <a:off x="1043255" y="569880"/>
+            <a:ext cx="3302507" cy="461665"/>
+          </a:xfrm>
+          <a:prstGeom prst="rect">
+            <a:avLst/>
+          </a:prstGeom>
+          <a:noFill/>
+        </p:spPr>
+        <p:txBody>
+          <a:bodyPr wrap="none" rtlCol="0">
+            <a:spAutoFit/>
+          </a:bodyPr>
+          <a:lstStyle/>
+          <a:p>
+            <a:r>
+              <a:rPr lang="ko-KR" altLang="en-US" sz="2400" dirty="0" err="1">
+                <a:solidFill>
+                  <a:srgbClr val="1D1D1D"/>
+                </a:solidFill>
+                <a:latin typeface="에스코어 드림 4 Regular" panose="020B0503030302020204" pitchFamily="34" charset="-127"/>
+                <a:ea typeface="에스코어 드림 4 Regular" panose="020B0503030302020204" pitchFamily="34" charset="-127"/>
+              </a:rPr>
+              <a:t>포니부하곰</a:t>
+            </a:r>
+            <a:r>
+              <a:rPr lang="ko-KR" altLang="en-US" sz="2400" dirty="0">
+                <a:solidFill>
+                  <a:srgbClr val="1D1D1D"/>
+                </a:solidFill>
+                <a:latin typeface="에스코어 드림 4 Regular" panose="020B0503030302020204" pitchFamily="34" charset="-127"/>
+                <a:ea typeface="에스코어 드림 4 Regular" panose="020B0503030302020204" pitchFamily="34" charset="-127"/>
+              </a:rPr>
+              <a:t> </a:t>
+            </a:r>
+            <a:r>
+              <a:rPr lang="en-US" altLang="ko-KR" sz="2400" dirty="0">
+                <a:solidFill>
+                  <a:srgbClr val="1D1D1D"/>
+                </a:solidFill>
+                <a:latin typeface="에스코어 드림 4 Regular" panose="020B0503030302020204" pitchFamily="34" charset="-127"/>
+                <a:ea typeface="에스코어 드림 4 Regular" panose="020B0503030302020204" pitchFamily="34" charset="-127"/>
+              </a:rPr>
+              <a:t>PPT </a:t>
+            </a:r>
+            <a:r>
+              <a:rPr lang="ko-KR" altLang="en-US" sz="2400" dirty="0">
+                <a:solidFill>
+                  <a:srgbClr val="1D1D1D"/>
+                </a:solidFill>
+                <a:latin typeface="에스코어 드림 4 Regular" panose="020B0503030302020204" pitchFamily="34" charset="-127"/>
+                <a:ea typeface="에스코어 드림 4 Regular" panose="020B0503030302020204" pitchFamily="34" charset="-127"/>
+              </a:rPr>
+              <a:t>템플릿</a:t>
+            </a:r>
+          </a:p>
+        </p:txBody>
+      </p:sp>
+      <p:sp>
+        <p:nvSpPr>
+          <p:cNvPr id="30" name="TextBox 29"/>
+          <p:cNvSpPr txBox="1"/>
+          <p:nvPr/>
+        </p:nvSpPr>
+        <p:spPr>
+          <a:xfrm>
+            <a:off x="195473" y="311719"/>
+            <a:ext cx="976549" cy="923330"/>
+          </a:xfrm>
+          <a:prstGeom prst="rect">
+            <a:avLst/>
+          </a:prstGeom>
+          <a:noFill/>
+        </p:spPr>
+        <p:txBody>
+          <a:bodyPr wrap="none" rtlCol="0">
+            <a:spAutoFit/>
+          </a:bodyPr>
+          <a:lstStyle/>
+          <a:p>
+            <a:r>
+              <a:rPr lang="en-US" altLang="ko-KR" sz="5400" spc="-300" dirty="0">
+                <a:solidFill>
+                  <a:srgbClr val="1D1D1D"/>
+                </a:solidFill>
+                <a:latin typeface="에스코어 드림 7 ExtraBold" panose="020B0803030302020204" pitchFamily="34" charset="-127"/>
+                <a:ea typeface="에스코어 드림 7 ExtraBold" panose="020B0803030302020204" pitchFamily="34" charset="-127"/>
+              </a:rPr>
+              <a:t>03</a:t>
+            </a:r>
+            <a:endParaRPr lang="ko-KR" altLang="en-US" sz="5400" spc="-300" dirty="0">
+              <a:solidFill>
+                <a:srgbClr val="1D1D1D"/>
+              </a:solidFill>
+              <a:latin typeface="에스코어 드림 7 ExtraBold" panose="020B0803030302020204" pitchFamily="34" charset="-127"/>
+              <a:ea typeface="에스코어 드림 7 ExtraBold" panose="020B0803030302020204" pitchFamily="34" charset="-127"/>
+            </a:endParaRPr>
+          </a:p>
+        </p:txBody>
+      </p:sp>
+      <p:sp>
+        <p:nvSpPr>
+          <p:cNvPr id="10" name="TextBox 9"/>
+          <p:cNvSpPr txBox="1"/>
+          <p:nvPr/>
+        </p:nvSpPr>
+        <p:spPr>
+          <a:xfrm>
+            <a:off x="847393" y="2038488"/>
+            <a:ext cx="1909497" cy="646331"/>
+          </a:xfrm>
+          <a:prstGeom prst="rect">
+            <a:avLst/>
+          </a:prstGeom>
+          <a:noFill/>
+        </p:spPr>
+        <p:txBody>
+          <a:bodyPr wrap="none" rtlCol="0">
+            <a:spAutoFit/>
+          </a:bodyPr>
+          <a:lstStyle/>
+          <a:p>
+            <a:pPr marL="342900" indent="-342900">
+              <a:buAutoNum type="arabicPeriod"/>
+            </a:pPr>
+            <a:r>
+              <a:rPr lang="ko-KR" altLang="en-US" dirty="0" err="1">
+                <a:latin typeface="에스코어 드림 4 Regular" panose="020B0503030302020204" pitchFamily="34" charset="-127"/>
+                <a:ea typeface="에스코어 드림 4 Regular" panose="020B0503030302020204" pitchFamily="34" charset="-127"/>
+              </a:rPr>
+              <a:t>나눔스퀘어</a:t>
+            </a:r>
+            <a:endParaRPr lang="en-US" altLang="ko-KR" dirty="0">
+              <a:latin typeface="에스코어 드림 4 Regular" panose="020B0503030302020204" pitchFamily="34" charset="-127"/>
+              <a:ea typeface="에스코어 드림 4 Regular" panose="020B0503030302020204" pitchFamily="34" charset="-127"/>
+            </a:endParaRPr>
+          </a:p>
+          <a:p>
+            <a:pPr marL="342900" indent="-342900">
+              <a:buAutoNum type="arabicPeriod"/>
+            </a:pPr>
+            <a:r>
+              <a:rPr lang="ko-KR" altLang="en-US" dirty="0" err="1">
+                <a:latin typeface="에스코어 드림 4 Regular" panose="020B0503030302020204" pitchFamily="34" charset="-127"/>
+                <a:ea typeface="에스코어 드림 4 Regular" panose="020B0503030302020204" pitchFamily="34" charset="-127"/>
+              </a:rPr>
+              <a:t>나눔바른고딕</a:t>
+            </a:r>
+            <a:r>
+              <a:rPr lang="ko-KR" altLang="en-US" dirty="0">
+                <a:latin typeface="에스코어 드림 4 Regular" panose="020B0503030302020204" pitchFamily="34" charset="-127"/>
+                <a:ea typeface="에스코어 드림 4 Regular" panose="020B0503030302020204" pitchFamily="34" charset="-127"/>
+              </a:rPr>
+              <a:t> </a:t>
+            </a:r>
+            <a:endParaRPr lang="en-US" altLang="ko-KR" dirty="0">
+              <a:latin typeface="에스코어 드림 4 Regular" panose="020B0503030302020204" pitchFamily="34" charset="-127"/>
+              <a:ea typeface="에스코어 드림 4 Regular" panose="020B0503030302020204" pitchFamily="34" charset="-127"/>
+            </a:endParaRPr>
+          </a:p>
+        </p:txBody>
+      </p:sp>
+      <p:sp>
+        <p:nvSpPr>
+          <p:cNvPr id="11" name="직사각형 10"/>
+          <p:cNvSpPr/>
+          <p:nvPr/>
+        </p:nvSpPr>
+        <p:spPr>
+          <a:xfrm>
+            <a:off x="847393" y="1637343"/>
+            <a:ext cx="1741182" cy="400110"/>
+          </a:xfrm>
+          <a:prstGeom prst="rect">
+            <a:avLst/>
+          </a:prstGeom>
+        </p:spPr>
+        <p:txBody>
+          <a:bodyPr wrap="none">
+            <a:spAutoFit/>
+          </a:bodyPr>
+          <a:lstStyle/>
+          <a:p>
+            <a:r>
+              <a:rPr lang="ko-KR" altLang="en-US" sz="2000" dirty="0">
+                <a:latin typeface="에스코어 드림 4 Regular" panose="020B0503030302020204" pitchFamily="34" charset="-127"/>
+                <a:ea typeface="에스코어 드림 4 Regular" panose="020B0503030302020204" pitchFamily="34" charset="-127"/>
+              </a:rPr>
+              <a:t>사용한 글씨체</a:t>
+            </a:r>
+            <a:endParaRPr lang="en-US" altLang="ko-KR" sz="2000" dirty="0">
+              <a:latin typeface="에스코어 드림 4 Regular" panose="020B0503030302020204" pitchFamily="34" charset="-127"/>
+              <a:ea typeface="에스코어 드림 4 Regular" panose="020B0503030302020204" pitchFamily="34" charset="-127"/>
+            </a:endParaRPr>
+          </a:p>
+        </p:txBody>
+      </p:sp>
+    </p:spTree>
+    <p:extLst>
+      <p:ext uri="{BB962C8B-B14F-4D97-AF65-F5344CB8AC3E}">
+        <p14:creationId xmlns:p14="http://schemas.microsoft.com/office/powerpoint/2010/main" val="1682760008"/>
+      </p:ext>
+    </p:extLst>
+  </p:cSld>
+  <p:clrMapOvr>
+    <a:masterClrMapping/>
+  </p:clrMapOvr>
+</p:sld>
+</file>
+
+<file path=ppt/slides/slide17.xml><?xml version="1.0" encoding="utf-8"?>
+<p:sld xmlns:a="http://schemas.openxmlformats.org/drawingml/2006/main" xmlns:r="http://schemas.openxmlformats.org/officeDocument/2006/relationships" xmlns:p="http://schemas.openxmlformats.org/presentationml/2006/main">
+  <p:cSld>
+    <p:spTree>
+      <p:nvGrpSpPr>
+        <p:cNvPr id="1" name=""/>
+        <p:cNvGrpSpPr/>
+        <p:nvPr/>
+      </p:nvGrpSpPr>
+      <p:grpSpPr>
+        <a:xfrm>
+          <a:off x="0" y="0"/>
+          <a:ext cx="0" cy="0"/>
+          <a:chOff x="0" y="0"/>
+          <a:chExt cx="0" cy="0"/>
+        </a:xfrm>
+      </p:grpSpPr>
+      <p:sp>
+        <p:nvSpPr>
+          <p:cNvPr id="27" name="TextBox 26"/>
+          <p:cNvSpPr txBox="1"/>
+          <p:nvPr/>
+        </p:nvSpPr>
+        <p:spPr>
+          <a:xfrm>
+            <a:off x="1043255" y="569880"/>
+            <a:ext cx="3302507" cy="461665"/>
+          </a:xfrm>
+          <a:prstGeom prst="rect">
+            <a:avLst/>
+          </a:prstGeom>
+          <a:noFill/>
+        </p:spPr>
+        <p:txBody>
+          <a:bodyPr wrap="none" rtlCol="0">
+            <a:spAutoFit/>
+          </a:bodyPr>
+          <a:lstStyle/>
+          <a:p>
+            <a:r>
+              <a:rPr lang="ko-KR" altLang="en-US" sz="2400" dirty="0" err="1">
+                <a:solidFill>
+                  <a:srgbClr val="1D1D1D"/>
+                </a:solidFill>
+                <a:latin typeface="에스코어 드림 4 Regular" panose="020B0503030302020204" pitchFamily="34" charset="-127"/>
+                <a:ea typeface="에스코어 드림 4 Regular" panose="020B0503030302020204" pitchFamily="34" charset="-127"/>
+              </a:rPr>
+              <a:t>포니부하곰</a:t>
+            </a:r>
+            <a:r>
+              <a:rPr lang="ko-KR" altLang="en-US" sz="2400" dirty="0">
+                <a:solidFill>
+                  <a:srgbClr val="1D1D1D"/>
+                </a:solidFill>
+                <a:latin typeface="에스코어 드림 4 Regular" panose="020B0503030302020204" pitchFamily="34" charset="-127"/>
+                <a:ea typeface="에스코어 드림 4 Regular" panose="020B0503030302020204" pitchFamily="34" charset="-127"/>
+              </a:rPr>
+              <a:t> </a:t>
+            </a:r>
+            <a:r>
+              <a:rPr lang="en-US" altLang="ko-KR" sz="2400" dirty="0">
+                <a:solidFill>
+                  <a:srgbClr val="1D1D1D"/>
+                </a:solidFill>
+                <a:latin typeface="에스코어 드림 4 Regular" panose="020B0503030302020204" pitchFamily="34" charset="-127"/>
+                <a:ea typeface="에스코어 드림 4 Regular" panose="020B0503030302020204" pitchFamily="34" charset="-127"/>
+              </a:rPr>
+              <a:t>PPT </a:t>
+            </a:r>
+            <a:r>
+              <a:rPr lang="ko-KR" altLang="en-US" sz="2400" dirty="0">
+                <a:solidFill>
+                  <a:srgbClr val="1D1D1D"/>
+                </a:solidFill>
+                <a:latin typeface="에스코어 드림 4 Regular" panose="020B0503030302020204" pitchFamily="34" charset="-127"/>
+                <a:ea typeface="에스코어 드림 4 Regular" panose="020B0503030302020204" pitchFamily="34" charset="-127"/>
+              </a:rPr>
+              <a:t>템플릿</a:t>
+            </a:r>
+          </a:p>
+        </p:txBody>
+      </p:sp>
+      <p:sp>
+        <p:nvSpPr>
+          <p:cNvPr id="30" name="TextBox 29"/>
+          <p:cNvSpPr txBox="1"/>
+          <p:nvPr/>
+        </p:nvSpPr>
+        <p:spPr>
+          <a:xfrm>
+            <a:off x="195473" y="311719"/>
+            <a:ext cx="976549" cy="923330"/>
+          </a:xfrm>
+          <a:prstGeom prst="rect">
+            <a:avLst/>
+          </a:prstGeom>
+          <a:noFill/>
+        </p:spPr>
+        <p:txBody>
+          <a:bodyPr wrap="none" rtlCol="0">
+            <a:spAutoFit/>
+          </a:bodyPr>
+          <a:lstStyle/>
+          <a:p>
+            <a:r>
+              <a:rPr lang="en-US" altLang="ko-KR" sz="5400" spc="-300" dirty="0">
+                <a:solidFill>
+                  <a:srgbClr val="1D1D1D"/>
+                </a:solidFill>
+                <a:latin typeface="에스코어 드림 7 ExtraBold" panose="020B0803030302020204" pitchFamily="34" charset="-127"/>
+                <a:ea typeface="에스코어 드림 7 ExtraBold" panose="020B0803030302020204" pitchFamily="34" charset="-127"/>
+              </a:rPr>
+              <a:t>04</a:t>
+            </a:r>
+            <a:endParaRPr lang="ko-KR" altLang="en-US" sz="5400" spc="-300" dirty="0">
+              <a:solidFill>
+                <a:srgbClr val="1D1D1D"/>
+              </a:solidFill>
+              <a:latin typeface="에스코어 드림 7 ExtraBold" panose="020B0803030302020204" pitchFamily="34" charset="-127"/>
+              <a:ea typeface="에스코어 드림 7 ExtraBold" panose="020B0803030302020204" pitchFamily="34" charset="-127"/>
+            </a:endParaRPr>
+          </a:p>
+        </p:txBody>
+      </p:sp>
+      <p:sp>
+        <p:nvSpPr>
+          <p:cNvPr id="10" name="TextBox 9"/>
+          <p:cNvSpPr txBox="1"/>
+          <p:nvPr/>
+        </p:nvSpPr>
+        <p:spPr>
+          <a:xfrm>
+            <a:off x="847393" y="2038488"/>
+            <a:ext cx="1909497" cy="646331"/>
+          </a:xfrm>
+          <a:prstGeom prst="rect">
+            <a:avLst/>
+          </a:prstGeom>
+          <a:noFill/>
+        </p:spPr>
+        <p:txBody>
+          <a:bodyPr wrap="none" rtlCol="0">
+            <a:spAutoFit/>
+          </a:bodyPr>
+          <a:lstStyle/>
+          <a:p>
+            <a:pPr marL="342900" indent="-342900">
+              <a:buAutoNum type="arabicPeriod"/>
+            </a:pPr>
+            <a:r>
+              <a:rPr lang="ko-KR" altLang="en-US" dirty="0" err="1">
+                <a:latin typeface="에스코어 드림 4 Regular" panose="020B0503030302020204" pitchFamily="34" charset="-127"/>
+                <a:ea typeface="에스코어 드림 4 Regular" panose="020B0503030302020204" pitchFamily="34" charset="-127"/>
+              </a:rPr>
+              <a:t>나눔스퀘어</a:t>
+            </a:r>
+            <a:endParaRPr lang="en-US" altLang="ko-KR" dirty="0">
+              <a:latin typeface="에스코어 드림 4 Regular" panose="020B0503030302020204" pitchFamily="34" charset="-127"/>
+              <a:ea typeface="에스코어 드림 4 Regular" panose="020B0503030302020204" pitchFamily="34" charset="-127"/>
+            </a:endParaRPr>
+          </a:p>
+          <a:p>
+            <a:pPr marL="342900" indent="-342900">
+              <a:buAutoNum type="arabicPeriod"/>
+            </a:pPr>
+            <a:r>
+              <a:rPr lang="ko-KR" altLang="en-US" dirty="0" err="1">
+                <a:latin typeface="에스코어 드림 4 Regular" panose="020B0503030302020204" pitchFamily="34" charset="-127"/>
+                <a:ea typeface="에스코어 드림 4 Regular" panose="020B0503030302020204" pitchFamily="34" charset="-127"/>
+              </a:rPr>
+              <a:t>나눔바른고딕</a:t>
+            </a:r>
+            <a:r>
+              <a:rPr lang="ko-KR" altLang="en-US" dirty="0">
+                <a:latin typeface="에스코어 드림 4 Regular" panose="020B0503030302020204" pitchFamily="34" charset="-127"/>
+                <a:ea typeface="에스코어 드림 4 Regular" panose="020B0503030302020204" pitchFamily="34" charset="-127"/>
+              </a:rPr>
+              <a:t> </a:t>
+            </a:r>
+            <a:endParaRPr lang="en-US" altLang="ko-KR" dirty="0">
+              <a:latin typeface="에스코어 드림 4 Regular" panose="020B0503030302020204" pitchFamily="34" charset="-127"/>
+              <a:ea typeface="에스코어 드림 4 Regular" panose="020B0503030302020204" pitchFamily="34" charset="-127"/>
+            </a:endParaRPr>
+          </a:p>
+        </p:txBody>
+      </p:sp>
+      <p:sp>
+        <p:nvSpPr>
+          <p:cNvPr id="11" name="직사각형 10"/>
+          <p:cNvSpPr/>
+          <p:nvPr/>
+        </p:nvSpPr>
+        <p:spPr>
+          <a:xfrm>
+            <a:off x="847393" y="1637343"/>
+            <a:ext cx="1741182" cy="400110"/>
+          </a:xfrm>
+          <a:prstGeom prst="rect">
+            <a:avLst/>
+          </a:prstGeom>
+        </p:spPr>
+        <p:txBody>
+          <a:bodyPr wrap="none">
+            <a:spAutoFit/>
+          </a:bodyPr>
+          <a:lstStyle/>
+          <a:p>
+            <a:r>
+              <a:rPr lang="ko-KR" altLang="en-US" sz="2000" dirty="0">
+                <a:latin typeface="에스코어 드림 4 Regular" panose="020B0503030302020204" pitchFamily="34" charset="-127"/>
+                <a:ea typeface="에스코어 드림 4 Regular" panose="020B0503030302020204" pitchFamily="34" charset="-127"/>
+              </a:rPr>
+              <a:t>사용한 글씨체</a:t>
+            </a:r>
+            <a:endParaRPr lang="en-US" altLang="ko-KR" sz="2000" dirty="0">
+              <a:latin typeface="에스코어 드림 4 Regular" panose="020B0503030302020204" pitchFamily="34" charset="-127"/>
+              <a:ea typeface="에스코어 드림 4 Regular" panose="020B0503030302020204" pitchFamily="34" charset="-127"/>
+            </a:endParaRPr>
+          </a:p>
+        </p:txBody>
+      </p:sp>
+    </p:spTree>
+    <p:extLst>
+      <p:ext uri="{BB962C8B-B14F-4D97-AF65-F5344CB8AC3E}">
+        <p14:creationId xmlns:p14="http://schemas.microsoft.com/office/powerpoint/2010/main" val="396790021"/>
+      </p:ext>
+    </p:extLst>
+  </p:cSld>
+  <p:clrMapOvr>
+    <a:masterClrMapping/>
+  </p:clrMapOvr>
+</p:sld>
+</file>
+
+<file path=ppt/slides/slide18.xml><?xml version="1.0" encoding="utf-8"?>
+<p:sld xmlns:a="http://schemas.openxmlformats.org/drawingml/2006/main" xmlns:r="http://schemas.openxmlformats.org/officeDocument/2006/relationships" xmlns:p="http://schemas.openxmlformats.org/presentationml/2006/main">
+  <p:cSld>
+    <p:spTree>
+      <p:nvGrpSpPr>
+        <p:cNvPr id="1" name=""/>
+        <p:cNvGrpSpPr/>
+        <p:nvPr/>
+      </p:nvGrpSpPr>
+      <p:grpSpPr>
+        <a:xfrm>
+          <a:off x="0" y="0"/>
+          <a:ext cx="0" cy="0"/>
+          <a:chOff x="0" y="0"/>
+          <a:chExt cx="0" cy="0"/>
+        </a:xfrm>
+      </p:grpSpPr>
+      <p:sp>
+        <p:nvSpPr>
+          <p:cNvPr id="27" name="TextBox 26"/>
+          <p:cNvSpPr txBox="1"/>
+          <p:nvPr/>
+        </p:nvSpPr>
+        <p:spPr>
+          <a:xfrm>
+            <a:off x="1043255" y="569880"/>
+            <a:ext cx="3302507" cy="461665"/>
+          </a:xfrm>
+          <a:prstGeom prst="rect">
+            <a:avLst/>
+          </a:prstGeom>
+          <a:noFill/>
+        </p:spPr>
+        <p:txBody>
+          <a:bodyPr wrap="none" rtlCol="0">
+            <a:spAutoFit/>
+          </a:bodyPr>
+          <a:lstStyle/>
+          <a:p>
+            <a:r>
+              <a:rPr lang="ko-KR" altLang="en-US" sz="2400" dirty="0" err="1">
+                <a:solidFill>
+                  <a:srgbClr val="1D1D1D"/>
+                </a:solidFill>
+                <a:latin typeface="에스코어 드림 4 Regular" panose="020B0503030302020204" pitchFamily="34" charset="-127"/>
+                <a:ea typeface="에스코어 드림 4 Regular" panose="020B0503030302020204" pitchFamily="34" charset="-127"/>
+              </a:rPr>
+              <a:t>포니부하곰</a:t>
+            </a:r>
+            <a:r>
+              <a:rPr lang="ko-KR" altLang="en-US" sz="2400" dirty="0">
+                <a:solidFill>
+                  <a:srgbClr val="1D1D1D"/>
+                </a:solidFill>
+                <a:latin typeface="에스코어 드림 4 Regular" panose="020B0503030302020204" pitchFamily="34" charset="-127"/>
+                <a:ea typeface="에스코어 드림 4 Regular" panose="020B0503030302020204" pitchFamily="34" charset="-127"/>
+              </a:rPr>
+              <a:t> </a:t>
+            </a:r>
+            <a:r>
+              <a:rPr lang="en-US" altLang="ko-KR" sz="2400" dirty="0">
+                <a:solidFill>
+                  <a:srgbClr val="1D1D1D"/>
+                </a:solidFill>
+                <a:latin typeface="에스코어 드림 4 Regular" panose="020B0503030302020204" pitchFamily="34" charset="-127"/>
+                <a:ea typeface="에스코어 드림 4 Regular" panose="020B0503030302020204" pitchFamily="34" charset="-127"/>
+              </a:rPr>
+              <a:t>PPT </a:t>
+            </a:r>
+            <a:r>
+              <a:rPr lang="ko-KR" altLang="en-US" sz="2400" dirty="0">
+                <a:solidFill>
+                  <a:srgbClr val="1D1D1D"/>
+                </a:solidFill>
+                <a:latin typeface="에스코어 드림 4 Regular" panose="020B0503030302020204" pitchFamily="34" charset="-127"/>
+                <a:ea typeface="에스코어 드림 4 Regular" panose="020B0503030302020204" pitchFamily="34" charset="-127"/>
+              </a:rPr>
+              <a:t>템플릿</a:t>
+            </a:r>
+          </a:p>
+        </p:txBody>
+      </p:sp>
+      <p:sp>
+        <p:nvSpPr>
+          <p:cNvPr id="30" name="TextBox 29"/>
+          <p:cNvSpPr txBox="1"/>
+          <p:nvPr/>
+        </p:nvSpPr>
+        <p:spPr>
+          <a:xfrm>
+            <a:off x="195473" y="311719"/>
+            <a:ext cx="976549" cy="923330"/>
+          </a:xfrm>
+          <a:prstGeom prst="rect">
+            <a:avLst/>
+          </a:prstGeom>
+          <a:noFill/>
+        </p:spPr>
+        <p:txBody>
+          <a:bodyPr wrap="none" rtlCol="0">
+            <a:spAutoFit/>
+          </a:bodyPr>
+          <a:lstStyle/>
+          <a:p>
+            <a:r>
+              <a:rPr lang="en-US" altLang="ko-KR" sz="5400" spc="-300" dirty="0">
+                <a:solidFill>
+                  <a:srgbClr val="1D1D1D"/>
+                </a:solidFill>
+                <a:latin typeface="에스코어 드림 7 ExtraBold" panose="020B0803030302020204" pitchFamily="34" charset="-127"/>
+                <a:ea typeface="에스코어 드림 7 ExtraBold" panose="020B0803030302020204" pitchFamily="34" charset="-127"/>
+              </a:rPr>
+              <a:t>05</a:t>
+            </a:r>
+            <a:endParaRPr lang="ko-KR" altLang="en-US" sz="5400" spc="-300" dirty="0">
+              <a:solidFill>
+                <a:srgbClr val="1D1D1D"/>
+              </a:solidFill>
+              <a:latin typeface="에스코어 드림 7 ExtraBold" panose="020B0803030302020204" pitchFamily="34" charset="-127"/>
+              <a:ea typeface="에스코어 드림 7 ExtraBold" panose="020B0803030302020204" pitchFamily="34" charset="-127"/>
+            </a:endParaRPr>
+          </a:p>
+        </p:txBody>
+      </p:sp>
+      <p:sp>
+        <p:nvSpPr>
+          <p:cNvPr id="10" name="TextBox 9"/>
+          <p:cNvSpPr txBox="1"/>
+          <p:nvPr/>
+        </p:nvSpPr>
+        <p:spPr>
+          <a:xfrm>
+            <a:off x="847393" y="2038488"/>
+            <a:ext cx="1909497" cy="646331"/>
+          </a:xfrm>
+          <a:prstGeom prst="rect">
+            <a:avLst/>
+          </a:prstGeom>
+          <a:noFill/>
+        </p:spPr>
+        <p:txBody>
+          <a:bodyPr wrap="none" rtlCol="0">
+            <a:spAutoFit/>
+          </a:bodyPr>
+          <a:lstStyle/>
+          <a:p>
+            <a:pPr marL="342900" indent="-342900">
+              <a:buAutoNum type="arabicPeriod"/>
+            </a:pPr>
+            <a:r>
+              <a:rPr lang="ko-KR" altLang="en-US" dirty="0" err="1">
+                <a:latin typeface="에스코어 드림 4 Regular" panose="020B0503030302020204" pitchFamily="34" charset="-127"/>
+                <a:ea typeface="에스코어 드림 4 Regular" panose="020B0503030302020204" pitchFamily="34" charset="-127"/>
+              </a:rPr>
+              <a:t>나눔스퀘어</a:t>
+            </a:r>
+            <a:endParaRPr lang="en-US" altLang="ko-KR" dirty="0">
+              <a:latin typeface="에스코어 드림 4 Regular" panose="020B0503030302020204" pitchFamily="34" charset="-127"/>
+              <a:ea typeface="에스코어 드림 4 Regular" panose="020B0503030302020204" pitchFamily="34" charset="-127"/>
+            </a:endParaRPr>
+          </a:p>
+          <a:p>
+            <a:pPr marL="342900" indent="-342900">
+              <a:buAutoNum type="arabicPeriod"/>
+            </a:pPr>
+            <a:r>
+              <a:rPr lang="ko-KR" altLang="en-US" dirty="0" err="1">
+                <a:latin typeface="에스코어 드림 4 Regular" panose="020B0503030302020204" pitchFamily="34" charset="-127"/>
+                <a:ea typeface="에스코어 드림 4 Regular" panose="020B0503030302020204" pitchFamily="34" charset="-127"/>
+              </a:rPr>
+              <a:t>나눔바른고딕</a:t>
+            </a:r>
+            <a:r>
+              <a:rPr lang="ko-KR" altLang="en-US" dirty="0">
+                <a:latin typeface="에스코어 드림 4 Regular" panose="020B0503030302020204" pitchFamily="34" charset="-127"/>
+                <a:ea typeface="에스코어 드림 4 Regular" panose="020B0503030302020204" pitchFamily="34" charset="-127"/>
+              </a:rPr>
+              <a:t> </a:t>
+            </a:r>
+            <a:endParaRPr lang="en-US" altLang="ko-KR" dirty="0">
+              <a:latin typeface="에스코어 드림 4 Regular" panose="020B0503030302020204" pitchFamily="34" charset="-127"/>
+              <a:ea typeface="에스코어 드림 4 Regular" panose="020B0503030302020204" pitchFamily="34" charset="-127"/>
+            </a:endParaRPr>
+          </a:p>
+        </p:txBody>
+      </p:sp>
+      <p:sp>
+        <p:nvSpPr>
+          <p:cNvPr id="11" name="직사각형 10"/>
+          <p:cNvSpPr/>
+          <p:nvPr/>
+        </p:nvSpPr>
+        <p:spPr>
+          <a:xfrm>
+            <a:off x="847393" y="1637343"/>
+            <a:ext cx="1741182" cy="400110"/>
+          </a:xfrm>
+          <a:prstGeom prst="rect">
+            <a:avLst/>
+          </a:prstGeom>
+        </p:spPr>
+        <p:txBody>
+          <a:bodyPr wrap="none">
+            <a:spAutoFit/>
+          </a:bodyPr>
+          <a:lstStyle/>
+          <a:p>
+            <a:r>
+              <a:rPr lang="ko-KR" altLang="en-US" sz="2000" dirty="0">
+                <a:latin typeface="에스코어 드림 4 Regular" panose="020B0503030302020204" pitchFamily="34" charset="-127"/>
+                <a:ea typeface="에스코어 드림 4 Regular" panose="020B0503030302020204" pitchFamily="34" charset="-127"/>
+              </a:rPr>
+              <a:t>사용한 글씨체</a:t>
+            </a:r>
+            <a:endParaRPr lang="en-US" altLang="ko-KR" sz="2000" dirty="0">
+              <a:latin typeface="에스코어 드림 4 Regular" panose="020B0503030302020204" pitchFamily="34" charset="-127"/>
+              <a:ea typeface="에스코어 드림 4 Regular" panose="020B0503030302020204" pitchFamily="34" charset="-127"/>
+            </a:endParaRPr>
+          </a:p>
+        </p:txBody>
+      </p:sp>
+    </p:spTree>
+    <p:extLst>
+      <p:ext uri="{BB962C8B-B14F-4D97-AF65-F5344CB8AC3E}">
+        <p14:creationId xmlns:p14="http://schemas.microsoft.com/office/powerpoint/2010/main" val="1403256370"/>
+      </p:ext>
+    </p:extLst>
+  </p:cSld>
+  <p:clrMapOvr>
+    <a:masterClrMapping/>
+  </p:clrMapOvr>
+</p:sld>
+</file>
+
+<file path=ppt/slides/slide19.xml><?xml version="1.0" encoding="utf-8"?>
+<p:sld xmlns:a="http://schemas.openxmlformats.org/drawingml/2006/main" xmlns:r="http://schemas.openxmlformats.org/officeDocument/2006/relationships" xmlns:p="http://schemas.openxmlformats.org/presentationml/2006/main">
+  <p:cSld>
+    <p:spTree>
+      <p:nvGrpSpPr>
+        <p:cNvPr id="1" name=""/>
+        <p:cNvGrpSpPr/>
+        <p:nvPr/>
+      </p:nvGrpSpPr>
+      <p:grpSpPr>
+        <a:xfrm>
+          <a:off x="0" y="0"/>
+          <a:ext cx="0" cy="0"/>
+          <a:chOff x="0" y="0"/>
+          <a:chExt cx="0" cy="0"/>
+        </a:xfrm>
+      </p:grpSpPr>
+      <p:sp>
+        <p:nvSpPr>
           <p:cNvPr id="84" name="TextBox 83"/>
           <p:cNvSpPr txBox="1"/>
           <p:nvPr/>
@@ -4114,7 +8641,7 @@
                 <a:latin typeface="에스코어 드림 7 ExtraBold" panose="020B0803030302020204" pitchFamily="34" charset="-127"/>
                 <a:ea typeface="에스코어 드림 7 ExtraBold" panose="020B0803030302020204" pitchFamily="34" charset="-127"/>
               </a:rPr>
-              <a:t>02</a:t>
+              <a:t>01</a:t>
             </a:r>
             <a:endParaRPr lang="ko-KR" altLang="en-US" sz="5400" spc="-300" dirty="0">
               <a:solidFill>
@@ -4731,7 +9258,7 @@
     </p:spTree>
     <p:extLst>
       <p:ext uri="{BB962C8B-B14F-4D97-AF65-F5344CB8AC3E}">
-        <p14:creationId xmlns:p14="http://schemas.microsoft.com/office/powerpoint/2010/main" val="3589254892"/>
+        <p14:creationId xmlns:p14="http://schemas.microsoft.com/office/powerpoint/2010/main" val="1896395910"/>
       </p:ext>
     </p:extLst>
   </p:cSld>
@@ -4809,7 +9336,7 @@
         <p:spPr>
           <a:xfrm>
             <a:off x="454470" y="1924188"/>
-            <a:ext cx="5479577" cy="1477328"/>
+            <a:ext cx="4935967" cy="1754326"/>
           </a:xfrm>
           <a:prstGeom prst="rect">
             <a:avLst/>
@@ -4850,21 +9377,80 @@
                 <a:latin typeface="에스코어 드림 4 Regular" panose="020B0503030302020204" pitchFamily="34" charset="-127"/>
                 <a:ea typeface="에스코어 드림 4 Regular" panose="020B0503030302020204" pitchFamily="34" charset="-127"/>
               </a:rPr>
-              <a:t>인스타그램 감성숙소 계정 </a:t>
+              <a:t>국토 교통부 실거래가 데이터</a:t>
+            </a:r>
+            <a:endParaRPr lang="en-US" altLang="ko-KR" dirty="0">
+              <a:latin typeface="에스코어 드림 4 Regular" panose="020B0503030302020204" pitchFamily="34" charset="-127"/>
+              <a:ea typeface="에스코어 드림 4 Regular" panose="020B0503030302020204" pitchFamily="34" charset="-127"/>
+            </a:endParaRPr>
+          </a:p>
+          <a:p>
+            <a:pPr marL="742950" lvl="1" indent="-285750">
+              <a:buFont typeface="Wingdings" panose="05000000000000000000" pitchFamily="2" charset="2"/>
+              <a:buChar char="ü"/>
+            </a:pPr>
+            <a:r>
+              <a:rPr lang="ko-KR" altLang="en-US" dirty="0">
+                <a:latin typeface="에스코어 드림 4 Regular" panose="020B0503030302020204" pitchFamily="34" charset="-127"/>
+                <a:ea typeface="에스코어 드림 4 Regular" panose="020B0503030302020204" pitchFamily="34" charset="-127"/>
+              </a:rPr>
+              <a:t>거래가격</a:t>
             </a:r>
             <a:r>
               <a:rPr lang="en-US" altLang="ko-KR" dirty="0">
                 <a:latin typeface="에스코어 드림 4 Regular" panose="020B0503030302020204" pitchFamily="34" charset="-127"/>
                 <a:ea typeface="에스코어 드림 4 Regular" panose="020B0503030302020204" pitchFamily="34" charset="-127"/>
               </a:rPr>
-              <a:t>7</a:t>
+              <a:t>, </a:t>
             </a:r>
             <a:r>
               <a:rPr lang="ko-KR" altLang="en-US" dirty="0">
                 <a:latin typeface="에스코어 드림 4 Regular" panose="020B0503030302020204" pitchFamily="34" charset="-127"/>
                 <a:ea typeface="에스코어 드림 4 Regular" panose="020B0503030302020204" pitchFamily="34" charset="-127"/>
               </a:rPr>
-              <a:t>개의 텍스트 데이터</a:t>
+              <a:t>일자</a:t>
+            </a:r>
+            <a:r>
+              <a:rPr lang="en-US" altLang="ko-KR" dirty="0">
+                <a:latin typeface="에스코어 드림 4 Regular" panose="020B0503030302020204" pitchFamily="34" charset="-127"/>
+                <a:ea typeface="에스코어 드림 4 Regular" panose="020B0503030302020204" pitchFamily="34" charset="-127"/>
+              </a:rPr>
+              <a:t>, APT</a:t>
+            </a:r>
+            <a:r>
+              <a:rPr lang="ko-KR" altLang="en-US" dirty="0">
+                <a:latin typeface="에스코어 드림 4 Regular" panose="020B0503030302020204" pitchFamily="34" charset="-127"/>
+                <a:ea typeface="에스코어 드림 4 Regular" panose="020B0503030302020204" pitchFamily="34" charset="-127"/>
+              </a:rPr>
+              <a:t>명</a:t>
+            </a:r>
+            <a:r>
+              <a:rPr lang="en-US" altLang="ko-KR" dirty="0">
+                <a:latin typeface="에스코어 드림 4 Regular" panose="020B0503030302020204" pitchFamily="34" charset="-127"/>
+                <a:ea typeface="에스코어 드림 4 Regular" panose="020B0503030302020204" pitchFamily="34" charset="-127"/>
+              </a:rPr>
+              <a:t>, </a:t>
+            </a:r>
+            <a:r>
+              <a:rPr lang="ko-KR" altLang="en-US" dirty="0">
+                <a:latin typeface="에스코어 드림 4 Regular" panose="020B0503030302020204" pitchFamily="34" charset="-127"/>
+                <a:ea typeface="에스코어 드림 4 Regular" panose="020B0503030302020204" pitchFamily="34" charset="-127"/>
+              </a:rPr>
+              <a:t>면적</a:t>
+            </a:r>
+            <a:r>
+              <a:rPr lang="en-US" altLang="ko-KR" dirty="0">
+                <a:latin typeface="에스코어 드림 4 Regular" panose="020B0503030302020204" pitchFamily="34" charset="-127"/>
+                <a:ea typeface="에스코어 드림 4 Regular" panose="020B0503030302020204" pitchFamily="34" charset="-127"/>
+              </a:rPr>
+              <a:t>, </a:t>
+            </a:r>
+            <a:r>
+              <a:rPr lang="ko-KR" altLang="en-US" dirty="0">
+                <a:latin typeface="에스코어 드림 4 Regular" panose="020B0503030302020204" pitchFamily="34" charset="-127"/>
+                <a:ea typeface="에스코어 드림 4 Regular" panose="020B0503030302020204" pitchFamily="34" charset="-127"/>
+              </a:rPr>
+              <a:t>층수 등</a:t>
             </a:r>
             <a:endParaRPr lang="en-US" altLang="ko-KR" dirty="0">
               <a:latin typeface="에스코어 드림 4 Regular" panose="020B0503030302020204" pitchFamily="34" charset="-127"/>
@@ -4881,12 +9467,43 @@
                 <a:latin typeface="에스코어 드림 4 Regular" panose="020B0503030302020204" pitchFamily="34" charset="-127"/>
                 <a:ea typeface="에스코어 드림 4 Regular" panose="020B0503030302020204" pitchFamily="34" charset="-127"/>
               </a:rPr>
-              <a:t>네이버 블로그 데이터</a:t>
-            </a:r>
-            <a:endParaRPr lang="en-US" altLang="ko-KR" dirty="0">
-              <a:latin typeface="에스코어 드림 4 Regular" panose="020B0503030302020204" pitchFamily="34" charset="-127"/>
-              <a:ea typeface="에스코어 드림 4 Regular" panose="020B0503030302020204" pitchFamily="34" charset="-127"/>
-            </a:endParaRPr>
+              <a:t>전국 병원 리스트</a:t>
+            </a:r>
+            <a:r>
+              <a:rPr lang="en-US" altLang="ko-KR" dirty="0">
+                <a:latin typeface="에스코어 드림 4 Regular" panose="020B0503030302020204" pitchFamily="34" charset="-127"/>
+                <a:ea typeface="에스코어 드림 4 Regular" panose="020B0503030302020204" pitchFamily="34" charset="-127"/>
+              </a:rPr>
+              <a:t>(</a:t>
+            </a:r>
+            <a:r>
+              <a:rPr lang="ko-KR" altLang="en-US" dirty="0">
+                <a:latin typeface="에스코어 드림 4 Regular" panose="020B0503030302020204" pitchFamily="34" charset="-127"/>
+                <a:ea typeface="에스코어 드림 4 Regular" panose="020B0503030302020204" pitchFamily="34" charset="-127"/>
+              </a:rPr>
+              <a:t>주소</a:t>
+            </a:r>
+            <a:r>
+              <a:rPr lang="en-US" altLang="ko-KR" dirty="0">
+                <a:latin typeface="에스코어 드림 4 Regular" panose="020B0503030302020204" pitchFamily="34" charset="-127"/>
+                <a:ea typeface="에스코어 드림 4 Regular" panose="020B0503030302020204" pitchFamily="34" charset="-127"/>
+              </a:rPr>
+              <a:t> </a:t>
+            </a:r>
+            <a:r>
+              <a:rPr lang="ko-KR" altLang="en-US" dirty="0">
+                <a:latin typeface="에스코어 드림 4 Regular" panose="020B0503030302020204" pitchFamily="34" charset="-127"/>
+                <a:ea typeface="에스코어 드림 4 Regular" panose="020B0503030302020204" pitchFamily="34" charset="-127"/>
+              </a:rPr>
+              <a:t>정보 활용</a:t>
+            </a:r>
+            <a:r>
+              <a:rPr lang="en-US" altLang="ko-KR" dirty="0">
+                <a:latin typeface="에스코어 드림 4 Regular" panose="020B0503030302020204" pitchFamily="34" charset="-127"/>
+                <a:ea typeface="에스코어 드림 4 Regular" panose="020B0503030302020204" pitchFamily="34" charset="-127"/>
+              </a:rPr>
+              <a:t>)</a:t>
+            </a:r>
           </a:p>
           <a:p>
             <a:pPr marL="285750" indent="-285750">
@@ -4898,42 +9515,42 @@
                 <a:latin typeface="에스코어 드림 4 Regular" panose="020B0503030302020204" pitchFamily="34" charset="-127"/>
                 <a:ea typeface="에스코어 드림 4 Regular" panose="020B0503030302020204" pitchFamily="34" charset="-127"/>
               </a:rPr>
-              <a:t>코로나 거리두기 단계 </a:t>
+              <a:t>서울 지하철 행정동 정보</a:t>
             </a:r>
             <a:r>
               <a:rPr lang="en-US" altLang="ko-KR" dirty="0">
                 <a:latin typeface="에스코어 드림 4 Regular" panose="020B0503030302020204" pitchFamily="34" charset="-127"/>
                 <a:ea typeface="에스코어 드림 4 Regular" panose="020B0503030302020204" pitchFamily="34" charset="-127"/>
               </a:rPr>
-              <a:t>&amp; </a:t>
+              <a:t>(</a:t>
             </a:r>
             <a:r>
               <a:rPr lang="ko-KR" altLang="en-US" dirty="0">
                 <a:latin typeface="에스코어 드림 4 Regular" panose="020B0503030302020204" pitchFamily="34" charset="-127"/>
                 <a:ea typeface="에스코어 드림 4 Regular" panose="020B0503030302020204" pitchFamily="34" charset="-127"/>
               </a:rPr>
-              <a:t>네이버 </a:t>
+              <a:t>역 명</a:t>
             </a:r>
             <a:r>
               <a:rPr lang="en-US" altLang="ko-KR" dirty="0">
                 <a:latin typeface="에스코어 드림 4 Regular" panose="020B0503030302020204" pitchFamily="34" charset="-127"/>
                 <a:ea typeface="에스코어 드림 4 Regular" panose="020B0503030302020204" pitchFamily="34" charset="-127"/>
               </a:rPr>
-              <a:t>Place API(</a:t>
+              <a:t>, </a:t>
             </a:r>
             <a:r>
               <a:rPr lang="ko-KR" altLang="en-US" dirty="0">
                 <a:latin typeface="에스코어 드림 4 Regular" panose="020B0503030302020204" pitchFamily="34" charset="-127"/>
                 <a:ea typeface="에스코어 드림 4 Regular" panose="020B0503030302020204" pitchFamily="34" charset="-127"/>
               </a:rPr>
-              <a:t>분석</a:t>
+              <a:t>행정동명 등</a:t>
             </a:r>
             <a:r>
               <a:rPr lang="en-US" altLang="ko-KR" dirty="0">
                 <a:latin typeface="에스코어 드림 4 Regular" panose="020B0503030302020204" pitchFamily="34" charset="-127"/>
                 <a:ea typeface="에스코어 드림 4 Regular" panose="020B0503030302020204" pitchFamily="34" charset="-127"/>
               </a:rPr>
-              <a:t>X) </a:t>
+              <a:t>) </a:t>
             </a:r>
           </a:p>
         </p:txBody>
@@ -4968,7 +9585,7 @@
                 <a:latin typeface="에스코어 드림 7 ExtraBold" panose="020B0803030302020204" pitchFamily="34" charset="-127"/>
                 <a:ea typeface="에스코어 드림 7 ExtraBold" panose="020B0803030302020204" pitchFamily="34" charset="-127"/>
               </a:rPr>
-              <a:t>03</a:t>
+              <a:t>02</a:t>
             </a:r>
             <a:endParaRPr lang="ko-KR" altLang="en-US" sz="5400" spc="-300" dirty="0">
               <a:solidFill>
@@ -4989,7 +9606,7 @@
         <p:spPr>
           <a:xfrm>
             <a:off x="363362" y="1327678"/>
-            <a:ext cx="8983550" cy="461665"/>
+            <a:ext cx="6327373" cy="461665"/>
           </a:xfrm>
           <a:prstGeom prst="rect">
             <a:avLst/>
@@ -5002,46 +9619,18 @@
           <a:lstStyle/>
           <a:p>
             <a:r>
+              <a:rPr lang="ko-KR" altLang="en-US" sz="2400" dirty="0" err="1">
+                <a:latin typeface="에스코어 드림 6 Bold" panose="020B0703030302020204" pitchFamily="34" charset="-127"/>
+                <a:ea typeface="에스코어 드림 6 Bold" panose="020B0703030302020204" pitchFamily="34" charset="-127"/>
+              </a:rPr>
+              <a:t>머신러닝을</a:t>
+            </a:r>
+            <a:r>
               <a:rPr lang="ko-KR" altLang="en-US" sz="2400" dirty="0">
                 <a:latin typeface="에스코어 드림 6 Bold" panose="020B0703030302020204" pitchFamily="34" charset="-127"/>
                 <a:ea typeface="에스코어 드림 6 Bold" panose="020B0703030302020204" pitchFamily="34" charset="-127"/>
               </a:rPr>
-              <a:t>코로나 시대</a:t>
-            </a:r>
-            <a:r>
-              <a:rPr lang="en-US" altLang="ko-KR" sz="2400" dirty="0">
-                <a:latin typeface="에스코어 드림 6 Bold" panose="020B0703030302020204" pitchFamily="34" charset="-127"/>
-                <a:ea typeface="에스코어 드림 6 Bold" panose="020B0703030302020204" pitchFamily="34" charset="-127"/>
-              </a:rPr>
-              <a:t>, </a:t>
-            </a:r>
-            <a:r>
-              <a:rPr lang="ko-KR" altLang="en-US" sz="2400" dirty="0">
-                <a:latin typeface="에스코어 드림 6 Bold" panose="020B0703030302020204" pitchFamily="34" charset="-127"/>
-                <a:ea typeface="에스코어 드림 6 Bold" panose="020B0703030302020204" pitchFamily="34" charset="-127"/>
-              </a:rPr>
-              <a:t>안전한 여행을 위한 </a:t>
-            </a:r>
-            <a:r>
-              <a:rPr lang="en-US" altLang="ko-KR" sz="2400" dirty="0">
-                <a:latin typeface="에스코어 드림 6 Bold" panose="020B0703030302020204" pitchFamily="34" charset="-127"/>
-                <a:ea typeface="에스코어 드림 6 Bold" panose="020B0703030302020204" pitchFamily="34" charset="-127"/>
-              </a:rPr>
-              <a:t>SNS</a:t>
-            </a:r>
-            <a:r>
-              <a:rPr lang="ko-KR" altLang="en-US" sz="2400" dirty="0">
-                <a:latin typeface="에스코어 드림 6 Bold" panose="020B0703030302020204" pitchFamily="34" charset="-127"/>
-                <a:ea typeface="에스코어 드림 6 Bold" panose="020B0703030302020204" pitchFamily="34" charset="-127"/>
-              </a:rPr>
-              <a:t>기반 감성숙소 추천 </a:t>
-            </a:r>
-            <a:r>
-              <a:rPr lang="ko-KR" altLang="en-US" sz="2400" dirty="0" err="1">
-                <a:latin typeface="에스코어 드림 6 Bold" panose="020B0703030302020204" pitchFamily="34" charset="-127"/>
-                <a:ea typeface="에스코어 드림 6 Bold" panose="020B0703030302020204" pitchFamily="34" charset="-127"/>
-              </a:rPr>
-              <a:t>앱서비스</a:t>
+              <a:t> 이용한 서울 아파트 실거래가 예측</a:t>
             </a:r>
             <a:endParaRPr lang="en-US" altLang="ko-KR" sz="2400" dirty="0">
               <a:latin typeface="에스코어 드림 6 Bold" panose="020B0703030302020204" pitchFamily="34" charset="-127"/>
@@ -5065,7 +9654,7 @@
         <p:spPr>
           <a:xfrm>
             <a:off x="454470" y="3526114"/>
-            <a:ext cx="4987776" cy="1200329"/>
+            <a:ext cx="3663823" cy="1200329"/>
           </a:xfrm>
           <a:prstGeom prst="rect">
             <a:avLst/>
@@ -5106,7 +9695,7 @@
                 <a:latin typeface="에스코어 드림 4 Regular" panose="020B0503030302020204" pitchFamily="34" charset="-127"/>
                 <a:ea typeface="에스코어 드림 4 Regular" panose="020B0503030302020204" pitchFamily="34" charset="-127"/>
               </a:rPr>
-              <a:t>Python 3.6+ / Tableau / Google Trends</a:t>
+              <a:t>Python 3.6+ / Tableau </a:t>
             </a:r>
           </a:p>
           <a:p>
@@ -5119,8 +9708,19 @@
                 <a:latin typeface="에스코어 드림 4 Regular" panose="020B0503030302020204" pitchFamily="34" charset="-127"/>
                 <a:ea typeface="에스코어 드림 4 Regular" panose="020B0503030302020204" pitchFamily="34" charset="-127"/>
               </a:rPr>
-              <a:t>Django / AWS / HDFS / Spark / MongoDB</a:t>
-            </a:r>
+              <a:t>Pandas / Seaborn / </a:t>
+            </a:r>
+            <a:r>
+              <a:rPr lang="en-US" altLang="ko-KR" dirty="0" err="1">
+                <a:latin typeface="에스코어 드림 4 Regular" panose="020B0503030302020204" pitchFamily="34" charset="-127"/>
+                <a:ea typeface="에스코어 드림 4 Regular" panose="020B0503030302020204" pitchFamily="34" charset="-127"/>
+              </a:rPr>
+              <a:t>Meplotlib</a:t>
+            </a:r>
+            <a:endParaRPr lang="en-US" altLang="ko-KR" dirty="0">
+              <a:latin typeface="에스코어 드림 4 Regular" panose="020B0503030302020204" pitchFamily="34" charset="-127"/>
+              <a:ea typeface="에스코어 드림 4 Regular" panose="020B0503030302020204" pitchFamily="34" charset="-127"/>
+            </a:endParaRPr>
           </a:p>
         </p:txBody>
       </p:sp>
@@ -5139,7 +9739,7 @@
         <p:spPr>
           <a:xfrm>
             <a:off x="6096000" y="1881972"/>
-            <a:ext cx="5907386" cy="1477328"/>
+            <a:ext cx="5907386" cy="1200329"/>
           </a:xfrm>
           <a:prstGeom prst="rect">
             <a:avLst/>
@@ -5147,7 +9747,7 @@
           <a:noFill/>
         </p:spPr>
         <p:txBody>
-          <a:bodyPr wrap="none" rtlCol="0">
+          <a:bodyPr wrap="square" rtlCol="0">
             <a:spAutoFit/>
           </a:bodyPr>
           <a:lstStyle/>
@@ -5176,32 +9776,25 @@
               <a:buChar char="ü"/>
             </a:pPr>
             <a:r>
-              <a:rPr lang="en-US" altLang="ko-KR" dirty="0">
-                <a:latin typeface="에스코어 드림 4 Regular" panose="020B0503030302020204" pitchFamily="34" charset="-127"/>
-                <a:ea typeface="에스코어 드림 4 Regular" panose="020B0503030302020204" pitchFamily="34" charset="-127"/>
-              </a:rPr>
-              <a:t>SNS</a:t>
-            </a:r>
-            <a:r>
               <a:rPr lang="ko-KR" altLang="en-US" dirty="0">
                 <a:latin typeface="에스코어 드림 4 Regular" panose="020B0503030302020204" pitchFamily="34" charset="-127"/>
                 <a:ea typeface="에스코어 드림 4 Regular" panose="020B0503030302020204" pitchFamily="34" charset="-127"/>
               </a:rPr>
-              <a:t>데이터를 통해 감성숙소의 </a:t>
-            </a:r>
-            <a:r>
-              <a:rPr lang="ko-KR" altLang="en-US" b="1" u="sng" dirty="0">
-                <a:latin typeface="에스코어 드림 4 Regular" panose="020B0503030302020204" pitchFamily="34" charset="-127"/>
-                <a:ea typeface="에스코어 드림 4 Regular" panose="020B0503030302020204" pitchFamily="34" charset="-127"/>
-              </a:rPr>
-              <a:t>새로운 분류기준</a:t>
+              <a:t>서울시 아파트 거래 밀집 지역 및 </a:t>
+            </a:r>
+            <a:r>
+              <a:rPr lang="ko-KR" altLang="en-US" dirty="0" err="1">
+                <a:latin typeface="에스코어 드림 4 Regular" panose="020B0503030302020204" pitchFamily="34" charset="-127"/>
+                <a:ea typeface="에스코어 드림 4 Regular" panose="020B0503030302020204" pitchFamily="34" charset="-127"/>
+              </a:rPr>
+              <a:t>실거래가를</a:t>
             </a:r>
             <a:r>
               <a:rPr lang="ko-KR" altLang="en-US" dirty="0">
                 <a:latin typeface="에스코어 드림 4 Regular" panose="020B0503030302020204" pitchFamily="34" charset="-127"/>
                 <a:ea typeface="에스코어 드림 4 Regular" panose="020B0503030302020204" pitchFamily="34" charset="-127"/>
               </a:rPr>
-              <a:t>을 제시</a:t>
+              <a:t> 예측</a:t>
             </a:r>
             <a:endParaRPr lang="en-US" altLang="ko-KR" dirty="0">
               <a:latin typeface="에스코어 드림 4 Regular" panose="020B0503030302020204" pitchFamily="34" charset="-127"/>
@@ -5218,45 +9811,7 @@
                 <a:latin typeface="에스코어 드림 4 Regular" panose="020B0503030302020204" pitchFamily="34" charset="-127"/>
                 <a:ea typeface="에스코어 드림 4 Regular" panose="020B0503030302020204" pitchFamily="34" charset="-127"/>
               </a:rPr>
-              <a:t>코로나 관련 정보와 </a:t>
-            </a:r>
-            <a:r>
-              <a:rPr lang="ko-KR" altLang="en-US" b="1" u="sng" dirty="0">
-                <a:latin typeface="에스코어 드림 4 Regular" panose="020B0503030302020204" pitchFamily="34" charset="-127"/>
-                <a:ea typeface="에스코어 드림 4 Regular" panose="020B0503030302020204" pitchFamily="34" charset="-127"/>
-              </a:rPr>
-              <a:t>감성 숙소 추천서비스</a:t>
-            </a:r>
-            <a:r>
-              <a:rPr lang="ko-KR" altLang="en-US" dirty="0">
-                <a:latin typeface="에스코어 드림 4 Regular" panose="020B0503030302020204" pitchFamily="34" charset="-127"/>
-                <a:ea typeface="에스코어 드림 4 Regular" panose="020B0503030302020204" pitchFamily="34" charset="-127"/>
-              </a:rPr>
-              <a:t>를 제공</a:t>
-            </a:r>
-            <a:endParaRPr lang="en-US" altLang="ko-KR" dirty="0">
-              <a:latin typeface="에스코어 드림 4 Regular" panose="020B0503030302020204" pitchFamily="34" charset="-127"/>
-              <a:ea typeface="에스코어 드림 4 Regular" panose="020B0503030302020204" pitchFamily="34" charset="-127"/>
-            </a:endParaRPr>
-          </a:p>
-          <a:p>
-            <a:pPr marL="285750" indent="-285750">
-              <a:buFont typeface="Wingdings" panose="05000000000000000000" pitchFamily="2" charset="2"/>
-              <a:buChar char="ü"/>
-            </a:pPr>
-            <a:r>
-              <a:rPr lang="ko-KR" altLang="en-US" b="1" u="sng" dirty="0">
-                <a:latin typeface="에스코어 드림 4 Regular" panose="020B0503030302020204" pitchFamily="34" charset="-127"/>
-                <a:ea typeface="에스코어 드림 4 Regular" panose="020B0503030302020204" pitchFamily="34" charset="-127"/>
-              </a:rPr>
-              <a:t>코로나 시대 속 안전한 여행</a:t>
-            </a:r>
-            <a:r>
-              <a:rPr lang="ko-KR" altLang="en-US" dirty="0">
-                <a:latin typeface="에스코어 드림 4 Regular" panose="020B0503030302020204" pitchFamily="34" charset="-127"/>
-                <a:ea typeface="에스코어 드림 4 Regular" panose="020B0503030302020204" pitchFamily="34" charset="-127"/>
-              </a:rPr>
-              <a:t>을 돕고자 함 </a:t>
+              <a:t>투기성 부동산 거래에 대한 규제 및 대책 형성에 일조</a:t>
             </a:r>
             <a:endParaRPr lang="en-US" altLang="ko-KR" dirty="0">
               <a:latin typeface="에스코어 드림 4 Regular" panose="020B0503030302020204" pitchFamily="34" charset="-127"/>
@@ -5280,7 +9835,7 @@
         <p:spPr>
           <a:xfrm>
             <a:off x="454470" y="5018543"/>
-            <a:ext cx="5141151" cy="1477328"/>
+            <a:ext cx="2954655" cy="1477328"/>
           </a:xfrm>
           <a:prstGeom prst="rect">
             <a:avLst/>
@@ -5321,21 +9876,7 @@
                 <a:latin typeface="에스코어 드림 4 Regular" panose="020B0503030302020204" pitchFamily="34" charset="-127"/>
                 <a:ea typeface="에스코어 드림 4 Regular" panose="020B0503030302020204" pitchFamily="34" charset="-127"/>
               </a:rPr>
-              <a:t>코로나 이후 </a:t>
-            </a:r>
-            <a:r>
-              <a:rPr lang="ko-KR" altLang="en-US" u="sng" dirty="0">
-                <a:latin typeface="에스코어 드림 4 Regular" panose="020B0503030302020204" pitchFamily="34" charset="-127"/>
-                <a:ea typeface="에스코어 드림 4 Regular" panose="020B0503030302020204" pitchFamily="34" charset="-127"/>
-              </a:rPr>
-              <a:t>여행 트렌드의 변화</a:t>
-            </a:r>
-            <a:r>
-              <a:rPr lang="ko-KR" altLang="en-US" dirty="0">
-                <a:latin typeface="에스코어 드림 4 Regular" panose="020B0503030302020204" pitchFamily="34" charset="-127"/>
-                <a:ea typeface="에스코어 드림 4 Regular" panose="020B0503030302020204" pitchFamily="34" charset="-127"/>
-              </a:rPr>
-              <a:t>가 가속화</a:t>
+              <a:t>주택 거래량의 급 상승 ↑</a:t>
             </a:r>
             <a:endParaRPr lang="en-US" altLang="ko-KR" dirty="0">
               <a:latin typeface="에스코어 드림 4 Regular" panose="020B0503030302020204" pitchFamily="34" charset="-127"/>
@@ -5348,46 +9889,11 @@
               <a:buChar char="ü"/>
             </a:pPr>
             <a:r>
-              <a:rPr lang="ko-KR" altLang="en-US" b="1" u="sng" dirty="0">
-                <a:latin typeface="에스코어 드림 4 Regular" panose="020B0503030302020204" pitchFamily="34" charset="-127"/>
-                <a:ea typeface="에스코어 드림 4 Regular" panose="020B0503030302020204" pitchFamily="34" charset="-127"/>
-              </a:rPr>
-              <a:t>감성숙소</a:t>
-            </a:r>
-            <a:r>
               <a:rPr lang="ko-KR" altLang="en-US" dirty="0">
                 <a:latin typeface="에스코어 드림 4 Regular" panose="020B0503030302020204" pitchFamily="34" charset="-127"/>
                 <a:ea typeface="에스코어 드림 4 Regular" panose="020B0503030302020204" pitchFamily="34" charset="-127"/>
               </a:rPr>
-              <a:t>를 키워드로 한  </a:t>
-            </a:r>
-            <a:r>
-              <a:rPr lang="en-US" altLang="ko-KR" dirty="0">
-                <a:latin typeface="에스코어 드림 4 Regular" panose="020B0503030302020204" pitchFamily="34" charset="-127"/>
-                <a:ea typeface="에스코어 드림 4 Regular" panose="020B0503030302020204" pitchFamily="34" charset="-127"/>
-              </a:rPr>
-              <a:t>“</a:t>
-            </a:r>
-            <a:r>
-              <a:rPr lang="ko-KR" altLang="en-US" dirty="0" err="1">
-                <a:latin typeface="에스코어 드림 4 Regular" panose="020B0503030302020204" pitchFamily="34" charset="-127"/>
-                <a:ea typeface="에스코어 드림 4 Regular" panose="020B0503030302020204" pitchFamily="34" charset="-127"/>
-              </a:rPr>
-              <a:t>힐링여행</a:t>
-            </a:r>
-            <a:r>
-              <a:rPr lang="en-US" altLang="ko-KR" dirty="0">
-                <a:latin typeface="에스코어 드림 4 Regular" panose="020B0503030302020204" pitchFamily="34" charset="-127"/>
-                <a:ea typeface="에스코어 드림 4 Regular" panose="020B0503030302020204" pitchFamily="34" charset="-127"/>
-              </a:rPr>
-              <a:t>” </a:t>
-            </a:r>
-            <a:r>
-              <a:rPr lang="ko-KR" altLang="en-US" dirty="0">
-                <a:latin typeface="에스코어 드림 4 Regular" panose="020B0503030302020204" pitchFamily="34" charset="-127"/>
-                <a:ea typeface="에스코어 드림 4 Regular" panose="020B0503030302020204" pitchFamily="34" charset="-127"/>
-              </a:rPr>
-              <a:t>급부상</a:t>
+              <a:t>전국 청약 경쟁률 ↑</a:t>
             </a:r>
             <a:endParaRPr lang="en-US" altLang="ko-KR" dirty="0">
               <a:latin typeface="에스코어 드림 4 Regular" panose="020B0503030302020204" pitchFamily="34" charset="-127"/>
@@ -5404,14 +9910,7 @@
                 <a:latin typeface="에스코어 드림 4 Regular" panose="020B0503030302020204" pitchFamily="34" charset="-127"/>
                 <a:ea typeface="에스코어 드림 4 Regular" panose="020B0503030302020204" pitchFamily="34" charset="-127"/>
               </a:rPr>
-              <a:t>하지만 </a:t>
-            </a:r>
-            <a:r>
-              <a:rPr lang="ko-KR" altLang="en-US" b="1" u="sng" dirty="0">
-                <a:latin typeface="에스코어 드림 4 Regular" panose="020B0503030302020204" pitchFamily="34" charset="-127"/>
-                <a:ea typeface="에스코어 드림 4 Regular" panose="020B0503030302020204" pitchFamily="34" charset="-127"/>
-              </a:rPr>
-              <a:t>감성숙소에 대한 분석이나 서비스화 ↓</a:t>
+              <a:t>불어나는 시중 유동성</a:t>
             </a:r>
             <a:endParaRPr lang="en-US" altLang="ko-KR" b="1" u="sng" dirty="0">
               <a:latin typeface="에스코어 드림 4 Regular" panose="020B0503030302020204" pitchFamily="34" charset="-127"/>
@@ -5435,7 +9934,7 @@
         <p:spPr>
           <a:xfrm>
             <a:off x="6096000" y="3587601"/>
-            <a:ext cx="5895204" cy="1477328"/>
+            <a:ext cx="5865708" cy="1754326"/>
           </a:xfrm>
           <a:prstGeom prst="rect">
             <a:avLst/>
@@ -5472,25 +9971,18 @@
               <a:buChar char="ü"/>
             </a:pPr>
             <a:r>
+              <a:rPr lang="ko-KR" altLang="en-US" dirty="0" err="1">
+                <a:latin typeface="에스코어 드림 4 Regular" panose="020B0503030302020204" pitchFamily="34" charset="-127"/>
+                <a:ea typeface="에스코어 드림 4 Regular" panose="020B0503030302020204" pitchFamily="34" charset="-127"/>
+              </a:rPr>
+              <a:t>헤도닉</a:t>
+            </a:r>
+            <a:r>
               <a:rPr lang="ko-KR" altLang="en-US" dirty="0">
                 <a:latin typeface="에스코어 드림 4 Regular" panose="020B0503030302020204" pitchFamily="34" charset="-127"/>
                 <a:ea typeface="에스코어 드림 4 Regular" panose="020B0503030302020204" pitchFamily="34" charset="-127"/>
               </a:rPr>
-              <a:t>경향성 및 패턴 분석 👉 </a:t>
-            </a:r>
-            <a:r>
-              <a:rPr lang="en-US" altLang="ko-KR" dirty="0">
-                <a:latin typeface="에스코어 드림 4 Regular" panose="020B0503030302020204" pitchFamily="34" charset="-127"/>
-                <a:ea typeface="에스코어 드림 4 Regular" panose="020B0503030302020204" pitchFamily="34" charset="-127"/>
-              </a:rPr>
-              <a:t>Spherical K-means </a:t>
-            </a:r>
-            <a:r>
-              <a:rPr lang="ko-KR" altLang="en-US" dirty="0">
-                <a:latin typeface="에스코어 드림 4 Regular" panose="020B0503030302020204" pitchFamily="34" charset="-127"/>
-                <a:ea typeface="에스코어 드림 4 Regular" panose="020B0503030302020204" pitchFamily="34" charset="-127"/>
-              </a:rPr>
-              <a:t>군집분석</a:t>
+              <a:t> 가격모형을 베이스로 하여 연구모형 구축</a:t>
             </a:r>
             <a:endParaRPr lang="en-US" altLang="ko-KR" dirty="0">
               <a:latin typeface="에스코어 드림 4 Regular" panose="020B0503030302020204" pitchFamily="34" charset="-127"/>
@@ -5503,25 +9995,67 @@
               <a:buChar char="ü"/>
             </a:pPr>
             <a:r>
-              <a:rPr lang="ko-KR" altLang="en-US" dirty="0" err="1">
-                <a:latin typeface="에스코어 드림 4 Regular" panose="020B0503030302020204" pitchFamily="34" charset="-127"/>
-                <a:ea typeface="에스코어 드림 4 Regular" panose="020B0503030302020204" pitchFamily="34" charset="-127"/>
-              </a:rPr>
-              <a:t>군집별</a:t>
-            </a:r>
-            <a:r>
               <a:rPr lang="ko-KR" altLang="en-US" dirty="0">
                 <a:latin typeface="에스코어 드림 4 Regular" panose="020B0503030302020204" pitchFamily="34" charset="-127"/>
                 <a:ea typeface="에스코어 드림 4 Regular" panose="020B0503030302020204" pitchFamily="34" charset="-127"/>
               </a:rPr>
-              <a:t> 토픽 모델링 👉 </a:t>
+              <a:t>다양한 </a:t>
+            </a:r>
+            <a:r>
+              <a:rPr lang="en-US" altLang="ko-KR" dirty="0">
+                <a:latin typeface="에스코어 드림 4 Regular" panose="020B0503030302020204" pitchFamily="34" charset="-127"/>
+                <a:ea typeface="에스코어 드림 4 Regular" panose="020B0503030302020204" pitchFamily="34" charset="-127"/>
+              </a:rPr>
+              <a:t>ML</a:t>
+            </a:r>
+            <a:r>
+              <a:rPr lang="ko-KR" altLang="en-US" dirty="0">
+                <a:latin typeface="에스코어 드림 4 Regular" panose="020B0503030302020204" pitchFamily="34" charset="-127"/>
+                <a:ea typeface="에스코어 드림 4 Regular" panose="020B0503030302020204" pitchFamily="34" charset="-127"/>
+              </a:rPr>
+              <a:t>알고리즘을 시도하여</a:t>
+            </a:r>
+            <a:r>
+              <a:rPr lang="en-US" altLang="ko-KR" dirty="0">
+                <a:latin typeface="에스코어 드림 4 Regular" panose="020B0503030302020204" pitchFamily="34" charset="-127"/>
+                <a:ea typeface="에스코어 드림 4 Regular" panose="020B0503030302020204" pitchFamily="34" charset="-127"/>
+              </a:rPr>
+              <a:t>, </a:t>
+            </a:r>
+            <a:r>
+              <a:rPr lang="ko-KR" altLang="en-US" dirty="0">
+                <a:latin typeface="에스코어 드림 4 Regular" panose="020B0503030302020204" pitchFamily="34" charset="-127"/>
+                <a:ea typeface="에스코어 드림 4 Regular" panose="020B0503030302020204" pitchFamily="34" charset="-127"/>
+              </a:rPr>
+              <a:t>최적의 알고리즘 도출</a:t>
+            </a:r>
+            <a:endParaRPr lang="en-US" altLang="ko-KR" dirty="0">
+              <a:latin typeface="에스코어 드림 4 Regular" panose="020B0503030302020204" pitchFamily="34" charset="-127"/>
+              <a:ea typeface="에스코어 드림 4 Regular" panose="020B0503030302020204" pitchFamily="34" charset="-127"/>
+            </a:endParaRPr>
+          </a:p>
+          <a:p>
+            <a:pPr lvl="1"/>
+            <a:r>
+              <a:rPr lang="ko-KR" altLang="en-US" dirty="0">
+                <a:latin typeface="에스코어 드림 4 Regular" panose="020B0503030302020204" pitchFamily="34" charset="-127"/>
+                <a:ea typeface="에스코어 드림 4 Regular" panose="020B0503030302020204" pitchFamily="34" charset="-127"/>
+              </a:rPr>
+              <a:t>👉 </a:t>
+            </a:r>
+            <a:r>
+              <a:rPr lang="en-US" altLang="ko-KR" dirty="0">
+                <a:latin typeface="에스코어 드림 4 Regular" panose="020B0503030302020204" pitchFamily="34" charset="-127"/>
+                <a:ea typeface="에스코어 드림 4 Regular" panose="020B0503030302020204" pitchFamily="34" charset="-127"/>
+              </a:rPr>
+              <a:t>KNN, DT, RF, GBM, LGBM, </a:t>
             </a:r>
             <a:r>
               <a:rPr lang="en-US" altLang="ko-KR" dirty="0" err="1">
                 <a:latin typeface="에스코어 드림 4 Regular" panose="020B0503030302020204" pitchFamily="34" charset="-127"/>
                 <a:ea typeface="에스코어 드림 4 Regular" panose="020B0503030302020204" pitchFamily="34" charset="-127"/>
               </a:rPr>
-              <a:t>TextRank</a:t>
+              <a:t>Xgboost</a:t>
             </a:r>
             <a:r>
               <a:rPr lang="en-US" altLang="ko-KR" dirty="0">
@@ -5535,7 +10069,7 @@
                 <a:latin typeface="에스코어 드림 4 Regular" panose="020B0503030302020204" pitchFamily="34" charset="-127"/>
                 <a:ea typeface="에스코어 드림 4 Regular" panose="020B0503030302020204" pitchFamily="34" charset="-127"/>
               </a:rPr>
-              <a:t>키워드 분석</a:t>
+              <a:t>비교</a:t>
             </a:r>
             <a:endParaRPr lang="en-US" altLang="ko-KR" dirty="0">
               <a:latin typeface="에스코어 드림 4 Regular" panose="020B0503030302020204" pitchFamily="34" charset="-127"/>
@@ -5543,37 +10077,27 @@
             </a:endParaRPr>
           </a:p>
           <a:p>
-            <a:pPr marL="285750" indent="-285750">
-              <a:buFont typeface="Wingdings" panose="05000000000000000000" pitchFamily="2" charset="2"/>
-              <a:buChar char="ü"/>
-            </a:pPr>
-            <a:r>
-              <a:rPr lang="en-US" altLang="ko-KR" dirty="0" err="1">
-                <a:latin typeface="에스코어 드림 4 Regular" panose="020B0503030302020204" pitchFamily="34" charset="-127"/>
-                <a:ea typeface="에스코어 드림 4 Regular" panose="020B0503030302020204" pitchFamily="34" charset="-127"/>
-              </a:rPr>
-              <a:t>UserInfo</a:t>
-            </a:r>
+            <a:pPr lvl="1"/>
             <a:r>
               <a:rPr lang="ko-KR" altLang="en-US" dirty="0">
                 <a:latin typeface="에스코어 드림 4 Regular" panose="020B0503030302020204" pitchFamily="34" charset="-127"/>
                 <a:ea typeface="에스코어 드림 4 Regular" panose="020B0503030302020204" pitchFamily="34" charset="-127"/>
               </a:rPr>
-              <a:t>의 부재 👉 </a:t>
+              <a:t>👉 모델 성능은 </a:t>
             </a:r>
             <a:r>
               <a:rPr lang="en-US" altLang="ko-KR" dirty="0">
                 <a:latin typeface="에스코어 드림 4 Regular" panose="020B0503030302020204" pitchFamily="34" charset="-127"/>
                 <a:ea typeface="에스코어 드림 4 Regular" panose="020B0503030302020204" pitchFamily="34" charset="-127"/>
               </a:rPr>
-              <a:t>CB </a:t>
+              <a:t>MSE &amp; RMSE</a:t>
             </a:r>
             <a:r>
               <a:rPr lang="ko-KR" altLang="en-US" dirty="0">
                 <a:latin typeface="에스코어 드림 4 Regular" panose="020B0503030302020204" pitchFamily="34" charset="-127"/>
                 <a:ea typeface="에스코어 드림 4 Regular" panose="020B0503030302020204" pitchFamily="34" charset="-127"/>
               </a:rPr>
-              <a:t>필터링을 적용한 추천모델</a:t>
+              <a:t>를 통해 비교</a:t>
             </a:r>
             <a:endParaRPr lang="en-US" altLang="ko-KR" dirty="0">
               <a:latin typeface="에스코어 드림 4 Regular" panose="020B0503030302020204" pitchFamily="34" charset="-127"/>
@@ -5585,7 +10109,7 @@
     </p:spTree>
     <p:extLst>
       <p:ext uri="{BB962C8B-B14F-4D97-AF65-F5344CB8AC3E}">
-        <p14:creationId xmlns:p14="http://schemas.microsoft.com/office/powerpoint/2010/main" val="3167792468"/>
+        <p14:creationId xmlns:p14="http://schemas.microsoft.com/office/powerpoint/2010/main" val="3589254892"/>
       </p:ext>
     </p:extLst>
   </p:cSld>
@@ -5620,8 +10144,50 @@
         </p:nvSpPr>
         <p:spPr>
           <a:xfrm>
-            <a:off x="1043255" y="569880"/>
-            <a:ext cx="3302507" cy="461665"/>
+            <a:off x="1172022" y="451481"/>
+            <a:ext cx="2296845" cy="707886"/>
+          </a:xfrm>
+          <a:prstGeom prst="rect">
+            <a:avLst/>
+          </a:prstGeom>
+          <a:noFill/>
+        </p:spPr>
+        <p:txBody>
+          <a:bodyPr wrap="square" rtlCol="0">
+            <a:spAutoFit/>
+          </a:bodyPr>
+          <a:lstStyle/>
+          <a:p>
+            <a:r>
+              <a:rPr lang="en-US" altLang="ko-KR" sz="4000" dirty="0">
+                <a:solidFill>
+                  <a:srgbClr val="1D1D1D"/>
+                </a:solidFill>
+                <a:latin typeface="에스코어 드림 6 Bold" panose="020B0703030302020204" pitchFamily="34" charset="-127"/>
+                <a:ea typeface="에스코어 드림 6 Bold" panose="020B0703030302020204" pitchFamily="34" charset="-127"/>
+              </a:rPr>
+              <a:t>Projects</a:t>
+            </a:r>
+            <a:endParaRPr lang="ko-KR" altLang="en-US" sz="4000" dirty="0">
+              <a:solidFill>
+                <a:srgbClr val="1D1D1D"/>
+              </a:solidFill>
+              <a:latin typeface="에스코어 드림 6 Bold" panose="020B0703030302020204" pitchFamily="34" charset="-127"/>
+              <a:ea typeface="에스코어 드림 6 Bold" panose="020B0703030302020204" pitchFamily="34" charset="-127"/>
+            </a:endParaRPr>
+          </a:p>
+        </p:txBody>
+      </p:sp>
+      <p:sp>
+        <p:nvSpPr>
+          <p:cNvPr id="28" name="TextBox 27"/>
+          <p:cNvSpPr txBox="1"/>
+          <p:nvPr/>
+        </p:nvSpPr>
+        <p:spPr>
+          <a:xfrm>
+            <a:off x="454470" y="1924188"/>
+            <a:ext cx="1379288" cy="369332"/>
           </a:xfrm>
           <a:prstGeom prst="rect">
             <a:avLst/>
@@ -5635,44 +10201,11 @@
           <a:lstStyle/>
           <a:p>
             <a:r>
-              <a:rPr lang="ko-KR" altLang="en-US" sz="2400" dirty="0" err="1">
-                <a:solidFill>
-                  <a:srgbClr val="1D1D1D"/>
-                </a:solidFill>
-                <a:latin typeface="에스코어 드림 4 Regular" panose="020B0503030302020204" pitchFamily="34" charset="-127"/>
-                <a:ea typeface="에스코어 드림 4 Regular" panose="020B0503030302020204" pitchFamily="34" charset="-127"/>
-              </a:rPr>
-              <a:t>포니부하곰</a:t>
-            </a:r>
-            <a:r>
-              <a:rPr lang="ko-KR" altLang="en-US" sz="2400" dirty="0">
-                <a:solidFill>
-                  <a:srgbClr val="1D1D1D"/>
-                </a:solidFill>
-                <a:latin typeface="에스코어 드림 4 Regular" panose="020B0503030302020204" pitchFamily="34" charset="-127"/>
-                <a:ea typeface="에스코어 드림 4 Regular" panose="020B0503030302020204" pitchFamily="34" charset="-127"/>
-              </a:rPr>
-              <a:t> </a:t>
-            </a:r>
-            <a:r>
-              <a:rPr lang="en-US" altLang="ko-KR" sz="2400" dirty="0">
-                <a:solidFill>
-                  <a:srgbClr val="1D1D1D"/>
-                </a:solidFill>
-                <a:latin typeface="에스코어 드림 4 Regular" panose="020B0503030302020204" pitchFamily="34" charset="-127"/>
-                <a:ea typeface="에스코어 드림 4 Regular" panose="020B0503030302020204" pitchFamily="34" charset="-127"/>
-              </a:rPr>
-              <a:t>PPT </a:t>
-            </a:r>
-            <a:r>
-              <a:rPr lang="ko-KR" altLang="en-US" sz="2400" dirty="0">
-                <a:solidFill>
-                  <a:srgbClr val="1D1D1D"/>
-                </a:solidFill>
-                <a:latin typeface="에스코어 드림 4 Regular" panose="020B0503030302020204" pitchFamily="34" charset="-127"/>
-                <a:ea typeface="에스코어 드림 4 Regular" panose="020B0503030302020204" pitchFamily="34" charset="-127"/>
-              </a:rPr>
-              <a:t>템플릿</a:t>
+              <a:rPr lang="en-US" altLang="ko-KR" u="sng" dirty="0">
+                <a:latin typeface="에스코어 드림 4 Regular" panose="020B0503030302020204" pitchFamily="34" charset="-127"/>
+                <a:ea typeface="에스코어 드림 4 Regular" panose="020B0503030302020204" pitchFamily="34" charset="-127"/>
+              </a:rPr>
+              <a:t>Processing</a:t>
             </a:r>
           </a:p>
         </p:txBody>
@@ -5721,76 +10254,14 @@
       </p:sp>
       <p:sp>
         <p:nvSpPr>
-          <p:cNvPr id="10" name="TextBox 9"/>
-          <p:cNvSpPr txBox="1"/>
-          <p:nvPr/>
-        </p:nvSpPr>
-        <p:spPr>
-          <a:xfrm>
-            <a:off x="847393" y="2038488"/>
-            <a:ext cx="1909497" cy="646331"/>
-          </a:xfrm>
-          <a:prstGeom prst="rect">
-            <a:avLst/>
-          </a:prstGeom>
-          <a:noFill/>
-        </p:spPr>
-        <p:txBody>
-          <a:bodyPr wrap="none" rtlCol="0">
-            <a:spAutoFit/>
-          </a:bodyPr>
-          <a:lstStyle/>
-          <a:p>
-            <a:pPr marL="342900" indent="-342900">
-              <a:buAutoNum type="arabicPeriod"/>
-            </a:pPr>
-            <a:r>
-              <a:rPr lang="ko-KR" altLang="en-US" dirty="0" err="1">
-                <a:latin typeface="에스코어 드림 4 Regular" panose="020B0503030302020204" pitchFamily="34" charset="-127"/>
-                <a:ea typeface="에스코어 드림 4 Regular" panose="020B0503030302020204" pitchFamily="34" charset="-127"/>
-              </a:rPr>
-              <a:t>나눔스퀘어</a:t>
-            </a:r>
-            <a:endParaRPr lang="en-US" altLang="ko-KR" dirty="0">
-              <a:latin typeface="에스코어 드림 4 Regular" panose="020B0503030302020204" pitchFamily="34" charset="-127"/>
-              <a:ea typeface="에스코어 드림 4 Regular" panose="020B0503030302020204" pitchFamily="34" charset="-127"/>
-            </a:endParaRPr>
-          </a:p>
-          <a:p>
-            <a:pPr marL="342900" indent="-342900">
-              <a:buAutoNum type="arabicPeriod"/>
-            </a:pPr>
-            <a:r>
-              <a:rPr lang="ko-KR" altLang="en-US" dirty="0" err="1">
-                <a:latin typeface="에스코어 드림 4 Regular" panose="020B0503030302020204" pitchFamily="34" charset="-127"/>
-                <a:ea typeface="에스코어 드림 4 Regular" panose="020B0503030302020204" pitchFamily="34" charset="-127"/>
-              </a:rPr>
-              <a:t>나눔바른고딕</a:t>
-            </a:r>
-            <a:r>
-              <a:rPr lang="ko-KR" altLang="en-US" dirty="0">
-                <a:latin typeface="에스코어 드림 4 Regular" panose="020B0503030302020204" pitchFamily="34" charset="-127"/>
-                <a:ea typeface="에스코어 드림 4 Regular" panose="020B0503030302020204" pitchFamily="34" charset="-127"/>
-              </a:rPr>
-              <a:t> </a:t>
-            </a:r>
-            <a:endParaRPr lang="en-US" altLang="ko-KR" dirty="0">
-              <a:latin typeface="에스코어 드림 4 Regular" panose="020B0503030302020204" pitchFamily="34" charset="-127"/>
-              <a:ea typeface="에스코어 드림 4 Regular" panose="020B0503030302020204" pitchFamily="34" charset="-127"/>
-            </a:endParaRPr>
-          </a:p>
-        </p:txBody>
-      </p:sp>
-      <p:sp>
-        <p:nvSpPr>
-          <p:cNvPr id="11" name="직사각형 10"/>
+          <p:cNvPr id="3" name="직사각형 2"/>
           <p:cNvSpPr/>
           <p:nvPr/>
         </p:nvSpPr>
         <p:spPr>
           <a:xfrm>
-            <a:off x="847393" y="1637343"/>
-            <a:ext cx="1741182" cy="400110"/>
+            <a:off x="363362" y="1327678"/>
+            <a:ext cx="6327373" cy="461665"/>
           </a:xfrm>
           <a:prstGeom prst="rect">
             <a:avLst/>
@@ -5803,13 +10274,458 @@
           <a:lstStyle/>
           <a:p>
             <a:r>
-              <a:rPr lang="ko-KR" altLang="en-US" sz="2000" dirty="0">
-                <a:latin typeface="에스코어 드림 4 Regular" panose="020B0503030302020204" pitchFamily="34" charset="-127"/>
-                <a:ea typeface="에스코어 드림 4 Regular" panose="020B0503030302020204" pitchFamily="34" charset="-127"/>
-              </a:rPr>
-              <a:t>사용한 글씨체</a:t>
-            </a:r>
-            <a:endParaRPr lang="en-US" altLang="ko-KR" sz="2000" dirty="0">
+              <a:rPr lang="ko-KR" altLang="en-US" sz="2400" dirty="0" err="1">
+                <a:latin typeface="에스코어 드림 6 Bold" panose="020B0703030302020204" pitchFamily="34" charset="-127"/>
+                <a:ea typeface="에스코어 드림 6 Bold" panose="020B0703030302020204" pitchFamily="34" charset="-127"/>
+              </a:rPr>
+              <a:t>머신러닝을</a:t>
+            </a:r>
+            <a:r>
+              <a:rPr lang="ko-KR" altLang="en-US" sz="2400" dirty="0">
+                <a:latin typeface="에스코어 드림 6 Bold" panose="020B0703030302020204" pitchFamily="34" charset="-127"/>
+                <a:ea typeface="에스코어 드림 6 Bold" panose="020B0703030302020204" pitchFamily="34" charset="-127"/>
+              </a:rPr>
+              <a:t> 이용한 서울 아파트 실거래가 예측</a:t>
+            </a:r>
+            <a:endParaRPr lang="en-US" altLang="ko-KR" sz="2400" dirty="0">
+              <a:latin typeface="에스코어 드림 6 Bold" panose="020B0703030302020204" pitchFamily="34" charset="-127"/>
+              <a:ea typeface="에스코어 드림 6 Bold" panose="020B0703030302020204" pitchFamily="34" charset="-127"/>
+            </a:endParaRPr>
+          </a:p>
+        </p:txBody>
+      </p:sp>
+      <p:pic>
+        <p:nvPicPr>
+          <p:cNvPr id="10" name="Google Shape;434;ge9efaf73bc_0_17">
+            <a:extLst>
+              <a:ext uri="{FF2B5EF4-FFF2-40B4-BE49-F238E27FC236}">
+                <a16:creationId xmlns:a16="http://schemas.microsoft.com/office/drawing/2014/main" id="{7C961C7E-B04C-489C-846F-0B89C9B2F535}"/>
+              </a:ext>
+            </a:extLst>
+          </p:cNvPr>
+          <p:cNvPicPr preferRelativeResize="0"/>
+          <p:nvPr/>
+        </p:nvPicPr>
+        <p:blipFill>
+          <a:blip r:embed="rId2">
+            <a:alphaModFix/>
+          </a:blip>
+          <a:stretch>
+            <a:fillRect/>
+          </a:stretch>
+        </p:blipFill>
+        <p:spPr>
+          <a:xfrm>
+            <a:off x="454471" y="2428365"/>
+            <a:ext cx="4549330" cy="3565663"/>
+          </a:xfrm>
+          <a:prstGeom prst="rect">
+            <a:avLst/>
+          </a:prstGeom>
+          <a:noFill/>
+          <a:ln>
+            <a:noFill/>
+          </a:ln>
+        </p:spPr>
+      </p:pic>
+      <p:sp>
+        <p:nvSpPr>
+          <p:cNvPr id="11" name="Google Shape;445;ge9efaf73bc_0_17">
+            <a:extLst>
+              <a:ext uri="{FF2B5EF4-FFF2-40B4-BE49-F238E27FC236}">
+                <a16:creationId xmlns:a16="http://schemas.microsoft.com/office/drawing/2014/main" id="{818BDD95-82EB-489D-A43A-6EA3124BF2E8}"/>
+              </a:ext>
+            </a:extLst>
+          </p:cNvPr>
+          <p:cNvSpPr txBox="1"/>
+          <p:nvPr/>
+        </p:nvSpPr>
+        <p:spPr>
+          <a:xfrm>
+            <a:off x="4157129" y="2150204"/>
+            <a:ext cx="7580400" cy="3831778"/>
+          </a:xfrm>
+          <a:prstGeom prst="rect">
+            <a:avLst/>
+          </a:prstGeom>
+          <a:noFill/>
+          <a:ln>
+            <a:noFill/>
+          </a:ln>
+        </p:spPr>
+        <p:txBody>
+          <a:bodyPr spcFirstLastPara="1" wrap="square" lIns="91425" tIns="45700" rIns="91425" bIns="45700" anchor="t" anchorCtr="0">
+            <a:spAutoFit/>
+          </a:bodyPr>
+          <a:lstStyle/>
+          <a:p>
+            <a:pPr marL="0" marR="0" lvl="0" indent="0" algn="ctr" rtl="0">
+              <a:lnSpc>
+                <a:spcPct val="150000"/>
+              </a:lnSpc>
+              <a:spcBef>
+                <a:spcPts val="0"/>
+              </a:spcBef>
+              <a:spcAft>
+                <a:spcPts val="0"/>
+              </a:spcAft>
+              <a:buNone/>
+            </a:pPr>
+            <a:r>
+              <a:rPr lang="ko-KR" altLang="en-US" b="1" dirty="0" err="1">
+                <a:latin typeface="에스코어 드림 4 Regular" panose="020B0503030302020204" pitchFamily="34" charset="-127"/>
+                <a:ea typeface="에스코어 드림 4 Regular" panose="020B0503030302020204" pitchFamily="34" charset="-127"/>
+              </a:rPr>
+              <a:t>피어슨</a:t>
+            </a:r>
+            <a:r>
+              <a:rPr lang="ko-KR" altLang="en-US" b="1" dirty="0">
+                <a:latin typeface="에스코어 드림 4 Regular" panose="020B0503030302020204" pitchFamily="34" charset="-127"/>
+                <a:ea typeface="에스코어 드림 4 Regular" panose="020B0503030302020204" pitchFamily="34" charset="-127"/>
+              </a:rPr>
+              <a:t> 상관계수를 통한 상관관계 시각화</a:t>
+            </a:r>
+            <a:endParaRPr lang="en-US" altLang="ko-KR" b="1" dirty="0">
+              <a:latin typeface="에스코어 드림 4 Regular" panose="020B0503030302020204" pitchFamily="34" charset="-127"/>
+              <a:ea typeface="에스코어 드림 4 Regular" panose="020B0503030302020204" pitchFamily="34" charset="-127"/>
+            </a:endParaRPr>
+          </a:p>
+          <a:p>
+            <a:pPr marL="0" marR="0" lvl="0" indent="0" algn="ctr" rtl="0">
+              <a:lnSpc>
+                <a:spcPct val="150000"/>
+              </a:lnSpc>
+              <a:spcBef>
+                <a:spcPts val="0"/>
+              </a:spcBef>
+              <a:spcAft>
+                <a:spcPts val="0"/>
+              </a:spcAft>
+              <a:buNone/>
+            </a:pPr>
+            <a:endParaRPr lang="en-US" altLang="ko-KR" b="1" dirty="0">
+              <a:latin typeface="에스코어 드림 4 Regular" panose="020B0503030302020204" pitchFamily="34" charset="-127"/>
+              <a:ea typeface="에스코어 드림 4 Regular" panose="020B0503030302020204" pitchFamily="34" charset="-127"/>
+            </a:endParaRPr>
+          </a:p>
+          <a:p>
+            <a:pPr marL="0" marR="0" lvl="0" indent="0" algn="ctr" rtl="0">
+              <a:lnSpc>
+                <a:spcPct val="150000"/>
+              </a:lnSpc>
+              <a:spcBef>
+                <a:spcPts val="0"/>
+              </a:spcBef>
+              <a:spcAft>
+                <a:spcPts val="0"/>
+              </a:spcAft>
+              <a:buNone/>
+            </a:pPr>
+            <a:r>
+              <a:rPr lang="ko-KR" b="1" dirty="0" err="1">
+                <a:latin typeface="에스코어 드림 4 Regular" panose="020B0503030302020204" pitchFamily="34" charset="-127"/>
+                <a:ea typeface="에스코어 드림 4 Regular" panose="020B0503030302020204" pitchFamily="34" charset="-127"/>
+              </a:rPr>
+              <a:t>Price</a:t>
+            </a:r>
+            <a:r>
+              <a:rPr lang="ko-KR" b="1" dirty="0">
+                <a:latin typeface="에스코어 드림 4 Regular" panose="020B0503030302020204" pitchFamily="34" charset="-127"/>
+                <a:ea typeface="에스코어 드림 4 Regular" panose="020B0503030302020204" pitchFamily="34" charset="-127"/>
+              </a:rPr>
+              <a:t> </a:t>
+            </a:r>
+            <a:r>
+              <a:rPr lang="ko-KR" b="1" dirty="0" err="1">
+                <a:latin typeface="에스코어 드림 4 Regular" panose="020B0503030302020204" pitchFamily="34" charset="-127"/>
+                <a:ea typeface="에스코어 드림 4 Regular" panose="020B0503030302020204" pitchFamily="34" charset="-127"/>
+              </a:rPr>
+              <a:t>per</a:t>
+            </a:r>
+            <a:r>
+              <a:rPr lang="ko-KR" b="1" dirty="0">
+                <a:latin typeface="에스코어 드림 4 Regular" panose="020B0503030302020204" pitchFamily="34" charset="-127"/>
+                <a:ea typeface="에스코어 드림 4 Regular" panose="020B0503030302020204" pitchFamily="34" charset="-127"/>
+              </a:rPr>
+              <a:t> </a:t>
+            </a:r>
+            <a:r>
+              <a:rPr lang="ko-KR" b="1" dirty="0" err="1">
+                <a:latin typeface="에스코어 드림 4 Regular" panose="020B0503030302020204" pitchFamily="34" charset="-127"/>
+                <a:ea typeface="에스코어 드림 4 Regular" panose="020B0503030302020204" pitchFamily="34" charset="-127"/>
+              </a:rPr>
+              <a:t>square</a:t>
+            </a:r>
+            <a:r>
+              <a:rPr lang="en-US" altLang="ko-KR" b="1" dirty="0">
+                <a:latin typeface="에스코어 드림 4 Regular" panose="020B0503030302020204" pitchFamily="34" charset="-127"/>
+                <a:ea typeface="에스코어 드림 4 Regular" panose="020B0503030302020204" pitchFamily="34" charset="-127"/>
+              </a:rPr>
+              <a:t>(</a:t>
+            </a:r>
+            <a:r>
+              <a:rPr lang="ko-KR" altLang="en-US" b="1" dirty="0">
+                <a:latin typeface="에스코어 드림 4 Regular" panose="020B0503030302020204" pitchFamily="34" charset="-127"/>
+                <a:ea typeface="에스코어 드림 4 Regular" panose="020B0503030302020204" pitchFamily="34" charset="-127"/>
+              </a:rPr>
+              <a:t>구별 평당 공시지가</a:t>
+            </a:r>
+            <a:r>
+              <a:rPr lang="en-US" altLang="ko-KR" b="1" dirty="0">
+                <a:latin typeface="에스코어 드림 4 Regular" panose="020B0503030302020204" pitchFamily="34" charset="-127"/>
+                <a:ea typeface="에스코어 드림 4 Regular" panose="020B0503030302020204" pitchFamily="34" charset="-127"/>
+              </a:rPr>
+              <a:t>)</a:t>
+            </a:r>
+            <a:endParaRPr b="1" dirty="0">
+              <a:latin typeface="에스코어 드림 4 Regular" panose="020B0503030302020204" pitchFamily="34" charset="-127"/>
+              <a:ea typeface="에스코어 드림 4 Regular" panose="020B0503030302020204" pitchFamily="34" charset="-127"/>
+            </a:endParaRPr>
+          </a:p>
+          <a:p>
+            <a:pPr marL="0" marR="0" lvl="0" indent="0" algn="ctr" rtl="0">
+              <a:lnSpc>
+                <a:spcPct val="150000"/>
+              </a:lnSpc>
+              <a:spcBef>
+                <a:spcPts val="0"/>
+              </a:spcBef>
+              <a:spcAft>
+                <a:spcPts val="0"/>
+              </a:spcAft>
+              <a:buNone/>
+            </a:pPr>
+            <a:r>
+              <a:rPr lang="en-US" altLang="ko-KR" b="1" dirty="0">
+                <a:latin typeface="에스코어 드림 4 Regular" panose="020B0503030302020204" pitchFamily="34" charset="-127"/>
+                <a:ea typeface="에스코어 드림 4 Regular" panose="020B0503030302020204" pitchFamily="34" charset="-127"/>
+              </a:rPr>
+              <a:t>P</a:t>
+            </a:r>
+            <a:r>
+              <a:rPr lang="ko-KR" b="1" dirty="0" err="1">
+                <a:latin typeface="에스코어 드림 4 Regular" panose="020B0503030302020204" pitchFamily="34" charset="-127"/>
+                <a:ea typeface="에스코어 드림 4 Regular" panose="020B0503030302020204" pitchFamily="34" charset="-127"/>
+              </a:rPr>
+              <a:t>er_cost</a:t>
+            </a:r>
+            <a:r>
+              <a:rPr lang="en-US" altLang="ko-KR" b="1" dirty="0">
+                <a:latin typeface="에스코어 드림 4 Regular" panose="020B0503030302020204" pitchFamily="34" charset="-127"/>
+                <a:ea typeface="에스코어 드림 4 Regular" panose="020B0503030302020204" pitchFamily="34" charset="-127"/>
+              </a:rPr>
+              <a:t>(</a:t>
+            </a:r>
+            <a:r>
+              <a:rPr lang="ko-KR" altLang="en-US" b="1" dirty="0">
+                <a:latin typeface="에스코어 드림 4 Regular" panose="020B0503030302020204" pitchFamily="34" charset="-127"/>
+                <a:ea typeface="에스코어 드림 4 Regular" panose="020B0503030302020204" pitchFamily="34" charset="-127"/>
+              </a:rPr>
+              <a:t>해당 아파트 평당 가격</a:t>
+            </a:r>
+            <a:r>
+              <a:rPr lang="en-US" altLang="ko-KR" b="1" dirty="0">
+                <a:latin typeface="에스코어 드림 4 Regular" panose="020B0503030302020204" pitchFamily="34" charset="-127"/>
+                <a:ea typeface="에스코어 드림 4 Regular" panose="020B0503030302020204" pitchFamily="34" charset="-127"/>
+              </a:rPr>
+              <a:t>)</a:t>
+            </a:r>
+            <a:endParaRPr lang="ko-KR" altLang="en-US" b="1" dirty="0">
+              <a:latin typeface="에스코어 드림 4 Regular" panose="020B0503030302020204" pitchFamily="34" charset="-127"/>
+              <a:ea typeface="에스코어 드림 4 Regular" panose="020B0503030302020204" pitchFamily="34" charset="-127"/>
+            </a:endParaRPr>
+          </a:p>
+          <a:p>
+            <a:pPr marL="0" marR="0" lvl="0" indent="0" algn="ctr" rtl="0">
+              <a:lnSpc>
+                <a:spcPct val="150000"/>
+              </a:lnSpc>
+              <a:spcBef>
+                <a:spcPts val="0"/>
+              </a:spcBef>
+              <a:spcAft>
+                <a:spcPts val="0"/>
+              </a:spcAft>
+              <a:buNone/>
+            </a:pPr>
+            <a:r>
+              <a:rPr lang="en-US" altLang="ko-KR" b="1" dirty="0">
+                <a:latin typeface="에스코어 드림 4 Regular" panose="020B0503030302020204" pitchFamily="34" charset="-127"/>
+                <a:ea typeface="에스코어 드림 4 Regular" panose="020B0503030302020204" pitchFamily="34" charset="-127"/>
+              </a:rPr>
+              <a:t>Square(</a:t>
+            </a:r>
+            <a:r>
+              <a:rPr lang="ko-KR" altLang="en-US" b="1" dirty="0">
+                <a:latin typeface="에스코어 드림 4 Regular" panose="020B0503030302020204" pitchFamily="34" charset="-127"/>
+                <a:ea typeface="에스코어 드림 4 Regular" panose="020B0503030302020204" pitchFamily="34" charset="-127"/>
+              </a:rPr>
+              <a:t>전용 면적</a:t>
+            </a:r>
+            <a:r>
+              <a:rPr lang="en-US" altLang="ko-KR" b="1" dirty="0">
+                <a:latin typeface="에스코어 드림 4 Regular" panose="020B0503030302020204" pitchFamily="34" charset="-127"/>
+                <a:ea typeface="에스코어 드림 4 Regular" panose="020B0503030302020204" pitchFamily="34" charset="-127"/>
+              </a:rPr>
+              <a:t>)</a:t>
+            </a:r>
+            <a:endParaRPr lang="ko-KR" altLang="en-US" b="1" dirty="0">
+              <a:latin typeface="에스코어 드림 4 Regular" panose="020B0503030302020204" pitchFamily="34" charset="-127"/>
+              <a:ea typeface="에스코어 드림 4 Regular" panose="020B0503030302020204" pitchFamily="34" charset="-127"/>
+            </a:endParaRPr>
+          </a:p>
+          <a:p>
+            <a:pPr marL="0" marR="0" lvl="0" indent="0" algn="ctr" rtl="0">
+              <a:lnSpc>
+                <a:spcPct val="150000"/>
+              </a:lnSpc>
+              <a:spcBef>
+                <a:spcPts val="0"/>
+              </a:spcBef>
+              <a:spcAft>
+                <a:spcPts val="0"/>
+              </a:spcAft>
+              <a:buNone/>
+            </a:pPr>
+            <a:r>
+              <a:rPr lang="en-US" altLang="ko-KR" b="1" dirty="0">
+                <a:latin typeface="에스코어 드림 4 Regular" panose="020B0503030302020204" pitchFamily="34" charset="-127"/>
+                <a:ea typeface="에스코어 드림 4 Regular" panose="020B0503030302020204" pitchFamily="34" charset="-127"/>
+              </a:rPr>
+              <a:t>Top10(</a:t>
+            </a:r>
+            <a:r>
+              <a:rPr lang="ko-KR" altLang="en-US" b="1" dirty="0">
+                <a:latin typeface="에스코어 드림 4 Regular" panose="020B0503030302020204" pitchFamily="34" charset="-127"/>
+                <a:ea typeface="에스코어 드림 4 Regular" panose="020B0503030302020204" pitchFamily="34" charset="-127"/>
+              </a:rPr>
+              <a:t>아파트 브랜드</a:t>
+            </a:r>
+            <a:r>
+              <a:rPr lang="en-US" altLang="ko-KR" b="1" dirty="0">
+                <a:latin typeface="에스코어 드림 4 Regular" panose="020B0503030302020204" pitchFamily="34" charset="-127"/>
+                <a:ea typeface="에스코어 드림 4 Regular" panose="020B0503030302020204" pitchFamily="34" charset="-127"/>
+              </a:rPr>
+              <a:t>)</a:t>
+            </a:r>
+            <a:endParaRPr lang="ko-KR" altLang="en-US" b="1" dirty="0">
+              <a:latin typeface="에스코어 드림 4 Regular" panose="020B0503030302020204" pitchFamily="34" charset="-127"/>
+              <a:ea typeface="에스코어 드림 4 Regular" panose="020B0503030302020204" pitchFamily="34" charset="-127"/>
+            </a:endParaRPr>
+          </a:p>
+          <a:p>
+            <a:pPr marL="0" marR="0" lvl="0" indent="0" algn="ctr" rtl="0">
+              <a:lnSpc>
+                <a:spcPct val="150000"/>
+              </a:lnSpc>
+              <a:spcBef>
+                <a:spcPts val="0"/>
+              </a:spcBef>
+              <a:spcAft>
+                <a:spcPts val="0"/>
+              </a:spcAft>
+              <a:buNone/>
+            </a:pPr>
+            <a:r>
+              <a:rPr lang="en-US" altLang="ko-KR" b="1" dirty="0">
+                <a:latin typeface="에스코어 드림 4 Regular" panose="020B0503030302020204" pitchFamily="34" charset="-127"/>
+                <a:ea typeface="에스코어 드림 4 Regular" panose="020B0503030302020204" pitchFamily="34" charset="-127"/>
+              </a:rPr>
+              <a:t>Floor(</a:t>
+            </a:r>
+            <a:r>
+              <a:rPr lang="ko-KR" altLang="en-US" b="1" dirty="0">
+                <a:latin typeface="에스코어 드림 4 Regular" panose="020B0503030302020204" pitchFamily="34" charset="-127"/>
+                <a:ea typeface="에스코어 드림 4 Regular" panose="020B0503030302020204" pitchFamily="34" charset="-127"/>
+              </a:rPr>
+              <a:t>층수</a:t>
+            </a:r>
+            <a:r>
+              <a:rPr lang="en-US" altLang="ko-KR" b="1" dirty="0">
+                <a:latin typeface="에스코어 드림 4 Regular" panose="020B0503030302020204" pitchFamily="34" charset="-127"/>
+                <a:ea typeface="에스코어 드림 4 Regular" panose="020B0503030302020204" pitchFamily="34" charset="-127"/>
+              </a:rPr>
+              <a:t>)</a:t>
+            </a:r>
+            <a:endParaRPr lang="ko-KR" altLang="en-US" b="1" dirty="0">
+              <a:latin typeface="에스코어 드림 4 Regular" panose="020B0503030302020204" pitchFamily="34" charset="-127"/>
+              <a:ea typeface="에스코어 드림 4 Regular" panose="020B0503030302020204" pitchFamily="34" charset="-127"/>
+            </a:endParaRPr>
+          </a:p>
+          <a:p>
+            <a:pPr marL="0" marR="0" lvl="0" indent="0" algn="ctr" rtl="0">
+              <a:lnSpc>
+                <a:spcPct val="150000"/>
+              </a:lnSpc>
+              <a:spcBef>
+                <a:spcPts val="0"/>
+              </a:spcBef>
+              <a:spcAft>
+                <a:spcPts val="0"/>
+              </a:spcAft>
+              <a:buNone/>
+            </a:pPr>
+            <a:endParaRPr b="1" dirty="0">
+              <a:latin typeface="에스코어 드림 4 Regular" panose="020B0503030302020204" pitchFamily="34" charset="-127"/>
+              <a:ea typeface="에스코어 드림 4 Regular" panose="020B0503030302020204" pitchFamily="34" charset="-127"/>
+            </a:endParaRPr>
+          </a:p>
+          <a:p>
+            <a:pPr marL="0" marR="0" lvl="0" indent="0" algn="ctr" rtl="0">
+              <a:lnSpc>
+                <a:spcPct val="150000"/>
+              </a:lnSpc>
+              <a:spcBef>
+                <a:spcPts val="0"/>
+              </a:spcBef>
+              <a:spcAft>
+                <a:spcPts val="0"/>
+              </a:spcAft>
+              <a:buNone/>
+            </a:pPr>
+            <a:r>
+              <a:rPr lang="en-US" altLang="ko-KR" dirty="0">
+                <a:latin typeface="에스코어 드림 4 Regular" panose="020B0503030302020204" pitchFamily="34" charset="-127"/>
+                <a:ea typeface="에스코어 드림 4 Regular" panose="020B0503030302020204" pitchFamily="34" charset="-127"/>
+              </a:rPr>
+              <a:t>5</a:t>
+            </a:r>
+            <a:r>
+              <a:rPr lang="ko-KR" altLang="en-US" dirty="0">
+                <a:latin typeface="에스코어 드림 4 Regular" panose="020B0503030302020204" pitchFamily="34" charset="-127"/>
+                <a:ea typeface="에스코어 드림 4 Regular" panose="020B0503030302020204" pitchFamily="34" charset="-127"/>
+              </a:rPr>
+              <a:t>개 변수와 </a:t>
+            </a:r>
+            <a:r>
+              <a:rPr lang="en-US" altLang="ko-KR" dirty="0">
+                <a:latin typeface="에스코어 드림 4 Regular" panose="020B0503030302020204" pitchFamily="34" charset="-127"/>
+                <a:ea typeface="에스코어 드림 4 Regular" panose="020B0503030302020204" pitchFamily="34" charset="-127"/>
+              </a:rPr>
+              <a:t>cost</a:t>
+            </a:r>
+            <a:r>
+              <a:rPr lang="ko-KR" altLang="en-US" dirty="0">
+                <a:latin typeface="에스코어 드림 4 Regular" panose="020B0503030302020204" pitchFamily="34" charset="-127"/>
+                <a:ea typeface="에스코어 드림 4 Regular" panose="020B0503030302020204" pitchFamily="34" charset="-127"/>
+              </a:rPr>
+              <a:t>의 </a:t>
+            </a:r>
+            <a:r>
+              <a:rPr lang="ko-KR" dirty="0">
+                <a:latin typeface="에스코어 드림 4 Regular" panose="020B0503030302020204" pitchFamily="34" charset="-127"/>
+                <a:ea typeface="에스코어 드림 4 Regular" panose="020B0503030302020204" pitchFamily="34" charset="-127"/>
+              </a:rPr>
+              <a:t>양의 상관관계</a:t>
+            </a:r>
+            <a:r>
+              <a:rPr lang="ko-KR" altLang="en-US" dirty="0">
+                <a:latin typeface="에스코어 드림 4 Regular" panose="020B0503030302020204" pitchFamily="34" charset="-127"/>
+                <a:ea typeface="에스코어 드림 4 Regular" panose="020B0503030302020204" pitchFamily="34" charset="-127"/>
+              </a:rPr>
+              <a:t>를 확인</a:t>
+            </a:r>
+            <a:endParaRPr b="1" dirty="0">
               <a:latin typeface="에스코어 드림 4 Regular" panose="020B0503030302020204" pitchFamily="34" charset="-127"/>
               <a:ea typeface="에스코어 드림 4 Regular" panose="020B0503030302020204" pitchFamily="34" charset="-127"/>
             </a:endParaRPr>
@@ -5819,7 +10735,7 @@
     </p:spTree>
     <p:extLst>
       <p:ext uri="{BB962C8B-B14F-4D97-AF65-F5344CB8AC3E}">
-        <p14:creationId xmlns:p14="http://schemas.microsoft.com/office/powerpoint/2010/main" val="969379500"/>
+        <p14:creationId xmlns:p14="http://schemas.microsoft.com/office/powerpoint/2010/main" val="3763540186"/>
       </p:ext>
     </p:extLst>
   </p:cSld>
@@ -5854,8 +10770,50 @@
         </p:nvSpPr>
         <p:spPr>
           <a:xfrm>
-            <a:off x="1043255" y="569880"/>
-            <a:ext cx="3302507" cy="461665"/>
+            <a:off x="1172022" y="451481"/>
+            <a:ext cx="2296845" cy="707886"/>
+          </a:xfrm>
+          <a:prstGeom prst="rect">
+            <a:avLst/>
+          </a:prstGeom>
+          <a:noFill/>
+        </p:spPr>
+        <p:txBody>
+          <a:bodyPr wrap="square" rtlCol="0">
+            <a:spAutoFit/>
+          </a:bodyPr>
+          <a:lstStyle/>
+          <a:p>
+            <a:r>
+              <a:rPr lang="en-US" altLang="ko-KR" sz="4000" dirty="0">
+                <a:solidFill>
+                  <a:srgbClr val="1D1D1D"/>
+                </a:solidFill>
+                <a:latin typeface="에스코어 드림 6 Bold" panose="020B0703030302020204" pitchFamily="34" charset="-127"/>
+                <a:ea typeface="에스코어 드림 6 Bold" panose="020B0703030302020204" pitchFamily="34" charset="-127"/>
+              </a:rPr>
+              <a:t>Projects</a:t>
+            </a:r>
+            <a:endParaRPr lang="ko-KR" altLang="en-US" sz="4000" dirty="0">
+              <a:solidFill>
+                <a:srgbClr val="1D1D1D"/>
+              </a:solidFill>
+              <a:latin typeface="에스코어 드림 6 Bold" panose="020B0703030302020204" pitchFamily="34" charset="-127"/>
+              <a:ea typeface="에스코어 드림 6 Bold" panose="020B0703030302020204" pitchFamily="34" charset="-127"/>
+            </a:endParaRPr>
+          </a:p>
+        </p:txBody>
+      </p:sp>
+      <p:sp>
+        <p:nvSpPr>
+          <p:cNvPr id="28" name="TextBox 27"/>
+          <p:cNvSpPr txBox="1"/>
+          <p:nvPr/>
+        </p:nvSpPr>
+        <p:spPr>
+          <a:xfrm>
+            <a:off x="454470" y="1924188"/>
+            <a:ext cx="1379288" cy="369332"/>
           </a:xfrm>
           <a:prstGeom prst="rect">
             <a:avLst/>
@@ -5869,44 +10827,11 @@
           <a:lstStyle/>
           <a:p>
             <a:r>
-              <a:rPr lang="ko-KR" altLang="en-US" sz="2400" dirty="0" err="1">
-                <a:solidFill>
-                  <a:srgbClr val="1D1D1D"/>
-                </a:solidFill>
-                <a:latin typeface="에스코어 드림 4 Regular" panose="020B0503030302020204" pitchFamily="34" charset="-127"/>
-                <a:ea typeface="에스코어 드림 4 Regular" panose="020B0503030302020204" pitchFamily="34" charset="-127"/>
-              </a:rPr>
-              <a:t>포니부하곰</a:t>
-            </a:r>
-            <a:r>
-              <a:rPr lang="ko-KR" altLang="en-US" sz="2400" dirty="0">
-                <a:solidFill>
-                  <a:srgbClr val="1D1D1D"/>
-                </a:solidFill>
-                <a:latin typeface="에스코어 드림 4 Regular" panose="020B0503030302020204" pitchFamily="34" charset="-127"/>
-                <a:ea typeface="에스코어 드림 4 Regular" panose="020B0503030302020204" pitchFamily="34" charset="-127"/>
-              </a:rPr>
-              <a:t> </a:t>
-            </a:r>
-            <a:r>
-              <a:rPr lang="en-US" altLang="ko-KR" sz="2400" dirty="0">
-                <a:solidFill>
-                  <a:srgbClr val="1D1D1D"/>
-                </a:solidFill>
-                <a:latin typeface="에스코어 드림 4 Regular" panose="020B0503030302020204" pitchFamily="34" charset="-127"/>
-                <a:ea typeface="에스코어 드림 4 Regular" panose="020B0503030302020204" pitchFamily="34" charset="-127"/>
-              </a:rPr>
-              <a:t>PPT </a:t>
-            </a:r>
-            <a:r>
-              <a:rPr lang="ko-KR" altLang="en-US" sz="2400" dirty="0">
-                <a:solidFill>
-                  <a:srgbClr val="1D1D1D"/>
-                </a:solidFill>
-                <a:latin typeface="에스코어 드림 4 Regular" panose="020B0503030302020204" pitchFamily="34" charset="-127"/>
-                <a:ea typeface="에스코어 드림 4 Regular" panose="020B0503030302020204" pitchFamily="34" charset="-127"/>
-              </a:rPr>
-              <a:t>템플릿</a:t>
+              <a:rPr lang="en-US" altLang="ko-KR" u="sng" dirty="0">
+                <a:latin typeface="에스코어 드림 4 Regular" panose="020B0503030302020204" pitchFamily="34" charset="-127"/>
+                <a:ea typeface="에스코어 드림 4 Regular" panose="020B0503030302020204" pitchFamily="34" charset="-127"/>
+              </a:rPr>
+              <a:t>Processing</a:t>
             </a:r>
           </a:p>
         </p:txBody>
@@ -5941,7 +10866,7 @@
                 <a:latin typeface="에스코어 드림 7 ExtraBold" panose="020B0803030302020204" pitchFamily="34" charset="-127"/>
                 <a:ea typeface="에스코어 드림 7 ExtraBold" panose="020B0803030302020204" pitchFamily="34" charset="-127"/>
               </a:rPr>
-              <a:t>03</a:t>
+              <a:t>02</a:t>
             </a:r>
             <a:endParaRPr lang="ko-KR" altLang="en-US" sz="5400" spc="-300" dirty="0">
               <a:solidFill>
@@ -5955,76 +10880,14 @@
       </p:sp>
       <p:sp>
         <p:nvSpPr>
-          <p:cNvPr id="10" name="TextBox 9"/>
-          <p:cNvSpPr txBox="1"/>
-          <p:nvPr/>
-        </p:nvSpPr>
-        <p:spPr>
-          <a:xfrm>
-            <a:off x="847393" y="2038488"/>
-            <a:ext cx="1909497" cy="646331"/>
-          </a:xfrm>
-          <a:prstGeom prst="rect">
-            <a:avLst/>
-          </a:prstGeom>
-          <a:noFill/>
-        </p:spPr>
-        <p:txBody>
-          <a:bodyPr wrap="none" rtlCol="0">
-            <a:spAutoFit/>
-          </a:bodyPr>
-          <a:lstStyle/>
-          <a:p>
-            <a:pPr marL="342900" indent="-342900">
-              <a:buAutoNum type="arabicPeriod"/>
-            </a:pPr>
-            <a:r>
-              <a:rPr lang="ko-KR" altLang="en-US" dirty="0" err="1">
-                <a:latin typeface="에스코어 드림 4 Regular" panose="020B0503030302020204" pitchFamily="34" charset="-127"/>
-                <a:ea typeface="에스코어 드림 4 Regular" panose="020B0503030302020204" pitchFamily="34" charset="-127"/>
-              </a:rPr>
-              <a:t>나눔스퀘어</a:t>
-            </a:r>
-            <a:endParaRPr lang="en-US" altLang="ko-KR" dirty="0">
-              <a:latin typeface="에스코어 드림 4 Regular" panose="020B0503030302020204" pitchFamily="34" charset="-127"/>
-              <a:ea typeface="에스코어 드림 4 Regular" panose="020B0503030302020204" pitchFamily="34" charset="-127"/>
-            </a:endParaRPr>
-          </a:p>
-          <a:p>
-            <a:pPr marL="342900" indent="-342900">
-              <a:buAutoNum type="arabicPeriod"/>
-            </a:pPr>
-            <a:r>
-              <a:rPr lang="ko-KR" altLang="en-US" dirty="0" err="1">
-                <a:latin typeface="에스코어 드림 4 Regular" panose="020B0503030302020204" pitchFamily="34" charset="-127"/>
-                <a:ea typeface="에스코어 드림 4 Regular" panose="020B0503030302020204" pitchFamily="34" charset="-127"/>
-              </a:rPr>
-              <a:t>나눔바른고딕</a:t>
-            </a:r>
-            <a:r>
-              <a:rPr lang="ko-KR" altLang="en-US" dirty="0">
-                <a:latin typeface="에스코어 드림 4 Regular" panose="020B0503030302020204" pitchFamily="34" charset="-127"/>
-                <a:ea typeface="에스코어 드림 4 Regular" panose="020B0503030302020204" pitchFamily="34" charset="-127"/>
-              </a:rPr>
-              <a:t> </a:t>
-            </a:r>
-            <a:endParaRPr lang="en-US" altLang="ko-KR" dirty="0">
-              <a:latin typeface="에스코어 드림 4 Regular" panose="020B0503030302020204" pitchFamily="34" charset="-127"/>
-              <a:ea typeface="에스코어 드림 4 Regular" panose="020B0503030302020204" pitchFamily="34" charset="-127"/>
-            </a:endParaRPr>
-          </a:p>
-        </p:txBody>
-      </p:sp>
-      <p:sp>
-        <p:nvSpPr>
-          <p:cNvPr id="11" name="직사각형 10"/>
+          <p:cNvPr id="3" name="직사각형 2"/>
           <p:cNvSpPr/>
           <p:nvPr/>
         </p:nvSpPr>
         <p:spPr>
           <a:xfrm>
-            <a:off x="847393" y="1637343"/>
-            <a:ext cx="1741182" cy="400110"/>
+            <a:off x="363362" y="1327678"/>
+            <a:ext cx="6327373" cy="461665"/>
           </a:xfrm>
           <a:prstGeom prst="rect">
             <a:avLst/>
@@ -6037,13 +10900,412 @@
           <a:lstStyle/>
           <a:p>
             <a:r>
-              <a:rPr lang="ko-KR" altLang="en-US" sz="2000" dirty="0">
-                <a:latin typeface="에스코어 드림 4 Regular" panose="020B0503030302020204" pitchFamily="34" charset="-127"/>
-                <a:ea typeface="에스코어 드림 4 Regular" panose="020B0503030302020204" pitchFamily="34" charset="-127"/>
-              </a:rPr>
-              <a:t>사용한 글씨체</a:t>
-            </a:r>
-            <a:endParaRPr lang="en-US" altLang="ko-KR" sz="2000" dirty="0">
+              <a:rPr lang="ko-KR" altLang="en-US" sz="2400" dirty="0" err="1">
+                <a:latin typeface="에스코어 드림 6 Bold" panose="020B0703030302020204" pitchFamily="34" charset="-127"/>
+                <a:ea typeface="에스코어 드림 6 Bold" panose="020B0703030302020204" pitchFamily="34" charset="-127"/>
+              </a:rPr>
+              <a:t>머신러닝을</a:t>
+            </a:r>
+            <a:r>
+              <a:rPr lang="ko-KR" altLang="en-US" sz="2400" dirty="0">
+                <a:latin typeface="에스코어 드림 6 Bold" panose="020B0703030302020204" pitchFamily="34" charset="-127"/>
+                <a:ea typeface="에스코어 드림 6 Bold" panose="020B0703030302020204" pitchFamily="34" charset="-127"/>
+              </a:rPr>
+              <a:t> 이용한 서울 아파트 실거래가 예측</a:t>
+            </a:r>
+            <a:endParaRPr lang="en-US" altLang="ko-KR" sz="2400" dirty="0">
+              <a:latin typeface="에스코어 드림 6 Bold" panose="020B0703030302020204" pitchFamily="34" charset="-127"/>
+              <a:ea typeface="에스코어 드림 6 Bold" panose="020B0703030302020204" pitchFamily="34" charset="-127"/>
+            </a:endParaRPr>
+          </a:p>
+        </p:txBody>
+      </p:sp>
+      <p:grpSp>
+        <p:nvGrpSpPr>
+          <p:cNvPr id="8" name="Google Shape;455;ge9d4b49b77_0_9">
+            <a:extLst>
+              <a:ext uri="{FF2B5EF4-FFF2-40B4-BE49-F238E27FC236}">
+                <a16:creationId xmlns:a16="http://schemas.microsoft.com/office/drawing/2014/main" id="{E99FC2FB-48AF-4D92-A9FE-BEAF6FAE8B09}"/>
+              </a:ext>
+            </a:extLst>
+          </p:cNvPr>
+          <p:cNvGrpSpPr/>
+          <p:nvPr/>
+        </p:nvGrpSpPr>
+        <p:grpSpPr>
+          <a:xfrm>
+            <a:off x="555145" y="2428365"/>
+            <a:ext cx="4537556" cy="3684854"/>
+            <a:chOff x="574825" y="2486025"/>
+            <a:chExt cx="9112100" cy="6310663"/>
+          </a:xfrm>
+        </p:grpSpPr>
+        <p:pic>
+          <p:nvPicPr>
+            <p:cNvPr id="9" name="Google Shape;456;ge9d4b49b77_0_9">
+              <a:extLst>
+                <a:ext uri="{FF2B5EF4-FFF2-40B4-BE49-F238E27FC236}">
+                  <a16:creationId xmlns:a16="http://schemas.microsoft.com/office/drawing/2014/main" id="{38CDC236-7254-47B5-9423-5933E91721C7}"/>
+                </a:ext>
+              </a:extLst>
+            </p:cNvPr>
+            <p:cNvPicPr preferRelativeResize="0"/>
+            <p:nvPr/>
+          </p:nvPicPr>
+          <p:blipFill rotWithShape="1">
+            <a:blip r:embed="rId2">
+              <a:alphaModFix/>
+            </a:blip>
+            <a:srcRect t="24682" b="24853"/>
+            <a:stretch/>
+          </p:blipFill>
+          <p:spPr>
+            <a:xfrm>
+              <a:off x="574825" y="2486025"/>
+              <a:ext cx="9112100" cy="6310663"/>
+            </a:xfrm>
+            <a:prstGeom prst="rect">
+              <a:avLst/>
+            </a:prstGeom>
+            <a:ln>
+              <a:noFill/>
+            </a:ln>
+            <a:effectLst>
+              <a:outerShdw blurRad="292100" dist="139700" dir="2700000" algn="tl" rotWithShape="0">
+                <a:srgbClr val="333333">
+                  <a:alpha val="65000"/>
+                </a:srgbClr>
+              </a:outerShdw>
+            </a:effectLst>
+          </p:spPr>
+        </p:pic>
+        <p:sp>
+          <p:nvSpPr>
+            <p:cNvPr id="12" name="Google Shape;457;ge9d4b49b77_0_9">
+              <a:extLst>
+                <a:ext uri="{FF2B5EF4-FFF2-40B4-BE49-F238E27FC236}">
+                  <a16:creationId xmlns:a16="http://schemas.microsoft.com/office/drawing/2014/main" id="{9EB403EF-FC3C-41EE-8228-BFA6C1B4CC8B}"/>
+                </a:ext>
+              </a:extLst>
+            </p:cNvPr>
+            <p:cNvSpPr/>
+            <p:nvPr/>
+          </p:nvSpPr>
+          <p:spPr>
+            <a:xfrm>
+              <a:off x="1104900" y="4286275"/>
+              <a:ext cx="1616868" cy="385776"/>
+            </a:xfrm>
+            <a:prstGeom prst="flowChartTerminator">
+              <a:avLst/>
+            </a:prstGeom>
+            <a:noFill/>
+            <a:ln w="38100" cap="flat" cmpd="sng">
+              <a:solidFill>
+                <a:srgbClr val="FF0000"/>
+              </a:solidFill>
+              <a:prstDash val="solid"/>
+              <a:round/>
+              <a:headEnd type="none" w="sm" len="sm"/>
+              <a:tailEnd type="none" w="sm" len="sm"/>
+            </a:ln>
+          </p:spPr>
+          <p:txBody>
+            <a:bodyPr spcFirstLastPara="1" wrap="square" lIns="91425" tIns="91425" rIns="91425" bIns="91425" anchor="ctr" anchorCtr="0">
+              <a:noAutofit/>
+            </a:bodyPr>
+            <a:lstStyle/>
+            <a:p>
+              <a:pPr marL="0" lvl="0" indent="0" algn="l" rtl="0">
+                <a:spcBef>
+                  <a:spcPts val="0"/>
+                </a:spcBef>
+                <a:spcAft>
+                  <a:spcPts val="0"/>
+                </a:spcAft>
+                <a:buNone/>
+              </a:pPr>
+              <a:endParaRPr dirty="0">
+                <a:latin typeface="에스코어 드림 4 Regular" panose="020B0503030302020204" pitchFamily="34" charset="-127"/>
+                <a:ea typeface="에스코어 드림 4 Regular" panose="020B0503030302020204" pitchFamily="34" charset="-127"/>
+              </a:endParaRPr>
+            </a:p>
+          </p:txBody>
+        </p:sp>
+        <p:sp>
+          <p:nvSpPr>
+            <p:cNvPr id="13" name="Google Shape;458;ge9d4b49b77_0_9">
+              <a:extLst>
+                <a:ext uri="{FF2B5EF4-FFF2-40B4-BE49-F238E27FC236}">
+                  <a16:creationId xmlns:a16="http://schemas.microsoft.com/office/drawing/2014/main" id="{7E046911-D4B9-4B4D-8890-750110A07436}"/>
+                </a:ext>
+              </a:extLst>
+            </p:cNvPr>
+            <p:cNvSpPr/>
+            <p:nvPr/>
+          </p:nvSpPr>
+          <p:spPr>
+            <a:xfrm>
+              <a:off x="1104900" y="7460450"/>
+              <a:ext cx="1509732" cy="385776"/>
+            </a:xfrm>
+            <a:prstGeom prst="flowChartTerminator">
+              <a:avLst/>
+            </a:prstGeom>
+            <a:noFill/>
+            <a:ln w="38100" cap="flat" cmpd="sng">
+              <a:solidFill>
+                <a:srgbClr val="FF0000"/>
+              </a:solidFill>
+              <a:prstDash val="solid"/>
+              <a:round/>
+              <a:headEnd type="none" w="sm" len="sm"/>
+              <a:tailEnd type="none" w="sm" len="sm"/>
+            </a:ln>
+          </p:spPr>
+          <p:txBody>
+            <a:bodyPr spcFirstLastPara="1" wrap="square" lIns="91425" tIns="91425" rIns="91425" bIns="91425" anchor="ctr" anchorCtr="0">
+              <a:noAutofit/>
+            </a:bodyPr>
+            <a:lstStyle/>
+            <a:p>
+              <a:pPr marL="0" lvl="0" indent="0" algn="l" rtl="0">
+                <a:spcBef>
+                  <a:spcPts val="0"/>
+                </a:spcBef>
+                <a:spcAft>
+                  <a:spcPts val="0"/>
+                </a:spcAft>
+                <a:buNone/>
+              </a:pPr>
+              <a:endParaRPr dirty="0">
+                <a:latin typeface="에스코어 드림 4 Regular" panose="020B0503030302020204" pitchFamily="34" charset="-127"/>
+                <a:ea typeface="에스코어 드림 4 Regular" panose="020B0503030302020204" pitchFamily="34" charset="-127"/>
+              </a:endParaRPr>
+            </a:p>
+          </p:txBody>
+        </p:sp>
+      </p:grpSp>
+      <p:sp>
+        <p:nvSpPr>
+          <p:cNvPr id="14" name="Google Shape;459;ge9d4b49b77_0_9">
+            <a:extLst>
+              <a:ext uri="{FF2B5EF4-FFF2-40B4-BE49-F238E27FC236}">
+                <a16:creationId xmlns:a16="http://schemas.microsoft.com/office/drawing/2014/main" id="{D2D4FBF5-29A2-4963-9A00-53A6031DBF69}"/>
+              </a:ext>
+            </a:extLst>
+          </p:cNvPr>
+          <p:cNvSpPr txBox="1"/>
+          <p:nvPr/>
+        </p:nvSpPr>
+        <p:spPr>
+          <a:xfrm>
+            <a:off x="4941850" y="2428365"/>
+            <a:ext cx="7972500" cy="1338788"/>
+          </a:xfrm>
+          <a:prstGeom prst="rect">
+            <a:avLst/>
+          </a:prstGeom>
+          <a:noFill/>
+          <a:ln>
+            <a:noFill/>
+          </a:ln>
+        </p:spPr>
+        <p:txBody>
+          <a:bodyPr spcFirstLastPara="1" wrap="square" lIns="91425" tIns="45700" rIns="91425" bIns="45700" anchor="t" anchorCtr="0">
+            <a:spAutoFit/>
+          </a:bodyPr>
+          <a:lstStyle/>
+          <a:p>
+            <a:pPr marL="0" marR="0" lvl="0" indent="0" algn="ctr" rtl="0">
+              <a:lnSpc>
+                <a:spcPct val="150000"/>
+              </a:lnSpc>
+              <a:spcBef>
+                <a:spcPts val="0"/>
+              </a:spcBef>
+              <a:spcAft>
+                <a:spcPts val="0"/>
+              </a:spcAft>
+              <a:buNone/>
+            </a:pPr>
+            <a:r>
+              <a:rPr lang="ko-KR" b="1" dirty="0">
+                <a:latin typeface="에스코어 드림 4 Regular" panose="020B0503030302020204" pitchFamily="34" charset="-127"/>
+                <a:ea typeface="에스코어 드림 4 Regular" panose="020B0503030302020204" pitchFamily="34" charset="-127"/>
+              </a:rPr>
+              <a:t>각 모델 별 MSE &amp; RMSE 시각화</a:t>
+            </a:r>
+            <a:endParaRPr b="1" dirty="0">
+              <a:latin typeface="에스코어 드림 4 Regular" panose="020B0503030302020204" pitchFamily="34" charset="-127"/>
+              <a:ea typeface="에스코어 드림 4 Regular" panose="020B0503030302020204" pitchFamily="34" charset="-127"/>
+            </a:endParaRPr>
+          </a:p>
+          <a:p>
+            <a:pPr marL="0" marR="0" lvl="0" indent="0" algn="ctr" rtl="0">
+              <a:lnSpc>
+                <a:spcPct val="150000"/>
+              </a:lnSpc>
+              <a:spcBef>
+                <a:spcPts val="0"/>
+              </a:spcBef>
+              <a:spcAft>
+                <a:spcPts val="0"/>
+              </a:spcAft>
+              <a:buNone/>
+            </a:pPr>
+            <a:r>
+              <a:rPr lang="ko-KR" b="1" dirty="0">
+                <a:highlight>
+                  <a:srgbClr val="FCE5CD"/>
+                </a:highlight>
+                <a:latin typeface="에스코어 드림 4 Regular" panose="020B0503030302020204" pitchFamily="34" charset="-127"/>
+                <a:ea typeface="에스코어 드림 4 Regular" panose="020B0503030302020204" pitchFamily="34" charset="-127"/>
+              </a:rPr>
+              <a:t>XGB &gt; DT &gt; RF &gt; KNN &gt; GBM &gt; LGBM</a:t>
+            </a:r>
+            <a:endParaRPr b="1" dirty="0">
+              <a:highlight>
+                <a:srgbClr val="FCE5CD"/>
+              </a:highlight>
+              <a:latin typeface="에스코어 드림 4 Regular" panose="020B0503030302020204" pitchFamily="34" charset="-127"/>
+              <a:ea typeface="에스코어 드림 4 Regular" panose="020B0503030302020204" pitchFamily="34" charset="-127"/>
+            </a:endParaRPr>
+          </a:p>
+          <a:p>
+            <a:pPr marL="0" marR="0" lvl="0" indent="0" algn="ctr" rtl="0">
+              <a:lnSpc>
+                <a:spcPct val="150000"/>
+              </a:lnSpc>
+              <a:spcBef>
+                <a:spcPts val="0"/>
+              </a:spcBef>
+              <a:spcAft>
+                <a:spcPts val="0"/>
+              </a:spcAft>
+              <a:buNone/>
+            </a:pPr>
+            <a:r>
+              <a:rPr lang="ko-KR" b="1" dirty="0">
+                <a:latin typeface="에스코어 드림 4 Regular" panose="020B0503030302020204" pitchFamily="34" charset="-127"/>
+                <a:ea typeface="에스코어 드림 4 Regular" panose="020B0503030302020204" pitchFamily="34" charset="-127"/>
+              </a:rPr>
+              <a:t>순으로 모델 성능 확인 </a:t>
+            </a:r>
+            <a:endParaRPr b="1" dirty="0">
+              <a:latin typeface="에스코어 드림 4 Regular" panose="020B0503030302020204" pitchFamily="34" charset="-127"/>
+              <a:ea typeface="에스코어 드림 4 Regular" panose="020B0503030302020204" pitchFamily="34" charset="-127"/>
+            </a:endParaRPr>
+          </a:p>
+        </p:txBody>
+      </p:sp>
+      <p:sp>
+        <p:nvSpPr>
+          <p:cNvPr id="15" name="Google Shape;460;ge9d4b49b77_0_9">
+            <a:extLst>
+              <a:ext uri="{FF2B5EF4-FFF2-40B4-BE49-F238E27FC236}">
+                <a16:creationId xmlns:a16="http://schemas.microsoft.com/office/drawing/2014/main" id="{8ED511BD-CF0B-48B3-9FB2-2ED94E1426E2}"/>
+              </a:ext>
+            </a:extLst>
+          </p:cNvPr>
+          <p:cNvSpPr txBox="1"/>
+          <p:nvPr/>
+        </p:nvSpPr>
+        <p:spPr>
+          <a:xfrm>
+            <a:off x="5961100" y="4663583"/>
+            <a:ext cx="5934000" cy="1338788"/>
+          </a:xfrm>
+          <a:prstGeom prst="rect">
+            <a:avLst/>
+          </a:prstGeom>
+          <a:noFill/>
+          <a:ln>
+            <a:noFill/>
+          </a:ln>
+        </p:spPr>
+        <p:txBody>
+          <a:bodyPr spcFirstLastPara="1" wrap="square" lIns="91425" tIns="45700" rIns="91425" bIns="45700" anchor="t" anchorCtr="0">
+            <a:spAutoFit/>
+          </a:bodyPr>
+          <a:lstStyle/>
+          <a:p>
+            <a:pPr marL="0" marR="0" lvl="0" indent="0" algn="ctr" rtl="0">
+              <a:lnSpc>
+                <a:spcPct val="150000"/>
+              </a:lnSpc>
+              <a:spcBef>
+                <a:spcPts val="0"/>
+              </a:spcBef>
+              <a:spcAft>
+                <a:spcPts val="0"/>
+              </a:spcAft>
+              <a:buNone/>
+            </a:pPr>
+            <a:r>
+              <a:rPr lang="ko-KR" b="1" dirty="0">
+                <a:latin typeface="에스코어 드림 4 Regular" panose="020B0503030302020204" pitchFamily="34" charset="-127"/>
+                <a:ea typeface="에스코어 드림 4 Regular" panose="020B0503030302020204" pitchFamily="34" charset="-127"/>
+              </a:rPr>
+              <a:t>평균 오차(MSE)가 </a:t>
+            </a:r>
+            <a:endParaRPr b="1" dirty="0">
+              <a:latin typeface="에스코어 드림 4 Regular" panose="020B0503030302020204" pitchFamily="34" charset="-127"/>
+              <a:ea typeface="에스코어 드림 4 Regular" panose="020B0503030302020204" pitchFamily="34" charset="-127"/>
+            </a:endParaRPr>
+          </a:p>
+          <a:p>
+            <a:pPr marL="0" marR="0" lvl="0" indent="0" algn="ctr" rtl="0">
+              <a:lnSpc>
+                <a:spcPct val="150000"/>
+              </a:lnSpc>
+              <a:spcBef>
+                <a:spcPts val="0"/>
+              </a:spcBef>
+              <a:spcAft>
+                <a:spcPts val="0"/>
+              </a:spcAft>
+              <a:buNone/>
+            </a:pPr>
+            <a:r>
+              <a:rPr lang="ko-KR" b="1" dirty="0">
+                <a:latin typeface="에스코어 드림 4 Regular" panose="020B0503030302020204" pitchFamily="34" charset="-127"/>
+                <a:ea typeface="에스코어 드림 4 Regular" panose="020B0503030302020204" pitchFamily="34" charset="-127"/>
+              </a:rPr>
+              <a:t>가장 낮게 나오는 </a:t>
+            </a:r>
+            <a:endParaRPr b="1" dirty="0">
+              <a:latin typeface="에스코어 드림 4 Regular" panose="020B0503030302020204" pitchFamily="34" charset="-127"/>
+              <a:ea typeface="에스코어 드림 4 Regular" panose="020B0503030302020204" pitchFamily="34" charset="-127"/>
+            </a:endParaRPr>
+          </a:p>
+          <a:p>
+            <a:pPr marL="0" marR="0" lvl="0" indent="0" algn="ctr" rtl="0">
+              <a:lnSpc>
+                <a:spcPct val="150000"/>
+              </a:lnSpc>
+              <a:spcBef>
+                <a:spcPts val="0"/>
+              </a:spcBef>
+              <a:spcAft>
+                <a:spcPts val="0"/>
+              </a:spcAft>
+              <a:buNone/>
+            </a:pPr>
+            <a:r>
+              <a:rPr lang="ko-KR" b="1" u="sng" dirty="0">
+                <a:highlight>
+                  <a:srgbClr val="FCE5CD"/>
+                </a:highlight>
+                <a:latin typeface="에스코어 드림 4 Regular" panose="020B0503030302020204" pitchFamily="34" charset="-127"/>
+                <a:ea typeface="에스코어 드림 4 Regular" panose="020B0503030302020204" pitchFamily="34" charset="-127"/>
+              </a:rPr>
+              <a:t>LGBM 모델 선정 </a:t>
+            </a:r>
+            <a:endParaRPr b="1" u="sng" dirty="0">
+              <a:highlight>
+                <a:srgbClr val="FCE5CD"/>
+              </a:highlight>
               <a:latin typeface="에스코어 드림 4 Regular" panose="020B0503030302020204" pitchFamily="34" charset="-127"/>
               <a:ea typeface="에스코어 드림 4 Regular" panose="020B0503030302020204" pitchFamily="34" charset="-127"/>
             </a:endParaRPr>
@@ -6053,7 +11315,7 @@
     </p:spTree>
     <p:extLst>
       <p:ext uri="{BB962C8B-B14F-4D97-AF65-F5344CB8AC3E}">
-        <p14:creationId xmlns:p14="http://schemas.microsoft.com/office/powerpoint/2010/main" val="1682760008"/>
+        <p14:creationId xmlns:p14="http://schemas.microsoft.com/office/powerpoint/2010/main" val="3255011201"/>
       </p:ext>
     </p:extLst>
   </p:cSld>
@@ -6088,8 +11350,50 @@
         </p:nvSpPr>
         <p:spPr>
           <a:xfrm>
-            <a:off x="1043255" y="569880"/>
-            <a:ext cx="3302507" cy="461665"/>
+            <a:off x="1172022" y="451481"/>
+            <a:ext cx="2296845" cy="707886"/>
+          </a:xfrm>
+          <a:prstGeom prst="rect">
+            <a:avLst/>
+          </a:prstGeom>
+          <a:noFill/>
+        </p:spPr>
+        <p:txBody>
+          <a:bodyPr wrap="square" rtlCol="0">
+            <a:spAutoFit/>
+          </a:bodyPr>
+          <a:lstStyle/>
+          <a:p>
+            <a:r>
+              <a:rPr lang="en-US" altLang="ko-KR" sz="4000" dirty="0">
+                <a:solidFill>
+                  <a:srgbClr val="1D1D1D"/>
+                </a:solidFill>
+                <a:latin typeface="에스코어 드림 6 Bold" panose="020B0703030302020204" pitchFamily="34" charset="-127"/>
+                <a:ea typeface="에스코어 드림 6 Bold" panose="020B0703030302020204" pitchFamily="34" charset="-127"/>
+              </a:rPr>
+              <a:t>Projects</a:t>
+            </a:r>
+            <a:endParaRPr lang="ko-KR" altLang="en-US" sz="4000" dirty="0">
+              <a:solidFill>
+                <a:srgbClr val="1D1D1D"/>
+              </a:solidFill>
+              <a:latin typeface="에스코어 드림 6 Bold" panose="020B0703030302020204" pitchFamily="34" charset="-127"/>
+              <a:ea typeface="에스코어 드림 6 Bold" panose="020B0703030302020204" pitchFamily="34" charset="-127"/>
+            </a:endParaRPr>
+          </a:p>
+        </p:txBody>
+      </p:sp>
+      <p:sp>
+        <p:nvSpPr>
+          <p:cNvPr id="28" name="TextBox 27"/>
+          <p:cNvSpPr txBox="1"/>
+          <p:nvPr/>
+        </p:nvSpPr>
+        <p:spPr>
+          <a:xfrm>
+            <a:off x="454470" y="1924188"/>
+            <a:ext cx="1379288" cy="369332"/>
           </a:xfrm>
           <a:prstGeom prst="rect">
             <a:avLst/>
@@ -6103,44 +11407,11 @@
           <a:lstStyle/>
           <a:p>
             <a:r>
-              <a:rPr lang="ko-KR" altLang="en-US" sz="2400" dirty="0" err="1">
-                <a:solidFill>
-                  <a:srgbClr val="1D1D1D"/>
-                </a:solidFill>
-                <a:latin typeface="에스코어 드림 4 Regular" panose="020B0503030302020204" pitchFamily="34" charset="-127"/>
-                <a:ea typeface="에스코어 드림 4 Regular" panose="020B0503030302020204" pitchFamily="34" charset="-127"/>
-              </a:rPr>
-              <a:t>포니부하곰</a:t>
-            </a:r>
-            <a:r>
-              <a:rPr lang="ko-KR" altLang="en-US" sz="2400" dirty="0">
-                <a:solidFill>
-                  <a:srgbClr val="1D1D1D"/>
-                </a:solidFill>
-                <a:latin typeface="에스코어 드림 4 Regular" panose="020B0503030302020204" pitchFamily="34" charset="-127"/>
-                <a:ea typeface="에스코어 드림 4 Regular" panose="020B0503030302020204" pitchFamily="34" charset="-127"/>
-              </a:rPr>
-              <a:t> </a:t>
-            </a:r>
-            <a:r>
-              <a:rPr lang="en-US" altLang="ko-KR" sz="2400" dirty="0">
-                <a:solidFill>
-                  <a:srgbClr val="1D1D1D"/>
-                </a:solidFill>
-                <a:latin typeface="에스코어 드림 4 Regular" panose="020B0503030302020204" pitchFamily="34" charset="-127"/>
-                <a:ea typeface="에스코어 드림 4 Regular" panose="020B0503030302020204" pitchFamily="34" charset="-127"/>
-              </a:rPr>
-              <a:t>PPT </a:t>
-            </a:r>
-            <a:r>
-              <a:rPr lang="ko-KR" altLang="en-US" sz="2400" dirty="0">
-                <a:solidFill>
-                  <a:srgbClr val="1D1D1D"/>
-                </a:solidFill>
-                <a:latin typeface="에스코어 드림 4 Regular" panose="020B0503030302020204" pitchFamily="34" charset="-127"/>
-                <a:ea typeface="에스코어 드림 4 Regular" panose="020B0503030302020204" pitchFamily="34" charset="-127"/>
-              </a:rPr>
-              <a:t>템플릿</a:t>
+              <a:rPr lang="en-US" altLang="ko-KR" u="sng" dirty="0">
+                <a:latin typeface="에스코어 드림 4 Regular" panose="020B0503030302020204" pitchFamily="34" charset="-127"/>
+                <a:ea typeface="에스코어 드림 4 Regular" panose="020B0503030302020204" pitchFamily="34" charset="-127"/>
+              </a:rPr>
+              <a:t>Processing</a:t>
             </a:r>
           </a:p>
         </p:txBody>
@@ -6175,7 +11446,7 @@
                 <a:latin typeface="에스코어 드림 7 ExtraBold" panose="020B0803030302020204" pitchFamily="34" charset="-127"/>
                 <a:ea typeface="에스코어 드림 7 ExtraBold" panose="020B0803030302020204" pitchFamily="34" charset="-127"/>
               </a:rPr>
-              <a:t>04</a:t>
+              <a:t>02</a:t>
             </a:r>
             <a:endParaRPr lang="ko-KR" altLang="en-US" sz="5400" spc="-300" dirty="0">
               <a:solidFill>
@@ -6189,14 +11460,222 @@
       </p:sp>
       <p:sp>
         <p:nvSpPr>
-          <p:cNvPr id="10" name="TextBox 9"/>
+          <p:cNvPr id="3" name="직사각형 2"/>
+          <p:cNvSpPr/>
+          <p:nvPr/>
+        </p:nvSpPr>
+        <p:spPr>
+          <a:xfrm>
+            <a:off x="363362" y="1327678"/>
+            <a:ext cx="6327373" cy="461665"/>
+          </a:xfrm>
+          <a:prstGeom prst="rect">
+            <a:avLst/>
+          </a:prstGeom>
+        </p:spPr>
+        <p:txBody>
+          <a:bodyPr wrap="none">
+            <a:spAutoFit/>
+          </a:bodyPr>
+          <a:lstStyle/>
+          <a:p>
+            <a:r>
+              <a:rPr lang="ko-KR" altLang="en-US" sz="2400" dirty="0" err="1">
+                <a:latin typeface="에스코어 드림 6 Bold" panose="020B0703030302020204" pitchFamily="34" charset="-127"/>
+                <a:ea typeface="에스코어 드림 6 Bold" panose="020B0703030302020204" pitchFamily="34" charset="-127"/>
+              </a:rPr>
+              <a:t>머신러닝을</a:t>
+            </a:r>
+            <a:r>
+              <a:rPr lang="ko-KR" altLang="en-US" sz="2400" dirty="0">
+                <a:latin typeface="에스코어 드림 6 Bold" panose="020B0703030302020204" pitchFamily="34" charset="-127"/>
+                <a:ea typeface="에스코어 드림 6 Bold" panose="020B0703030302020204" pitchFamily="34" charset="-127"/>
+              </a:rPr>
+              <a:t> 이용한 서울 아파트 실거래가 예측</a:t>
+            </a:r>
+            <a:endParaRPr lang="en-US" altLang="ko-KR" sz="2400" dirty="0">
+              <a:latin typeface="에스코어 드림 6 Bold" panose="020B0703030302020204" pitchFamily="34" charset="-127"/>
+              <a:ea typeface="에스코어 드림 6 Bold" panose="020B0703030302020204" pitchFamily="34" charset="-127"/>
+            </a:endParaRPr>
+          </a:p>
+        </p:txBody>
+      </p:sp>
+      <p:pic>
+        <p:nvPicPr>
+          <p:cNvPr id="16" name="Google Shape;533;ge9d4b49b77_0_18">
+            <a:extLst>
+              <a:ext uri="{FF2B5EF4-FFF2-40B4-BE49-F238E27FC236}">
+                <a16:creationId xmlns:a16="http://schemas.microsoft.com/office/drawing/2014/main" id="{2A6CE3B1-6995-47F4-B6EE-50607C153B3C}"/>
+              </a:ext>
+            </a:extLst>
+          </p:cNvPr>
+          <p:cNvPicPr preferRelativeResize="0"/>
+          <p:nvPr/>
+        </p:nvPicPr>
+        <p:blipFill>
+          <a:blip r:embed="rId2">
+            <a:alphaModFix/>
+          </a:blip>
+          <a:stretch>
+            <a:fillRect/>
+          </a:stretch>
+        </p:blipFill>
+        <p:spPr>
+          <a:xfrm>
+            <a:off x="6515101" y="2441800"/>
+            <a:ext cx="4752000" cy="2027249"/>
+          </a:xfrm>
+          <a:prstGeom prst="rect">
+            <a:avLst/>
+          </a:prstGeom>
+          <a:ln>
+            <a:noFill/>
+          </a:ln>
+          <a:effectLst>
+            <a:outerShdw blurRad="292100" dist="139700" dir="2700000" algn="tl" rotWithShape="0">
+              <a:srgbClr val="333333">
+                <a:alpha val="65000"/>
+              </a:srgbClr>
+            </a:outerShdw>
+          </a:effectLst>
+        </p:spPr>
+      </p:pic>
+      <p:pic>
+        <p:nvPicPr>
+          <p:cNvPr id="17" name="Google Shape;535;ge9d4b49b77_0_18">
+            <a:extLst>
+              <a:ext uri="{FF2B5EF4-FFF2-40B4-BE49-F238E27FC236}">
+                <a16:creationId xmlns:a16="http://schemas.microsoft.com/office/drawing/2014/main" id="{E6F823A0-A819-4086-80CD-01C4B801F266}"/>
+              </a:ext>
+            </a:extLst>
+          </p:cNvPr>
+          <p:cNvPicPr preferRelativeResize="0"/>
+          <p:nvPr/>
+        </p:nvPicPr>
+        <p:blipFill>
+          <a:blip r:embed="rId3">
+            <a:alphaModFix/>
+          </a:blip>
+          <a:stretch>
+            <a:fillRect/>
+          </a:stretch>
+        </p:blipFill>
+        <p:spPr>
+          <a:xfrm>
+            <a:off x="6515102" y="4971262"/>
+            <a:ext cx="4748502" cy="559060"/>
+          </a:xfrm>
+          <a:prstGeom prst="rect">
+            <a:avLst/>
+          </a:prstGeom>
+          <a:ln>
+            <a:noFill/>
+          </a:ln>
+          <a:effectLst>
+            <a:outerShdw blurRad="292100" dist="139700" dir="2700000" algn="tl" rotWithShape="0">
+              <a:srgbClr val="333333">
+                <a:alpha val="65000"/>
+              </a:srgbClr>
+            </a:outerShdw>
+          </a:effectLst>
+        </p:spPr>
+      </p:pic>
+      <p:pic>
+        <p:nvPicPr>
+          <p:cNvPr id="18" name="Google Shape;499;ge9efaf73bc_2_0">
+            <a:extLst>
+              <a:ext uri="{FF2B5EF4-FFF2-40B4-BE49-F238E27FC236}">
+                <a16:creationId xmlns:a16="http://schemas.microsoft.com/office/drawing/2014/main" id="{3BEF93DF-E92F-4B56-B1E4-79F90AA9FC5A}"/>
+              </a:ext>
+            </a:extLst>
+          </p:cNvPr>
+          <p:cNvPicPr preferRelativeResize="0"/>
+          <p:nvPr/>
+        </p:nvPicPr>
+        <p:blipFill>
+          <a:blip r:embed="rId4">
+            <a:alphaModFix/>
+          </a:blip>
+          <a:stretch>
+            <a:fillRect/>
+          </a:stretch>
+        </p:blipFill>
+        <p:spPr>
+          <a:xfrm>
+            <a:off x="928396" y="2428365"/>
+            <a:ext cx="4748504" cy="2027249"/>
+          </a:xfrm>
+          <a:prstGeom prst="rect">
+            <a:avLst/>
+          </a:prstGeom>
+          <a:ln>
+            <a:noFill/>
+          </a:ln>
+          <a:effectLst>
+            <a:outerShdw blurRad="292100" dist="139700" dir="2700000" algn="tl" rotWithShape="0">
+              <a:srgbClr val="333333">
+                <a:alpha val="65000"/>
+              </a:srgbClr>
+            </a:outerShdw>
+          </a:effectLst>
+        </p:spPr>
+      </p:pic>
+      <p:pic>
+        <p:nvPicPr>
+          <p:cNvPr id="19" name="Google Shape;500;ge9efaf73bc_2_0">
+            <a:extLst>
+              <a:ext uri="{FF2B5EF4-FFF2-40B4-BE49-F238E27FC236}">
+                <a16:creationId xmlns:a16="http://schemas.microsoft.com/office/drawing/2014/main" id="{94ED1216-A87F-45F8-B3E7-5B16DA1B9888}"/>
+              </a:ext>
+            </a:extLst>
+          </p:cNvPr>
+          <p:cNvPicPr preferRelativeResize="0"/>
+          <p:nvPr/>
+        </p:nvPicPr>
+        <p:blipFill>
+          <a:blip r:embed="rId5">
+            <a:alphaModFix/>
+          </a:blip>
+          <a:stretch>
+            <a:fillRect/>
+          </a:stretch>
+        </p:blipFill>
+        <p:spPr>
+          <a:xfrm>
+            <a:off x="928396" y="4845512"/>
+            <a:ext cx="4748504" cy="559060"/>
+          </a:xfrm>
+          <a:prstGeom prst="rect">
+            <a:avLst/>
+          </a:prstGeom>
+          <a:ln>
+            <a:noFill/>
+          </a:ln>
+          <a:effectLst>
+            <a:outerShdw blurRad="292100" dist="139700" dir="2700000" algn="tl" rotWithShape="0">
+              <a:srgbClr val="333333">
+                <a:alpha val="65000"/>
+              </a:srgbClr>
+            </a:outerShdw>
+          </a:effectLst>
+        </p:spPr>
+      </p:pic>
+      <p:sp>
+        <p:nvSpPr>
+          <p:cNvPr id="20" name="TextBox 19">
+            <a:extLst>
+              <a:ext uri="{FF2B5EF4-FFF2-40B4-BE49-F238E27FC236}">
+                <a16:creationId xmlns:a16="http://schemas.microsoft.com/office/drawing/2014/main" id="{AF37DAEA-4710-4634-AF48-A945ABF59909}"/>
+              </a:ext>
+            </a:extLst>
+          </p:cNvPr>
           <p:cNvSpPr txBox="1"/>
           <p:nvPr/>
         </p:nvSpPr>
         <p:spPr>
           <a:xfrm>
-            <a:off x="847393" y="2038488"/>
-            <a:ext cx="1909497" cy="646331"/>
+            <a:off x="1088868" y="5794470"/>
+            <a:ext cx="4937314" cy="369332"/>
           </a:xfrm>
           <a:prstGeom prst="rect">
             <a:avLst/>
@@ -6209,40 +11688,21 @@
           </a:bodyPr>
           <a:lstStyle/>
           <a:p>
-            <a:pPr marL="342900" indent="-342900">
-              <a:buAutoNum type="arabicPeriod"/>
-            </a:pPr>
-            <a:r>
-              <a:rPr lang="ko-KR" altLang="en-US" dirty="0" err="1">
-                <a:latin typeface="에스코어 드림 4 Regular" panose="020B0503030302020204" pitchFamily="34" charset="-127"/>
-                <a:ea typeface="에스코어 드림 4 Regular" panose="020B0503030302020204" pitchFamily="34" charset="-127"/>
-              </a:rPr>
-              <a:t>나눔스퀘어</a:t>
-            </a:r>
-            <a:endParaRPr lang="en-US" altLang="ko-KR" dirty="0">
-              <a:latin typeface="에스코어 드림 4 Regular" panose="020B0503030302020204" pitchFamily="34" charset="-127"/>
-              <a:ea typeface="에스코어 드림 4 Regular" panose="020B0503030302020204" pitchFamily="34" charset="-127"/>
-            </a:endParaRPr>
-          </a:p>
-          <a:p>
-            <a:pPr marL="342900" indent="-342900">
-              <a:buAutoNum type="arabicPeriod"/>
-            </a:pPr>
-            <a:r>
-              <a:rPr lang="ko-KR" altLang="en-US" dirty="0" err="1">
-                <a:latin typeface="에스코어 드림 4 Regular" panose="020B0503030302020204" pitchFamily="34" charset="-127"/>
-                <a:ea typeface="에스코어 드림 4 Regular" panose="020B0503030302020204" pitchFamily="34" charset="-127"/>
-              </a:rPr>
-              <a:t>나눔바른고딕</a:t>
-            </a:r>
-            <a:r>
-              <a:rPr lang="ko-KR" altLang="en-US" dirty="0">
-                <a:latin typeface="에스코어 드림 4 Regular" panose="020B0503030302020204" pitchFamily="34" charset="-127"/>
-                <a:ea typeface="에스코어 드림 4 Regular" panose="020B0503030302020204" pitchFamily="34" charset="-127"/>
-              </a:rPr>
-              <a:t> </a:t>
-            </a:r>
-            <a:endParaRPr lang="en-US" altLang="ko-KR" dirty="0">
+            <a:r>
+              <a:rPr lang="en-US" altLang="ko-KR" u="sng" dirty="0">
+                <a:latin typeface="에스코어 드림 4 Regular" panose="020B0503030302020204" pitchFamily="34" charset="-127"/>
+                <a:ea typeface="에스코어 드림 4 Regular" panose="020B0503030302020204" pitchFamily="34" charset="-127"/>
+              </a:rPr>
+              <a:t>Feature Selection : Feature Importance </a:t>
+            </a:r>
+            <a:r>
+              <a:rPr lang="ko-KR" altLang="en-US" u="sng" dirty="0">
+                <a:latin typeface="에스코어 드림 4 Regular" panose="020B0503030302020204" pitchFamily="34" charset="-127"/>
+                <a:ea typeface="에스코어 드림 4 Regular" panose="020B0503030302020204" pitchFamily="34" charset="-127"/>
+              </a:rPr>
+              <a:t>이용</a:t>
+            </a:r>
+            <a:endParaRPr lang="en-US" altLang="ko-KR" u="sng" dirty="0">
               <a:latin typeface="에스코어 드림 4 Regular" panose="020B0503030302020204" pitchFamily="34" charset="-127"/>
               <a:ea typeface="에스코어 드림 4 Regular" panose="020B0503030302020204" pitchFamily="34" charset="-127"/>
             </a:endParaRPr>
@@ -6251,33 +11711,61 @@
       </p:sp>
       <p:sp>
         <p:nvSpPr>
-          <p:cNvPr id="11" name="직사각형 10"/>
-          <p:cNvSpPr/>
+          <p:cNvPr id="21" name="TextBox 20">
+            <a:extLst>
+              <a:ext uri="{FF2B5EF4-FFF2-40B4-BE49-F238E27FC236}">
+                <a16:creationId xmlns:a16="http://schemas.microsoft.com/office/drawing/2014/main" id="{418738B7-EBD5-4B6A-B031-87C42F98FFD9}"/>
+              </a:ext>
+            </a:extLst>
+          </p:cNvPr>
+          <p:cNvSpPr txBox="1"/>
           <p:nvPr/>
         </p:nvSpPr>
         <p:spPr>
           <a:xfrm>
-            <a:off x="847393" y="1637343"/>
-            <a:ext cx="1741182" cy="400110"/>
+            <a:off x="6976425" y="5794470"/>
+            <a:ext cx="3904467" cy="369332"/>
           </a:xfrm>
           <a:prstGeom prst="rect">
             <a:avLst/>
           </a:prstGeom>
+          <a:noFill/>
         </p:spPr>
         <p:txBody>
-          <a:bodyPr wrap="none">
+          <a:bodyPr wrap="none" rtlCol="0">
             <a:spAutoFit/>
           </a:bodyPr>
           <a:lstStyle/>
           <a:p>
             <a:r>
-              <a:rPr lang="ko-KR" altLang="en-US" sz="2000" dirty="0">
-                <a:latin typeface="에스코어 드림 4 Regular" panose="020B0503030302020204" pitchFamily="34" charset="-127"/>
-                <a:ea typeface="에스코어 드림 4 Regular" panose="020B0503030302020204" pitchFamily="34" charset="-127"/>
-              </a:rPr>
-              <a:t>사용한 글씨체</a:t>
-            </a:r>
-            <a:endParaRPr lang="en-US" altLang="ko-KR" sz="2000" dirty="0">
+              <a:rPr lang="en-US" altLang="ko-KR" u="sng" dirty="0">
+                <a:latin typeface="에스코어 드림 4 Regular" panose="020B0503030302020204" pitchFamily="34" charset="-127"/>
+                <a:ea typeface="에스코어 드림 4 Regular" panose="020B0503030302020204" pitchFamily="34" charset="-127"/>
+              </a:rPr>
+              <a:t>Model tuning : </a:t>
+            </a:r>
+            <a:r>
+              <a:rPr lang="en-US" altLang="ko-KR" u="sng" dirty="0" err="1">
+                <a:latin typeface="에스코어 드림 4 Regular" panose="020B0503030302020204" pitchFamily="34" charset="-127"/>
+                <a:ea typeface="에스코어 드림 4 Regular" panose="020B0503030302020204" pitchFamily="34" charset="-127"/>
+              </a:rPr>
+              <a:t>GridSearch</a:t>
+            </a:r>
+            <a:r>
+              <a:rPr lang="en-US" altLang="ko-KR" u="sng" dirty="0">
+                <a:latin typeface="에스코어 드림 4 Regular" panose="020B0503030302020204" pitchFamily="34" charset="-127"/>
+                <a:ea typeface="에스코어 드림 4 Regular" panose="020B0503030302020204" pitchFamily="34" charset="-127"/>
+              </a:rPr>
+              <a:t> CV </a:t>
+            </a:r>
+            <a:r>
+              <a:rPr lang="ko-KR" altLang="en-US" u="sng" dirty="0">
+                <a:latin typeface="에스코어 드림 4 Regular" panose="020B0503030302020204" pitchFamily="34" charset="-127"/>
+                <a:ea typeface="에스코어 드림 4 Regular" panose="020B0503030302020204" pitchFamily="34" charset="-127"/>
+              </a:rPr>
+              <a:t>적용</a:t>
+            </a:r>
+            <a:endParaRPr lang="en-US" altLang="ko-KR" u="sng" dirty="0">
               <a:latin typeface="에스코어 드림 4 Regular" panose="020B0503030302020204" pitchFamily="34" charset="-127"/>
               <a:ea typeface="에스코어 드림 4 Regular" panose="020B0503030302020204" pitchFamily="34" charset="-127"/>
             </a:endParaRPr>
@@ -6287,7 +11775,7 @@
     </p:spTree>
     <p:extLst>
       <p:ext uri="{BB962C8B-B14F-4D97-AF65-F5344CB8AC3E}">
-        <p14:creationId xmlns:p14="http://schemas.microsoft.com/office/powerpoint/2010/main" val="396790021"/>
+        <p14:creationId xmlns:p14="http://schemas.microsoft.com/office/powerpoint/2010/main" val="265159351"/>
       </p:ext>
     </p:extLst>
   </p:cSld>
@@ -6322,8 +11810,50 @@
         </p:nvSpPr>
         <p:spPr>
           <a:xfrm>
-            <a:off x="1043255" y="569880"/>
-            <a:ext cx="3302507" cy="461665"/>
+            <a:off x="1172022" y="451481"/>
+            <a:ext cx="2296845" cy="707886"/>
+          </a:xfrm>
+          <a:prstGeom prst="rect">
+            <a:avLst/>
+          </a:prstGeom>
+          <a:noFill/>
+        </p:spPr>
+        <p:txBody>
+          <a:bodyPr wrap="square" rtlCol="0">
+            <a:spAutoFit/>
+          </a:bodyPr>
+          <a:lstStyle/>
+          <a:p>
+            <a:r>
+              <a:rPr lang="en-US" altLang="ko-KR" sz="4000" dirty="0">
+                <a:solidFill>
+                  <a:srgbClr val="1D1D1D"/>
+                </a:solidFill>
+                <a:latin typeface="에스코어 드림 6 Bold" panose="020B0703030302020204" pitchFamily="34" charset="-127"/>
+                <a:ea typeface="에스코어 드림 6 Bold" panose="020B0703030302020204" pitchFamily="34" charset="-127"/>
+              </a:rPr>
+              <a:t>Projects</a:t>
+            </a:r>
+            <a:endParaRPr lang="ko-KR" altLang="en-US" sz="4000" dirty="0">
+              <a:solidFill>
+                <a:srgbClr val="1D1D1D"/>
+              </a:solidFill>
+              <a:latin typeface="에스코어 드림 6 Bold" panose="020B0703030302020204" pitchFamily="34" charset="-127"/>
+              <a:ea typeface="에스코어 드림 6 Bold" panose="020B0703030302020204" pitchFamily="34" charset="-127"/>
+            </a:endParaRPr>
+          </a:p>
+        </p:txBody>
+      </p:sp>
+      <p:sp>
+        <p:nvSpPr>
+          <p:cNvPr id="28" name="TextBox 27"/>
+          <p:cNvSpPr txBox="1"/>
+          <p:nvPr/>
+        </p:nvSpPr>
+        <p:spPr>
+          <a:xfrm>
+            <a:off x="454470" y="1924188"/>
+            <a:ext cx="1379288" cy="369332"/>
           </a:xfrm>
           <a:prstGeom prst="rect">
             <a:avLst/>
@@ -6337,44 +11867,11 @@
           <a:lstStyle/>
           <a:p>
             <a:r>
-              <a:rPr lang="ko-KR" altLang="en-US" sz="2400" dirty="0" err="1">
-                <a:solidFill>
-                  <a:srgbClr val="1D1D1D"/>
-                </a:solidFill>
-                <a:latin typeface="에스코어 드림 4 Regular" panose="020B0503030302020204" pitchFamily="34" charset="-127"/>
-                <a:ea typeface="에스코어 드림 4 Regular" panose="020B0503030302020204" pitchFamily="34" charset="-127"/>
-              </a:rPr>
-              <a:t>포니부하곰</a:t>
-            </a:r>
-            <a:r>
-              <a:rPr lang="ko-KR" altLang="en-US" sz="2400" dirty="0">
-                <a:solidFill>
-                  <a:srgbClr val="1D1D1D"/>
-                </a:solidFill>
-                <a:latin typeface="에스코어 드림 4 Regular" panose="020B0503030302020204" pitchFamily="34" charset="-127"/>
-                <a:ea typeface="에스코어 드림 4 Regular" panose="020B0503030302020204" pitchFamily="34" charset="-127"/>
-              </a:rPr>
-              <a:t> </a:t>
-            </a:r>
-            <a:r>
-              <a:rPr lang="en-US" altLang="ko-KR" sz="2400" dirty="0">
-                <a:solidFill>
-                  <a:srgbClr val="1D1D1D"/>
-                </a:solidFill>
-                <a:latin typeface="에스코어 드림 4 Regular" panose="020B0503030302020204" pitchFamily="34" charset="-127"/>
-                <a:ea typeface="에스코어 드림 4 Regular" panose="020B0503030302020204" pitchFamily="34" charset="-127"/>
-              </a:rPr>
-              <a:t>PPT </a:t>
-            </a:r>
-            <a:r>
-              <a:rPr lang="ko-KR" altLang="en-US" sz="2400" dirty="0">
-                <a:solidFill>
-                  <a:srgbClr val="1D1D1D"/>
-                </a:solidFill>
-                <a:latin typeface="에스코어 드림 4 Regular" panose="020B0503030302020204" pitchFamily="34" charset="-127"/>
-                <a:ea typeface="에스코어 드림 4 Regular" panose="020B0503030302020204" pitchFamily="34" charset="-127"/>
-              </a:rPr>
-              <a:t>템플릿</a:t>
+              <a:rPr lang="en-US" altLang="ko-KR" u="sng" dirty="0">
+                <a:latin typeface="에스코어 드림 4 Regular" panose="020B0503030302020204" pitchFamily="34" charset="-127"/>
+                <a:ea typeface="에스코어 드림 4 Regular" panose="020B0503030302020204" pitchFamily="34" charset="-127"/>
+              </a:rPr>
+              <a:t>Processing</a:t>
             </a:r>
           </a:p>
         </p:txBody>
@@ -6409,7 +11906,7 @@
                 <a:latin typeface="에스코어 드림 7 ExtraBold" panose="020B0803030302020204" pitchFamily="34" charset="-127"/>
                 <a:ea typeface="에스코어 드림 7 ExtraBold" panose="020B0803030302020204" pitchFamily="34" charset="-127"/>
               </a:rPr>
-              <a:t>05</a:t>
+              <a:t>02</a:t>
             </a:r>
             <a:endParaRPr lang="ko-KR" altLang="en-US" sz="5400" spc="-300" dirty="0">
               <a:solidFill>
@@ -6423,76 +11920,14 @@
       </p:sp>
       <p:sp>
         <p:nvSpPr>
-          <p:cNvPr id="10" name="TextBox 9"/>
-          <p:cNvSpPr txBox="1"/>
-          <p:nvPr/>
-        </p:nvSpPr>
-        <p:spPr>
-          <a:xfrm>
-            <a:off x="847393" y="2038488"/>
-            <a:ext cx="1909497" cy="646331"/>
-          </a:xfrm>
-          <a:prstGeom prst="rect">
-            <a:avLst/>
-          </a:prstGeom>
-          <a:noFill/>
-        </p:spPr>
-        <p:txBody>
-          <a:bodyPr wrap="none" rtlCol="0">
-            <a:spAutoFit/>
-          </a:bodyPr>
-          <a:lstStyle/>
-          <a:p>
-            <a:pPr marL="342900" indent="-342900">
-              <a:buAutoNum type="arabicPeriod"/>
-            </a:pPr>
-            <a:r>
-              <a:rPr lang="ko-KR" altLang="en-US" dirty="0" err="1">
-                <a:latin typeface="에스코어 드림 4 Regular" panose="020B0503030302020204" pitchFamily="34" charset="-127"/>
-                <a:ea typeface="에스코어 드림 4 Regular" panose="020B0503030302020204" pitchFamily="34" charset="-127"/>
-              </a:rPr>
-              <a:t>나눔스퀘어</a:t>
-            </a:r>
-            <a:endParaRPr lang="en-US" altLang="ko-KR" dirty="0">
-              <a:latin typeface="에스코어 드림 4 Regular" panose="020B0503030302020204" pitchFamily="34" charset="-127"/>
-              <a:ea typeface="에스코어 드림 4 Regular" panose="020B0503030302020204" pitchFamily="34" charset="-127"/>
-            </a:endParaRPr>
-          </a:p>
-          <a:p>
-            <a:pPr marL="342900" indent="-342900">
-              <a:buAutoNum type="arabicPeriod"/>
-            </a:pPr>
-            <a:r>
-              <a:rPr lang="ko-KR" altLang="en-US" dirty="0" err="1">
-                <a:latin typeface="에스코어 드림 4 Regular" panose="020B0503030302020204" pitchFamily="34" charset="-127"/>
-                <a:ea typeface="에스코어 드림 4 Regular" panose="020B0503030302020204" pitchFamily="34" charset="-127"/>
-              </a:rPr>
-              <a:t>나눔바른고딕</a:t>
-            </a:r>
-            <a:r>
-              <a:rPr lang="ko-KR" altLang="en-US" dirty="0">
-                <a:latin typeface="에스코어 드림 4 Regular" panose="020B0503030302020204" pitchFamily="34" charset="-127"/>
-                <a:ea typeface="에스코어 드림 4 Regular" panose="020B0503030302020204" pitchFamily="34" charset="-127"/>
-              </a:rPr>
-              <a:t> </a:t>
-            </a:r>
-            <a:endParaRPr lang="en-US" altLang="ko-KR" dirty="0">
-              <a:latin typeface="에스코어 드림 4 Regular" panose="020B0503030302020204" pitchFamily="34" charset="-127"/>
-              <a:ea typeface="에스코어 드림 4 Regular" panose="020B0503030302020204" pitchFamily="34" charset="-127"/>
-            </a:endParaRPr>
-          </a:p>
-        </p:txBody>
-      </p:sp>
-      <p:sp>
-        <p:nvSpPr>
-          <p:cNvPr id="11" name="직사각형 10"/>
+          <p:cNvPr id="3" name="직사각형 2"/>
           <p:cNvSpPr/>
           <p:nvPr/>
         </p:nvSpPr>
         <p:spPr>
           <a:xfrm>
-            <a:off x="847393" y="1637343"/>
-            <a:ext cx="1741182" cy="400110"/>
+            <a:off x="363362" y="1327678"/>
+            <a:ext cx="6327373" cy="461665"/>
           </a:xfrm>
           <a:prstGeom prst="rect">
             <a:avLst/>
@@ -6505,23 +11940,894 @@
           <a:lstStyle/>
           <a:p>
             <a:r>
-              <a:rPr lang="ko-KR" altLang="en-US" sz="2000" dirty="0">
-                <a:latin typeface="에스코어 드림 4 Regular" panose="020B0503030302020204" pitchFamily="34" charset="-127"/>
-                <a:ea typeface="에스코어 드림 4 Regular" panose="020B0503030302020204" pitchFamily="34" charset="-127"/>
-              </a:rPr>
-              <a:t>사용한 글씨체</a:t>
-            </a:r>
-            <a:endParaRPr lang="en-US" altLang="ko-KR" sz="2000" dirty="0">
-              <a:latin typeface="에스코어 드림 4 Regular" panose="020B0503030302020204" pitchFamily="34" charset="-127"/>
-              <a:ea typeface="에스코어 드림 4 Regular" panose="020B0503030302020204" pitchFamily="34" charset="-127"/>
+              <a:rPr lang="ko-KR" altLang="en-US" sz="2400" dirty="0" err="1">
+                <a:latin typeface="에스코어 드림 6 Bold" panose="020B0703030302020204" pitchFamily="34" charset="-127"/>
+                <a:ea typeface="에스코어 드림 6 Bold" panose="020B0703030302020204" pitchFamily="34" charset="-127"/>
+              </a:rPr>
+              <a:t>머신러닝을</a:t>
+            </a:r>
+            <a:r>
+              <a:rPr lang="ko-KR" altLang="en-US" sz="2400" dirty="0">
+                <a:latin typeface="에스코어 드림 6 Bold" panose="020B0703030302020204" pitchFamily="34" charset="-127"/>
+                <a:ea typeface="에스코어 드림 6 Bold" panose="020B0703030302020204" pitchFamily="34" charset="-127"/>
+              </a:rPr>
+              <a:t> 이용한 서울 아파트 실거래가 예측</a:t>
+            </a:r>
+            <a:endParaRPr lang="en-US" altLang="ko-KR" sz="2400" dirty="0">
+              <a:latin typeface="에스코어 드림 6 Bold" panose="020B0703030302020204" pitchFamily="34" charset="-127"/>
+              <a:ea typeface="에스코어 드림 6 Bold" panose="020B0703030302020204" pitchFamily="34" charset="-127"/>
             </a:endParaRPr>
           </a:p>
         </p:txBody>
       </p:sp>
+      <p:pic>
+        <p:nvPicPr>
+          <p:cNvPr id="12" name="Google Shape;546;ge9d4b49b77_0_27">
+            <a:extLst>
+              <a:ext uri="{FF2B5EF4-FFF2-40B4-BE49-F238E27FC236}">
+                <a16:creationId xmlns:a16="http://schemas.microsoft.com/office/drawing/2014/main" id="{FFF3BB29-F2AC-450C-AE54-F3D4D6B4AE54}"/>
+              </a:ext>
+            </a:extLst>
+          </p:cNvPr>
+          <p:cNvPicPr preferRelativeResize="0"/>
+          <p:nvPr/>
+        </p:nvPicPr>
+        <p:blipFill>
+          <a:blip r:embed="rId2">
+            <a:alphaModFix/>
+          </a:blip>
+          <a:stretch>
+            <a:fillRect/>
+          </a:stretch>
+        </p:blipFill>
+        <p:spPr>
+          <a:xfrm>
+            <a:off x="452451" y="2557775"/>
+            <a:ext cx="5935650" cy="1899925"/>
+          </a:xfrm>
+          <a:prstGeom prst="rect">
+            <a:avLst/>
+          </a:prstGeom>
+          <a:noFill/>
+          <a:ln>
+            <a:noFill/>
+          </a:ln>
+        </p:spPr>
+      </p:pic>
+      <p:pic>
+        <p:nvPicPr>
+          <p:cNvPr id="13" name="Google Shape;547;ge9d4b49b77_0_27">
+            <a:extLst>
+              <a:ext uri="{FF2B5EF4-FFF2-40B4-BE49-F238E27FC236}">
+                <a16:creationId xmlns:a16="http://schemas.microsoft.com/office/drawing/2014/main" id="{BFE4379B-9BA2-4605-AA5C-96711714D1CC}"/>
+              </a:ext>
+            </a:extLst>
+          </p:cNvPr>
+          <p:cNvPicPr preferRelativeResize="0"/>
+          <p:nvPr/>
+        </p:nvPicPr>
+        <p:blipFill>
+          <a:blip r:embed="rId3">
+            <a:alphaModFix/>
+          </a:blip>
+          <a:stretch>
+            <a:fillRect/>
+          </a:stretch>
+        </p:blipFill>
+        <p:spPr>
+          <a:xfrm>
+            <a:off x="514669" y="4654312"/>
+            <a:ext cx="3611550" cy="605997"/>
+          </a:xfrm>
+          <a:prstGeom prst="rect">
+            <a:avLst/>
+          </a:prstGeom>
+          <a:noFill/>
+          <a:ln>
+            <a:noFill/>
+          </a:ln>
+        </p:spPr>
+      </p:pic>
+      <p:sp>
+        <p:nvSpPr>
+          <p:cNvPr id="14" name="Google Shape;548;ge9d4b49b77_0_27">
+            <a:extLst>
+              <a:ext uri="{FF2B5EF4-FFF2-40B4-BE49-F238E27FC236}">
+                <a16:creationId xmlns:a16="http://schemas.microsoft.com/office/drawing/2014/main" id="{65ADC1D5-E120-4DAD-822F-526E5A993673}"/>
+              </a:ext>
+            </a:extLst>
+          </p:cNvPr>
+          <p:cNvSpPr txBox="1"/>
+          <p:nvPr/>
+        </p:nvSpPr>
+        <p:spPr>
+          <a:xfrm>
+            <a:off x="-943700" y="5479929"/>
+            <a:ext cx="7756500" cy="276959"/>
+          </a:xfrm>
+          <a:prstGeom prst="rect">
+            <a:avLst/>
+          </a:prstGeom>
+          <a:noFill/>
+          <a:ln>
+            <a:noFill/>
+          </a:ln>
+        </p:spPr>
+        <p:txBody>
+          <a:bodyPr spcFirstLastPara="1" wrap="square" lIns="91425" tIns="45700" rIns="91425" bIns="45700" anchor="t" anchorCtr="0">
+            <a:spAutoFit/>
+          </a:bodyPr>
+          <a:lstStyle/>
+          <a:p>
+            <a:pPr marL="457200" marR="0" lvl="0" indent="0" algn="ctr" rtl="0">
+              <a:spcBef>
+                <a:spcPts val="0"/>
+              </a:spcBef>
+              <a:spcAft>
+                <a:spcPts val="0"/>
+              </a:spcAft>
+              <a:buNone/>
+            </a:pPr>
+            <a:r>
+              <a:rPr lang="ko-KR" sz="1200" b="1" dirty="0" err="1">
+                <a:solidFill>
+                  <a:schemeClr val="dk1"/>
+                </a:solidFill>
+                <a:latin typeface="에스코어 드림 4 Regular" panose="020B0503030302020204" pitchFamily="34" charset="-127"/>
+                <a:ea typeface="에스코어 드림 4 Regular" panose="020B0503030302020204" pitchFamily="34" charset="-127"/>
+              </a:rPr>
+              <a:t>RMSE가</a:t>
+            </a:r>
+            <a:r>
+              <a:rPr lang="ko-KR" sz="1200" b="1" dirty="0">
+                <a:solidFill>
+                  <a:schemeClr val="dk1"/>
+                </a:solidFill>
+                <a:latin typeface="에스코어 드림 4 Regular" panose="020B0503030302020204" pitchFamily="34" charset="-127"/>
+                <a:ea typeface="에스코어 드림 4 Regular" panose="020B0503030302020204" pitchFamily="34" charset="-127"/>
+              </a:rPr>
+              <a:t> 733(만원) 정도로 오차가 파라미터 튜닝 전보다 절반정도로 줄었다.</a:t>
+            </a:r>
+            <a:endParaRPr sz="1200" b="1" dirty="0">
+              <a:solidFill>
+                <a:schemeClr val="dk1"/>
+              </a:solidFill>
+              <a:latin typeface="에스코어 드림 4 Regular" panose="020B0503030302020204" pitchFamily="34" charset="-127"/>
+              <a:ea typeface="에스코어 드림 4 Regular" panose="020B0503030302020204" pitchFamily="34" charset="-127"/>
+            </a:endParaRPr>
+          </a:p>
+        </p:txBody>
+      </p:sp>
+      <p:graphicFrame>
+        <p:nvGraphicFramePr>
+          <p:cNvPr id="15" name="Google Shape;549;ge9d4b49b77_0_27">
+            <a:extLst>
+              <a:ext uri="{FF2B5EF4-FFF2-40B4-BE49-F238E27FC236}">
+                <a16:creationId xmlns:a16="http://schemas.microsoft.com/office/drawing/2014/main" id="{6740C2E6-F36F-4CC1-A0E0-E09CCA1434EC}"/>
+              </a:ext>
+            </a:extLst>
+          </p:cNvPr>
+          <p:cNvGraphicFramePr/>
+          <p:nvPr>
+            <p:extLst>
+              <p:ext uri="{D42A27DB-BD31-4B8C-83A1-F6EECF244321}">
+                <p14:modId xmlns:p14="http://schemas.microsoft.com/office/powerpoint/2010/main" val="2050077394"/>
+              </p:ext>
+            </p:extLst>
+          </p:nvPr>
+        </p:nvGraphicFramePr>
+        <p:xfrm>
+          <a:off x="6812800" y="2312852"/>
+          <a:ext cx="4828587" cy="1188630"/>
+        </p:xfrm>
+        <a:graphic>
+          <a:graphicData uri="http://schemas.openxmlformats.org/drawingml/2006/table">
+            <a:tbl>
+              <a:tblPr>
+                <a:noFill/>
+              </a:tblPr>
+              <a:tblGrid>
+                <a:gridCol w="973678">
+                  <a:extLst>
+                    <a:ext uri="{9D8B030D-6E8A-4147-A177-3AD203B41FA5}">
+                      <a16:colId xmlns:a16="http://schemas.microsoft.com/office/drawing/2014/main" val="20000"/>
+                    </a:ext>
+                  </a:extLst>
+                </a:gridCol>
+                <a:gridCol w="1242157">
+                  <a:extLst>
+                    <a:ext uri="{9D8B030D-6E8A-4147-A177-3AD203B41FA5}">
+                      <a16:colId xmlns:a16="http://schemas.microsoft.com/office/drawing/2014/main" val="20001"/>
+                    </a:ext>
+                  </a:extLst>
+                </a:gridCol>
+                <a:gridCol w="1405605">
+                  <a:extLst>
+                    <a:ext uri="{9D8B030D-6E8A-4147-A177-3AD203B41FA5}">
+                      <a16:colId xmlns:a16="http://schemas.microsoft.com/office/drawing/2014/main" val="20002"/>
+                    </a:ext>
+                  </a:extLst>
+                </a:gridCol>
+                <a:gridCol w="1207147">
+                  <a:extLst>
+                    <a:ext uri="{9D8B030D-6E8A-4147-A177-3AD203B41FA5}">
+                      <a16:colId xmlns:a16="http://schemas.microsoft.com/office/drawing/2014/main" val="20003"/>
+                    </a:ext>
+                  </a:extLst>
+                </a:gridCol>
+              </a:tblGrid>
+              <a:tr h="287325">
+                <a:tc gridSpan="4">
+                  <a:txBody>
+                    <a:bodyPr/>
+                    <a:lstStyle/>
+                    <a:p>
+                      <a:pPr marL="0" lvl="0" indent="0" algn="ctr" rtl="0">
+                        <a:spcBef>
+                          <a:spcPts val="0"/>
+                        </a:spcBef>
+                        <a:spcAft>
+                          <a:spcPts val="0"/>
+                        </a:spcAft>
+                        <a:buNone/>
+                      </a:pPr>
+                      <a:r>
+                        <a:rPr lang="ko-KR" sz="1050" dirty="0">
+                          <a:latin typeface="에스코어 드림 4 Regular" panose="020B0503030302020204" pitchFamily="34" charset="-127"/>
+                          <a:ea typeface="에스코어 드림 4 Regular" panose="020B0503030302020204" pitchFamily="34" charset="-127"/>
+                        </a:rPr>
+                        <a:t>RMSE 결과값 변화 추이</a:t>
+                      </a:r>
+                      <a:r>
+                        <a:rPr lang="en-US" altLang="ko-KR" sz="1050" dirty="0">
+                          <a:latin typeface="에스코어 드림 4 Regular" panose="020B0503030302020204" pitchFamily="34" charset="-127"/>
+                          <a:ea typeface="에스코어 드림 4 Regular" panose="020B0503030302020204" pitchFamily="34" charset="-127"/>
+                        </a:rPr>
+                        <a:t>(</a:t>
+                      </a:r>
+                      <a:r>
+                        <a:rPr lang="ko-KR" altLang="en-US" sz="1050" dirty="0">
+                          <a:latin typeface="에스코어 드림 4 Regular" panose="020B0503030302020204" pitchFamily="34" charset="-127"/>
+                          <a:ea typeface="에스코어 드림 4 Regular" panose="020B0503030302020204" pitchFamily="34" charset="-127"/>
+                        </a:rPr>
+                        <a:t>단위 </a:t>
+                      </a:r>
+                      <a:r>
+                        <a:rPr lang="en-US" altLang="ko-KR" sz="1050" dirty="0">
+                          <a:latin typeface="에스코어 드림 4 Regular" panose="020B0503030302020204" pitchFamily="34" charset="-127"/>
+                          <a:ea typeface="에스코어 드림 4 Regular" panose="020B0503030302020204" pitchFamily="34" charset="-127"/>
+                        </a:rPr>
+                        <a:t>: 1</a:t>
+                      </a:r>
+                      <a:r>
+                        <a:rPr lang="ko-KR" altLang="en-US" sz="1050" dirty="0">
+                          <a:latin typeface="에스코어 드림 4 Regular" panose="020B0503030302020204" pitchFamily="34" charset="-127"/>
+                          <a:ea typeface="에스코어 드림 4 Regular" panose="020B0503030302020204" pitchFamily="34" charset="-127"/>
+                        </a:rPr>
+                        <a:t>만원</a:t>
+                      </a:r>
+                      <a:r>
+                        <a:rPr lang="en-US" altLang="ko-KR" sz="1050" dirty="0">
+                          <a:latin typeface="에스코어 드림 4 Regular" panose="020B0503030302020204" pitchFamily="34" charset="-127"/>
+                          <a:ea typeface="에스코어 드림 4 Regular" panose="020B0503030302020204" pitchFamily="34" charset="-127"/>
+                        </a:rPr>
+                        <a:t>)</a:t>
+                      </a:r>
+                      <a:endParaRPr sz="1050" dirty="0"/>
+                    </a:p>
+                  </a:txBody>
+                  <a:tcPr marL="91425" marR="91425" marT="91425" marB="91425">
+                    <a:lnL w="9525" cap="flat" cmpd="sng">
+                      <a:solidFill>
+                        <a:srgbClr val="9E9E9E">
+                          <a:alpha val="0"/>
+                        </a:srgbClr>
+                      </a:solidFill>
+                      <a:prstDash val="solid"/>
+                      <a:round/>
+                      <a:headEnd type="none" w="sm" len="sm"/>
+                      <a:tailEnd type="none" w="sm" len="sm"/>
+                    </a:lnL>
+                    <a:lnR w="9525" cap="flat" cmpd="sng">
+                      <a:solidFill>
+                        <a:srgbClr val="9E9E9E">
+                          <a:alpha val="0"/>
+                        </a:srgbClr>
+                      </a:solidFill>
+                      <a:prstDash val="solid"/>
+                      <a:round/>
+                      <a:headEnd type="none" w="sm" len="sm"/>
+                      <a:tailEnd type="none" w="sm" len="sm"/>
+                    </a:lnR>
+                    <a:lnT w="9525" cap="flat" cmpd="sng">
+                      <a:solidFill>
+                        <a:srgbClr val="9E9E9E">
+                          <a:alpha val="0"/>
+                        </a:srgbClr>
+                      </a:solidFill>
+                      <a:prstDash val="solid"/>
+                      <a:round/>
+                      <a:headEnd type="none" w="sm" len="sm"/>
+                      <a:tailEnd type="none" w="sm" len="sm"/>
+                    </a:lnT>
+                  </a:tcPr>
+                </a:tc>
+                <a:tc hMerge="1">
+                  <a:txBody>
+                    <a:bodyPr/>
+                    <a:lstStyle/>
+                    <a:p>
+                      <a:endParaRPr lang="ko-KR"/>
+                    </a:p>
+                  </a:txBody>
+                  <a:tcPr/>
+                </a:tc>
+                <a:tc hMerge="1">
+                  <a:txBody>
+                    <a:bodyPr/>
+                    <a:lstStyle/>
+                    <a:p>
+                      <a:endParaRPr lang="ko-KR"/>
+                    </a:p>
+                  </a:txBody>
+                  <a:tcPr/>
+                </a:tc>
+                <a:tc hMerge="1">
+                  <a:txBody>
+                    <a:bodyPr/>
+                    <a:lstStyle/>
+                    <a:p>
+                      <a:endParaRPr lang="ko-KR"/>
+                    </a:p>
+                  </a:txBody>
+                  <a:tcPr/>
+                </a:tc>
+                <a:extLst>
+                  <a:ext uri="{0D108BD9-81ED-4DB2-BD59-A6C34878D82A}">
+                    <a16:rowId xmlns:a16="http://schemas.microsoft.com/office/drawing/2014/main" val="10000"/>
+                  </a:ext>
+                </a:extLst>
+              </a:tr>
+              <a:tr h="287325">
+                <a:tc>
+                  <a:txBody>
+                    <a:bodyPr/>
+                    <a:lstStyle/>
+                    <a:p>
+                      <a:pPr marL="0" lvl="0" indent="0" algn="ctr" rtl="0">
+                        <a:spcBef>
+                          <a:spcPts val="0"/>
+                        </a:spcBef>
+                        <a:spcAft>
+                          <a:spcPts val="0"/>
+                        </a:spcAft>
+                        <a:buNone/>
+                      </a:pPr>
+                      <a:r>
+                        <a:rPr lang="ko-KR" sz="1050" b="1" u="sng" dirty="0">
+                          <a:latin typeface="에스코어 드림 4 Regular" panose="020B0503030302020204" pitchFamily="34" charset="-127"/>
+                          <a:ea typeface="에스코어 드림 4 Regular" panose="020B0503030302020204" pitchFamily="34" charset="-127"/>
+                        </a:rPr>
+                        <a:t>초기 </a:t>
+                      </a:r>
+                      <a:r>
+                        <a:rPr lang="ko-KR" sz="1050" b="1" u="sng" dirty="0" err="1">
+                          <a:latin typeface="에스코어 드림 4 Regular" panose="020B0503030302020204" pitchFamily="34" charset="-127"/>
+                          <a:ea typeface="에스코어 드림 4 Regular" panose="020B0503030302020204" pitchFamily="34" charset="-127"/>
+                        </a:rPr>
+                        <a:t>Dataset</a:t>
+                      </a:r>
+                      <a:endParaRPr sz="1050" b="1" u="sng" dirty="0"/>
+                    </a:p>
+                  </a:txBody>
+                  <a:tcPr marL="91425" marR="91425" marT="91425" marB="91425"/>
+                </a:tc>
+                <a:tc>
+                  <a:txBody>
+                    <a:bodyPr/>
+                    <a:lstStyle/>
+                    <a:p>
+                      <a:pPr marL="0" lvl="0" indent="0" algn="ctr" rtl="0">
+                        <a:spcBef>
+                          <a:spcPts val="0"/>
+                        </a:spcBef>
+                        <a:spcAft>
+                          <a:spcPts val="0"/>
+                        </a:spcAft>
+                        <a:buNone/>
+                      </a:pPr>
+                      <a:r>
+                        <a:rPr lang="ko-KR" sz="1050" dirty="0">
+                          <a:latin typeface="에스코어 드림 4 Regular" panose="020B0503030302020204" pitchFamily="34" charset="-127"/>
+                          <a:ea typeface="에스코어 드림 4 Regular" panose="020B0503030302020204" pitchFamily="34" charset="-127"/>
+                        </a:rPr>
+                        <a:t>1차 하위변수 제거</a:t>
+                      </a:r>
+                      <a:endParaRPr sz="1050" dirty="0"/>
+                    </a:p>
+                  </a:txBody>
+                  <a:tcPr marL="91425" marR="91425" marT="91425" marB="91425"/>
+                </a:tc>
+                <a:tc>
+                  <a:txBody>
+                    <a:bodyPr/>
+                    <a:lstStyle/>
+                    <a:p>
+                      <a:pPr marL="0" lvl="0" indent="0" algn="ctr" rtl="0">
+                        <a:spcBef>
+                          <a:spcPts val="0"/>
+                        </a:spcBef>
+                        <a:spcAft>
+                          <a:spcPts val="0"/>
+                        </a:spcAft>
+                        <a:buNone/>
+                      </a:pPr>
+                      <a:r>
+                        <a:rPr lang="ko-KR" sz="1050" dirty="0">
+                          <a:latin typeface="에스코어 드림 4 Regular" panose="020B0503030302020204" pitchFamily="34" charset="-127"/>
+                          <a:ea typeface="에스코어 드림 4 Regular" panose="020B0503030302020204" pitchFamily="34" charset="-127"/>
+                        </a:rPr>
+                        <a:t>2차 하위변수 제거</a:t>
+                      </a:r>
+                      <a:endParaRPr sz="1050" dirty="0"/>
+                    </a:p>
+                  </a:txBody>
+                  <a:tcPr marL="91425" marR="91425" marT="91425" marB="91425"/>
+                </a:tc>
+                <a:tc>
+                  <a:txBody>
+                    <a:bodyPr/>
+                    <a:lstStyle/>
+                    <a:p>
+                      <a:pPr marL="0" lvl="0" indent="0" algn="ctr" rtl="0">
+                        <a:spcBef>
+                          <a:spcPts val="0"/>
+                        </a:spcBef>
+                        <a:spcAft>
+                          <a:spcPts val="0"/>
+                        </a:spcAft>
+                        <a:buNone/>
+                      </a:pPr>
+                      <a:r>
+                        <a:rPr lang="ko-KR" sz="1050" b="1" u="sng" dirty="0">
+                          <a:latin typeface="에스코어 드림 4 Regular" panose="020B0503030302020204" pitchFamily="34" charset="-127"/>
+                          <a:ea typeface="에스코어 드림 4 Regular" panose="020B0503030302020204" pitchFamily="34" charset="-127"/>
+                        </a:rPr>
+                        <a:t>파라미터 튜닝 후</a:t>
+                      </a:r>
+                      <a:endParaRPr sz="1050" b="1" u="sng" dirty="0"/>
+                    </a:p>
+                  </a:txBody>
+                  <a:tcPr marL="91425" marR="91425" marT="91425" marB="91425"/>
+                </a:tc>
+                <a:extLst>
+                  <a:ext uri="{0D108BD9-81ED-4DB2-BD59-A6C34878D82A}">
+                    <a16:rowId xmlns:a16="http://schemas.microsoft.com/office/drawing/2014/main" val="10001"/>
+                  </a:ext>
+                </a:extLst>
+              </a:tr>
+              <a:tr h="272675">
+                <a:tc>
+                  <a:txBody>
+                    <a:bodyPr/>
+                    <a:lstStyle/>
+                    <a:p>
+                      <a:pPr marL="0" lvl="0" indent="0" algn="ctr" rtl="0">
+                        <a:spcBef>
+                          <a:spcPts val="0"/>
+                        </a:spcBef>
+                        <a:spcAft>
+                          <a:spcPts val="0"/>
+                        </a:spcAft>
+                        <a:buNone/>
+                      </a:pPr>
+                      <a:r>
+                        <a:rPr lang="ko-KR" sz="1050" b="1" u="sng" dirty="0">
+                          <a:latin typeface="에스코어 드림 4 Regular" panose="020B0503030302020204" pitchFamily="34" charset="-127"/>
+                          <a:ea typeface="에스코어 드림 4 Regular" panose="020B0503030302020204" pitchFamily="34" charset="-127"/>
+                        </a:rPr>
+                        <a:t>1352</a:t>
+                      </a:r>
+                      <a:endParaRPr sz="1050" b="1" u="sng" dirty="0"/>
+                    </a:p>
+                  </a:txBody>
+                  <a:tcPr marL="91425" marR="91425" marT="91425" marB="91425"/>
+                </a:tc>
+                <a:tc>
+                  <a:txBody>
+                    <a:bodyPr/>
+                    <a:lstStyle/>
+                    <a:p>
+                      <a:pPr marL="0" lvl="0" indent="0" algn="ctr" rtl="0">
+                        <a:spcBef>
+                          <a:spcPts val="0"/>
+                        </a:spcBef>
+                        <a:spcAft>
+                          <a:spcPts val="0"/>
+                        </a:spcAft>
+                        <a:buNone/>
+                      </a:pPr>
+                      <a:r>
+                        <a:rPr lang="ko-KR" sz="1050" dirty="0">
+                          <a:latin typeface="에스코어 드림 4 Regular" panose="020B0503030302020204" pitchFamily="34" charset="-127"/>
+                          <a:ea typeface="에스코어 드림 4 Regular" panose="020B0503030302020204" pitchFamily="34" charset="-127"/>
+                        </a:rPr>
+                        <a:t>1352</a:t>
+                      </a:r>
+                      <a:endParaRPr sz="1050" dirty="0"/>
+                    </a:p>
+                  </a:txBody>
+                  <a:tcPr marL="91425" marR="91425" marT="91425" marB="91425"/>
+                </a:tc>
+                <a:tc>
+                  <a:txBody>
+                    <a:bodyPr/>
+                    <a:lstStyle/>
+                    <a:p>
+                      <a:pPr marL="0" lvl="0" indent="0" algn="ctr" rtl="0">
+                        <a:spcBef>
+                          <a:spcPts val="0"/>
+                        </a:spcBef>
+                        <a:spcAft>
+                          <a:spcPts val="0"/>
+                        </a:spcAft>
+                        <a:buNone/>
+                      </a:pPr>
+                      <a:r>
+                        <a:rPr lang="ko-KR" sz="1050" dirty="0">
+                          <a:latin typeface="에스코어 드림 4 Regular" panose="020B0503030302020204" pitchFamily="34" charset="-127"/>
+                          <a:ea typeface="에스코어 드림 4 Regular" panose="020B0503030302020204" pitchFamily="34" charset="-127"/>
+                        </a:rPr>
+                        <a:t>1355</a:t>
+                      </a:r>
+                      <a:endParaRPr sz="1050" dirty="0"/>
+                    </a:p>
+                  </a:txBody>
+                  <a:tcPr marL="91425" marR="91425" marT="91425" marB="91425"/>
+                </a:tc>
+                <a:tc>
+                  <a:txBody>
+                    <a:bodyPr/>
+                    <a:lstStyle/>
+                    <a:p>
+                      <a:pPr marL="0" lvl="0" indent="0" algn="ctr" rtl="0">
+                        <a:spcBef>
+                          <a:spcPts val="0"/>
+                        </a:spcBef>
+                        <a:spcAft>
+                          <a:spcPts val="0"/>
+                        </a:spcAft>
+                        <a:buNone/>
+                      </a:pPr>
+                      <a:r>
+                        <a:rPr lang="ko-KR" sz="1050" b="1" u="sng" dirty="0">
+                          <a:latin typeface="에스코어 드림 4 Regular" panose="020B0503030302020204" pitchFamily="34" charset="-127"/>
+                          <a:ea typeface="에스코어 드림 4 Regular" panose="020B0503030302020204" pitchFamily="34" charset="-127"/>
+                        </a:rPr>
+                        <a:t>733</a:t>
+                      </a:r>
+                      <a:endParaRPr sz="1050" b="1" u="sng" dirty="0"/>
+                    </a:p>
+                  </a:txBody>
+                  <a:tcPr marL="91425" marR="91425" marT="91425" marB="91425"/>
+                </a:tc>
+                <a:extLst>
+                  <a:ext uri="{0D108BD9-81ED-4DB2-BD59-A6C34878D82A}">
+                    <a16:rowId xmlns:a16="http://schemas.microsoft.com/office/drawing/2014/main" val="10002"/>
+                  </a:ext>
+                </a:extLst>
+              </a:tr>
+            </a:tbl>
+          </a:graphicData>
+        </a:graphic>
+      </p:graphicFrame>
+      <p:grpSp>
+        <p:nvGrpSpPr>
+          <p:cNvPr id="22" name="Google Shape;550;ge9d4b49b77_0_27">
+            <a:extLst>
+              <a:ext uri="{FF2B5EF4-FFF2-40B4-BE49-F238E27FC236}">
+                <a16:creationId xmlns:a16="http://schemas.microsoft.com/office/drawing/2014/main" id="{0434B28E-6CC7-4E7A-91C8-459689EB4FCB}"/>
+              </a:ext>
+            </a:extLst>
+          </p:cNvPr>
+          <p:cNvGrpSpPr/>
+          <p:nvPr/>
+        </p:nvGrpSpPr>
+        <p:grpSpPr>
+          <a:xfrm>
+            <a:off x="4032250" y="4004718"/>
+            <a:ext cx="9886800" cy="1999133"/>
+            <a:chOff x="4032250" y="1032918"/>
+            <a:chExt cx="9886800" cy="1999133"/>
+          </a:xfrm>
+        </p:grpSpPr>
+        <p:sp>
+          <p:nvSpPr>
+            <p:cNvPr id="23" name="Google Shape;551;ge9d4b49b77_0_27">
+              <a:extLst>
+                <a:ext uri="{FF2B5EF4-FFF2-40B4-BE49-F238E27FC236}">
+                  <a16:creationId xmlns:a16="http://schemas.microsoft.com/office/drawing/2014/main" id="{DFEB6510-A849-4392-B5EB-54FFE58C8B81}"/>
+                </a:ext>
+              </a:extLst>
+            </p:cNvPr>
+            <p:cNvSpPr txBox="1"/>
+            <p:nvPr/>
+          </p:nvSpPr>
+          <p:spPr>
+            <a:xfrm>
+              <a:off x="4032250" y="1032918"/>
+              <a:ext cx="9886800" cy="276959"/>
+            </a:xfrm>
+            <a:prstGeom prst="rect">
+              <a:avLst/>
+            </a:prstGeom>
+            <a:noFill/>
+            <a:ln>
+              <a:noFill/>
+            </a:ln>
+          </p:spPr>
+          <p:txBody>
+            <a:bodyPr spcFirstLastPara="1" wrap="square" lIns="91425" tIns="45700" rIns="91425" bIns="45700" anchor="t" anchorCtr="0">
+              <a:spAutoFit/>
+            </a:bodyPr>
+            <a:lstStyle/>
+            <a:p>
+              <a:pPr marL="457200" marR="0" lvl="0" indent="0" algn="ctr" rtl="0">
+                <a:spcBef>
+                  <a:spcPts val="0"/>
+                </a:spcBef>
+                <a:spcAft>
+                  <a:spcPts val="0"/>
+                </a:spcAft>
+                <a:buNone/>
+              </a:pPr>
+              <a:r>
+                <a:rPr lang="ko-KR" sz="1200" b="1" dirty="0">
+                  <a:solidFill>
+                    <a:schemeClr val="dk1"/>
+                  </a:solidFill>
+                  <a:latin typeface="에스코어 드림 4 Regular" panose="020B0503030302020204" pitchFamily="34" charset="-127"/>
+                  <a:ea typeface="에스코어 드림 4 Regular" panose="020B0503030302020204" pitchFamily="34" charset="-127"/>
+                </a:rPr>
+                <a:t>튜닝한 </a:t>
+              </a:r>
+              <a:r>
+                <a:rPr lang="ko-KR" sz="1200" b="1" dirty="0" err="1">
+                  <a:solidFill>
+                    <a:schemeClr val="dk1"/>
+                  </a:solidFill>
+                  <a:latin typeface="에스코어 드림 4 Regular" panose="020B0503030302020204" pitchFamily="34" charset="-127"/>
+                  <a:ea typeface="에스코어 드림 4 Regular" panose="020B0503030302020204" pitchFamily="34" charset="-127"/>
+                </a:rPr>
+                <a:t>하이퍼</a:t>
+              </a:r>
+              <a:r>
+                <a:rPr lang="ko-KR" sz="1200" b="1" dirty="0">
+                  <a:solidFill>
+                    <a:schemeClr val="dk1"/>
+                  </a:solidFill>
+                  <a:latin typeface="에스코어 드림 4 Regular" panose="020B0503030302020204" pitchFamily="34" charset="-127"/>
+                  <a:ea typeface="에스코어 드림 4 Regular" panose="020B0503030302020204" pitchFamily="34" charset="-127"/>
+                </a:rPr>
+                <a:t> 파라미터를 통해서 </a:t>
+              </a:r>
+              <a:r>
+                <a:rPr lang="ko-KR" sz="1200" b="1" dirty="0" err="1">
+                  <a:solidFill>
+                    <a:schemeClr val="dk1"/>
+                  </a:solidFill>
+                  <a:latin typeface="에스코어 드림 4 Regular" panose="020B0503030302020204" pitchFamily="34" charset="-127"/>
+                  <a:ea typeface="에스코어 드림 4 Regular" panose="020B0503030302020204" pitchFamily="34" charset="-127"/>
+                </a:rPr>
+                <a:t>test</a:t>
+              </a:r>
+              <a:r>
+                <a:rPr lang="ko-KR" sz="1200" b="1" dirty="0">
+                  <a:solidFill>
+                    <a:schemeClr val="dk1"/>
+                  </a:solidFill>
+                  <a:latin typeface="에스코어 드림 4 Regular" panose="020B0503030302020204" pitchFamily="34" charset="-127"/>
+                  <a:ea typeface="에스코어 드림 4 Regular" panose="020B0503030302020204" pitchFamily="34" charset="-127"/>
+                </a:rPr>
+                <a:t> 데이터 확인</a:t>
+              </a:r>
+              <a:endParaRPr sz="1200" b="1" dirty="0">
+                <a:solidFill>
+                  <a:schemeClr val="dk1"/>
+                </a:solidFill>
+                <a:latin typeface="에스코어 드림 4 Regular" panose="020B0503030302020204" pitchFamily="34" charset="-127"/>
+                <a:ea typeface="에스코어 드림 4 Regular" panose="020B0503030302020204" pitchFamily="34" charset="-127"/>
+              </a:endParaRPr>
+            </a:p>
+          </p:txBody>
+        </p:sp>
+        <p:pic>
+          <p:nvPicPr>
+            <p:cNvPr id="24" name="Google Shape;552;ge9d4b49b77_0_27">
+              <a:extLst>
+                <a:ext uri="{FF2B5EF4-FFF2-40B4-BE49-F238E27FC236}">
+                  <a16:creationId xmlns:a16="http://schemas.microsoft.com/office/drawing/2014/main" id="{C0AFC3B9-E068-4D40-8D4F-8D067CB582AF}"/>
+                </a:ext>
+              </a:extLst>
+            </p:cNvPr>
+            <p:cNvPicPr preferRelativeResize="0"/>
+            <p:nvPr/>
+          </p:nvPicPr>
+          <p:blipFill>
+            <a:blip r:embed="rId4">
+              <a:alphaModFix/>
+            </a:blip>
+            <a:stretch>
+              <a:fillRect/>
+            </a:stretch>
+          </p:blipFill>
+          <p:spPr>
+            <a:xfrm>
+              <a:off x="6812800" y="1797064"/>
+              <a:ext cx="1657970" cy="1234987"/>
+            </a:xfrm>
+            <a:prstGeom prst="rect">
+              <a:avLst/>
+            </a:prstGeom>
+            <a:noFill/>
+            <a:ln>
+              <a:noFill/>
+            </a:ln>
+          </p:spPr>
+        </p:pic>
+        <p:sp>
+          <p:nvSpPr>
+            <p:cNvPr id="25" name="Google Shape;553;ge9d4b49b77_0_27">
+              <a:extLst>
+                <a:ext uri="{FF2B5EF4-FFF2-40B4-BE49-F238E27FC236}">
+                  <a16:creationId xmlns:a16="http://schemas.microsoft.com/office/drawing/2014/main" id="{29263B30-A4D7-4947-870D-CE0680C0399F}"/>
+                </a:ext>
+              </a:extLst>
+            </p:cNvPr>
+            <p:cNvSpPr txBox="1"/>
+            <p:nvPr/>
+          </p:nvSpPr>
+          <p:spPr>
+            <a:xfrm>
+              <a:off x="8099950" y="2199133"/>
+              <a:ext cx="3418950" cy="430847"/>
+            </a:xfrm>
+            <a:prstGeom prst="rect">
+              <a:avLst/>
+            </a:prstGeom>
+            <a:noFill/>
+            <a:ln>
+              <a:noFill/>
+            </a:ln>
+          </p:spPr>
+          <p:txBody>
+            <a:bodyPr spcFirstLastPara="1" wrap="square" lIns="91425" tIns="45700" rIns="91425" bIns="45700" anchor="t" anchorCtr="0">
+              <a:spAutoFit/>
+            </a:bodyPr>
+            <a:lstStyle/>
+            <a:p>
+              <a:pPr marL="457200" marR="0" lvl="0" indent="0" algn="ctr" rtl="0">
+                <a:spcBef>
+                  <a:spcPts val="0"/>
+                </a:spcBef>
+                <a:spcAft>
+                  <a:spcPts val="0"/>
+                </a:spcAft>
+                <a:buNone/>
+              </a:pPr>
+              <a:r>
+                <a:rPr lang="ko-KR" sz="1100" b="1" dirty="0" err="1">
+                  <a:solidFill>
+                    <a:schemeClr val="dk1"/>
+                  </a:solidFill>
+                  <a:latin typeface="에스코어 드림 4 Regular" panose="020B0503030302020204" pitchFamily="34" charset="-127"/>
+                  <a:ea typeface="에스코어 드림 4 Regular" panose="020B0503030302020204" pitchFamily="34" charset="-127"/>
+                </a:rPr>
+                <a:t>예측값</a:t>
+              </a:r>
+              <a:r>
+                <a:rPr lang="en-US" altLang="ko-KR" sz="1100" b="1" dirty="0">
+                  <a:solidFill>
+                    <a:schemeClr val="dk1"/>
+                  </a:solidFill>
+                  <a:latin typeface="에스코어 드림 4 Regular" panose="020B0503030302020204" pitchFamily="34" charset="-127"/>
+                  <a:ea typeface="에스코어 드림 4 Regular" panose="020B0503030302020204" pitchFamily="34" charset="-127"/>
+                </a:rPr>
+                <a:t> =</a:t>
+              </a:r>
+              <a:r>
+                <a:rPr lang="ko-KR" sz="1100" b="1" dirty="0">
+                  <a:solidFill>
+                    <a:schemeClr val="dk1"/>
+                  </a:solidFill>
+                  <a:latin typeface="에스코어 드림 4 Regular" panose="020B0503030302020204" pitchFamily="34" charset="-127"/>
+                  <a:ea typeface="에스코어 드림 4 Regular" panose="020B0503030302020204" pitchFamily="34" charset="-127"/>
+                </a:rPr>
+                <a:t> </a:t>
+              </a:r>
+              <a:r>
+                <a:rPr lang="ko-KR" sz="1100" b="1" u="sng" dirty="0">
+                  <a:solidFill>
+                    <a:srgbClr val="FF0000"/>
+                  </a:solidFill>
+                  <a:latin typeface="에스코어 드림 4 Regular" panose="020B0503030302020204" pitchFamily="34" charset="-127"/>
+                  <a:ea typeface="에스코어 드림 4 Regular" panose="020B0503030302020204" pitchFamily="34" charset="-127"/>
+                </a:rPr>
+                <a:t>62496.68</a:t>
+              </a:r>
+              <a:endParaRPr sz="1100" b="1" dirty="0">
+                <a:solidFill>
+                  <a:schemeClr val="dk1"/>
+                </a:solidFill>
+                <a:latin typeface="에스코어 드림 4 Regular" panose="020B0503030302020204" pitchFamily="34" charset="-127"/>
+                <a:ea typeface="에스코어 드림 4 Regular" panose="020B0503030302020204" pitchFamily="34" charset="-127"/>
+              </a:endParaRPr>
+            </a:p>
+            <a:p>
+              <a:pPr marL="457200" marR="0" lvl="0" indent="0" algn="ctr" rtl="0">
+                <a:spcBef>
+                  <a:spcPts val="0"/>
+                </a:spcBef>
+                <a:spcAft>
+                  <a:spcPts val="0"/>
+                </a:spcAft>
+                <a:buNone/>
+              </a:pPr>
+              <a:r>
+                <a:rPr lang="ko-KR" sz="1100" b="1" dirty="0" err="1">
+                  <a:solidFill>
+                    <a:schemeClr val="dk1"/>
+                  </a:solidFill>
+                  <a:latin typeface="에스코어 드림 4 Regular" panose="020B0503030302020204" pitchFamily="34" charset="-127"/>
+                  <a:ea typeface="에스코어 드림 4 Regular" panose="020B0503030302020204" pitchFamily="34" charset="-127"/>
+                </a:rPr>
+                <a:t>실제값</a:t>
+              </a:r>
+              <a:r>
+                <a:rPr lang="en-US" altLang="ko-KR" sz="1100" b="1" dirty="0">
+                  <a:solidFill>
+                    <a:schemeClr val="dk1"/>
+                  </a:solidFill>
+                  <a:latin typeface="에스코어 드림 4 Regular" panose="020B0503030302020204" pitchFamily="34" charset="-127"/>
+                  <a:ea typeface="에스코어 드림 4 Regular" panose="020B0503030302020204" pitchFamily="34" charset="-127"/>
+                </a:rPr>
+                <a:t> = </a:t>
+              </a:r>
+              <a:r>
+                <a:rPr lang="ko-KR" sz="1100" b="1" dirty="0">
+                  <a:solidFill>
+                    <a:schemeClr val="dk1"/>
+                  </a:solidFill>
+                  <a:latin typeface="에스코어 드림 4 Regular" panose="020B0503030302020204" pitchFamily="34" charset="-127"/>
+                  <a:ea typeface="에스코어 드림 4 Regular" panose="020B0503030302020204" pitchFamily="34" charset="-127"/>
+                </a:rPr>
+                <a:t> </a:t>
+              </a:r>
+              <a:r>
+                <a:rPr lang="ko-KR" sz="1100" b="1" u="sng" dirty="0">
+                  <a:solidFill>
+                    <a:srgbClr val="FF0000"/>
+                  </a:solidFill>
+                  <a:latin typeface="에스코어 드림 4 Regular" panose="020B0503030302020204" pitchFamily="34" charset="-127"/>
+                  <a:ea typeface="에스코어 드림 4 Regular" panose="020B0503030302020204" pitchFamily="34" charset="-127"/>
+                </a:rPr>
+                <a:t>62500</a:t>
+              </a:r>
+              <a:endParaRPr sz="1100" b="1" dirty="0">
+                <a:solidFill>
+                  <a:schemeClr val="dk1"/>
+                </a:solidFill>
+                <a:latin typeface="에스코어 드림 4 Regular" panose="020B0503030302020204" pitchFamily="34" charset="-127"/>
+                <a:ea typeface="에스코어 드림 4 Regular" panose="020B0503030302020204" pitchFamily="34" charset="-127"/>
+              </a:endParaRPr>
+            </a:p>
+          </p:txBody>
+        </p:sp>
+      </p:grpSp>
     </p:spTree>
     <p:extLst>
       <p:ext uri="{BB962C8B-B14F-4D97-AF65-F5344CB8AC3E}">
-        <p14:creationId xmlns:p14="http://schemas.microsoft.com/office/powerpoint/2010/main" val="1403256370"/>
+        <p14:creationId xmlns:p14="http://schemas.microsoft.com/office/powerpoint/2010/main" val="3972289700"/>
       </p:ext>
     </p:extLst>
   </p:cSld>

--- a/포트폴리오 NEW.pptx
+++ b/포트폴리오 NEW.pptx
@@ -13,54 +13,53 @@
     <p:sldId id="260" r:id="rId7"/>
     <p:sldId id="278" r:id="rId8"/>
     <p:sldId id="277" r:id="rId9"/>
-    <p:sldId id="282" r:id="rId10"/>
-    <p:sldId id="279" r:id="rId11"/>
-    <p:sldId id="281" r:id="rId12"/>
-    <p:sldId id="280" r:id="rId13"/>
-    <p:sldId id="266" r:id="rId14"/>
-    <p:sldId id="272" r:id="rId15"/>
-    <p:sldId id="273" r:id="rId16"/>
-    <p:sldId id="274" r:id="rId17"/>
-    <p:sldId id="275" r:id="rId18"/>
-    <p:sldId id="267" r:id="rId19"/>
-    <p:sldId id="268" r:id="rId20"/>
-    <p:sldId id="270" r:id="rId21"/>
-    <p:sldId id="271" r:id="rId22"/>
-    <p:sldId id="265" r:id="rId23"/>
+    <p:sldId id="279" r:id="rId10"/>
+    <p:sldId id="281" r:id="rId11"/>
+    <p:sldId id="280" r:id="rId12"/>
+    <p:sldId id="266" r:id="rId13"/>
+    <p:sldId id="272" r:id="rId14"/>
+    <p:sldId id="273" r:id="rId15"/>
+    <p:sldId id="274" r:id="rId16"/>
+    <p:sldId id="275" r:id="rId17"/>
+    <p:sldId id="267" r:id="rId18"/>
+    <p:sldId id="268" r:id="rId19"/>
+    <p:sldId id="270" r:id="rId20"/>
+    <p:sldId id="271" r:id="rId21"/>
+    <p:sldId id="265" r:id="rId22"/>
   </p:sldIdLst>
   <p:sldSz cx="12192000" cy="6858000"/>
   <p:notesSz cx="6858000" cy="9144000"/>
   <p:embeddedFontLst>
     <p:embeddedFont>
       <p:font typeface="Calibri" panose="020F0502020204030204" pitchFamily="34" charset="0"/>
-      <p:regular r:id="rId24"/>
-      <p:bold r:id="rId25"/>
-      <p:italic r:id="rId26"/>
-      <p:boldItalic r:id="rId27"/>
+      <p:regular r:id="rId23"/>
+      <p:bold r:id="rId24"/>
+      <p:italic r:id="rId25"/>
+      <p:boldItalic r:id="rId26"/>
     </p:embeddedFont>
     <p:embeddedFont>
       <p:font typeface="에스코어 드림 3 Light" panose="020B0303030302020204" pitchFamily="34" charset="-127"/>
+      <p:regular r:id="rId27"/>
+    </p:embeddedFont>
+    <p:embeddedFont>
+      <p:font typeface="에스코어 드림 4 Regular" panose="020B0503030302020204" pitchFamily="34" charset="-127"/>
       <p:regular r:id="rId28"/>
     </p:embeddedFont>
     <p:embeddedFont>
-      <p:font typeface="에스코어 드림 4 Regular" panose="020B0503030302020204" pitchFamily="34" charset="-127"/>
+      <p:font typeface="에스코어 드림 5 Medium" panose="020B0503030302020204" pitchFamily="34" charset="-127"/>
       <p:regular r:id="rId29"/>
     </p:embeddedFont>
     <p:embeddedFont>
-      <p:font typeface="에스코어 드림 5 Medium" panose="020B0503030302020204" pitchFamily="34" charset="-127"/>
-      <p:regular r:id="rId30"/>
+      <p:font typeface="에스코어 드림 6 Bold" panose="020B0703030302020204" pitchFamily="34" charset="-127"/>
+      <p:bold r:id="rId30"/>
     </p:embeddedFont>
     <p:embeddedFont>
-      <p:font typeface="에스코어 드림 6 Bold" panose="020B0703030302020204" pitchFamily="34" charset="-127"/>
+      <p:font typeface="에스코어 드림 7 ExtraBold" panose="020B0803030302020204" pitchFamily="34" charset="-127"/>
       <p:bold r:id="rId31"/>
     </p:embeddedFont>
     <p:embeddedFont>
-      <p:font typeface="에스코어 드림 7 ExtraBold" panose="020B0803030302020204" pitchFamily="34" charset="-127"/>
+      <p:font typeface="에스코어 드림 9 Black" panose="020B0A03030302020204" pitchFamily="34" charset="-127"/>
       <p:bold r:id="rId32"/>
-    </p:embeddedFont>
-    <p:embeddedFont>
-      <p:font typeface="에스코어 드림 9 Black" panose="020B0A03030302020204" pitchFamily="34" charset="-127"/>
-      <p:bold r:id="rId33"/>
     </p:embeddedFont>
   </p:embeddedFontLst>
   <p:defaultTextStyle>
@@ -2385,857 +2384,6 @@
         <p:spPr>
           <a:xfrm>
             <a:off x="454470" y="1924188"/>
-            <a:ext cx="4935967" cy="1754326"/>
-          </a:xfrm>
-          <a:prstGeom prst="rect">
-            <a:avLst/>
-          </a:prstGeom>
-          <a:noFill/>
-        </p:spPr>
-        <p:txBody>
-          <a:bodyPr wrap="none" rtlCol="0">
-            <a:spAutoFit/>
-          </a:bodyPr>
-          <a:lstStyle/>
-          <a:p>
-            <a:r>
-              <a:rPr lang="en-US" altLang="ko-KR" u="sng" dirty="0">
-                <a:latin typeface="에스코어 드림 4 Regular" panose="020B0503030302020204" pitchFamily="34" charset="-127"/>
-                <a:ea typeface="에스코어 드림 4 Regular" panose="020B0503030302020204" pitchFamily="34" charset="-127"/>
-              </a:rPr>
-              <a:t>Data</a:t>
-            </a:r>
-          </a:p>
-          <a:p>
-            <a:pPr marL="285750" indent="-285750">
-              <a:buFont typeface="Wingdings" panose="05000000000000000000" pitchFamily="2" charset="2"/>
-              <a:buChar char="ü"/>
-            </a:pPr>
-            <a:endParaRPr lang="en-US" altLang="ko-KR" dirty="0">
-              <a:latin typeface="에스코어 드림 4 Regular" panose="020B0503030302020204" pitchFamily="34" charset="-127"/>
-              <a:ea typeface="에스코어 드림 4 Regular" panose="020B0503030302020204" pitchFamily="34" charset="-127"/>
-            </a:endParaRPr>
-          </a:p>
-          <a:p>
-            <a:pPr marL="285750" indent="-285750">
-              <a:buFont typeface="Wingdings" panose="05000000000000000000" pitchFamily="2" charset="2"/>
-              <a:buChar char="ü"/>
-            </a:pPr>
-            <a:r>
-              <a:rPr lang="ko-KR" altLang="en-US" dirty="0">
-                <a:latin typeface="에스코어 드림 4 Regular" panose="020B0503030302020204" pitchFamily="34" charset="-127"/>
-                <a:ea typeface="에스코어 드림 4 Regular" panose="020B0503030302020204" pitchFamily="34" charset="-127"/>
-              </a:rPr>
-              <a:t>국토 교통부 실거래가 데이터</a:t>
-            </a:r>
-            <a:endParaRPr lang="en-US" altLang="ko-KR" dirty="0">
-              <a:latin typeface="에스코어 드림 4 Regular" panose="020B0503030302020204" pitchFamily="34" charset="-127"/>
-              <a:ea typeface="에스코어 드림 4 Regular" panose="020B0503030302020204" pitchFamily="34" charset="-127"/>
-            </a:endParaRPr>
-          </a:p>
-          <a:p>
-            <a:pPr marL="742950" lvl="1" indent="-285750">
-              <a:buFont typeface="Wingdings" panose="05000000000000000000" pitchFamily="2" charset="2"/>
-              <a:buChar char="ü"/>
-            </a:pPr>
-            <a:r>
-              <a:rPr lang="ko-KR" altLang="en-US" dirty="0">
-                <a:latin typeface="에스코어 드림 4 Regular" panose="020B0503030302020204" pitchFamily="34" charset="-127"/>
-                <a:ea typeface="에스코어 드림 4 Regular" panose="020B0503030302020204" pitchFamily="34" charset="-127"/>
-              </a:rPr>
-              <a:t>거래가격</a:t>
-            </a:r>
-            <a:r>
-              <a:rPr lang="en-US" altLang="ko-KR" dirty="0">
-                <a:latin typeface="에스코어 드림 4 Regular" panose="020B0503030302020204" pitchFamily="34" charset="-127"/>
-                <a:ea typeface="에스코어 드림 4 Regular" panose="020B0503030302020204" pitchFamily="34" charset="-127"/>
-              </a:rPr>
-              <a:t>, </a:t>
-            </a:r>
-            <a:r>
-              <a:rPr lang="ko-KR" altLang="en-US" dirty="0">
-                <a:latin typeface="에스코어 드림 4 Regular" panose="020B0503030302020204" pitchFamily="34" charset="-127"/>
-                <a:ea typeface="에스코어 드림 4 Regular" panose="020B0503030302020204" pitchFamily="34" charset="-127"/>
-              </a:rPr>
-              <a:t>일자</a:t>
-            </a:r>
-            <a:r>
-              <a:rPr lang="en-US" altLang="ko-KR" dirty="0">
-                <a:latin typeface="에스코어 드림 4 Regular" panose="020B0503030302020204" pitchFamily="34" charset="-127"/>
-                <a:ea typeface="에스코어 드림 4 Regular" panose="020B0503030302020204" pitchFamily="34" charset="-127"/>
-              </a:rPr>
-              <a:t>, APT</a:t>
-            </a:r>
-            <a:r>
-              <a:rPr lang="ko-KR" altLang="en-US" dirty="0">
-                <a:latin typeface="에스코어 드림 4 Regular" panose="020B0503030302020204" pitchFamily="34" charset="-127"/>
-                <a:ea typeface="에스코어 드림 4 Regular" panose="020B0503030302020204" pitchFamily="34" charset="-127"/>
-              </a:rPr>
-              <a:t>명</a:t>
-            </a:r>
-            <a:r>
-              <a:rPr lang="en-US" altLang="ko-KR" dirty="0">
-                <a:latin typeface="에스코어 드림 4 Regular" panose="020B0503030302020204" pitchFamily="34" charset="-127"/>
-                <a:ea typeface="에스코어 드림 4 Regular" panose="020B0503030302020204" pitchFamily="34" charset="-127"/>
-              </a:rPr>
-              <a:t>, </a:t>
-            </a:r>
-            <a:r>
-              <a:rPr lang="ko-KR" altLang="en-US" dirty="0">
-                <a:latin typeface="에스코어 드림 4 Regular" panose="020B0503030302020204" pitchFamily="34" charset="-127"/>
-                <a:ea typeface="에스코어 드림 4 Regular" panose="020B0503030302020204" pitchFamily="34" charset="-127"/>
-              </a:rPr>
-              <a:t>면적</a:t>
-            </a:r>
-            <a:r>
-              <a:rPr lang="en-US" altLang="ko-KR" dirty="0">
-                <a:latin typeface="에스코어 드림 4 Regular" panose="020B0503030302020204" pitchFamily="34" charset="-127"/>
-                <a:ea typeface="에스코어 드림 4 Regular" panose="020B0503030302020204" pitchFamily="34" charset="-127"/>
-              </a:rPr>
-              <a:t>, </a:t>
-            </a:r>
-            <a:r>
-              <a:rPr lang="ko-KR" altLang="en-US" dirty="0">
-                <a:latin typeface="에스코어 드림 4 Regular" panose="020B0503030302020204" pitchFamily="34" charset="-127"/>
-                <a:ea typeface="에스코어 드림 4 Regular" panose="020B0503030302020204" pitchFamily="34" charset="-127"/>
-              </a:rPr>
-              <a:t>층수 등</a:t>
-            </a:r>
-            <a:endParaRPr lang="en-US" altLang="ko-KR" dirty="0">
-              <a:latin typeface="에스코어 드림 4 Regular" panose="020B0503030302020204" pitchFamily="34" charset="-127"/>
-              <a:ea typeface="에스코어 드림 4 Regular" panose="020B0503030302020204" pitchFamily="34" charset="-127"/>
-            </a:endParaRPr>
-          </a:p>
-          <a:p>
-            <a:pPr marL="285750" indent="-285750">
-              <a:buFont typeface="Wingdings" panose="05000000000000000000" pitchFamily="2" charset="2"/>
-              <a:buChar char="ü"/>
-            </a:pPr>
-            <a:r>
-              <a:rPr lang="ko-KR" altLang="en-US" dirty="0">
-                <a:latin typeface="에스코어 드림 4 Regular" panose="020B0503030302020204" pitchFamily="34" charset="-127"/>
-                <a:ea typeface="에스코어 드림 4 Regular" panose="020B0503030302020204" pitchFamily="34" charset="-127"/>
-              </a:rPr>
-              <a:t>전국 병원 리스트</a:t>
-            </a:r>
-            <a:r>
-              <a:rPr lang="en-US" altLang="ko-KR" dirty="0">
-                <a:latin typeface="에스코어 드림 4 Regular" panose="020B0503030302020204" pitchFamily="34" charset="-127"/>
-                <a:ea typeface="에스코어 드림 4 Regular" panose="020B0503030302020204" pitchFamily="34" charset="-127"/>
-              </a:rPr>
-              <a:t>(</a:t>
-            </a:r>
-            <a:r>
-              <a:rPr lang="ko-KR" altLang="en-US" dirty="0">
-                <a:latin typeface="에스코어 드림 4 Regular" panose="020B0503030302020204" pitchFamily="34" charset="-127"/>
-                <a:ea typeface="에스코어 드림 4 Regular" panose="020B0503030302020204" pitchFamily="34" charset="-127"/>
-              </a:rPr>
-              <a:t>주소</a:t>
-            </a:r>
-            <a:r>
-              <a:rPr lang="en-US" altLang="ko-KR" dirty="0">
-                <a:latin typeface="에스코어 드림 4 Regular" panose="020B0503030302020204" pitchFamily="34" charset="-127"/>
-                <a:ea typeface="에스코어 드림 4 Regular" panose="020B0503030302020204" pitchFamily="34" charset="-127"/>
-              </a:rPr>
-              <a:t> </a:t>
-            </a:r>
-            <a:r>
-              <a:rPr lang="ko-KR" altLang="en-US" dirty="0">
-                <a:latin typeface="에스코어 드림 4 Regular" panose="020B0503030302020204" pitchFamily="34" charset="-127"/>
-                <a:ea typeface="에스코어 드림 4 Regular" panose="020B0503030302020204" pitchFamily="34" charset="-127"/>
-              </a:rPr>
-              <a:t>정보 활용</a:t>
-            </a:r>
-            <a:r>
-              <a:rPr lang="en-US" altLang="ko-KR" dirty="0">
-                <a:latin typeface="에스코어 드림 4 Regular" panose="020B0503030302020204" pitchFamily="34" charset="-127"/>
-                <a:ea typeface="에스코어 드림 4 Regular" panose="020B0503030302020204" pitchFamily="34" charset="-127"/>
-              </a:rPr>
-              <a:t>)</a:t>
-            </a:r>
-          </a:p>
-          <a:p>
-            <a:pPr marL="285750" indent="-285750">
-              <a:buFont typeface="Wingdings" panose="05000000000000000000" pitchFamily="2" charset="2"/>
-              <a:buChar char="ü"/>
-            </a:pPr>
-            <a:r>
-              <a:rPr lang="ko-KR" altLang="en-US" dirty="0">
-                <a:latin typeface="에스코어 드림 4 Regular" panose="020B0503030302020204" pitchFamily="34" charset="-127"/>
-                <a:ea typeface="에스코어 드림 4 Regular" panose="020B0503030302020204" pitchFamily="34" charset="-127"/>
-              </a:rPr>
-              <a:t>서울 지하철 행정동 정보</a:t>
-            </a:r>
-            <a:r>
-              <a:rPr lang="en-US" altLang="ko-KR" dirty="0">
-                <a:latin typeface="에스코어 드림 4 Regular" panose="020B0503030302020204" pitchFamily="34" charset="-127"/>
-                <a:ea typeface="에스코어 드림 4 Regular" panose="020B0503030302020204" pitchFamily="34" charset="-127"/>
-              </a:rPr>
-              <a:t>(</a:t>
-            </a:r>
-            <a:r>
-              <a:rPr lang="ko-KR" altLang="en-US" dirty="0">
-                <a:latin typeface="에스코어 드림 4 Regular" panose="020B0503030302020204" pitchFamily="34" charset="-127"/>
-                <a:ea typeface="에스코어 드림 4 Regular" panose="020B0503030302020204" pitchFamily="34" charset="-127"/>
-              </a:rPr>
-              <a:t>역 명</a:t>
-            </a:r>
-            <a:r>
-              <a:rPr lang="en-US" altLang="ko-KR" dirty="0">
-                <a:latin typeface="에스코어 드림 4 Regular" panose="020B0503030302020204" pitchFamily="34" charset="-127"/>
-                <a:ea typeface="에스코어 드림 4 Regular" panose="020B0503030302020204" pitchFamily="34" charset="-127"/>
-              </a:rPr>
-              <a:t>, </a:t>
-            </a:r>
-            <a:r>
-              <a:rPr lang="ko-KR" altLang="en-US" dirty="0">
-                <a:latin typeface="에스코어 드림 4 Regular" panose="020B0503030302020204" pitchFamily="34" charset="-127"/>
-                <a:ea typeface="에스코어 드림 4 Regular" panose="020B0503030302020204" pitchFamily="34" charset="-127"/>
-              </a:rPr>
-              <a:t>행정동명 등</a:t>
-            </a:r>
-            <a:r>
-              <a:rPr lang="en-US" altLang="ko-KR" dirty="0">
-                <a:latin typeface="에스코어 드림 4 Regular" panose="020B0503030302020204" pitchFamily="34" charset="-127"/>
-                <a:ea typeface="에스코어 드림 4 Regular" panose="020B0503030302020204" pitchFamily="34" charset="-127"/>
-              </a:rPr>
-              <a:t>) </a:t>
-            </a:r>
-          </a:p>
-        </p:txBody>
-      </p:sp>
-      <p:sp>
-        <p:nvSpPr>
-          <p:cNvPr id="30" name="TextBox 29"/>
-          <p:cNvSpPr txBox="1"/>
-          <p:nvPr/>
-        </p:nvSpPr>
-        <p:spPr>
-          <a:xfrm>
-            <a:off x="195473" y="311719"/>
-            <a:ext cx="976549" cy="923330"/>
-          </a:xfrm>
-          <a:prstGeom prst="rect">
-            <a:avLst/>
-          </a:prstGeom>
-          <a:noFill/>
-        </p:spPr>
-        <p:txBody>
-          <a:bodyPr wrap="none" rtlCol="0">
-            <a:spAutoFit/>
-          </a:bodyPr>
-          <a:lstStyle/>
-          <a:p>
-            <a:r>
-              <a:rPr lang="en-US" altLang="ko-KR" sz="5400" spc="-300" dirty="0">
-                <a:solidFill>
-                  <a:srgbClr val="1D1D1D"/>
-                </a:solidFill>
-                <a:latin typeface="에스코어 드림 7 ExtraBold" panose="020B0803030302020204" pitchFamily="34" charset="-127"/>
-                <a:ea typeface="에스코어 드림 7 ExtraBold" panose="020B0803030302020204" pitchFamily="34" charset="-127"/>
-              </a:rPr>
-              <a:t>02</a:t>
-            </a:r>
-            <a:endParaRPr lang="ko-KR" altLang="en-US" sz="5400" spc="-300" dirty="0">
-              <a:solidFill>
-                <a:srgbClr val="1D1D1D"/>
-              </a:solidFill>
-              <a:latin typeface="에스코어 드림 7 ExtraBold" panose="020B0803030302020204" pitchFamily="34" charset="-127"/>
-              <a:ea typeface="에스코어 드림 7 ExtraBold" panose="020B0803030302020204" pitchFamily="34" charset="-127"/>
-            </a:endParaRPr>
-          </a:p>
-        </p:txBody>
-      </p:sp>
-      <p:sp>
-        <p:nvSpPr>
-          <p:cNvPr id="3" name="직사각형 2"/>
-          <p:cNvSpPr/>
-          <p:nvPr/>
-        </p:nvSpPr>
-        <p:spPr>
-          <a:xfrm>
-            <a:off x="363362" y="1327678"/>
-            <a:ext cx="6327373" cy="461665"/>
-          </a:xfrm>
-          <a:prstGeom prst="rect">
-            <a:avLst/>
-          </a:prstGeom>
-        </p:spPr>
-        <p:txBody>
-          <a:bodyPr wrap="none">
-            <a:spAutoFit/>
-          </a:bodyPr>
-          <a:lstStyle/>
-          <a:p>
-            <a:r>
-              <a:rPr lang="ko-KR" altLang="en-US" sz="2400" dirty="0" err="1">
-                <a:latin typeface="에스코어 드림 6 Bold" panose="020B0703030302020204" pitchFamily="34" charset="-127"/>
-                <a:ea typeface="에스코어 드림 6 Bold" panose="020B0703030302020204" pitchFamily="34" charset="-127"/>
-              </a:rPr>
-              <a:t>머신러닝을</a:t>
-            </a:r>
-            <a:r>
-              <a:rPr lang="ko-KR" altLang="en-US" sz="2400" dirty="0">
-                <a:latin typeface="에스코어 드림 6 Bold" panose="020B0703030302020204" pitchFamily="34" charset="-127"/>
-                <a:ea typeface="에스코어 드림 6 Bold" panose="020B0703030302020204" pitchFamily="34" charset="-127"/>
-              </a:rPr>
-              <a:t> 이용한 서울 아파트 실거래가 예측</a:t>
-            </a:r>
-            <a:endParaRPr lang="en-US" altLang="ko-KR" sz="2400" dirty="0">
-              <a:latin typeface="에스코어 드림 6 Bold" panose="020B0703030302020204" pitchFamily="34" charset="-127"/>
-              <a:ea typeface="에스코어 드림 6 Bold" panose="020B0703030302020204" pitchFamily="34" charset="-127"/>
-            </a:endParaRPr>
-          </a:p>
-        </p:txBody>
-      </p:sp>
-      <p:sp>
-        <p:nvSpPr>
-          <p:cNvPr id="7" name="TextBox 6">
-            <a:extLst>
-              <a:ext uri="{FF2B5EF4-FFF2-40B4-BE49-F238E27FC236}">
-                <a16:creationId xmlns:a16="http://schemas.microsoft.com/office/drawing/2014/main" id="{F3EEE0CD-41F1-4791-857F-7E4D51147A2A}"/>
-              </a:ext>
-            </a:extLst>
-          </p:cNvPr>
-          <p:cNvSpPr txBox="1"/>
-          <p:nvPr/>
-        </p:nvSpPr>
-        <p:spPr>
-          <a:xfrm>
-            <a:off x="454470" y="3526114"/>
-            <a:ext cx="3663823" cy="1200329"/>
-          </a:xfrm>
-          <a:prstGeom prst="rect">
-            <a:avLst/>
-          </a:prstGeom>
-          <a:noFill/>
-        </p:spPr>
-        <p:txBody>
-          <a:bodyPr wrap="none" rtlCol="0">
-            <a:spAutoFit/>
-          </a:bodyPr>
-          <a:lstStyle/>
-          <a:p>
-            <a:r>
-              <a:rPr lang="en-US" altLang="ko-KR" u="sng" dirty="0">
-                <a:latin typeface="에스코어 드림 4 Regular" panose="020B0503030302020204" pitchFamily="34" charset="-127"/>
-                <a:ea typeface="에스코어 드림 4 Regular" panose="020B0503030302020204" pitchFamily="34" charset="-127"/>
-              </a:rPr>
-              <a:t>Environment</a:t>
-            </a:r>
-          </a:p>
-          <a:p>
-            <a:pPr marL="285750" indent="-285750">
-              <a:buFont typeface="Wingdings" panose="05000000000000000000" pitchFamily="2" charset="2"/>
-              <a:buChar char="ü"/>
-            </a:pPr>
-            <a:endParaRPr lang="en-US" altLang="ko-KR" dirty="0">
-              <a:latin typeface="에스코어 드림 4 Regular" panose="020B0503030302020204" pitchFamily="34" charset="-127"/>
-              <a:ea typeface="에스코어 드림 4 Regular" panose="020B0503030302020204" pitchFamily="34" charset="-127"/>
-            </a:endParaRPr>
-          </a:p>
-          <a:p>
-            <a:pPr marL="285750" indent="-285750">
-              <a:buFont typeface="Wingdings" panose="05000000000000000000" pitchFamily="2" charset="2"/>
-              <a:buChar char="ü"/>
-            </a:pPr>
-            <a:r>
-              <a:rPr lang="en-US" altLang="ko-KR" dirty="0">
-                <a:latin typeface="에스코어 드림 4 Regular" panose="020B0503030302020204" pitchFamily="34" charset="-127"/>
-                <a:ea typeface="에스코어 드림 4 Regular" panose="020B0503030302020204" pitchFamily="34" charset="-127"/>
-              </a:rPr>
-              <a:t>Python 3.6+ / Tableau </a:t>
-            </a:r>
-          </a:p>
-          <a:p>
-            <a:pPr marL="285750" indent="-285750">
-              <a:buFont typeface="Wingdings" panose="05000000000000000000" pitchFamily="2" charset="2"/>
-              <a:buChar char="ü"/>
-            </a:pPr>
-            <a:r>
-              <a:rPr lang="en-US" altLang="ko-KR" dirty="0">
-                <a:latin typeface="에스코어 드림 4 Regular" panose="020B0503030302020204" pitchFamily="34" charset="-127"/>
-                <a:ea typeface="에스코어 드림 4 Regular" panose="020B0503030302020204" pitchFamily="34" charset="-127"/>
-              </a:rPr>
-              <a:t>Pandas / Seaborn / </a:t>
-            </a:r>
-            <a:r>
-              <a:rPr lang="en-US" altLang="ko-KR" dirty="0" err="1">
-                <a:latin typeface="에스코어 드림 4 Regular" panose="020B0503030302020204" pitchFamily="34" charset="-127"/>
-                <a:ea typeface="에스코어 드림 4 Regular" panose="020B0503030302020204" pitchFamily="34" charset="-127"/>
-              </a:rPr>
-              <a:t>Meplotlib</a:t>
-            </a:r>
-            <a:endParaRPr lang="en-US" altLang="ko-KR" dirty="0">
-              <a:latin typeface="에스코어 드림 4 Regular" panose="020B0503030302020204" pitchFamily="34" charset="-127"/>
-              <a:ea typeface="에스코어 드림 4 Regular" panose="020B0503030302020204" pitchFamily="34" charset="-127"/>
-            </a:endParaRPr>
-          </a:p>
-        </p:txBody>
-      </p:sp>
-      <p:sp>
-        <p:nvSpPr>
-          <p:cNvPr id="8" name="TextBox 7">
-            <a:extLst>
-              <a:ext uri="{FF2B5EF4-FFF2-40B4-BE49-F238E27FC236}">
-                <a16:creationId xmlns:a16="http://schemas.microsoft.com/office/drawing/2014/main" id="{A859DAD7-3884-4217-9908-A7EFE6A65C66}"/>
-              </a:ext>
-            </a:extLst>
-          </p:cNvPr>
-          <p:cNvSpPr txBox="1"/>
-          <p:nvPr/>
-        </p:nvSpPr>
-        <p:spPr>
-          <a:xfrm>
-            <a:off x="6096000" y="1881972"/>
-            <a:ext cx="5907386" cy="1200329"/>
-          </a:xfrm>
-          <a:prstGeom prst="rect">
-            <a:avLst/>
-          </a:prstGeom>
-          <a:noFill/>
-        </p:spPr>
-        <p:txBody>
-          <a:bodyPr wrap="square" rtlCol="0">
-            <a:spAutoFit/>
-          </a:bodyPr>
-          <a:lstStyle/>
-          <a:p>
-            <a:r>
-              <a:rPr lang="en-US" altLang="ko-KR" u="sng" dirty="0">
-                <a:latin typeface="에스코어 드림 4 Regular" panose="020B0503030302020204" pitchFamily="34" charset="-127"/>
-                <a:ea typeface="에스코어 드림 4 Regular" panose="020B0503030302020204" pitchFamily="34" charset="-127"/>
-              </a:rPr>
-              <a:t>Purpose</a:t>
-            </a:r>
-          </a:p>
-          <a:p>
-            <a:pPr marL="285750" indent="-285750">
-              <a:buFont typeface="Wingdings" panose="05000000000000000000" pitchFamily="2" charset="2"/>
-              <a:buChar char="ü"/>
-            </a:pPr>
-            <a:endParaRPr lang="en-US" altLang="ko-KR" dirty="0">
-              <a:latin typeface="에스코어 드림 4 Regular" panose="020B0503030302020204" pitchFamily="34" charset="-127"/>
-              <a:ea typeface="에스코어 드림 4 Regular" panose="020B0503030302020204" pitchFamily="34" charset="-127"/>
-            </a:endParaRPr>
-          </a:p>
-          <a:p>
-            <a:pPr marL="285750" indent="-285750">
-              <a:buFont typeface="Wingdings" panose="05000000000000000000" pitchFamily="2" charset="2"/>
-              <a:buChar char="ü"/>
-            </a:pPr>
-            <a:r>
-              <a:rPr lang="ko-KR" altLang="en-US" dirty="0">
-                <a:latin typeface="에스코어 드림 4 Regular" panose="020B0503030302020204" pitchFamily="34" charset="-127"/>
-                <a:ea typeface="에스코어 드림 4 Regular" panose="020B0503030302020204" pitchFamily="34" charset="-127"/>
-              </a:rPr>
-              <a:t>서울시 아파트 거래 밀집 지역 및 </a:t>
-            </a:r>
-            <a:r>
-              <a:rPr lang="ko-KR" altLang="en-US" dirty="0" err="1">
-                <a:latin typeface="에스코어 드림 4 Regular" panose="020B0503030302020204" pitchFamily="34" charset="-127"/>
-                <a:ea typeface="에스코어 드림 4 Regular" panose="020B0503030302020204" pitchFamily="34" charset="-127"/>
-              </a:rPr>
-              <a:t>실거래가를</a:t>
-            </a:r>
-            <a:r>
-              <a:rPr lang="ko-KR" altLang="en-US" dirty="0">
-                <a:latin typeface="에스코어 드림 4 Regular" panose="020B0503030302020204" pitchFamily="34" charset="-127"/>
-                <a:ea typeface="에스코어 드림 4 Regular" panose="020B0503030302020204" pitchFamily="34" charset="-127"/>
-              </a:rPr>
-              <a:t> 예측</a:t>
-            </a:r>
-            <a:endParaRPr lang="en-US" altLang="ko-KR" dirty="0">
-              <a:latin typeface="에스코어 드림 4 Regular" panose="020B0503030302020204" pitchFamily="34" charset="-127"/>
-              <a:ea typeface="에스코어 드림 4 Regular" panose="020B0503030302020204" pitchFamily="34" charset="-127"/>
-            </a:endParaRPr>
-          </a:p>
-          <a:p>
-            <a:pPr marL="285750" indent="-285750">
-              <a:buFont typeface="Wingdings" panose="05000000000000000000" pitchFamily="2" charset="2"/>
-              <a:buChar char="ü"/>
-            </a:pPr>
-            <a:r>
-              <a:rPr lang="ko-KR" altLang="en-US" dirty="0">
-                <a:latin typeface="에스코어 드림 4 Regular" panose="020B0503030302020204" pitchFamily="34" charset="-127"/>
-                <a:ea typeface="에스코어 드림 4 Regular" panose="020B0503030302020204" pitchFamily="34" charset="-127"/>
-              </a:rPr>
-              <a:t>투기성 부동산 거래에 대한 규제 및 대책 형성에 일조</a:t>
-            </a:r>
-            <a:endParaRPr lang="en-US" altLang="ko-KR" dirty="0">
-              <a:latin typeface="에스코어 드림 4 Regular" panose="020B0503030302020204" pitchFamily="34" charset="-127"/>
-              <a:ea typeface="에스코어 드림 4 Regular" panose="020B0503030302020204" pitchFamily="34" charset="-127"/>
-            </a:endParaRPr>
-          </a:p>
-        </p:txBody>
-      </p:sp>
-      <p:sp>
-        <p:nvSpPr>
-          <p:cNvPr id="12" name="TextBox 11">
-            <a:extLst>
-              <a:ext uri="{FF2B5EF4-FFF2-40B4-BE49-F238E27FC236}">
-                <a16:creationId xmlns:a16="http://schemas.microsoft.com/office/drawing/2014/main" id="{59A159C5-1039-4D5B-95DC-1A339E2ABCD7}"/>
-              </a:ext>
-            </a:extLst>
-          </p:cNvPr>
-          <p:cNvSpPr txBox="1"/>
-          <p:nvPr/>
-        </p:nvSpPr>
-        <p:spPr>
-          <a:xfrm>
-            <a:off x="454470" y="5018543"/>
-            <a:ext cx="2954655" cy="1477328"/>
-          </a:xfrm>
-          <a:prstGeom prst="rect">
-            <a:avLst/>
-          </a:prstGeom>
-          <a:noFill/>
-        </p:spPr>
-        <p:txBody>
-          <a:bodyPr wrap="none" rtlCol="0">
-            <a:spAutoFit/>
-          </a:bodyPr>
-          <a:lstStyle/>
-          <a:p>
-            <a:r>
-              <a:rPr lang="en-US" altLang="ko-KR" u="sng" dirty="0" err="1">
-                <a:latin typeface="에스코어 드림 4 Regular" panose="020B0503030302020204" pitchFamily="34" charset="-127"/>
-                <a:ea typeface="에스코어 드림 4 Regular" panose="020B0503030302020204" pitchFamily="34" charset="-127"/>
-              </a:rPr>
-              <a:t>Bankground</a:t>
-            </a:r>
-            <a:endParaRPr lang="en-US" altLang="ko-KR" u="sng" dirty="0">
-              <a:latin typeface="에스코어 드림 4 Regular" panose="020B0503030302020204" pitchFamily="34" charset="-127"/>
-              <a:ea typeface="에스코어 드림 4 Regular" panose="020B0503030302020204" pitchFamily="34" charset="-127"/>
-            </a:endParaRPr>
-          </a:p>
-          <a:p>
-            <a:endParaRPr lang="en-US" altLang="ko-KR" u="sng" dirty="0">
-              <a:latin typeface="에스코어 드림 4 Regular" panose="020B0503030302020204" pitchFamily="34" charset="-127"/>
-              <a:ea typeface="에스코어 드림 4 Regular" panose="020B0503030302020204" pitchFamily="34" charset="-127"/>
-            </a:endParaRPr>
-          </a:p>
-          <a:p>
-            <a:pPr marL="285750" indent="-285750">
-              <a:buFont typeface="Wingdings" panose="05000000000000000000" pitchFamily="2" charset="2"/>
-              <a:buChar char="ü"/>
-            </a:pPr>
-            <a:r>
-              <a:rPr lang="ko-KR" altLang="en-US" dirty="0">
-                <a:latin typeface="에스코어 드림 4 Regular" panose="020B0503030302020204" pitchFamily="34" charset="-127"/>
-                <a:ea typeface="에스코어 드림 4 Regular" panose="020B0503030302020204" pitchFamily="34" charset="-127"/>
-              </a:rPr>
-              <a:t>주택 거래량의 급 상승 ↑</a:t>
-            </a:r>
-            <a:endParaRPr lang="en-US" altLang="ko-KR" dirty="0">
-              <a:latin typeface="에스코어 드림 4 Regular" panose="020B0503030302020204" pitchFamily="34" charset="-127"/>
-              <a:ea typeface="에스코어 드림 4 Regular" panose="020B0503030302020204" pitchFamily="34" charset="-127"/>
-            </a:endParaRPr>
-          </a:p>
-          <a:p>
-            <a:pPr marL="285750" indent="-285750">
-              <a:buFont typeface="Wingdings" panose="05000000000000000000" pitchFamily="2" charset="2"/>
-              <a:buChar char="ü"/>
-            </a:pPr>
-            <a:r>
-              <a:rPr lang="ko-KR" altLang="en-US" dirty="0">
-                <a:latin typeface="에스코어 드림 4 Regular" panose="020B0503030302020204" pitchFamily="34" charset="-127"/>
-                <a:ea typeface="에스코어 드림 4 Regular" panose="020B0503030302020204" pitchFamily="34" charset="-127"/>
-              </a:rPr>
-              <a:t>전국 청약 경쟁률 ↑</a:t>
-            </a:r>
-            <a:endParaRPr lang="en-US" altLang="ko-KR" dirty="0">
-              <a:latin typeface="에스코어 드림 4 Regular" panose="020B0503030302020204" pitchFamily="34" charset="-127"/>
-              <a:ea typeface="에스코어 드림 4 Regular" panose="020B0503030302020204" pitchFamily="34" charset="-127"/>
-            </a:endParaRPr>
-          </a:p>
-          <a:p>
-            <a:pPr marL="285750" indent="-285750">
-              <a:buFont typeface="Wingdings" panose="05000000000000000000" pitchFamily="2" charset="2"/>
-              <a:buChar char="ü"/>
-            </a:pPr>
-            <a:r>
-              <a:rPr lang="ko-KR" altLang="en-US" dirty="0">
-                <a:latin typeface="에스코어 드림 4 Regular" panose="020B0503030302020204" pitchFamily="34" charset="-127"/>
-                <a:ea typeface="에스코어 드림 4 Regular" panose="020B0503030302020204" pitchFamily="34" charset="-127"/>
-              </a:rPr>
-              <a:t>불어나는 시중 유동성</a:t>
-            </a:r>
-            <a:endParaRPr lang="en-US" altLang="ko-KR" b="1" u="sng" dirty="0">
-              <a:latin typeface="에스코어 드림 4 Regular" panose="020B0503030302020204" pitchFamily="34" charset="-127"/>
-              <a:ea typeface="에스코어 드림 4 Regular" panose="020B0503030302020204" pitchFamily="34" charset="-127"/>
-            </a:endParaRPr>
-          </a:p>
-        </p:txBody>
-      </p:sp>
-      <p:sp>
-        <p:nvSpPr>
-          <p:cNvPr id="14" name="TextBox 13">
-            <a:extLst>
-              <a:ext uri="{FF2B5EF4-FFF2-40B4-BE49-F238E27FC236}">
-                <a16:creationId xmlns:a16="http://schemas.microsoft.com/office/drawing/2014/main" id="{D58A6128-E0DB-4D12-BA7A-DA58639FFD18}"/>
-              </a:ext>
-            </a:extLst>
-          </p:cNvPr>
-          <p:cNvSpPr txBox="1"/>
-          <p:nvPr/>
-        </p:nvSpPr>
-        <p:spPr>
-          <a:xfrm>
-            <a:off x="6096000" y="3587601"/>
-            <a:ext cx="5865708" cy="1754326"/>
-          </a:xfrm>
-          <a:prstGeom prst="rect">
-            <a:avLst/>
-          </a:prstGeom>
-          <a:noFill/>
-        </p:spPr>
-        <p:txBody>
-          <a:bodyPr wrap="none" rtlCol="0">
-            <a:spAutoFit/>
-          </a:bodyPr>
-          <a:lstStyle/>
-          <a:p>
-            <a:r>
-              <a:rPr lang="en-US" altLang="ko-KR" u="sng" dirty="0">
-                <a:latin typeface="에스코어 드림 4 Regular" panose="020B0503030302020204" pitchFamily="34" charset="-127"/>
-                <a:ea typeface="에스코어 드림 4 Regular" panose="020B0503030302020204" pitchFamily="34" charset="-127"/>
-              </a:rPr>
-              <a:t>Methodology</a:t>
-            </a:r>
-          </a:p>
-          <a:p>
-            <a:pPr marL="285750" indent="-285750">
-              <a:buFont typeface="Wingdings" panose="05000000000000000000" pitchFamily="2" charset="2"/>
-              <a:buChar char="ü"/>
-            </a:pPr>
-            <a:endParaRPr lang="en-US" altLang="ko-KR" dirty="0">
-              <a:latin typeface="에스코어 드림 4 Regular" panose="020B0503030302020204" pitchFamily="34" charset="-127"/>
-              <a:ea typeface="에스코어 드림 4 Regular" panose="020B0503030302020204" pitchFamily="34" charset="-127"/>
-            </a:endParaRPr>
-          </a:p>
-          <a:p>
-            <a:pPr marL="285750" indent="-285750">
-              <a:buFont typeface="Wingdings" panose="05000000000000000000" pitchFamily="2" charset="2"/>
-              <a:buChar char="ü"/>
-            </a:pPr>
-            <a:r>
-              <a:rPr lang="ko-KR" altLang="en-US" dirty="0" err="1">
-                <a:latin typeface="에스코어 드림 4 Regular" panose="020B0503030302020204" pitchFamily="34" charset="-127"/>
-                <a:ea typeface="에스코어 드림 4 Regular" panose="020B0503030302020204" pitchFamily="34" charset="-127"/>
-              </a:rPr>
-              <a:t>헤도닉</a:t>
-            </a:r>
-            <a:r>
-              <a:rPr lang="ko-KR" altLang="en-US" dirty="0">
-                <a:latin typeface="에스코어 드림 4 Regular" panose="020B0503030302020204" pitchFamily="34" charset="-127"/>
-                <a:ea typeface="에스코어 드림 4 Regular" panose="020B0503030302020204" pitchFamily="34" charset="-127"/>
-              </a:rPr>
-              <a:t> 가격모형을 베이스로 하여 연구모형 구축</a:t>
-            </a:r>
-            <a:endParaRPr lang="en-US" altLang="ko-KR" dirty="0">
-              <a:latin typeface="에스코어 드림 4 Regular" panose="020B0503030302020204" pitchFamily="34" charset="-127"/>
-              <a:ea typeface="에스코어 드림 4 Regular" panose="020B0503030302020204" pitchFamily="34" charset="-127"/>
-            </a:endParaRPr>
-          </a:p>
-          <a:p>
-            <a:pPr marL="285750" indent="-285750">
-              <a:buFont typeface="Wingdings" panose="05000000000000000000" pitchFamily="2" charset="2"/>
-              <a:buChar char="ü"/>
-            </a:pPr>
-            <a:r>
-              <a:rPr lang="ko-KR" altLang="en-US" dirty="0">
-                <a:latin typeface="에스코어 드림 4 Regular" panose="020B0503030302020204" pitchFamily="34" charset="-127"/>
-                <a:ea typeface="에스코어 드림 4 Regular" panose="020B0503030302020204" pitchFamily="34" charset="-127"/>
-              </a:rPr>
-              <a:t>다양한 </a:t>
-            </a:r>
-            <a:r>
-              <a:rPr lang="en-US" altLang="ko-KR" dirty="0">
-                <a:latin typeface="에스코어 드림 4 Regular" panose="020B0503030302020204" pitchFamily="34" charset="-127"/>
-                <a:ea typeface="에스코어 드림 4 Regular" panose="020B0503030302020204" pitchFamily="34" charset="-127"/>
-              </a:rPr>
-              <a:t>ML</a:t>
-            </a:r>
-            <a:r>
-              <a:rPr lang="ko-KR" altLang="en-US" dirty="0">
-                <a:latin typeface="에스코어 드림 4 Regular" panose="020B0503030302020204" pitchFamily="34" charset="-127"/>
-                <a:ea typeface="에스코어 드림 4 Regular" panose="020B0503030302020204" pitchFamily="34" charset="-127"/>
-              </a:rPr>
-              <a:t>알고리즘을 시도하여</a:t>
-            </a:r>
-            <a:r>
-              <a:rPr lang="en-US" altLang="ko-KR" dirty="0">
-                <a:latin typeface="에스코어 드림 4 Regular" panose="020B0503030302020204" pitchFamily="34" charset="-127"/>
-                <a:ea typeface="에스코어 드림 4 Regular" panose="020B0503030302020204" pitchFamily="34" charset="-127"/>
-              </a:rPr>
-              <a:t>, </a:t>
-            </a:r>
-            <a:r>
-              <a:rPr lang="ko-KR" altLang="en-US" dirty="0">
-                <a:latin typeface="에스코어 드림 4 Regular" panose="020B0503030302020204" pitchFamily="34" charset="-127"/>
-                <a:ea typeface="에스코어 드림 4 Regular" panose="020B0503030302020204" pitchFamily="34" charset="-127"/>
-              </a:rPr>
-              <a:t>최적의 알고리즘 도출</a:t>
-            </a:r>
-            <a:endParaRPr lang="en-US" altLang="ko-KR" dirty="0">
-              <a:latin typeface="에스코어 드림 4 Regular" panose="020B0503030302020204" pitchFamily="34" charset="-127"/>
-              <a:ea typeface="에스코어 드림 4 Regular" panose="020B0503030302020204" pitchFamily="34" charset="-127"/>
-            </a:endParaRPr>
-          </a:p>
-          <a:p>
-            <a:pPr lvl="1"/>
-            <a:r>
-              <a:rPr lang="ko-KR" altLang="en-US" dirty="0">
-                <a:latin typeface="에스코어 드림 4 Regular" panose="020B0503030302020204" pitchFamily="34" charset="-127"/>
-                <a:ea typeface="에스코어 드림 4 Regular" panose="020B0503030302020204" pitchFamily="34" charset="-127"/>
-              </a:rPr>
-              <a:t>👉 </a:t>
-            </a:r>
-            <a:r>
-              <a:rPr lang="en-US" altLang="ko-KR" dirty="0">
-                <a:latin typeface="에스코어 드림 4 Regular" panose="020B0503030302020204" pitchFamily="34" charset="-127"/>
-                <a:ea typeface="에스코어 드림 4 Regular" panose="020B0503030302020204" pitchFamily="34" charset="-127"/>
-              </a:rPr>
-              <a:t>KNN, DT, RF, GBM, LGBM, </a:t>
-            </a:r>
-            <a:r>
-              <a:rPr lang="en-US" altLang="ko-KR" dirty="0" err="1">
-                <a:latin typeface="에스코어 드림 4 Regular" panose="020B0503030302020204" pitchFamily="34" charset="-127"/>
-                <a:ea typeface="에스코어 드림 4 Regular" panose="020B0503030302020204" pitchFamily="34" charset="-127"/>
-              </a:rPr>
-              <a:t>Xgboost</a:t>
-            </a:r>
-            <a:r>
-              <a:rPr lang="en-US" altLang="ko-KR" dirty="0">
-                <a:latin typeface="에스코어 드림 4 Regular" panose="020B0503030302020204" pitchFamily="34" charset="-127"/>
-                <a:ea typeface="에스코어 드림 4 Regular" panose="020B0503030302020204" pitchFamily="34" charset="-127"/>
-              </a:rPr>
-              <a:t> </a:t>
-            </a:r>
-            <a:r>
-              <a:rPr lang="ko-KR" altLang="en-US" dirty="0">
-                <a:latin typeface="에스코어 드림 4 Regular" panose="020B0503030302020204" pitchFamily="34" charset="-127"/>
-                <a:ea typeface="에스코어 드림 4 Regular" panose="020B0503030302020204" pitchFamily="34" charset="-127"/>
-              </a:rPr>
-              <a:t>비교</a:t>
-            </a:r>
-            <a:endParaRPr lang="en-US" altLang="ko-KR" dirty="0">
-              <a:latin typeface="에스코어 드림 4 Regular" panose="020B0503030302020204" pitchFamily="34" charset="-127"/>
-              <a:ea typeface="에스코어 드림 4 Regular" panose="020B0503030302020204" pitchFamily="34" charset="-127"/>
-            </a:endParaRPr>
-          </a:p>
-          <a:p>
-            <a:pPr lvl="1"/>
-            <a:r>
-              <a:rPr lang="ko-KR" altLang="en-US" dirty="0">
-                <a:latin typeface="에스코어 드림 4 Regular" panose="020B0503030302020204" pitchFamily="34" charset="-127"/>
-                <a:ea typeface="에스코어 드림 4 Regular" panose="020B0503030302020204" pitchFamily="34" charset="-127"/>
-              </a:rPr>
-              <a:t>👉 모델 성능은 </a:t>
-            </a:r>
-            <a:r>
-              <a:rPr lang="en-US" altLang="ko-KR" dirty="0">
-                <a:latin typeface="에스코어 드림 4 Regular" panose="020B0503030302020204" pitchFamily="34" charset="-127"/>
-                <a:ea typeface="에스코어 드림 4 Regular" panose="020B0503030302020204" pitchFamily="34" charset="-127"/>
-              </a:rPr>
-              <a:t>MSE &amp; RMSE</a:t>
-            </a:r>
-            <a:r>
-              <a:rPr lang="ko-KR" altLang="en-US" dirty="0">
-                <a:latin typeface="에스코어 드림 4 Regular" panose="020B0503030302020204" pitchFamily="34" charset="-127"/>
-                <a:ea typeface="에스코어 드림 4 Regular" panose="020B0503030302020204" pitchFamily="34" charset="-127"/>
-              </a:rPr>
-              <a:t>를 통해 비교</a:t>
-            </a:r>
-            <a:endParaRPr lang="en-US" altLang="ko-KR" dirty="0">
-              <a:latin typeface="에스코어 드림 4 Regular" panose="020B0503030302020204" pitchFamily="34" charset="-127"/>
-              <a:ea typeface="에스코어 드림 4 Regular" panose="020B0503030302020204" pitchFamily="34" charset="-127"/>
-            </a:endParaRPr>
-          </a:p>
-        </p:txBody>
-      </p:sp>
-    </p:spTree>
-    <p:extLst>
-      <p:ext uri="{BB962C8B-B14F-4D97-AF65-F5344CB8AC3E}">
-        <p14:creationId xmlns:p14="http://schemas.microsoft.com/office/powerpoint/2010/main" val="3589254892"/>
-      </p:ext>
-    </p:extLst>
-  </p:cSld>
-  <p:clrMapOvr>
-    <a:masterClrMapping/>
-  </p:clrMapOvr>
-</p:sld>
-</file>
-
-<file path=ppt/slides/slide11.xml><?xml version="1.0" encoding="utf-8"?>
-<p:sld xmlns:a="http://schemas.openxmlformats.org/drawingml/2006/main" xmlns:r="http://schemas.openxmlformats.org/officeDocument/2006/relationships" xmlns:p="http://schemas.openxmlformats.org/presentationml/2006/main">
-  <p:cSld>
-    <p:spTree>
-      <p:nvGrpSpPr>
-        <p:cNvPr id="1" name=""/>
-        <p:cNvGrpSpPr/>
-        <p:nvPr/>
-      </p:nvGrpSpPr>
-      <p:grpSpPr>
-        <a:xfrm>
-          <a:off x="0" y="0"/>
-          <a:ext cx="0" cy="0"/>
-          <a:chOff x="0" y="0"/>
-          <a:chExt cx="0" cy="0"/>
-        </a:xfrm>
-      </p:grpSpPr>
-      <p:sp>
-        <p:nvSpPr>
-          <p:cNvPr id="27" name="TextBox 26"/>
-          <p:cNvSpPr txBox="1"/>
-          <p:nvPr/>
-        </p:nvSpPr>
-        <p:spPr>
-          <a:xfrm>
-            <a:off x="1172022" y="451481"/>
-            <a:ext cx="2296845" cy="707886"/>
-          </a:xfrm>
-          <a:prstGeom prst="rect">
-            <a:avLst/>
-          </a:prstGeom>
-          <a:noFill/>
-        </p:spPr>
-        <p:txBody>
-          <a:bodyPr wrap="square" rtlCol="0">
-            <a:spAutoFit/>
-          </a:bodyPr>
-          <a:lstStyle/>
-          <a:p>
-            <a:r>
-              <a:rPr lang="en-US" altLang="ko-KR" sz="4000" dirty="0">
-                <a:solidFill>
-                  <a:srgbClr val="1D1D1D"/>
-                </a:solidFill>
-                <a:latin typeface="에스코어 드림 6 Bold" panose="020B0703030302020204" pitchFamily="34" charset="-127"/>
-                <a:ea typeface="에스코어 드림 6 Bold" panose="020B0703030302020204" pitchFamily="34" charset="-127"/>
-              </a:rPr>
-              <a:t>Projects</a:t>
-            </a:r>
-            <a:endParaRPr lang="ko-KR" altLang="en-US" sz="4000" dirty="0">
-              <a:solidFill>
-                <a:srgbClr val="1D1D1D"/>
-              </a:solidFill>
-              <a:latin typeface="에스코어 드림 6 Bold" panose="020B0703030302020204" pitchFamily="34" charset="-127"/>
-              <a:ea typeface="에스코어 드림 6 Bold" panose="020B0703030302020204" pitchFamily="34" charset="-127"/>
-            </a:endParaRPr>
-          </a:p>
-        </p:txBody>
-      </p:sp>
-      <p:sp>
-        <p:nvSpPr>
-          <p:cNvPr id="28" name="TextBox 27"/>
-          <p:cNvSpPr txBox="1"/>
-          <p:nvPr/>
-        </p:nvSpPr>
-        <p:spPr>
-          <a:xfrm>
-            <a:off x="454470" y="1924188"/>
             <a:ext cx="1379288" cy="369332"/>
           </a:xfrm>
           <a:prstGeom prst="rect">
@@ -3794,7 +2942,7 @@
 </p:sld>
 </file>
 
-<file path=ppt/slides/slide12.xml><?xml version="1.0" encoding="utf-8"?>
+<file path=ppt/slides/slide11.xml><?xml version="1.0" encoding="utf-8"?>
 <p:sld xmlns:a="http://schemas.openxmlformats.org/drawingml/2006/main" xmlns:r="http://schemas.openxmlformats.org/officeDocument/2006/relationships" xmlns:p="http://schemas.openxmlformats.org/presentationml/2006/main">
   <p:cSld>
     <p:spTree>
@@ -4374,7 +3522,7 @@
 </p:sld>
 </file>
 
-<file path=ppt/slides/slide13.xml><?xml version="1.0" encoding="utf-8"?>
+<file path=ppt/slides/slide12.xml><?xml version="1.0" encoding="utf-8"?>
 <p:sld xmlns:a="http://schemas.openxmlformats.org/drawingml/2006/main" xmlns:r="http://schemas.openxmlformats.org/officeDocument/2006/relationships" xmlns:p="http://schemas.openxmlformats.org/presentationml/2006/main">
   <p:cSld>
     <p:spTree>
@@ -4834,7 +3982,7 @@
 </p:sld>
 </file>
 
-<file path=ppt/slides/slide14.xml><?xml version="1.0" encoding="utf-8"?>
+<file path=ppt/slides/slide13.xml><?xml version="1.0" encoding="utf-8"?>
 <p:sld xmlns:a="http://schemas.openxmlformats.org/drawingml/2006/main" xmlns:r="http://schemas.openxmlformats.org/officeDocument/2006/relationships" xmlns:p="http://schemas.openxmlformats.org/presentationml/2006/main">
   <p:cSld>
     <p:spTree>
@@ -5886,7 +5034,7 @@
 </p:sld>
 </file>
 
-<file path=ppt/slides/slide15.xml><?xml version="1.0" encoding="utf-8"?>
+<file path=ppt/slides/slide14.xml><?xml version="1.0" encoding="utf-8"?>
 <p:sld xmlns:a="http://schemas.openxmlformats.org/drawingml/2006/main" xmlns:r="http://schemas.openxmlformats.org/officeDocument/2006/relationships" xmlns:p="http://schemas.openxmlformats.org/presentationml/2006/main">
   <p:cSld>
     <p:spTree>
@@ -6711,7 +5859,7 @@
 </p:sld>
 </file>
 
-<file path=ppt/slides/slide16.xml><?xml version="1.0" encoding="utf-8"?>
+<file path=ppt/slides/slide15.xml><?xml version="1.0" encoding="utf-8"?>
 <p:sld xmlns:a="http://schemas.openxmlformats.org/drawingml/2006/main" xmlns:r="http://schemas.openxmlformats.org/officeDocument/2006/relationships" xmlns:p="http://schemas.openxmlformats.org/presentationml/2006/main">
   <p:cSld>
     <p:spTree>
@@ -7401,7 +6549,7 @@
 </p:sld>
 </file>
 
-<file path=ppt/slides/slide17.xml><?xml version="1.0" encoding="utf-8"?>
+<file path=ppt/slides/slide16.xml><?xml version="1.0" encoding="utf-8"?>
 <p:sld xmlns:a="http://schemas.openxmlformats.org/drawingml/2006/main" xmlns:r="http://schemas.openxmlformats.org/officeDocument/2006/relationships" xmlns:p="http://schemas.openxmlformats.org/presentationml/2006/main">
   <p:cSld>
     <p:spTree>
@@ -8154,7 +7302,7 @@
 </p:sld>
 </file>
 
-<file path=ppt/slides/slide18.xml><?xml version="1.0" encoding="utf-8"?>
+<file path=ppt/slides/slide17.xml><?xml version="1.0" encoding="utf-8"?>
 <p:sld xmlns:a="http://schemas.openxmlformats.org/drawingml/2006/main" xmlns:r="http://schemas.openxmlformats.org/officeDocument/2006/relationships" xmlns:p="http://schemas.openxmlformats.org/presentationml/2006/main">
   <p:cSld>
     <p:spTree>
@@ -8636,7 +7784,7 @@
 </p:sld>
 </file>
 
-<file path=ppt/slides/slide19.xml><?xml version="1.0" encoding="utf-8"?>
+<file path=ppt/slides/slide18.xml><?xml version="1.0" encoding="utf-8"?>
 <p:sld xmlns:a="http://schemas.openxmlformats.org/drawingml/2006/main" xmlns:r="http://schemas.openxmlformats.org/officeDocument/2006/relationships" xmlns:p="http://schemas.openxmlformats.org/presentationml/2006/main">
   <p:cSld>
     <p:spTree>
@@ -9821,7 +8969,7 @@
         <p:spPr>
           <a:xfrm>
             <a:off x="454470" y="5018543"/>
-            <a:ext cx="5141151" cy="1477328"/>
+            <a:ext cx="11008142" cy="1477328"/>
           </a:xfrm>
           <a:prstGeom prst="rect">
             <a:avLst/>
@@ -9849,106 +8997,94 @@
             </a:endParaRPr>
           </a:p>
           <a:p>
-            <a:pPr marL="285750" indent="-285750">
-              <a:buFont typeface="Wingdings" panose="05000000000000000000" pitchFamily="2" charset="2"/>
-              <a:buChar char="ü"/>
-            </a:pPr>
-            <a:r>
-              <a:rPr lang="ko-KR" altLang="en-US" dirty="0">
-                <a:latin typeface="에스코어 드림 4 Regular" panose="020B0503030302020204" pitchFamily="34" charset="-127"/>
-                <a:ea typeface="에스코어 드림 4 Regular" panose="020B0503030302020204" pitchFamily="34" charset="-127"/>
-              </a:rPr>
-              <a:t>코로나 이후 </a:t>
-            </a:r>
-            <a:r>
-              <a:rPr lang="ko-KR" altLang="en-US" u="sng" dirty="0">
-                <a:latin typeface="에스코어 드림 4 Regular" panose="020B0503030302020204" pitchFamily="34" charset="-127"/>
-                <a:ea typeface="에스코어 드림 4 Regular" panose="020B0503030302020204" pitchFamily="34" charset="-127"/>
-              </a:rPr>
-              <a:t>여행 트렌드의 변화</a:t>
-            </a:r>
-            <a:r>
-              <a:rPr lang="ko-KR" altLang="en-US" dirty="0">
-                <a:latin typeface="에스코어 드림 4 Regular" panose="020B0503030302020204" pitchFamily="34" charset="-127"/>
-                <a:ea typeface="에스코어 드림 4 Regular" panose="020B0503030302020204" pitchFamily="34" charset="-127"/>
-              </a:rPr>
-              <a:t>가 가속화</a:t>
-            </a:r>
-            <a:endParaRPr lang="en-US" altLang="ko-KR" dirty="0">
+            <a:r>
+              <a:rPr lang="ko-KR" altLang="en-US" b="1" u="sng" dirty="0">
+                <a:latin typeface="에스코어 드림 4 Regular" panose="020B0503030302020204" pitchFamily="34" charset="-127"/>
+                <a:ea typeface="에스코어 드림 4 Regular" panose="020B0503030302020204" pitchFamily="34" charset="-127"/>
+              </a:rPr>
+              <a:t>분석 과정에서 가장 많이 시행착오를 겪었던 부분은 형태소 분석이었다</a:t>
+            </a:r>
+            <a:r>
+              <a:rPr lang="en-US" altLang="ko-KR" b="1" u="sng" dirty="0">
+                <a:latin typeface="에스코어 드림 4 Regular" panose="020B0503030302020204" pitchFamily="34" charset="-127"/>
+                <a:ea typeface="에스코어 드림 4 Regular" panose="020B0503030302020204" pitchFamily="34" charset="-127"/>
+              </a:rPr>
+              <a:t>. </a:t>
+            </a:r>
+            <a:r>
+              <a:rPr lang="ko-KR" altLang="en-US" b="1" u="sng" dirty="0">
+                <a:latin typeface="에스코어 드림 4 Regular" panose="020B0503030302020204" pitchFamily="34" charset="-127"/>
+                <a:ea typeface="에스코어 드림 4 Regular" panose="020B0503030302020204" pitchFamily="34" charset="-127"/>
+              </a:rPr>
+              <a:t>군집화 단계에서 계속해서 잘못 </a:t>
+            </a:r>
+            <a:endParaRPr lang="en-US" altLang="ko-KR" b="1" u="sng" dirty="0">
               <a:latin typeface="에스코어 드림 4 Regular" panose="020B0503030302020204" pitchFamily="34" charset="-127"/>
               <a:ea typeface="에스코어 드림 4 Regular" panose="020B0503030302020204" pitchFamily="34" charset="-127"/>
             </a:endParaRPr>
           </a:p>
           <a:p>
-            <a:pPr marL="285750" indent="-285750">
-              <a:buFont typeface="Wingdings" panose="05000000000000000000" pitchFamily="2" charset="2"/>
-              <a:buChar char="ü"/>
-            </a:pPr>
             <a:r>
               <a:rPr lang="ko-KR" altLang="en-US" b="1" u="sng" dirty="0">
                 <a:latin typeface="에스코어 드림 4 Regular" panose="020B0503030302020204" pitchFamily="34" charset="-127"/>
                 <a:ea typeface="에스코어 드림 4 Regular" panose="020B0503030302020204" pitchFamily="34" charset="-127"/>
               </a:rPr>
-              <a:t>감성숙소</a:t>
-            </a:r>
-            <a:r>
-              <a:rPr lang="ko-KR" altLang="en-US" dirty="0">
-                <a:latin typeface="에스코어 드림 4 Regular" panose="020B0503030302020204" pitchFamily="34" charset="-127"/>
-                <a:ea typeface="에스코어 드림 4 Regular" panose="020B0503030302020204" pitchFamily="34" charset="-127"/>
-              </a:rPr>
-              <a:t>를 키워드로 한  </a:t>
-            </a:r>
-            <a:r>
-              <a:rPr lang="en-US" altLang="ko-KR" dirty="0">
-                <a:latin typeface="에스코어 드림 4 Regular" panose="020B0503030302020204" pitchFamily="34" charset="-127"/>
-                <a:ea typeface="에스코어 드림 4 Regular" panose="020B0503030302020204" pitchFamily="34" charset="-127"/>
-              </a:rPr>
-              <a:t>“</a:t>
-            </a:r>
-            <a:r>
-              <a:rPr lang="ko-KR" altLang="en-US" dirty="0" err="1">
-                <a:latin typeface="에스코어 드림 4 Regular" panose="020B0503030302020204" pitchFamily="34" charset="-127"/>
-                <a:ea typeface="에스코어 드림 4 Regular" panose="020B0503030302020204" pitchFamily="34" charset="-127"/>
-              </a:rPr>
-              <a:t>힐링여행</a:t>
-            </a:r>
-            <a:r>
-              <a:rPr lang="en-US" altLang="ko-KR" dirty="0">
-                <a:latin typeface="에스코어 드림 4 Regular" panose="020B0503030302020204" pitchFamily="34" charset="-127"/>
-                <a:ea typeface="에스코어 드림 4 Regular" panose="020B0503030302020204" pitchFamily="34" charset="-127"/>
-              </a:rPr>
-              <a:t>” </a:t>
-            </a:r>
-            <a:r>
-              <a:rPr lang="ko-KR" altLang="en-US" dirty="0">
-                <a:latin typeface="에스코어 드림 4 Regular" panose="020B0503030302020204" pitchFamily="34" charset="-127"/>
-                <a:ea typeface="에스코어 드림 4 Regular" panose="020B0503030302020204" pitchFamily="34" charset="-127"/>
-              </a:rPr>
-              <a:t>급부상</a:t>
-            </a:r>
-            <a:endParaRPr lang="en-US" altLang="ko-KR" dirty="0">
+              <a:t>분리된 단어들이 나타나 분석결과의 품질을 낮추게 되었다</a:t>
+            </a:r>
+            <a:r>
+              <a:rPr lang="en-US" altLang="ko-KR" b="1" u="sng" dirty="0">
+                <a:latin typeface="에스코어 드림 4 Regular" panose="020B0503030302020204" pitchFamily="34" charset="-127"/>
+                <a:ea typeface="에스코어 드림 4 Regular" panose="020B0503030302020204" pitchFamily="34" charset="-127"/>
+              </a:rPr>
+              <a:t>. </a:t>
+            </a:r>
+            <a:r>
+              <a:rPr lang="ko-KR" altLang="en-US" b="1" u="sng" dirty="0">
+                <a:latin typeface="에스코어 드림 4 Regular" panose="020B0503030302020204" pitchFamily="34" charset="-127"/>
+                <a:ea typeface="에스코어 드림 4 Regular" panose="020B0503030302020204" pitchFamily="34" charset="-127"/>
+              </a:rPr>
+              <a:t>사용자 사전을 만들어 이를 보완할 수 있었지만</a:t>
+            </a:r>
+            <a:endParaRPr lang="en-US" altLang="ko-KR" b="1" u="sng" dirty="0">
               <a:latin typeface="에스코어 드림 4 Regular" panose="020B0503030302020204" pitchFamily="34" charset="-127"/>
               <a:ea typeface="에스코어 드림 4 Regular" panose="020B0503030302020204" pitchFamily="34" charset="-127"/>
             </a:endParaRPr>
           </a:p>
           <a:p>
-            <a:pPr marL="285750" indent="-285750">
-              <a:buFont typeface="Wingdings" panose="05000000000000000000" pitchFamily="2" charset="2"/>
-              <a:buChar char="ü"/>
-            </a:pPr>
-            <a:r>
-              <a:rPr lang="ko-KR" altLang="en-US" dirty="0">
-                <a:latin typeface="에스코어 드림 4 Regular" panose="020B0503030302020204" pitchFamily="34" charset="-127"/>
-                <a:ea typeface="에스코어 드림 4 Regular" panose="020B0503030302020204" pitchFamily="34" charset="-127"/>
-              </a:rPr>
-              <a:t>하지만 </a:t>
-            </a:r>
             <a:r>
               <a:rPr lang="ko-KR" altLang="en-US" b="1" u="sng" dirty="0">
                 <a:latin typeface="에스코어 드림 4 Regular" panose="020B0503030302020204" pitchFamily="34" charset="-127"/>
                 <a:ea typeface="에스코어 드림 4 Regular" panose="020B0503030302020204" pitchFamily="34" charset="-127"/>
               </a:rPr>
-              <a:t>감성숙소에 대한 분석이나 서비스화 ↓</a:t>
+              <a:t>완벽하다고는 말할 수 없었고 텍스트 분석에서 정제</a:t>
+            </a:r>
+            <a:r>
+              <a:rPr lang="en-US" altLang="ko-KR" b="1" u="sng" dirty="0">
+                <a:latin typeface="에스코어 드림 4 Regular" panose="020B0503030302020204" pitchFamily="34" charset="-127"/>
+                <a:ea typeface="에스코어 드림 4 Regular" panose="020B0503030302020204" pitchFamily="34" charset="-127"/>
+              </a:rPr>
+              <a:t>(Cleansing)</a:t>
+            </a:r>
+            <a:r>
+              <a:rPr lang="ko-KR" altLang="en-US" b="1" u="sng" dirty="0">
+                <a:latin typeface="에스코어 드림 4 Regular" panose="020B0503030302020204" pitchFamily="34" charset="-127"/>
+                <a:ea typeface="에스코어 드림 4 Regular" panose="020B0503030302020204" pitchFamily="34" charset="-127"/>
+              </a:rPr>
+              <a:t>의 중요성을 다시 한 번 느낄 수 있었다</a:t>
+            </a:r>
+            <a:r>
+              <a:rPr lang="en-US" altLang="ko-KR" b="1" u="sng" dirty="0">
+                <a:latin typeface="에스코어 드림 4 Regular" panose="020B0503030302020204" pitchFamily="34" charset="-127"/>
+                <a:ea typeface="에스코어 드림 4 Regular" panose="020B0503030302020204" pitchFamily="34" charset="-127"/>
+              </a:rPr>
+              <a:t>.</a:t>
+            </a:r>
+            <a:r>
+              <a:rPr lang="ko-KR" altLang="en-US" b="1" u="sng" dirty="0">
+                <a:latin typeface="에스코어 드림 4 Regular" panose="020B0503030302020204" pitchFamily="34" charset="-127"/>
+                <a:ea typeface="에스코어 드림 4 Regular" panose="020B0503030302020204" pitchFamily="34" charset="-127"/>
+              </a:rPr>
+              <a:t> </a:t>
             </a:r>
             <a:endParaRPr lang="en-US" altLang="ko-KR" b="1" u="sng" dirty="0">
               <a:latin typeface="에스코어 드림 4 Regular" panose="020B0503030302020204" pitchFamily="34" charset="-127"/>
@@ -10789,308 +9925,14 @@
         </p:blipFill>
         <p:spPr>
           <a:xfrm>
-            <a:off x="476250" y="2115142"/>
-            <a:ext cx="6315075" cy="3501628"/>
+            <a:off x="6650312" y="2028693"/>
+            <a:ext cx="4962525" cy="3501628"/>
           </a:xfrm>
           <a:prstGeom prst="rect">
             <a:avLst/>
           </a:prstGeom>
         </p:spPr>
       </p:pic>
-      <p:sp>
-        <p:nvSpPr>
-          <p:cNvPr id="15" name="TextBox 14">
-            <a:extLst>
-              <a:ext uri="{FF2B5EF4-FFF2-40B4-BE49-F238E27FC236}">
-                <a16:creationId xmlns:a16="http://schemas.microsoft.com/office/drawing/2014/main" id="{28873ACB-A279-48C8-B7EB-07C621BB0316}"/>
-              </a:ext>
-            </a:extLst>
-          </p:cNvPr>
-          <p:cNvSpPr txBox="1"/>
-          <p:nvPr/>
-        </p:nvSpPr>
-        <p:spPr>
-          <a:xfrm>
-            <a:off x="6991350" y="2754448"/>
-            <a:ext cx="5023693" cy="2339102"/>
-          </a:xfrm>
-          <a:prstGeom prst="rect">
-            <a:avLst/>
-          </a:prstGeom>
-          <a:noFill/>
-        </p:spPr>
-        <p:txBody>
-          <a:bodyPr wrap="square" rtlCol="0">
-            <a:spAutoFit/>
-          </a:bodyPr>
-          <a:lstStyle/>
-          <a:p>
-            <a:pPr marL="342900" indent="-342900">
-              <a:buAutoNum type="arabicPeriod"/>
-            </a:pPr>
-            <a:r>
-              <a:rPr lang="en-US" altLang="ko-KR" sz="1600" dirty="0">
-                <a:latin typeface="에스코어 드림 4 Regular" panose="020B0503030302020204" pitchFamily="34" charset="-127"/>
-                <a:ea typeface="에스코어 드림 4 Regular" panose="020B0503030302020204" pitchFamily="34" charset="-127"/>
-              </a:rPr>
-              <a:t>Kiwi</a:t>
-            </a:r>
-            <a:r>
-              <a:rPr lang="ko-KR" altLang="en-US" sz="1600" dirty="0">
-                <a:latin typeface="에스코어 드림 4 Regular" panose="020B0503030302020204" pitchFamily="34" charset="-127"/>
-                <a:ea typeface="에스코어 드림 4 Regular" panose="020B0503030302020204" pitchFamily="34" charset="-127"/>
-              </a:rPr>
-              <a:t> </a:t>
-            </a:r>
-            <a:r>
-              <a:rPr lang="en-US" altLang="ko-KR" sz="1600" dirty="0">
-                <a:latin typeface="에스코어 드림 4 Regular" panose="020B0503030302020204" pitchFamily="34" charset="-127"/>
-                <a:ea typeface="에스코어 드림 4 Regular" panose="020B0503030302020204" pitchFamily="34" charset="-127"/>
-              </a:rPr>
-              <a:t>: </a:t>
-            </a:r>
-            <a:r>
-              <a:rPr lang="ko-KR" altLang="en-US" sz="1600" dirty="0">
-                <a:latin typeface="에스코어 드림 4 Regular" panose="020B0503030302020204" pitchFamily="34" charset="-127"/>
-                <a:ea typeface="에스코어 드림 4 Regular" panose="020B0503030302020204" pitchFamily="34" charset="-127"/>
-              </a:rPr>
-              <a:t>형태소 분석 </a:t>
-            </a:r>
-            <a:r>
-              <a:rPr lang="en-US" altLang="ko-KR" sz="1600" dirty="0">
-                <a:latin typeface="에스코어 드림 4 Regular" panose="020B0503030302020204" pitchFamily="34" charset="-127"/>
-                <a:ea typeface="에스코어 드림 4 Regular" panose="020B0503030302020204" pitchFamily="34" charset="-127"/>
-              </a:rPr>
-              <a:t>&amp; </a:t>
-            </a:r>
-            <a:r>
-              <a:rPr lang="ko-KR" altLang="en-US" sz="1600" dirty="0">
-                <a:latin typeface="에스코어 드림 4 Regular" panose="020B0503030302020204" pitchFamily="34" charset="-127"/>
-                <a:ea typeface="에스코어 드림 4 Regular" panose="020B0503030302020204" pitchFamily="34" charset="-127"/>
-              </a:rPr>
-              <a:t>토크나이징</a:t>
-            </a:r>
-            <a:endParaRPr lang="en-US" altLang="ko-KR" sz="1600" dirty="0">
-              <a:latin typeface="에스코어 드림 4 Regular" panose="020B0503030302020204" pitchFamily="34" charset="-127"/>
-              <a:ea typeface="에스코어 드림 4 Regular" panose="020B0503030302020204" pitchFamily="34" charset="-127"/>
-            </a:endParaRPr>
-          </a:p>
-          <a:p>
-            <a:pPr marL="342900" indent="-342900">
-              <a:buAutoNum type="arabicPeriod"/>
-            </a:pPr>
-            <a:endParaRPr lang="en-US" altLang="ko-KR" sz="1600" dirty="0">
-              <a:latin typeface="에스코어 드림 4 Regular" panose="020B0503030302020204" pitchFamily="34" charset="-127"/>
-              <a:ea typeface="에스코어 드림 4 Regular" panose="020B0503030302020204" pitchFamily="34" charset="-127"/>
-            </a:endParaRPr>
-          </a:p>
-          <a:p>
-            <a:pPr marL="342900" indent="-342900">
-              <a:buAutoNum type="arabicPeriod"/>
-            </a:pPr>
-            <a:r>
-              <a:rPr lang="en-US" altLang="ko-KR" sz="1600" dirty="0">
-                <a:latin typeface="에스코어 드림 4 Regular" panose="020B0503030302020204" pitchFamily="34" charset="-127"/>
-                <a:ea typeface="에스코어 드림 4 Regular" panose="020B0503030302020204" pitchFamily="34" charset="-127"/>
-              </a:rPr>
-              <a:t>W2V</a:t>
-            </a:r>
-            <a:r>
-              <a:rPr lang="ko-KR" altLang="en-US" sz="1600" dirty="0">
-                <a:latin typeface="에스코어 드림 4 Regular" panose="020B0503030302020204" pitchFamily="34" charset="-127"/>
-                <a:ea typeface="에스코어 드림 4 Regular" panose="020B0503030302020204" pitchFamily="34" charset="-127"/>
-              </a:rPr>
-              <a:t> </a:t>
-            </a:r>
-            <a:r>
-              <a:rPr lang="en-US" altLang="ko-KR" sz="1600" dirty="0">
-                <a:latin typeface="에스코어 드림 4 Regular" panose="020B0503030302020204" pitchFamily="34" charset="-127"/>
-                <a:ea typeface="에스코어 드림 4 Regular" panose="020B0503030302020204" pitchFamily="34" charset="-127"/>
-              </a:rPr>
-              <a:t>: </a:t>
-            </a:r>
-            <a:r>
-              <a:rPr lang="ko-KR" altLang="en-US" sz="1600" dirty="0">
-                <a:latin typeface="에스코어 드림 4 Regular" panose="020B0503030302020204" pitchFamily="34" charset="-127"/>
-                <a:ea typeface="에스코어 드림 4 Regular" panose="020B0503030302020204" pitchFamily="34" charset="-127"/>
-              </a:rPr>
-              <a:t>단어 </a:t>
-            </a:r>
-            <a:r>
-              <a:rPr lang="ko-KR" altLang="en-US" sz="1600" dirty="0" err="1">
-                <a:latin typeface="에스코어 드림 4 Regular" panose="020B0503030302020204" pitchFamily="34" charset="-127"/>
-                <a:ea typeface="에스코어 드림 4 Regular" panose="020B0503030302020204" pitchFamily="34" charset="-127"/>
-              </a:rPr>
-              <a:t>임베딩</a:t>
-            </a:r>
-            <a:endParaRPr lang="en-US" altLang="ko-KR" sz="1600" dirty="0">
-              <a:latin typeface="에스코어 드림 4 Regular" panose="020B0503030302020204" pitchFamily="34" charset="-127"/>
-              <a:ea typeface="에스코어 드림 4 Regular" panose="020B0503030302020204" pitchFamily="34" charset="-127"/>
-            </a:endParaRPr>
-          </a:p>
-          <a:p>
-            <a:pPr marL="342900" indent="-342900">
-              <a:buAutoNum type="arabicPeriod"/>
-            </a:pPr>
-            <a:endParaRPr lang="en-US" altLang="ko-KR" sz="1600" dirty="0">
-              <a:latin typeface="에스코어 드림 4 Regular" panose="020B0503030302020204" pitchFamily="34" charset="-127"/>
-              <a:ea typeface="에스코어 드림 4 Regular" panose="020B0503030302020204" pitchFamily="34" charset="-127"/>
-            </a:endParaRPr>
-          </a:p>
-          <a:p>
-            <a:pPr marL="342900" indent="-342900">
-              <a:buAutoNum type="arabicPeriod"/>
-            </a:pPr>
-            <a:r>
-              <a:rPr lang="en-US" altLang="ko-KR" sz="1600" dirty="0">
-                <a:latin typeface="에스코어 드림 4 Regular" panose="020B0503030302020204" pitchFamily="34" charset="-127"/>
-                <a:ea typeface="에스코어 드림 4 Regular" panose="020B0503030302020204" pitchFamily="34" charset="-127"/>
-              </a:rPr>
-              <a:t>Spherical </a:t>
-            </a:r>
-            <a:r>
-              <a:rPr lang="en-US" altLang="ko-KR" sz="1600" dirty="0" err="1">
-                <a:latin typeface="에스코어 드림 4 Regular" panose="020B0503030302020204" pitchFamily="34" charset="-127"/>
-                <a:ea typeface="에스코어 드림 4 Regular" panose="020B0503030302020204" pitchFamily="34" charset="-127"/>
-              </a:rPr>
-              <a:t>Kmeans</a:t>
-            </a:r>
-            <a:r>
-              <a:rPr lang="en-US" altLang="ko-KR" sz="1600" dirty="0">
-                <a:latin typeface="에스코어 드림 4 Regular" panose="020B0503030302020204" pitchFamily="34" charset="-127"/>
-                <a:ea typeface="에스코어 드림 4 Regular" panose="020B0503030302020204" pitchFamily="34" charset="-127"/>
-              </a:rPr>
-              <a:t> : </a:t>
-            </a:r>
-            <a:r>
-              <a:rPr lang="ko-KR" altLang="en-US" sz="1600" dirty="0">
-                <a:latin typeface="에스코어 드림 4 Regular" panose="020B0503030302020204" pitchFamily="34" charset="-127"/>
-                <a:ea typeface="에스코어 드림 4 Regular" panose="020B0503030302020204" pitchFamily="34" charset="-127"/>
-              </a:rPr>
-              <a:t>군집 분석</a:t>
-            </a:r>
-            <a:endParaRPr lang="en-US" altLang="ko-KR" sz="1600" dirty="0">
-              <a:latin typeface="에스코어 드림 4 Regular" panose="020B0503030302020204" pitchFamily="34" charset="-127"/>
-              <a:ea typeface="에스코어 드림 4 Regular" panose="020B0503030302020204" pitchFamily="34" charset="-127"/>
-            </a:endParaRPr>
-          </a:p>
-          <a:p>
-            <a:pPr marL="342900" indent="-342900">
-              <a:buAutoNum type="arabicPeriod"/>
-            </a:pPr>
-            <a:endParaRPr lang="en-US" altLang="ko-KR" sz="1600" dirty="0">
-              <a:latin typeface="에스코어 드림 4 Regular" panose="020B0503030302020204" pitchFamily="34" charset="-127"/>
-              <a:ea typeface="에스코어 드림 4 Regular" panose="020B0503030302020204" pitchFamily="34" charset="-127"/>
-            </a:endParaRPr>
-          </a:p>
-          <a:p>
-            <a:pPr marL="342900" indent="-342900">
-              <a:buAutoNum type="arabicPeriod"/>
-            </a:pPr>
-            <a:r>
-              <a:rPr lang="en-US" altLang="ko-KR" sz="1600" dirty="0" err="1">
-                <a:latin typeface="에스코어 드림 4 Regular" panose="020B0503030302020204" pitchFamily="34" charset="-127"/>
-                <a:ea typeface="에스코어 드림 4 Regular" panose="020B0503030302020204" pitchFamily="34" charset="-127"/>
-              </a:rPr>
-              <a:t>TextRank</a:t>
-            </a:r>
-            <a:r>
-              <a:rPr lang="ko-KR" altLang="en-US" sz="1600" dirty="0">
-                <a:latin typeface="에스코어 드림 4 Regular" panose="020B0503030302020204" pitchFamily="34" charset="-127"/>
-                <a:ea typeface="에스코어 드림 4 Regular" panose="020B0503030302020204" pitchFamily="34" charset="-127"/>
-              </a:rPr>
-              <a:t> </a:t>
-            </a:r>
-            <a:r>
-              <a:rPr lang="en-US" altLang="ko-KR" sz="1600" dirty="0">
-                <a:latin typeface="에스코어 드림 4 Regular" panose="020B0503030302020204" pitchFamily="34" charset="-127"/>
-                <a:ea typeface="에스코어 드림 4 Regular" panose="020B0503030302020204" pitchFamily="34" charset="-127"/>
-              </a:rPr>
-              <a:t>:</a:t>
-            </a:r>
-            <a:r>
-              <a:rPr lang="ko-KR" altLang="en-US" sz="1600" dirty="0">
-                <a:latin typeface="에스코어 드림 4 Regular" panose="020B0503030302020204" pitchFamily="34" charset="-127"/>
-                <a:ea typeface="에스코어 드림 4 Regular" panose="020B0503030302020204" pitchFamily="34" charset="-127"/>
-              </a:rPr>
-              <a:t> 키워드 추출 및 토픽모델링</a:t>
-            </a:r>
-            <a:endParaRPr lang="en-US" altLang="ko-KR" sz="1600" dirty="0">
-              <a:latin typeface="에스코어 드림 4 Regular" panose="020B0503030302020204" pitchFamily="34" charset="-127"/>
-              <a:ea typeface="에스코어 드림 4 Regular" panose="020B0503030302020204" pitchFamily="34" charset="-127"/>
-            </a:endParaRPr>
-          </a:p>
-          <a:p>
-            <a:pPr marL="342900" indent="-342900">
-              <a:buAutoNum type="arabicPeriod"/>
-            </a:pPr>
-            <a:endParaRPr lang="en-US" altLang="ko-KR" sz="1600" dirty="0">
-              <a:latin typeface="에스코어 드림 4 Regular" panose="020B0503030302020204" pitchFamily="34" charset="-127"/>
-              <a:ea typeface="에스코어 드림 4 Regular" panose="020B0503030302020204" pitchFamily="34" charset="-127"/>
-            </a:endParaRPr>
-          </a:p>
-          <a:p>
-            <a:pPr marL="342900" indent="-342900">
-              <a:buAutoNum type="arabicPeriod"/>
-            </a:pPr>
-            <a:r>
-              <a:rPr lang="en-US" altLang="ko-KR" sz="1600" dirty="0">
-                <a:latin typeface="에스코어 드림 4 Regular" panose="020B0503030302020204" pitchFamily="34" charset="-127"/>
-                <a:ea typeface="에스코어 드림 4 Regular" panose="020B0503030302020204" pitchFamily="34" charset="-127"/>
-              </a:rPr>
-              <a:t>CB filtering : </a:t>
-            </a:r>
-            <a:r>
-              <a:rPr lang="ko-KR" altLang="en-US" sz="1600" dirty="0">
-                <a:latin typeface="에스코어 드림 4 Regular" panose="020B0503030302020204" pitchFamily="34" charset="-127"/>
-                <a:ea typeface="에스코어 드림 4 Regular" panose="020B0503030302020204" pitchFamily="34" charset="-127"/>
-              </a:rPr>
-              <a:t>유사도기반 추천 모델</a:t>
-            </a:r>
-            <a:endParaRPr lang="en-US" altLang="ko-KR" sz="1600" dirty="0">
-              <a:latin typeface="에스코어 드림 4 Regular" panose="020B0503030302020204" pitchFamily="34" charset="-127"/>
-              <a:ea typeface="에스코어 드림 4 Regular" panose="020B0503030302020204" pitchFamily="34" charset="-127"/>
-            </a:endParaRPr>
-          </a:p>
-        </p:txBody>
-      </p:sp>
-      <p:sp>
-        <p:nvSpPr>
-          <p:cNvPr id="16" name="직사각형 15">
-            <a:extLst>
-              <a:ext uri="{FF2B5EF4-FFF2-40B4-BE49-F238E27FC236}">
-                <a16:creationId xmlns:a16="http://schemas.microsoft.com/office/drawing/2014/main" id="{8D8111AD-483A-4615-9F5D-7211365F9939}"/>
-              </a:ext>
-            </a:extLst>
-          </p:cNvPr>
-          <p:cNvSpPr/>
-          <p:nvPr/>
-        </p:nvSpPr>
-        <p:spPr>
-          <a:xfrm>
-            <a:off x="6991350" y="2115142"/>
-            <a:ext cx="1602362" cy="400110"/>
-          </a:xfrm>
-          <a:prstGeom prst="rect">
-            <a:avLst/>
-          </a:prstGeom>
-        </p:spPr>
-        <p:txBody>
-          <a:bodyPr wrap="none">
-            <a:spAutoFit/>
-          </a:bodyPr>
-          <a:lstStyle/>
-          <a:p>
-            <a:r>
-              <a:rPr lang="en-US" altLang="ko-KR" sz="2000" dirty="0">
-                <a:latin typeface="에스코어 드림 5 Medium" panose="020B0503030302020204" pitchFamily="34" charset="-127"/>
-                <a:ea typeface="에스코어 드림 5 Medium" panose="020B0503030302020204" pitchFamily="34" charset="-127"/>
-              </a:rPr>
-              <a:t>Description</a:t>
-            </a:r>
-          </a:p>
-        </p:txBody>
-      </p:sp>
       <p:sp>
         <p:nvSpPr>
           <p:cNvPr id="17" name="직사각형 16">
@@ -11105,66 +9947,132 @@
         </p:nvSpPr>
         <p:spPr>
           <a:xfrm>
-            <a:off x="476250" y="5773292"/>
-            <a:ext cx="5471819" cy="584775"/>
+            <a:off x="363361" y="6030794"/>
+            <a:ext cx="5837413" cy="307777"/>
           </a:xfrm>
           <a:prstGeom prst="rect">
             <a:avLst/>
           </a:prstGeom>
         </p:spPr>
         <p:txBody>
-          <a:bodyPr wrap="none">
+          <a:bodyPr wrap="square">
             <a:spAutoFit/>
           </a:bodyPr>
           <a:lstStyle/>
           <a:p>
             <a:r>
-              <a:rPr lang="ko-KR" altLang="en-US" sz="1600" dirty="0">
-                <a:latin typeface="에스코어 드림 4 Regular" panose="020B0503030302020204" pitchFamily="34" charset="-127"/>
-                <a:ea typeface="에스코어 드림 4 Regular" panose="020B0503030302020204" pitchFamily="34" charset="-127"/>
-              </a:rPr>
-              <a:t>참조 </a:t>
-            </a:r>
-            <a:r>
-              <a:rPr lang="en-US" altLang="ko-KR" sz="1600" dirty="0">
-                <a:latin typeface="에스코어 드림 4 Regular" panose="020B0503030302020204" pitchFamily="34" charset="-127"/>
-                <a:ea typeface="에스코어 드림 4 Regular" panose="020B0503030302020204" pitchFamily="34" charset="-127"/>
-              </a:rPr>
-              <a:t>: Word2Vec</a:t>
-            </a:r>
-            <a:r>
-              <a:rPr lang="ko-KR" altLang="en-US" sz="1600" dirty="0">
+              <a:rPr lang="ko-KR" altLang="en-US" sz="700" dirty="0">
+                <a:latin typeface="에스코어 드림 4 Regular" panose="020B0503030302020204" pitchFamily="34" charset="-127"/>
+                <a:ea typeface="에스코어 드림 4 Regular" panose="020B0503030302020204" pitchFamily="34" charset="-127"/>
+              </a:rPr>
+              <a:t>출처 </a:t>
+            </a:r>
+            <a:r>
+              <a:rPr lang="en-US" altLang="ko-KR" sz="700" dirty="0">
+                <a:latin typeface="에스코어 드림 4 Regular" panose="020B0503030302020204" pitchFamily="34" charset="-127"/>
+                <a:ea typeface="에스코어 드림 4 Regular" panose="020B0503030302020204" pitchFamily="34" charset="-127"/>
+              </a:rPr>
+              <a:t>: </a:t>
+            </a:r>
+          </a:p>
+          <a:p>
+            <a:r>
+              <a:rPr lang="ko-KR" altLang="en-US" sz="700" dirty="0">
+                <a:latin typeface="에스코어 드림 4 Regular" panose="020B0503030302020204" pitchFamily="34" charset="-127"/>
+                <a:ea typeface="에스코어 드림 4 Regular" panose="020B0503030302020204" pitchFamily="34" charset="-127"/>
+              </a:rPr>
+              <a:t>이현석 외 </a:t>
+            </a:r>
+            <a:r>
+              <a:rPr lang="en-US" altLang="ko-KR" sz="700" dirty="0">
+                <a:latin typeface="에스코어 드림 4 Regular" panose="020B0503030302020204" pitchFamily="34" charset="-127"/>
+                <a:ea typeface="에스코어 드림 4 Regular" panose="020B0503030302020204" pitchFamily="34" charset="-127"/>
+              </a:rPr>
+              <a:t>5</a:t>
+            </a:r>
+            <a:r>
+              <a:rPr lang="ko-KR" altLang="en-US" sz="700" dirty="0">
+                <a:latin typeface="에스코어 드림 4 Regular" panose="020B0503030302020204" pitchFamily="34" charset="-127"/>
+                <a:ea typeface="에스코어 드림 4 Regular" panose="020B0503030302020204" pitchFamily="34" charset="-127"/>
+              </a:rPr>
+              <a:t>인</a:t>
+            </a:r>
+            <a:r>
+              <a:rPr lang="en-US" altLang="ko-KR" sz="700" dirty="0">
+                <a:latin typeface="에스코어 드림 4 Regular" panose="020B0503030302020204" pitchFamily="34" charset="-127"/>
+                <a:ea typeface="에스코어 드림 4 Regular" panose="020B0503030302020204" pitchFamily="34" charset="-127"/>
+              </a:rPr>
+              <a:t>. “Word2Vec</a:t>
+            </a:r>
+            <a:r>
+              <a:rPr lang="ko-KR" altLang="en-US" sz="700" dirty="0">
                 <a:latin typeface="에스코어 드림 4 Regular" panose="020B0503030302020204" pitchFamily="34" charset="-127"/>
                 <a:ea typeface="에스코어 드림 4 Regular" panose="020B0503030302020204" pitchFamily="34" charset="-127"/>
               </a:rPr>
               <a:t>을 이용한 웹 문서 클러스터링 시스템 구현</a:t>
             </a:r>
-            <a:endParaRPr lang="en-US" altLang="ko-KR" sz="1600" dirty="0">
-              <a:latin typeface="에스코어 드림 4 Regular" panose="020B0503030302020204" pitchFamily="34" charset="-127"/>
-              <a:ea typeface="에스코어 드림 4 Regular" panose="020B0503030302020204" pitchFamily="34" charset="-127"/>
-            </a:endParaRPr>
-          </a:p>
-          <a:p>
-            <a:r>
-              <a:rPr lang="en-US" altLang="ko-KR" sz="1600" dirty="0">
-                <a:latin typeface="에스코어 드림 4 Regular" panose="020B0503030302020204" pitchFamily="34" charset="-127"/>
-                <a:ea typeface="에스코어 드림 4 Regular" panose="020B0503030302020204" pitchFamily="34" charset="-127"/>
-              </a:rPr>
-              <a:t>- </a:t>
-            </a:r>
-            <a:r>
-              <a:rPr lang="ko-KR" altLang="en-US" sz="1600" dirty="0">
-                <a:latin typeface="에스코어 드림 4 Regular" panose="020B0503030302020204" pitchFamily="34" charset="-127"/>
-                <a:ea typeface="에스코어 드림 4 Regular" panose="020B0503030302020204" pitchFamily="34" charset="-127"/>
-              </a:rPr>
-              <a:t>위 논문 속 시스템을 본 서비스에 맞게 재구성하여 구현함</a:t>
-            </a:r>
-            <a:r>
-              <a:rPr lang="en-US" altLang="ko-KR" sz="1600" dirty="0">
-                <a:latin typeface="에스코어 드림 4 Regular" panose="020B0503030302020204" pitchFamily="34" charset="-127"/>
-                <a:ea typeface="에스코어 드림 4 Regular" panose="020B0503030302020204" pitchFamily="34" charset="-127"/>
-              </a:rPr>
-              <a:t>.</a:t>
+            <a:r>
+              <a:rPr lang="en-US" altLang="ko-KR" sz="700" dirty="0">
+                <a:latin typeface="에스코어 드림 4 Regular" panose="020B0503030302020204" pitchFamily="34" charset="-127"/>
+                <a:ea typeface="에스코어 드림 4 Regular" panose="020B0503030302020204" pitchFamily="34" charset="-127"/>
+              </a:rPr>
+              <a:t>.” 2016</a:t>
+            </a:r>
+            <a:r>
+              <a:rPr lang="ko-KR" altLang="en-US" sz="700" dirty="0">
+                <a:latin typeface="에스코어 드림 4 Regular" panose="020B0503030302020204" pitchFamily="34" charset="-127"/>
+                <a:ea typeface="에스코어 드림 4 Regular" panose="020B0503030302020204" pitchFamily="34" charset="-127"/>
+              </a:rPr>
+              <a:t>년 추계학술발표대회 논문집 제</a:t>
+            </a:r>
+            <a:r>
+              <a:rPr lang="en-US" altLang="ko-KR" sz="700" dirty="0">
+                <a:latin typeface="에스코어 드림 4 Regular" panose="020B0503030302020204" pitchFamily="34" charset="-127"/>
+                <a:ea typeface="에스코어 드림 4 Regular" panose="020B0503030302020204" pitchFamily="34" charset="-127"/>
+              </a:rPr>
+              <a:t>23</a:t>
+            </a:r>
+            <a:r>
+              <a:rPr lang="ko-KR" altLang="en-US" sz="700" dirty="0">
+                <a:latin typeface="에스코어 드림 4 Regular" panose="020B0503030302020204" pitchFamily="34" charset="-127"/>
+                <a:ea typeface="에스코어 드림 4 Regular" panose="020B0503030302020204" pitchFamily="34" charset="-127"/>
+              </a:rPr>
+              <a:t>권 제</a:t>
+            </a:r>
+            <a:r>
+              <a:rPr lang="en-US" altLang="ko-KR" sz="700" dirty="0">
+                <a:latin typeface="에스코어 드림 4 Regular" panose="020B0503030302020204" pitchFamily="34" charset="-127"/>
+                <a:ea typeface="에스코어 드림 4 Regular" panose="020B0503030302020204" pitchFamily="34" charset="-127"/>
+              </a:rPr>
+              <a:t>2</a:t>
+            </a:r>
+            <a:r>
+              <a:rPr lang="ko-KR" altLang="en-US" sz="700" dirty="0">
+                <a:latin typeface="에스코어 드림 4 Regular" panose="020B0503030302020204" pitchFamily="34" charset="-127"/>
+                <a:ea typeface="에스코어 드림 4 Regular" panose="020B0503030302020204" pitchFamily="34" charset="-127"/>
+              </a:rPr>
+              <a:t>호</a:t>
+            </a:r>
+            <a:r>
+              <a:rPr lang="en-US" altLang="ko-KR" sz="700" dirty="0">
+                <a:latin typeface="에스코어 드림 4 Regular" panose="020B0503030302020204" pitchFamily="34" charset="-127"/>
+                <a:ea typeface="에스코어 드림 4 Regular" panose="020B0503030302020204" pitchFamily="34" charset="-127"/>
+              </a:rPr>
+              <a:t>, </a:t>
+            </a:r>
+            <a:r>
+              <a:rPr lang="ko-KR" altLang="en-US" sz="700" dirty="0">
+                <a:latin typeface="에스코어 드림 4 Regular" panose="020B0503030302020204" pitchFamily="34" charset="-127"/>
+                <a:ea typeface="에스코어 드림 4 Regular" panose="020B0503030302020204" pitchFamily="34" charset="-127"/>
+              </a:rPr>
+              <a:t>정보처리학회</a:t>
+            </a:r>
+            <a:r>
+              <a:rPr lang="en-US" altLang="ko-KR" sz="700" dirty="0">
+                <a:latin typeface="에스코어 드림 4 Regular" panose="020B0503030302020204" pitchFamily="34" charset="-127"/>
+                <a:ea typeface="에스코어 드림 4 Regular" panose="020B0503030302020204" pitchFamily="34" charset="-127"/>
+              </a:rPr>
+              <a:t>, 2016</a:t>
             </a:r>
           </a:p>
         </p:txBody>
@@ -11191,8 +10099,8 @@
         </p:blipFill>
         <p:spPr>
           <a:xfrm>
-            <a:off x="4000207" y="1900024"/>
-            <a:ext cx="4191585" cy="3057952"/>
+            <a:off x="363361" y="1789343"/>
+            <a:ext cx="3226711" cy="3841046"/>
           </a:xfrm>
           <a:prstGeom prst="rect">
             <a:avLst/>
@@ -11221,14 +10129,110 @@
         </p:blipFill>
         <p:spPr>
           <a:xfrm>
-            <a:off x="7157756" y="2760775"/>
-            <a:ext cx="4029637" cy="3181794"/>
+            <a:off x="3423601" y="2130248"/>
+            <a:ext cx="2549558" cy="3400073"/>
           </a:xfrm>
           <a:prstGeom prst="rect">
             <a:avLst/>
           </a:prstGeom>
         </p:spPr>
       </p:pic>
+      <p:sp>
+        <p:nvSpPr>
+          <p:cNvPr id="11" name="직사각형 10">
+            <a:extLst>
+              <a:ext uri="{FF2B5EF4-FFF2-40B4-BE49-F238E27FC236}">
+                <a16:creationId xmlns:a16="http://schemas.microsoft.com/office/drawing/2014/main" id="{EA8A95A3-DE0E-477E-BECE-E949603DD4F7}"/>
+              </a:ext>
+            </a:extLst>
+          </p:cNvPr>
+          <p:cNvSpPr/>
+          <p:nvPr/>
+        </p:nvSpPr>
+        <p:spPr>
+          <a:xfrm>
+            <a:off x="2411476" y="5698120"/>
+            <a:ext cx="1741182" cy="400110"/>
+          </a:xfrm>
+          <a:prstGeom prst="rect">
+            <a:avLst/>
+          </a:prstGeom>
+        </p:spPr>
+        <p:txBody>
+          <a:bodyPr wrap="none">
+            <a:spAutoFit/>
+          </a:bodyPr>
+          <a:lstStyle/>
+          <a:p>
+            <a:r>
+              <a:rPr lang="ko-KR" altLang="en-US" sz="2000" dirty="0">
+                <a:latin typeface="에스코어 드림 5 Medium" panose="020B0503030302020204" pitchFamily="34" charset="-127"/>
+                <a:ea typeface="에스코어 드림 5 Medium" panose="020B0503030302020204" pitchFamily="34" charset="-127"/>
+              </a:rPr>
+              <a:t>참고 </a:t>
+            </a:r>
+            <a:r>
+              <a:rPr lang="ko-KR" altLang="en-US" sz="2000" dirty="0" err="1">
+                <a:latin typeface="에스코어 드림 5 Medium" panose="020B0503030302020204" pitchFamily="34" charset="-127"/>
+                <a:ea typeface="에스코어 드림 5 Medium" panose="020B0503030302020204" pitchFamily="34" charset="-127"/>
+              </a:rPr>
+              <a:t>아키텍쳐</a:t>
+            </a:r>
+            <a:endParaRPr lang="en-US" altLang="ko-KR" sz="2000" dirty="0">
+              <a:latin typeface="에스코어 드림 5 Medium" panose="020B0503030302020204" pitchFamily="34" charset="-127"/>
+              <a:ea typeface="에스코어 드림 5 Medium" panose="020B0503030302020204" pitchFamily="34" charset="-127"/>
+            </a:endParaRPr>
+          </a:p>
+        </p:txBody>
+      </p:sp>
+      <p:sp>
+        <p:nvSpPr>
+          <p:cNvPr id="12" name="직사각형 11">
+            <a:extLst>
+              <a:ext uri="{FF2B5EF4-FFF2-40B4-BE49-F238E27FC236}">
+                <a16:creationId xmlns:a16="http://schemas.microsoft.com/office/drawing/2014/main" id="{2912FF62-B4D1-451E-A16A-794394BEF0FB}"/>
+              </a:ext>
+            </a:extLst>
+          </p:cNvPr>
+          <p:cNvSpPr/>
+          <p:nvPr/>
+        </p:nvSpPr>
+        <p:spPr>
+          <a:xfrm>
+            <a:off x="7935976" y="5630684"/>
+            <a:ext cx="2803973" cy="400110"/>
+          </a:xfrm>
+          <a:prstGeom prst="rect">
+            <a:avLst/>
+          </a:prstGeom>
+        </p:spPr>
+        <p:txBody>
+          <a:bodyPr wrap="none">
+            <a:spAutoFit/>
+          </a:bodyPr>
+          <a:lstStyle/>
+          <a:p>
+            <a:r>
+              <a:rPr lang="ko-KR" altLang="en-US" sz="2000">
+                <a:latin typeface="에스코어 드림 5 Medium" panose="020B0503030302020204" pitchFamily="34" charset="-127"/>
+                <a:ea typeface="에스코어 드림 5 Medium" panose="020B0503030302020204" pitchFamily="34" charset="-127"/>
+              </a:rPr>
+              <a:t>실제로 구현된 </a:t>
+            </a:r>
+            <a:r>
+              <a:rPr lang="ko-KR" altLang="en-US" sz="2000" dirty="0" err="1">
+                <a:latin typeface="에스코어 드림 5 Medium" panose="020B0503030302020204" pitchFamily="34" charset="-127"/>
+                <a:ea typeface="에스코어 드림 5 Medium" panose="020B0503030302020204" pitchFamily="34" charset="-127"/>
+              </a:rPr>
+              <a:t>아키텍쳐</a:t>
+            </a:r>
+            <a:endParaRPr lang="en-US" altLang="ko-KR" sz="2000" dirty="0">
+              <a:latin typeface="에스코어 드림 5 Medium" panose="020B0503030302020204" pitchFamily="34" charset="-127"/>
+              <a:ea typeface="에스코어 드림 5 Medium" panose="020B0503030302020204" pitchFamily="34" charset="-127"/>
+            </a:endParaRPr>
+          </a:p>
+        </p:txBody>
+      </p:sp>
     </p:spTree>
     <p:extLst>
       <p:ext uri="{BB962C8B-B14F-4D97-AF65-F5344CB8AC3E}">
@@ -11243,603 +10247,6 @@
 </file>
 
 <file path=ppt/slides/slide6.xml><?xml version="1.0" encoding="utf-8"?>
-<p:sld xmlns:a="http://schemas.openxmlformats.org/drawingml/2006/main" xmlns:r="http://schemas.openxmlformats.org/officeDocument/2006/relationships" xmlns:p="http://schemas.openxmlformats.org/presentationml/2006/main">
-  <p:cSld>
-    <p:spTree>
-      <p:nvGrpSpPr>
-        <p:cNvPr id="1" name=""/>
-        <p:cNvGrpSpPr/>
-        <p:nvPr/>
-      </p:nvGrpSpPr>
-      <p:grpSpPr>
-        <a:xfrm>
-          <a:off x="0" y="0"/>
-          <a:ext cx="0" cy="0"/>
-          <a:chOff x="0" y="0"/>
-          <a:chExt cx="0" cy="0"/>
-        </a:xfrm>
-      </p:grpSpPr>
-      <p:sp>
-        <p:nvSpPr>
-          <p:cNvPr id="27" name="TextBox 26"/>
-          <p:cNvSpPr txBox="1"/>
-          <p:nvPr/>
-        </p:nvSpPr>
-        <p:spPr>
-          <a:xfrm>
-            <a:off x="1172022" y="451481"/>
-            <a:ext cx="2296845" cy="707886"/>
-          </a:xfrm>
-          <a:prstGeom prst="rect">
-            <a:avLst/>
-          </a:prstGeom>
-          <a:noFill/>
-        </p:spPr>
-        <p:txBody>
-          <a:bodyPr wrap="square" rtlCol="0">
-            <a:spAutoFit/>
-          </a:bodyPr>
-          <a:lstStyle/>
-          <a:p>
-            <a:r>
-              <a:rPr lang="en-US" altLang="ko-KR" sz="4000" dirty="0">
-                <a:solidFill>
-                  <a:srgbClr val="1D1D1D"/>
-                </a:solidFill>
-                <a:latin typeface="에스코어 드림 6 Bold" panose="020B0703030302020204" pitchFamily="34" charset="-127"/>
-                <a:ea typeface="에스코어 드림 6 Bold" panose="020B0703030302020204" pitchFamily="34" charset="-127"/>
-              </a:rPr>
-              <a:t>Projects</a:t>
-            </a:r>
-            <a:endParaRPr lang="ko-KR" altLang="en-US" sz="4000" dirty="0">
-              <a:solidFill>
-                <a:srgbClr val="1D1D1D"/>
-              </a:solidFill>
-              <a:latin typeface="에스코어 드림 6 Bold" panose="020B0703030302020204" pitchFamily="34" charset="-127"/>
-              <a:ea typeface="에스코어 드림 6 Bold" panose="020B0703030302020204" pitchFamily="34" charset="-127"/>
-            </a:endParaRPr>
-          </a:p>
-        </p:txBody>
-      </p:sp>
-      <p:sp>
-        <p:nvSpPr>
-          <p:cNvPr id="30" name="TextBox 29"/>
-          <p:cNvSpPr txBox="1"/>
-          <p:nvPr/>
-        </p:nvSpPr>
-        <p:spPr>
-          <a:xfrm>
-            <a:off x="195473" y="311719"/>
-            <a:ext cx="976549" cy="923330"/>
-          </a:xfrm>
-          <a:prstGeom prst="rect">
-            <a:avLst/>
-          </a:prstGeom>
-          <a:noFill/>
-        </p:spPr>
-        <p:txBody>
-          <a:bodyPr wrap="none" rtlCol="0">
-            <a:spAutoFit/>
-          </a:bodyPr>
-          <a:lstStyle/>
-          <a:p>
-            <a:r>
-              <a:rPr lang="en-US" altLang="ko-KR" sz="5400" spc="-300" dirty="0">
-                <a:solidFill>
-                  <a:srgbClr val="1D1D1D"/>
-                </a:solidFill>
-                <a:latin typeface="에스코어 드림 7 ExtraBold" panose="020B0803030302020204" pitchFamily="34" charset="-127"/>
-                <a:ea typeface="에스코어 드림 7 ExtraBold" panose="020B0803030302020204" pitchFamily="34" charset="-127"/>
-              </a:rPr>
-              <a:t>01</a:t>
-            </a:r>
-            <a:endParaRPr lang="ko-KR" altLang="en-US" sz="5400" spc="-300" dirty="0">
-              <a:solidFill>
-                <a:srgbClr val="1D1D1D"/>
-              </a:solidFill>
-              <a:latin typeface="에스코어 드림 7 ExtraBold" panose="020B0803030302020204" pitchFamily="34" charset="-127"/>
-              <a:ea typeface="에스코어 드림 7 ExtraBold" panose="020B0803030302020204" pitchFamily="34" charset="-127"/>
-            </a:endParaRPr>
-          </a:p>
-        </p:txBody>
-      </p:sp>
-      <p:sp>
-        <p:nvSpPr>
-          <p:cNvPr id="3" name="직사각형 2"/>
-          <p:cNvSpPr/>
-          <p:nvPr/>
-        </p:nvSpPr>
-        <p:spPr>
-          <a:xfrm>
-            <a:off x="363362" y="1327678"/>
-            <a:ext cx="3845348" cy="461665"/>
-          </a:xfrm>
-          <a:prstGeom prst="rect">
-            <a:avLst/>
-          </a:prstGeom>
-        </p:spPr>
-        <p:txBody>
-          <a:bodyPr wrap="none">
-            <a:spAutoFit/>
-          </a:bodyPr>
-          <a:lstStyle/>
-          <a:p>
-            <a:r>
-              <a:rPr lang="en-US" altLang="ko-KR" sz="2400" dirty="0">
-                <a:latin typeface="에스코어 드림 6 Bold" panose="020B0703030302020204" pitchFamily="34" charset="-127"/>
-                <a:ea typeface="에스코어 드림 6 Bold" panose="020B0703030302020204" pitchFamily="34" charset="-127"/>
-              </a:rPr>
-              <a:t>Outcomes : </a:t>
-            </a:r>
-            <a:r>
-              <a:rPr lang="ko-KR" altLang="en-US" sz="2400" dirty="0">
-                <a:latin typeface="에스코어 드림 6 Bold" panose="020B0703030302020204" pitchFamily="34" charset="-127"/>
-                <a:ea typeface="에스코어 드림 6 Bold" panose="020B0703030302020204" pitchFamily="34" charset="-127"/>
-              </a:rPr>
-              <a:t>분석 </a:t>
-            </a:r>
-            <a:r>
-              <a:rPr lang="ko-KR" altLang="en-US" sz="2400" dirty="0" err="1">
-                <a:latin typeface="에스코어 드림 6 Bold" panose="020B0703030302020204" pitchFamily="34" charset="-127"/>
-                <a:ea typeface="에스코어 드림 6 Bold" panose="020B0703030302020204" pitchFamily="34" charset="-127"/>
-              </a:rPr>
-              <a:t>아키텍쳐</a:t>
-            </a:r>
-            <a:endParaRPr lang="en-US" altLang="ko-KR" sz="2400" dirty="0">
-              <a:latin typeface="에스코어 드림 6 Bold" panose="020B0703030302020204" pitchFamily="34" charset="-127"/>
-              <a:ea typeface="에스코어 드림 6 Bold" panose="020B0703030302020204" pitchFamily="34" charset="-127"/>
-            </a:endParaRPr>
-          </a:p>
-        </p:txBody>
-      </p:sp>
-      <p:pic>
-        <p:nvPicPr>
-          <p:cNvPr id="6" name="그림 5">
-            <a:extLst>
-              <a:ext uri="{FF2B5EF4-FFF2-40B4-BE49-F238E27FC236}">
-                <a16:creationId xmlns:a16="http://schemas.microsoft.com/office/drawing/2014/main" id="{766E1FBD-C58C-4642-A715-37D3DBA0523B}"/>
-              </a:ext>
-            </a:extLst>
-          </p:cNvPr>
-          <p:cNvPicPr>
-            <a:picLocks noChangeAspect="1"/>
-          </p:cNvPicPr>
-          <p:nvPr/>
-        </p:nvPicPr>
-        <p:blipFill>
-          <a:blip r:embed="rId2" cstate="print">
-            <a:extLst>
-              <a:ext uri="{28A0092B-C50C-407E-A947-70E740481C1C}">
-                <a14:useLocalDpi xmlns:a14="http://schemas.microsoft.com/office/drawing/2010/main" val="0"/>
-              </a:ext>
-            </a:extLst>
-          </a:blip>
-          <a:stretch>
-            <a:fillRect/>
-          </a:stretch>
-        </p:blipFill>
-        <p:spPr>
-          <a:xfrm>
-            <a:off x="6854699" y="1081928"/>
-            <a:ext cx="5023693" cy="2785573"/>
-          </a:xfrm>
-          <a:prstGeom prst="rect">
-            <a:avLst/>
-          </a:prstGeom>
-        </p:spPr>
-      </p:pic>
-      <p:sp>
-        <p:nvSpPr>
-          <p:cNvPr id="15" name="TextBox 14">
-            <a:extLst>
-              <a:ext uri="{FF2B5EF4-FFF2-40B4-BE49-F238E27FC236}">
-                <a16:creationId xmlns:a16="http://schemas.microsoft.com/office/drawing/2014/main" id="{28873ACB-A279-48C8-B7EB-07C621BB0316}"/>
-              </a:ext>
-            </a:extLst>
-          </p:cNvPr>
-          <p:cNvSpPr txBox="1"/>
-          <p:nvPr/>
-        </p:nvSpPr>
-        <p:spPr>
-          <a:xfrm>
-            <a:off x="6991350" y="2754448"/>
-            <a:ext cx="5023693" cy="2339102"/>
-          </a:xfrm>
-          <a:prstGeom prst="rect">
-            <a:avLst/>
-          </a:prstGeom>
-          <a:noFill/>
-        </p:spPr>
-        <p:txBody>
-          <a:bodyPr wrap="square" rtlCol="0">
-            <a:spAutoFit/>
-          </a:bodyPr>
-          <a:lstStyle/>
-          <a:p>
-            <a:pPr marL="342900" indent="-342900">
-              <a:buAutoNum type="arabicPeriod"/>
-            </a:pPr>
-            <a:r>
-              <a:rPr lang="en-US" altLang="ko-KR" sz="1600" dirty="0">
-                <a:latin typeface="에스코어 드림 4 Regular" panose="020B0503030302020204" pitchFamily="34" charset="-127"/>
-                <a:ea typeface="에스코어 드림 4 Regular" panose="020B0503030302020204" pitchFamily="34" charset="-127"/>
-              </a:rPr>
-              <a:t>Kiwi</a:t>
-            </a:r>
-            <a:r>
-              <a:rPr lang="ko-KR" altLang="en-US" sz="1600" dirty="0">
-                <a:latin typeface="에스코어 드림 4 Regular" panose="020B0503030302020204" pitchFamily="34" charset="-127"/>
-                <a:ea typeface="에스코어 드림 4 Regular" panose="020B0503030302020204" pitchFamily="34" charset="-127"/>
-              </a:rPr>
-              <a:t> </a:t>
-            </a:r>
-            <a:r>
-              <a:rPr lang="en-US" altLang="ko-KR" sz="1600" dirty="0">
-                <a:latin typeface="에스코어 드림 4 Regular" panose="020B0503030302020204" pitchFamily="34" charset="-127"/>
-                <a:ea typeface="에스코어 드림 4 Regular" panose="020B0503030302020204" pitchFamily="34" charset="-127"/>
-              </a:rPr>
-              <a:t>: </a:t>
-            </a:r>
-            <a:r>
-              <a:rPr lang="ko-KR" altLang="en-US" sz="1600" dirty="0">
-                <a:latin typeface="에스코어 드림 4 Regular" panose="020B0503030302020204" pitchFamily="34" charset="-127"/>
-                <a:ea typeface="에스코어 드림 4 Regular" panose="020B0503030302020204" pitchFamily="34" charset="-127"/>
-              </a:rPr>
-              <a:t>형태소 분석 </a:t>
-            </a:r>
-            <a:r>
-              <a:rPr lang="en-US" altLang="ko-KR" sz="1600" dirty="0">
-                <a:latin typeface="에스코어 드림 4 Regular" panose="020B0503030302020204" pitchFamily="34" charset="-127"/>
-                <a:ea typeface="에스코어 드림 4 Regular" panose="020B0503030302020204" pitchFamily="34" charset="-127"/>
-              </a:rPr>
-              <a:t>&amp; </a:t>
-            </a:r>
-            <a:r>
-              <a:rPr lang="ko-KR" altLang="en-US" sz="1600" dirty="0">
-                <a:latin typeface="에스코어 드림 4 Regular" panose="020B0503030302020204" pitchFamily="34" charset="-127"/>
-                <a:ea typeface="에스코어 드림 4 Regular" panose="020B0503030302020204" pitchFamily="34" charset="-127"/>
-              </a:rPr>
-              <a:t>토크나이징</a:t>
-            </a:r>
-            <a:endParaRPr lang="en-US" altLang="ko-KR" sz="1600" dirty="0">
-              <a:latin typeface="에스코어 드림 4 Regular" panose="020B0503030302020204" pitchFamily="34" charset="-127"/>
-              <a:ea typeface="에스코어 드림 4 Regular" panose="020B0503030302020204" pitchFamily="34" charset="-127"/>
-            </a:endParaRPr>
-          </a:p>
-          <a:p>
-            <a:pPr marL="342900" indent="-342900">
-              <a:buAutoNum type="arabicPeriod"/>
-            </a:pPr>
-            <a:endParaRPr lang="en-US" altLang="ko-KR" sz="1600" dirty="0">
-              <a:latin typeface="에스코어 드림 4 Regular" panose="020B0503030302020204" pitchFamily="34" charset="-127"/>
-              <a:ea typeface="에스코어 드림 4 Regular" panose="020B0503030302020204" pitchFamily="34" charset="-127"/>
-            </a:endParaRPr>
-          </a:p>
-          <a:p>
-            <a:pPr marL="342900" indent="-342900">
-              <a:buAutoNum type="arabicPeriod"/>
-            </a:pPr>
-            <a:r>
-              <a:rPr lang="en-US" altLang="ko-KR" sz="1600" dirty="0">
-                <a:latin typeface="에스코어 드림 4 Regular" panose="020B0503030302020204" pitchFamily="34" charset="-127"/>
-                <a:ea typeface="에스코어 드림 4 Regular" panose="020B0503030302020204" pitchFamily="34" charset="-127"/>
-              </a:rPr>
-              <a:t>W2V</a:t>
-            </a:r>
-            <a:r>
-              <a:rPr lang="ko-KR" altLang="en-US" sz="1600" dirty="0">
-                <a:latin typeface="에스코어 드림 4 Regular" panose="020B0503030302020204" pitchFamily="34" charset="-127"/>
-                <a:ea typeface="에스코어 드림 4 Regular" panose="020B0503030302020204" pitchFamily="34" charset="-127"/>
-              </a:rPr>
-              <a:t> </a:t>
-            </a:r>
-            <a:r>
-              <a:rPr lang="en-US" altLang="ko-KR" sz="1600" dirty="0">
-                <a:latin typeface="에스코어 드림 4 Regular" panose="020B0503030302020204" pitchFamily="34" charset="-127"/>
-                <a:ea typeface="에스코어 드림 4 Regular" panose="020B0503030302020204" pitchFamily="34" charset="-127"/>
-              </a:rPr>
-              <a:t>: </a:t>
-            </a:r>
-            <a:r>
-              <a:rPr lang="ko-KR" altLang="en-US" sz="1600" dirty="0">
-                <a:latin typeface="에스코어 드림 4 Regular" panose="020B0503030302020204" pitchFamily="34" charset="-127"/>
-                <a:ea typeface="에스코어 드림 4 Regular" panose="020B0503030302020204" pitchFamily="34" charset="-127"/>
-              </a:rPr>
-              <a:t>단어 </a:t>
-            </a:r>
-            <a:r>
-              <a:rPr lang="ko-KR" altLang="en-US" sz="1600" dirty="0" err="1">
-                <a:latin typeface="에스코어 드림 4 Regular" panose="020B0503030302020204" pitchFamily="34" charset="-127"/>
-                <a:ea typeface="에스코어 드림 4 Regular" panose="020B0503030302020204" pitchFamily="34" charset="-127"/>
-              </a:rPr>
-              <a:t>임베딩</a:t>
-            </a:r>
-            <a:endParaRPr lang="en-US" altLang="ko-KR" sz="1600" dirty="0">
-              <a:latin typeface="에스코어 드림 4 Regular" panose="020B0503030302020204" pitchFamily="34" charset="-127"/>
-              <a:ea typeface="에스코어 드림 4 Regular" panose="020B0503030302020204" pitchFamily="34" charset="-127"/>
-            </a:endParaRPr>
-          </a:p>
-          <a:p>
-            <a:pPr marL="342900" indent="-342900">
-              <a:buAutoNum type="arabicPeriod"/>
-            </a:pPr>
-            <a:endParaRPr lang="en-US" altLang="ko-KR" sz="1600" dirty="0">
-              <a:latin typeface="에스코어 드림 4 Regular" panose="020B0503030302020204" pitchFamily="34" charset="-127"/>
-              <a:ea typeface="에스코어 드림 4 Regular" panose="020B0503030302020204" pitchFamily="34" charset="-127"/>
-            </a:endParaRPr>
-          </a:p>
-          <a:p>
-            <a:pPr marL="342900" indent="-342900">
-              <a:buAutoNum type="arabicPeriod"/>
-            </a:pPr>
-            <a:r>
-              <a:rPr lang="en-US" altLang="ko-KR" sz="1600" dirty="0">
-                <a:latin typeface="에스코어 드림 4 Regular" panose="020B0503030302020204" pitchFamily="34" charset="-127"/>
-                <a:ea typeface="에스코어 드림 4 Regular" panose="020B0503030302020204" pitchFamily="34" charset="-127"/>
-              </a:rPr>
-              <a:t>Spherical </a:t>
-            </a:r>
-            <a:r>
-              <a:rPr lang="en-US" altLang="ko-KR" sz="1600" dirty="0" err="1">
-                <a:latin typeface="에스코어 드림 4 Regular" panose="020B0503030302020204" pitchFamily="34" charset="-127"/>
-                <a:ea typeface="에스코어 드림 4 Regular" panose="020B0503030302020204" pitchFamily="34" charset="-127"/>
-              </a:rPr>
-              <a:t>Kmeans</a:t>
-            </a:r>
-            <a:r>
-              <a:rPr lang="en-US" altLang="ko-KR" sz="1600" dirty="0">
-                <a:latin typeface="에스코어 드림 4 Regular" panose="020B0503030302020204" pitchFamily="34" charset="-127"/>
-                <a:ea typeface="에스코어 드림 4 Regular" panose="020B0503030302020204" pitchFamily="34" charset="-127"/>
-              </a:rPr>
-              <a:t> : </a:t>
-            </a:r>
-            <a:r>
-              <a:rPr lang="ko-KR" altLang="en-US" sz="1600" dirty="0">
-                <a:latin typeface="에스코어 드림 4 Regular" panose="020B0503030302020204" pitchFamily="34" charset="-127"/>
-                <a:ea typeface="에스코어 드림 4 Regular" panose="020B0503030302020204" pitchFamily="34" charset="-127"/>
-              </a:rPr>
-              <a:t>군집 분석</a:t>
-            </a:r>
-            <a:endParaRPr lang="en-US" altLang="ko-KR" sz="1600" dirty="0">
-              <a:latin typeface="에스코어 드림 4 Regular" panose="020B0503030302020204" pitchFamily="34" charset="-127"/>
-              <a:ea typeface="에스코어 드림 4 Regular" panose="020B0503030302020204" pitchFamily="34" charset="-127"/>
-            </a:endParaRPr>
-          </a:p>
-          <a:p>
-            <a:pPr marL="342900" indent="-342900">
-              <a:buAutoNum type="arabicPeriod"/>
-            </a:pPr>
-            <a:endParaRPr lang="en-US" altLang="ko-KR" sz="1600" dirty="0">
-              <a:latin typeface="에스코어 드림 4 Regular" panose="020B0503030302020204" pitchFamily="34" charset="-127"/>
-              <a:ea typeface="에스코어 드림 4 Regular" panose="020B0503030302020204" pitchFamily="34" charset="-127"/>
-            </a:endParaRPr>
-          </a:p>
-          <a:p>
-            <a:pPr marL="342900" indent="-342900">
-              <a:buAutoNum type="arabicPeriod"/>
-            </a:pPr>
-            <a:r>
-              <a:rPr lang="en-US" altLang="ko-KR" sz="1600" dirty="0" err="1">
-                <a:latin typeface="에스코어 드림 4 Regular" panose="020B0503030302020204" pitchFamily="34" charset="-127"/>
-                <a:ea typeface="에스코어 드림 4 Regular" panose="020B0503030302020204" pitchFamily="34" charset="-127"/>
-              </a:rPr>
-              <a:t>TextRank</a:t>
-            </a:r>
-            <a:r>
-              <a:rPr lang="ko-KR" altLang="en-US" sz="1600" dirty="0">
-                <a:latin typeface="에스코어 드림 4 Regular" panose="020B0503030302020204" pitchFamily="34" charset="-127"/>
-                <a:ea typeface="에스코어 드림 4 Regular" panose="020B0503030302020204" pitchFamily="34" charset="-127"/>
-              </a:rPr>
-              <a:t> </a:t>
-            </a:r>
-            <a:r>
-              <a:rPr lang="en-US" altLang="ko-KR" sz="1600" dirty="0">
-                <a:latin typeface="에스코어 드림 4 Regular" panose="020B0503030302020204" pitchFamily="34" charset="-127"/>
-                <a:ea typeface="에스코어 드림 4 Regular" panose="020B0503030302020204" pitchFamily="34" charset="-127"/>
-              </a:rPr>
-              <a:t>:</a:t>
-            </a:r>
-            <a:r>
-              <a:rPr lang="ko-KR" altLang="en-US" sz="1600" dirty="0">
-                <a:latin typeface="에스코어 드림 4 Regular" panose="020B0503030302020204" pitchFamily="34" charset="-127"/>
-                <a:ea typeface="에스코어 드림 4 Regular" panose="020B0503030302020204" pitchFamily="34" charset="-127"/>
-              </a:rPr>
-              <a:t> 키워드 추출 및 토픽모델링</a:t>
-            </a:r>
-            <a:endParaRPr lang="en-US" altLang="ko-KR" sz="1600" dirty="0">
-              <a:latin typeface="에스코어 드림 4 Regular" panose="020B0503030302020204" pitchFamily="34" charset="-127"/>
-              <a:ea typeface="에스코어 드림 4 Regular" panose="020B0503030302020204" pitchFamily="34" charset="-127"/>
-            </a:endParaRPr>
-          </a:p>
-          <a:p>
-            <a:pPr marL="342900" indent="-342900">
-              <a:buAutoNum type="arabicPeriod"/>
-            </a:pPr>
-            <a:endParaRPr lang="en-US" altLang="ko-KR" sz="1600" dirty="0">
-              <a:latin typeface="에스코어 드림 4 Regular" panose="020B0503030302020204" pitchFamily="34" charset="-127"/>
-              <a:ea typeface="에스코어 드림 4 Regular" panose="020B0503030302020204" pitchFamily="34" charset="-127"/>
-            </a:endParaRPr>
-          </a:p>
-          <a:p>
-            <a:pPr marL="342900" indent="-342900">
-              <a:buAutoNum type="arabicPeriod"/>
-            </a:pPr>
-            <a:r>
-              <a:rPr lang="en-US" altLang="ko-KR" sz="1600" dirty="0">
-                <a:latin typeface="에스코어 드림 4 Regular" panose="020B0503030302020204" pitchFamily="34" charset="-127"/>
-                <a:ea typeface="에스코어 드림 4 Regular" panose="020B0503030302020204" pitchFamily="34" charset="-127"/>
-              </a:rPr>
-              <a:t>CB filtering : </a:t>
-            </a:r>
-            <a:r>
-              <a:rPr lang="ko-KR" altLang="en-US" sz="1600" dirty="0">
-                <a:latin typeface="에스코어 드림 4 Regular" panose="020B0503030302020204" pitchFamily="34" charset="-127"/>
-                <a:ea typeface="에스코어 드림 4 Regular" panose="020B0503030302020204" pitchFamily="34" charset="-127"/>
-              </a:rPr>
-              <a:t>유사도기반 추천 모델</a:t>
-            </a:r>
-            <a:endParaRPr lang="en-US" altLang="ko-KR" sz="1600" dirty="0">
-              <a:latin typeface="에스코어 드림 4 Regular" panose="020B0503030302020204" pitchFamily="34" charset="-127"/>
-              <a:ea typeface="에스코어 드림 4 Regular" panose="020B0503030302020204" pitchFamily="34" charset="-127"/>
-            </a:endParaRPr>
-          </a:p>
-        </p:txBody>
-      </p:sp>
-      <p:sp>
-        <p:nvSpPr>
-          <p:cNvPr id="16" name="직사각형 15">
-            <a:extLst>
-              <a:ext uri="{FF2B5EF4-FFF2-40B4-BE49-F238E27FC236}">
-                <a16:creationId xmlns:a16="http://schemas.microsoft.com/office/drawing/2014/main" id="{8D8111AD-483A-4615-9F5D-7211365F9939}"/>
-              </a:ext>
-            </a:extLst>
-          </p:cNvPr>
-          <p:cNvSpPr/>
-          <p:nvPr/>
-        </p:nvSpPr>
-        <p:spPr>
-          <a:xfrm>
-            <a:off x="6991350" y="2115142"/>
-            <a:ext cx="1602362" cy="400110"/>
-          </a:xfrm>
-          <a:prstGeom prst="rect">
-            <a:avLst/>
-          </a:prstGeom>
-        </p:spPr>
-        <p:txBody>
-          <a:bodyPr wrap="none">
-            <a:spAutoFit/>
-          </a:bodyPr>
-          <a:lstStyle/>
-          <a:p>
-            <a:r>
-              <a:rPr lang="en-US" altLang="ko-KR" sz="2000" dirty="0">
-                <a:latin typeface="에스코어 드림 5 Medium" panose="020B0503030302020204" pitchFamily="34" charset="-127"/>
-                <a:ea typeface="에스코어 드림 5 Medium" panose="020B0503030302020204" pitchFamily="34" charset="-127"/>
-              </a:rPr>
-              <a:t>Description</a:t>
-            </a:r>
-          </a:p>
-        </p:txBody>
-      </p:sp>
-      <p:pic>
-        <p:nvPicPr>
-          <p:cNvPr id="10" name="그림 9">
-            <a:extLst>
-              <a:ext uri="{FF2B5EF4-FFF2-40B4-BE49-F238E27FC236}">
-                <a16:creationId xmlns:a16="http://schemas.microsoft.com/office/drawing/2014/main" id="{9AF05F22-CAE7-4AFB-83D2-9C3793783816}"/>
-              </a:ext>
-            </a:extLst>
-          </p:cNvPr>
-          <p:cNvPicPr>
-            <a:picLocks noChangeAspect="1"/>
-          </p:cNvPicPr>
-          <p:nvPr/>
-        </p:nvPicPr>
-        <p:blipFill>
-          <a:blip r:embed="rId3"/>
-          <a:stretch>
-            <a:fillRect/>
-          </a:stretch>
-        </p:blipFill>
-        <p:spPr>
-          <a:xfrm>
-            <a:off x="456908" y="2115142"/>
-            <a:ext cx="2989029" cy="2180633"/>
-          </a:xfrm>
-          <a:prstGeom prst="rect">
-            <a:avLst/>
-          </a:prstGeom>
-        </p:spPr>
-      </p:pic>
-      <p:pic>
-        <p:nvPicPr>
-          <p:cNvPr id="19" name="그림 18">
-            <a:extLst>
-              <a:ext uri="{FF2B5EF4-FFF2-40B4-BE49-F238E27FC236}">
-                <a16:creationId xmlns:a16="http://schemas.microsoft.com/office/drawing/2014/main" id="{51A2AC5F-0723-4B0B-817C-6503764FEB1A}"/>
-              </a:ext>
-            </a:extLst>
-          </p:cNvPr>
-          <p:cNvPicPr>
-            <a:picLocks noChangeAspect="1"/>
-          </p:cNvPicPr>
-          <p:nvPr/>
-        </p:nvPicPr>
-        <p:blipFill>
-          <a:blip r:embed="rId4"/>
-          <a:stretch>
-            <a:fillRect/>
-          </a:stretch>
-        </p:blipFill>
-        <p:spPr>
-          <a:xfrm>
-            <a:off x="3256121" y="2035907"/>
-            <a:ext cx="2962395" cy="2339102"/>
-          </a:xfrm>
-          <a:prstGeom prst="rect">
-            <a:avLst/>
-          </a:prstGeom>
-        </p:spPr>
-      </p:pic>
-      <p:sp>
-        <p:nvSpPr>
-          <p:cNvPr id="11" name="직사각형 10">
-            <a:extLst>
-              <a:ext uri="{FF2B5EF4-FFF2-40B4-BE49-F238E27FC236}">
-                <a16:creationId xmlns:a16="http://schemas.microsoft.com/office/drawing/2014/main" id="{6ECCD28D-AA54-4532-A92F-05239AAAD731}"/>
-              </a:ext>
-            </a:extLst>
-          </p:cNvPr>
-          <p:cNvSpPr/>
-          <p:nvPr/>
-        </p:nvSpPr>
-        <p:spPr>
-          <a:xfrm>
-            <a:off x="609308" y="4623523"/>
-            <a:ext cx="710451" cy="338554"/>
-          </a:xfrm>
-          <a:prstGeom prst="rect">
-            <a:avLst/>
-          </a:prstGeom>
-        </p:spPr>
-        <p:txBody>
-          <a:bodyPr wrap="none">
-            <a:spAutoFit/>
-          </a:bodyPr>
-          <a:lstStyle/>
-          <a:p>
-            <a:r>
-              <a:rPr lang="ko-KR" altLang="en-US" sz="1600" dirty="0">
-                <a:latin typeface="에스코어 드림 4 Regular" panose="020B0503030302020204" pitchFamily="34" charset="-127"/>
-                <a:ea typeface="에스코어 드림 4 Regular" panose="020B0503030302020204" pitchFamily="34" charset="-127"/>
-              </a:rPr>
-              <a:t>참조</a:t>
-            </a:r>
-            <a:r>
-              <a:rPr lang="en-US" altLang="ko-KR" sz="1600" dirty="0">
-                <a:latin typeface="에스코어 드림 4 Regular" panose="020B0503030302020204" pitchFamily="34" charset="-127"/>
-                <a:ea typeface="에스코어 드림 4 Regular" panose="020B0503030302020204" pitchFamily="34" charset="-127"/>
-              </a:rPr>
-              <a:t>) </a:t>
-            </a:r>
-          </a:p>
-        </p:txBody>
-      </p:sp>
-    </p:spTree>
-    <p:extLst>
-      <p:ext uri="{BB962C8B-B14F-4D97-AF65-F5344CB8AC3E}">
-        <p14:creationId xmlns:p14="http://schemas.microsoft.com/office/powerpoint/2010/main" val="744643688"/>
-      </p:ext>
-    </p:extLst>
-  </p:cSld>
-  <p:clrMapOvr>
-    <a:masterClrMapping/>
-  </p:clrMapOvr>
-</p:sld>
-</file>
-
-<file path=ppt/slides/slide7.xml><?xml version="1.0" encoding="utf-8"?>
 <p:sld xmlns:a="http://schemas.openxmlformats.org/drawingml/2006/main" xmlns:r="http://schemas.openxmlformats.org/officeDocument/2006/relationships" xmlns:p="http://schemas.openxmlformats.org/presentationml/2006/main">
   <p:cSld>
     <p:spTree>
@@ -12711,7 +11118,7 @@
 </p:sld>
 </file>
 
-<file path=ppt/slides/slide8.xml><?xml version="1.0" encoding="utf-8"?>
+<file path=ppt/slides/slide7.xml><?xml version="1.0" encoding="utf-8"?>
 <p:sld xmlns:a="http://schemas.openxmlformats.org/drawingml/2006/main" xmlns:r="http://schemas.openxmlformats.org/officeDocument/2006/relationships" xmlns:p="http://schemas.openxmlformats.org/presentationml/2006/main">
   <p:cSld>
     <p:spTree>
@@ -12954,7 +11361,7 @@
 </p:sld>
 </file>
 
-<file path=ppt/slides/slide9.xml><?xml version="1.0" encoding="utf-8"?>
+<file path=ppt/slides/slide8.xml><?xml version="1.0" encoding="utf-8"?>
 <p:sld xmlns:a="http://schemas.openxmlformats.org/drawingml/2006/main" xmlns:r="http://schemas.openxmlformats.org/officeDocument/2006/relationships" xmlns:p="http://schemas.openxmlformats.org/presentationml/2006/main">
   <p:cSld>
     <p:spTree>
@@ -13187,6 +11594,879 @@
     <p:extLst>
       <p:ext uri="{BB962C8B-B14F-4D97-AF65-F5344CB8AC3E}">
         <p14:creationId xmlns:p14="http://schemas.microsoft.com/office/powerpoint/2010/main" val="776678114"/>
+      </p:ext>
+    </p:extLst>
+  </p:cSld>
+  <p:clrMapOvr>
+    <a:masterClrMapping/>
+  </p:clrMapOvr>
+</p:sld>
+</file>
+
+<file path=ppt/slides/slide9.xml><?xml version="1.0" encoding="utf-8"?>
+<p:sld xmlns:a="http://schemas.openxmlformats.org/drawingml/2006/main" xmlns:r="http://schemas.openxmlformats.org/officeDocument/2006/relationships" xmlns:p="http://schemas.openxmlformats.org/presentationml/2006/main">
+  <p:cSld>
+    <p:spTree>
+      <p:nvGrpSpPr>
+        <p:cNvPr id="1" name=""/>
+        <p:cNvGrpSpPr/>
+        <p:nvPr/>
+      </p:nvGrpSpPr>
+      <p:grpSpPr>
+        <a:xfrm>
+          <a:off x="0" y="0"/>
+          <a:ext cx="0" cy="0"/>
+          <a:chOff x="0" y="0"/>
+          <a:chExt cx="0" cy="0"/>
+        </a:xfrm>
+      </p:grpSpPr>
+      <p:sp>
+        <p:nvSpPr>
+          <p:cNvPr id="27" name="TextBox 26"/>
+          <p:cNvSpPr txBox="1"/>
+          <p:nvPr/>
+        </p:nvSpPr>
+        <p:spPr>
+          <a:xfrm>
+            <a:off x="1172022" y="451481"/>
+            <a:ext cx="2296845" cy="707886"/>
+          </a:xfrm>
+          <a:prstGeom prst="rect">
+            <a:avLst/>
+          </a:prstGeom>
+          <a:noFill/>
+        </p:spPr>
+        <p:txBody>
+          <a:bodyPr wrap="square" rtlCol="0">
+            <a:spAutoFit/>
+          </a:bodyPr>
+          <a:lstStyle/>
+          <a:p>
+            <a:r>
+              <a:rPr lang="en-US" altLang="ko-KR" sz="4000" dirty="0">
+                <a:solidFill>
+                  <a:srgbClr val="1D1D1D"/>
+                </a:solidFill>
+                <a:latin typeface="에스코어 드림 6 Bold" panose="020B0703030302020204" pitchFamily="34" charset="-127"/>
+                <a:ea typeface="에스코어 드림 6 Bold" panose="020B0703030302020204" pitchFamily="34" charset="-127"/>
+              </a:rPr>
+              <a:t>Projects</a:t>
+            </a:r>
+            <a:endParaRPr lang="ko-KR" altLang="en-US" sz="4000" dirty="0">
+              <a:solidFill>
+                <a:srgbClr val="1D1D1D"/>
+              </a:solidFill>
+              <a:latin typeface="에스코어 드림 6 Bold" panose="020B0703030302020204" pitchFamily="34" charset="-127"/>
+              <a:ea typeface="에스코어 드림 6 Bold" panose="020B0703030302020204" pitchFamily="34" charset="-127"/>
+            </a:endParaRPr>
+          </a:p>
+        </p:txBody>
+      </p:sp>
+      <p:sp>
+        <p:nvSpPr>
+          <p:cNvPr id="28" name="TextBox 27"/>
+          <p:cNvSpPr txBox="1"/>
+          <p:nvPr/>
+        </p:nvSpPr>
+        <p:spPr>
+          <a:xfrm>
+            <a:off x="454470" y="1924188"/>
+            <a:ext cx="4935967" cy="1754326"/>
+          </a:xfrm>
+          <a:prstGeom prst="rect">
+            <a:avLst/>
+          </a:prstGeom>
+          <a:noFill/>
+        </p:spPr>
+        <p:txBody>
+          <a:bodyPr wrap="none" rtlCol="0">
+            <a:spAutoFit/>
+          </a:bodyPr>
+          <a:lstStyle/>
+          <a:p>
+            <a:r>
+              <a:rPr lang="en-US" altLang="ko-KR" u="sng" dirty="0">
+                <a:latin typeface="에스코어 드림 4 Regular" panose="020B0503030302020204" pitchFamily="34" charset="-127"/>
+                <a:ea typeface="에스코어 드림 4 Regular" panose="020B0503030302020204" pitchFamily="34" charset="-127"/>
+              </a:rPr>
+              <a:t>Data</a:t>
+            </a:r>
+          </a:p>
+          <a:p>
+            <a:pPr marL="285750" indent="-285750">
+              <a:buFont typeface="Wingdings" panose="05000000000000000000" pitchFamily="2" charset="2"/>
+              <a:buChar char="ü"/>
+            </a:pPr>
+            <a:endParaRPr lang="en-US" altLang="ko-KR" dirty="0">
+              <a:latin typeface="에스코어 드림 4 Regular" panose="020B0503030302020204" pitchFamily="34" charset="-127"/>
+              <a:ea typeface="에스코어 드림 4 Regular" panose="020B0503030302020204" pitchFamily="34" charset="-127"/>
+            </a:endParaRPr>
+          </a:p>
+          <a:p>
+            <a:pPr marL="285750" indent="-285750">
+              <a:buFont typeface="Wingdings" panose="05000000000000000000" pitchFamily="2" charset="2"/>
+              <a:buChar char="ü"/>
+            </a:pPr>
+            <a:r>
+              <a:rPr lang="ko-KR" altLang="en-US" dirty="0">
+                <a:latin typeface="에스코어 드림 4 Regular" panose="020B0503030302020204" pitchFamily="34" charset="-127"/>
+                <a:ea typeface="에스코어 드림 4 Regular" panose="020B0503030302020204" pitchFamily="34" charset="-127"/>
+              </a:rPr>
+              <a:t>국토 교통부 실거래가 데이터</a:t>
+            </a:r>
+            <a:endParaRPr lang="en-US" altLang="ko-KR" dirty="0">
+              <a:latin typeface="에스코어 드림 4 Regular" panose="020B0503030302020204" pitchFamily="34" charset="-127"/>
+              <a:ea typeface="에스코어 드림 4 Regular" panose="020B0503030302020204" pitchFamily="34" charset="-127"/>
+            </a:endParaRPr>
+          </a:p>
+          <a:p>
+            <a:pPr marL="742950" lvl="1" indent="-285750">
+              <a:buFont typeface="Wingdings" panose="05000000000000000000" pitchFamily="2" charset="2"/>
+              <a:buChar char="ü"/>
+            </a:pPr>
+            <a:r>
+              <a:rPr lang="ko-KR" altLang="en-US" dirty="0">
+                <a:latin typeface="에스코어 드림 4 Regular" panose="020B0503030302020204" pitchFamily="34" charset="-127"/>
+                <a:ea typeface="에스코어 드림 4 Regular" panose="020B0503030302020204" pitchFamily="34" charset="-127"/>
+              </a:rPr>
+              <a:t>거래가격</a:t>
+            </a:r>
+            <a:r>
+              <a:rPr lang="en-US" altLang="ko-KR" dirty="0">
+                <a:latin typeface="에스코어 드림 4 Regular" panose="020B0503030302020204" pitchFamily="34" charset="-127"/>
+                <a:ea typeface="에스코어 드림 4 Regular" panose="020B0503030302020204" pitchFamily="34" charset="-127"/>
+              </a:rPr>
+              <a:t>, </a:t>
+            </a:r>
+            <a:r>
+              <a:rPr lang="ko-KR" altLang="en-US" dirty="0">
+                <a:latin typeface="에스코어 드림 4 Regular" panose="020B0503030302020204" pitchFamily="34" charset="-127"/>
+                <a:ea typeface="에스코어 드림 4 Regular" panose="020B0503030302020204" pitchFamily="34" charset="-127"/>
+              </a:rPr>
+              <a:t>일자</a:t>
+            </a:r>
+            <a:r>
+              <a:rPr lang="en-US" altLang="ko-KR" dirty="0">
+                <a:latin typeface="에스코어 드림 4 Regular" panose="020B0503030302020204" pitchFamily="34" charset="-127"/>
+                <a:ea typeface="에스코어 드림 4 Regular" panose="020B0503030302020204" pitchFamily="34" charset="-127"/>
+              </a:rPr>
+              <a:t>, APT</a:t>
+            </a:r>
+            <a:r>
+              <a:rPr lang="ko-KR" altLang="en-US" dirty="0">
+                <a:latin typeface="에스코어 드림 4 Regular" panose="020B0503030302020204" pitchFamily="34" charset="-127"/>
+                <a:ea typeface="에스코어 드림 4 Regular" panose="020B0503030302020204" pitchFamily="34" charset="-127"/>
+              </a:rPr>
+              <a:t>명</a:t>
+            </a:r>
+            <a:r>
+              <a:rPr lang="en-US" altLang="ko-KR" dirty="0">
+                <a:latin typeface="에스코어 드림 4 Regular" panose="020B0503030302020204" pitchFamily="34" charset="-127"/>
+                <a:ea typeface="에스코어 드림 4 Regular" panose="020B0503030302020204" pitchFamily="34" charset="-127"/>
+              </a:rPr>
+              <a:t>, </a:t>
+            </a:r>
+            <a:r>
+              <a:rPr lang="ko-KR" altLang="en-US" dirty="0">
+                <a:latin typeface="에스코어 드림 4 Regular" panose="020B0503030302020204" pitchFamily="34" charset="-127"/>
+                <a:ea typeface="에스코어 드림 4 Regular" panose="020B0503030302020204" pitchFamily="34" charset="-127"/>
+              </a:rPr>
+              <a:t>면적</a:t>
+            </a:r>
+            <a:r>
+              <a:rPr lang="en-US" altLang="ko-KR" dirty="0">
+                <a:latin typeface="에스코어 드림 4 Regular" panose="020B0503030302020204" pitchFamily="34" charset="-127"/>
+                <a:ea typeface="에스코어 드림 4 Regular" panose="020B0503030302020204" pitchFamily="34" charset="-127"/>
+              </a:rPr>
+              <a:t>, </a:t>
+            </a:r>
+            <a:r>
+              <a:rPr lang="ko-KR" altLang="en-US" dirty="0">
+                <a:latin typeface="에스코어 드림 4 Regular" panose="020B0503030302020204" pitchFamily="34" charset="-127"/>
+                <a:ea typeface="에스코어 드림 4 Regular" panose="020B0503030302020204" pitchFamily="34" charset="-127"/>
+              </a:rPr>
+              <a:t>층수 등</a:t>
+            </a:r>
+            <a:endParaRPr lang="en-US" altLang="ko-KR" dirty="0">
+              <a:latin typeface="에스코어 드림 4 Regular" panose="020B0503030302020204" pitchFamily="34" charset="-127"/>
+              <a:ea typeface="에스코어 드림 4 Regular" panose="020B0503030302020204" pitchFamily="34" charset="-127"/>
+            </a:endParaRPr>
+          </a:p>
+          <a:p>
+            <a:pPr marL="285750" indent="-285750">
+              <a:buFont typeface="Wingdings" panose="05000000000000000000" pitchFamily="2" charset="2"/>
+              <a:buChar char="ü"/>
+            </a:pPr>
+            <a:r>
+              <a:rPr lang="ko-KR" altLang="en-US" dirty="0">
+                <a:latin typeface="에스코어 드림 4 Regular" panose="020B0503030302020204" pitchFamily="34" charset="-127"/>
+                <a:ea typeface="에스코어 드림 4 Regular" panose="020B0503030302020204" pitchFamily="34" charset="-127"/>
+              </a:rPr>
+              <a:t>전국 병원 리스트</a:t>
+            </a:r>
+            <a:r>
+              <a:rPr lang="en-US" altLang="ko-KR" dirty="0">
+                <a:latin typeface="에스코어 드림 4 Regular" panose="020B0503030302020204" pitchFamily="34" charset="-127"/>
+                <a:ea typeface="에스코어 드림 4 Regular" panose="020B0503030302020204" pitchFamily="34" charset="-127"/>
+              </a:rPr>
+              <a:t>(</a:t>
+            </a:r>
+            <a:r>
+              <a:rPr lang="ko-KR" altLang="en-US" dirty="0">
+                <a:latin typeface="에스코어 드림 4 Regular" panose="020B0503030302020204" pitchFamily="34" charset="-127"/>
+                <a:ea typeface="에스코어 드림 4 Regular" panose="020B0503030302020204" pitchFamily="34" charset="-127"/>
+              </a:rPr>
+              <a:t>주소</a:t>
+            </a:r>
+            <a:r>
+              <a:rPr lang="en-US" altLang="ko-KR" dirty="0">
+                <a:latin typeface="에스코어 드림 4 Regular" panose="020B0503030302020204" pitchFamily="34" charset="-127"/>
+                <a:ea typeface="에스코어 드림 4 Regular" panose="020B0503030302020204" pitchFamily="34" charset="-127"/>
+              </a:rPr>
+              <a:t> </a:t>
+            </a:r>
+            <a:r>
+              <a:rPr lang="ko-KR" altLang="en-US" dirty="0">
+                <a:latin typeface="에스코어 드림 4 Regular" panose="020B0503030302020204" pitchFamily="34" charset="-127"/>
+                <a:ea typeface="에스코어 드림 4 Regular" panose="020B0503030302020204" pitchFamily="34" charset="-127"/>
+              </a:rPr>
+              <a:t>정보 활용</a:t>
+            </a:r>
+            <a:r>
+              <a:rPr lang="en-US" altLang="ko-KR" dirty="0">
+                <a:latin typeface="에스코어 드림 4 Regular" panose="020B0503030302020204" pitchFamily="34" charset="-127"/>
+                <a:ea typeface="에스코어 드림 4 Regular" panose="020B0503030302020204" pitchFamily="34" charset="-127"/>
+              </a:rPr>
+              <a:t>)</a:t>
+            </a:r>
+          </a:p>
+          <a:p>
+            <a:pPr marL="285750" indent="-285750">
+              <a:buFont typeface="Wingdings" panose="05000000000000000000" pitchFamily="2" charset="2"/>
+              <a:buChar char="ü"/>
+            </a:pPr>
+            <a:r>
+              <a:rPr lang="ko-KR" altLang="en-US" dirty="0">
+                <a:latin typeface="에스코어 드림 4 Regular" panose="020B0503030302020204" pitchFamily="34" charset="-127"/>
+                <a:ea typeface="에스코어 드림 4 Regular" panose="020B0503030302020204" pitchFamily="34" charset="-127"/>
+              </a:rPr>
+              <a:t>서울 지하철 행정동 정보</a:t>
+            </a:r>
+            <a:r>
+              <a:rPr lang="en-US" altLang="ko-KR" dirty="0">
+                <a:latin typeface="에스코어 드림 4 Regular" panose="020B0503030302020204" pitchFamily="34" charset="-127"/>
+                <a:ea typeface="에스코어 드림 4 Regular" panose="020B0503030302020204" pitchFamily="34" charset="-127"/>
+              </a:rPr>
+              <a:t>(</a:t>
+            </a:r>
+            <a:r>
+              <a:rPr lang="ko-KR" altLang="en-US" dirty="0">
+                <a:latin typeface="에스코어 드림 4 Regular" panose="020B0503030302020204" pitchFamily="34" charset="-127"/>
+                <a:ea typeface="에스코어 드림 4 Regular" panose="020B0503030302020204" pitchFamily="34" charset="-127"/>
+              </a:rPr>
+              <a:t>역 명</a:t>
+            </a:r>
+            <a:r>
+              <a:rPr lang="en-US" altLang="ko-KR" dirty="0">
+                <a:latin typeface="에스코어 드림 4 Regular" panose="020B0503030302020204" pitchFamily="34" charset="-127"/>
+                <a:ea typeface="에스코어 드림 4 Regular" panose="020B0503030302020204" pitchFamily="34" charset="-127"/>
+              </a:rPr>
+              <a:t>, </a:t>
+            </a:r>
+            <a:r>
+              <a:rPr lang="ko-KR" altLang="en-US" dirty="0">
+                <a:latin typeface="에스코어 드림 4 Regular" panose="020B0503030302020204" pitchFamily="34" charset="-127"/>
+                <a:ea typeface="에스코어 드림 4 Regular" panose="020B0503030302020204" pitchFamily="34" charset="-127"/>
+              </a:rPr>
+              <a:t>행정동명 등</a:t>
+            </a:r>
+            <a:r>
+              <a:rPr lang="en-US" altLang="ko-KR" dirty="0">
+                <a:latin typeface="에스코어 드림 4 Regular" panose="020B0503030302020204" pitchFamily="34" charset="-127"/>
+                <a:ea typeface="에스코어 드림 4 Regular" panose="020B0503030302020204" pitchFamily="34" charset="-127"/>
+              </a:rPr>
+              <a:t>) </a:t>
+            </a:r>
+          </a:p>
+        </p:txBody>
+      </p:sp>
+      <p:sp>
+        <p:nvSpPr>
+          <p:cNvPr id="30" name="TextBox 29"/>
+          <p:cNvSpPr txBox="1"/>
+          <p:nvPr/>
+        </p:nvSpPr>
+        <p:spPr>
+          <a:xfrm>
+            <a:off x="195473" y="311719"/>
+            <a:ext cx="976549" cy="923330"/>
+          </a:xfrm>
+          <a:prstGeom prst="rect">
+            <a:avLst/>
+          </a:prstGeom>
+          <a:noFill/>
+        </p:spPr>
+        <p:txBody>
+          <a:bodyPr wrap="none" rtlCol="0">
+            <a:spAutoFit/>
+          </a:bodyPr>
+          <a:lstStyle/>
+          <a:p>
+            <a:r>
+              <a:rPr lang="en-US" altLang="ko-KR" sz="5400" spc="-300" dirty="0">
+                <a:solidFill>
+                  <a:srgbClr val="1D1D1D"/>
+                </a:solidFill>
+                <a:latin typeface="에스코어 드림 7 ExtraBold" panose="020B0803030302020204" pitchFamily="34" charset="-127"/>
+                <a:ea typeface="에스코어 드림 7 ExtraBold" panose="020B0803030302020204" pitchFamily="34" charset="-127"/>
+              </a:rPr>
+              <a:t>02</a:t>
+            </a:r>
+            <a:endParaRPr lang="ko-KR" altLang="en-US" sz="5400" spc="-300" dirty="0">
+              <a:solidFill>
+                <a:srgbClr val="1D1D1D"/>
+              </a:solidFill>
+              <a:latin typeface="에스코어 드림 7 ExtraBold" panose="020B0803030302020204" pitchFamily="34" charset="-127"/>
+              <a:ea typeface="에스코어 드림 7 ExtraBold" panose="020B0803030302020204" pitchFamily="34" charset="-127"/>
+            </a:endParaRPr>
+          </a:p>
+        </p:txBody>
+      </p:sp>
+      <p:sp>
+        <p:nvSpPr>
+          <p:cNvPr id="3" name="직사각형 2"/>
+          <p:cNvSpPr/>
+          <p:nvPr/>
+        </p:nvSpPr>
+        <p:spPr>
+          <a:xfrm>
+            <a:off x="363362" y="1327678"/>
+            <a:ext cx="6327373" cy="461665"/>
+          </a:xfrm>
+          <a:prstGeom prst="rect">
+            <a:avLst/>
+          </a:prstGeom>
+        </p:spPr>
+        <p:txBody>
+          <a:bodyPr wrap="none">
+            <a:spAutoFit/>
+          </a:bodyPr>
+          <a:lstStyle/>
+          <a:p>
+            <a:r>
+              <a:rPr lang="ko-KR" altLang="en-US" sz="2400" dirty="0" err="1">
+                <a:latin typeface="에스코어 드림 6 Bold" panose="020B0703030302020204" pitchFamily="34" charset="-127"/>
+                <a:ea typeface="에스코어 드림 6 Bold" panose="020B0703030302020204" pitchFamily="34" charset="-127"/>
+              </a:rPr>
+              <a:t>머신러닝을</a:t>
+            </a:r>
+            <a:r>
+              <a:rPr lang="ko-KR" altLang="en-US" sz="2400" dirty="0">
+                <a:latin typeface="에스코어 드림 6 Bold" panose="020B0703030302020204" pitchFamily="34" charset="-127"/>
+                <a:ea typeface="에스코어 드림 6 Bold" panose="020B0703030302020204" pitchFamily="34" charset="-127"/>
+              </a:rPr>
+              <a:t> 이용한 서울 아파트 실거래가 예측</a:t>
+            </a:r>
+            <a:endParaRPr lang="en-US" altLang="ko-KR" sz="2400" dirty="0">
+              <a:latin typeface="에스코어 드림 6 Bold" panose="020B0703030302020204" pitchFamily="34" charset="-127"/>
+              <a:ea typeface="에스코어 드림 6 Bold" panose="020B0703030302020204" pitchFamily="34" charset="-127"/>
+            </a:endParaRPr>
+          </a:p>
+        </p:txBody>
+      </p:sp>
+      <p:sp>
+        <p:nvSpPr>
+          <p:cNvPr id="7" name="TextBox 6">
+            <a:extLst>
+              <a:ext uri="{FF2B5EF4-FFF2-40B4-BE49-F238E27FC236}">
+                <a16:creationId xmlns:a16="http://schemas.microsoft.com/office/drawing/2014/main" id="{F3EEE0CD-41F1-4791-857F-7E4D51147A2A}"/>
+              </a:ext>
+            </a:extLst>
+          </p:cNvPr>
+          <p:cNvSpPr txBox="1"/>
+          <p:nvPr/>
+        </p:nvSpPr>
+        <p:spPr>
+          <a:xfrm>
+            <a:off x="454470" y="3526114"/>
+            <a:ext cx="3663823" cy="1200329"/>
+          </a:xfrm>
+          <a:prstGeom prst="rect">
+            <a:avLst/>
+          </a:prstGeom>
+          <a:noFill/>
+        </p:spPr>
+        <p:txBody>
+          <a:bodyPr wrap="none" rtlCol="0">
+            <a:spAutoFit/>
+          </a:bodyPr>
+          <a:lstStyle/>
+          <a:p>
+            <a:r>
+              <a:rPr lang="en-US" altLang="ko-KR" u="sng" dirty="0">
+                <a:latin typeface="에스코어 드림 4 Regular" panose="020B0503030302020204" pitchFamily="34" charset="-127"/>
+                <a:ea typeface="에스코어 드림 4 Regular" panose="020B0503030302020204" pitchFamily="34" charset="-127"/>
+              </a:rPr>
+              <a:t>Environment</a:t>
+            </a:r>
+          </a:p>
+          <a:p>
+            <a:pPr marL="285750" indent="-285750">
+              <a:buFont typeface="Wingdings" panose="05000000000000000000" pitchFamily="2" charset="2"/>
+              <a:buChar char="ü"/>
+            </a:pPr>
+            <a:endParaRPr lang="en-US" altLang="ko-KR" dirty="0">
+              <a:latin typeface="에스코어 드림 4 Regular" panose="020B0503030302020204" pitchFamily="34" charset="-127"/>
+              <a:ea typeface="에스코어 드림 4 Regular" panose="020B0503030302020204" pitchFamily="34" charset="-127"/>
+            </a:endParaRPr>
+          </a:p>
+          <a:p>
+            <a:pPr marL="285750" indent="-285750">
+              <a:buFont typeface="Wingdings" panose="05000000000000000000" pitchFamily="2" charset="2"/>
+              <a:buChar char="ü"/>
+            </a:pPr>
+            <a:r>
+              <a:rPr lang="en-US" altLang="ko-KR" dirty="0">
+                <a:latin typeface="에스코어 드림 4 Regular" panose="020B0503030302020204" pitchFamily="34" charset="-127"/>
+                <a:ea typeface="에스코어 드림 4 Regular" panose="020B0503030302020204" pitchFamily="34" charset="-127"/>
+              </a:rPr>
+              <a:t>Python 3.6+ / Tableau </a:t>
+            </a:r>
+          </a:p>
+          <a:p>
+            <a:pPr marL="285750" indent="-285750">
+              <a:buFont typeface="Wingdings" panose="05000000000000000000" pitchFamily="2" charset="2"/>
+              <a:buChar char="ü"/>
+            </a:pPr>
+            <a:r>
+              <a:rPr lang="en-US" altLang="ko-KR" dirty="0">
+                <a:latin typeface="에스코어 드림 4 Regular" panose="020B0503030302020204" pitchFamily="34" charset="-127"/>
+                <a:ea typeface="에스코어 드림 4 Regular" panose="020B0503030302020204" pitchFamily="34" charset="-127"/>
+              </a:rPr>
+              <a:t>Pandas / Seaborn / </a:t>
+            </a:r>
+            <a:r>
+              <a:rPr lang="en-US" altLang="ko-KR" dirty="0" err="1">
+                <a:latin typeface="에스코어 드림 4 Regular" panose="020B0503030302020204" pitchFamily="34" charset="-127"/>
+                <a:ea typeface="에스코어 드림 4 Regular" panose="020B0503030302020204" pitchFamily="34" charset="-127"/>
+              </a:rPr>
+              <a:t>Meplotlib</a:t>
+            </a:r>
+            <a:endParaRPr lang="en-US" altLang="ko-KR" dirty="0">
+              <a:latin typeface="에스코어 드림 4 Regular" panose="020B0503030302020204" pitchFamily="34" charset="-127"/>
+              <a:ea typeface="에스코어 드림 4 Regular" panose="020B0503030302020204" pitchFamily="34" charset="-127"/>
+            </a:endParaRPr>
+          </a:p>
+        </p:txBody>
+      </p:sp>
+      <p:sp>
+        <p:nvSpPr>
+          <p:cNvPr id="8" name="TextBox 7">
+            <a:extLst>
+              <a:ext uri="{FF2B5EF4-FFF2-40B4-BE49-F238E27FC236}">
+                <a16:creationId xmlns:a16="http://schemas.microsoft.com/office/drawing/2014/main" id="{A859DAD7-3884-4217-9908-A7EFE6A65C66}"/>
+              </a:ext>
+            </a:extLst>
+          </p:cNvPr>
+          <p:cNvSpPr txBox="1"/>
+          <p:nvPr/>
+        </p:nvSpPr>
+        <p:spPr>
+          <a:xfrm>
+            <a:off x="6096000" y="1881972"/>
+            <a:ext cx="5907386" cy="1200329"/>
+          </a:xfrm>
+          <a:prstGeom prst="rect">
+            <a:avLst/>
+          </a:prstGeom>
+          <a:noFill/>
+        </p:spPr>
+        <p:txBody>
+          <a:bodyPr wrap="square" rtlCol="0">
+            <a:spAutoFit/>
+          </a:bodyPr>
+          <a:lstStyle/>
+          <a:p>
+            <a:r>
+              <a:rPr lang="en-US" altLang="ko-KR" u="sng" dirty="0">
+                <a:latin typeface="에스코어 드림 4 Regular" panose="020B0503030302020204" pitchFamily="34" charset="-127"/>
+                <a:ea typeface="에스코어 드림 4 Regular" panose="020B0503030302020204" pitchFamily="34" charset="-127"/>
+              </a:rPr>
+              <a:t>Purpose</a:t>
+            </a:r>
+          </a:p>
+          <a:p>
+            <a:pPr marL="285750" indent="-285750">
+              <a:buFont typeface="Wingdings" panose="05000000000000000000" pitchFamily="2" charset="2"/>
+              <a:buChar char="ü"/>
+            </a:pPr>
+            <a:endParaRPr lang="en-US" altLang="ko-KR" dirty="0">
+              <a:latin typeface="에스코어 드림 4 Regular" panose="020B0503030302020204" pitchFamily="34" charset="-127"/>
+              <a:ea typeface="에스코어 드림 4 Regular" panose="020B0503030302020204" pitchFamily="34" charset="-127"/>
+            </a:endParaRPr>
+          </a:p>
+          <a:p>
+            <a:pPr marL="285750" indent="-285750">
+              <a:buFont typeface="Wingdings" panose="05000000000000000000" pitchFamily="2" charset="2"/>
+              <a:buChar char="ü"/>
+            </a:pPr>
+            <a:r>
+              <a:rPr lang="ko-KR" altLang="en-US" dirty="0">
+                <a:latin typeface="에스코어 드림 4 Regular" panose="020B0503030302020204" pitchFamily="34" charset="-127"/>
+                <a:ea typeface="에스코어 드림 4 Regular" panose="020B0503030302020204" pitchFamily="34" charset="-127"/>
+              </a:rPr>
+              <a:t>서울시 아파트 거래 밀집 지역 및 </a:t>
+            </a:r>
+            <a:r>
+              <a:rPr lang="ko-KR" altLang="en-US" dirty="0" err="1">
+                <a:latin typeface="에스코어 드림 4 Regular" panose="020B0503030302020204" pitchFamily="34" charset="-127"/>
+                <a:ea typeface="에스코어 드림 4 Regular" panose="020B0503030302020204" pitchFamily="34" charset="-127"/>
+              </a:rPr>
+              <a:t>실거래가를</a:t>
+            </a:r>
+            <a:r>
+              <a:rPr lang="ko-KR" altLang="en-US" dirty="0">
+                <a:latin typeface="에스코어 드림 4 Regular" panose="020B0503030302020204" pitchFamily="34" charset="-127"/>
+                <a:ea typeface="에스코어 드림 4 Regular" panose="020B0503030302020204" pitchFamily="34" charset="-127"/>
+              </a:rPr>
+              <a:t> 예측</a:t>
+            </a:r>
+            <a:endParaRPr lang="en-US" altLang="ko-KR" dirty="0">
+              <a:latin typeface="에스코어 드림 4 Regular" panose="020B0503030302020204" pitchFamily="34" charset="-127"/>
+              <a:ea typeface="에스코어 드림 4 Regular" panose="020B0503030302020204" pitchFamily="34" charset="-127"/>
+            </a:endParaRPr>
+          </a:p>
+          <a:p>
+            <a:pPr marL="285750" indent="-285750">
+              <a:buFont typeface="Wingdings" panose="05000000000000000000" pitchFamily="2" charset="2"/>
+              <a:buChar char="ü"/>
+            </a:pPr>
+            <a:r>
+              <a:rPr lang="ko-KR" altLang="en-US" dirty="0">
+                <a:latin typeface="에스코어 드림 4 Regular" panose="020B0503030302020204" pitchFamily="34" charset="-127"/>
+                <a:ea typeface="에스코어 드림 4 Regular" panose="020B0503030302020204" pitchFamily="34" charset="-127"/>
+              </a:rPr>
+              <a:t>투기성 부동산 거래에 대한 규제 및 대책 형성에 일조</a:t>
+            </a:r>
+            <a:endParaRPr lang="en-US" altLang="ko-KR" dirty="0">
+              <a:latin typeface="에스코어 드림 4 Regular" panose="020B0503030302020204" pitchFamily="34" charset="-127"/>
+              <a:ea typeface="에스코어 드림 4 Regular" panose="020B0503030302020204" pitchFamily="34" charset="-127"/>
+            </a:endParaRPr>
+          </a:p>
+        </p:txBody>
+      </p:sp>
+      <p:sp>
+        <p:nvSpPr>
+          <p:cNvPr id="12" name="TextBox 11">
+            <a:extLst>
+              <a:ext uri="{FF2B5EF4-FFF2-40B4-BE49-F238E27FC236}">
+                <a16:creationId xmlns:a16="http://schemas.microsoft.com/office/drawing/2014/main" id="{59A159C5-1039-4D5B-95DC-1A339E2ABCD7}"/>
+              </a:ext>
+            </a:extLst>
+          </p:cNvPr>
+          <p:cNvSpPr txBox="1"/>
+          <p:nvPr/>
+        </p:nvSpPr>
+        <p:spPr>
+          <a:xfrm>
+            <a:off x="454470" y="5313818"/>
+            <a:ext cx="11303094" cy="1477328"/>
+          </a:xfrm>
+          <a:prstGeom prst="rect">
+            <a:avLst/>
+          </a:prstGeom>
+          <a:noFill/>
+        </p:spPr>
+        <p:txBody>
+          <a:bodyPr wrap="none" rtlCol="0">
+            <a:spAutoFit/>
+          </a:bodyPr>
+          <a:lstStyle/>
+          <a:p>
+            <a:r>
+              <a:rPr lang="en-US" altLang="ko-KR" u="sng" dirty="0">
+                <a:latin typeface="에스코어 드림 4 Regular" panose="020B0503030302020204" pitchFamily="34" charset="-127"/>
+                <a:ea typeface="에스코어 드림 4 Regular" panose="020B0503030302020204" pitchFamily="34" charset="-127"/>
+              </a:rPr>
+              <a:t>Comment</a:t>
+            </a:r>
+          </a:p>
+          <a:p>
+            <a:r>
+              <a:rPr lang="ko-KR" altLang="en-US" b="1" u="sng" dirty="0">
+                <a:latin typeface="에스코어 드림 4 Regular" panose="020B0503030302020204" pitchFamily="34" charset="-127"/>
+                <a:ea typeface="에스코어 드림 4 Regular" panose="020B0503030302020204" pitchFamily="34" charset="-127"/>
+              </a:rPr>
+              <a:t>초기엔 기존 변수만으로 분석결과를 얻으려 </a:t>
+            </a:r>
+            <a:r>
+              <a:rPr lang="ko-KR" altLang="en-US" b="1" u="sng" dirty="0" err="1">
+                <a:latin typeface="에스코어 드림 4 Regular" panose="020B0503030302020204" pitchFamily="34" charset="-127"/>
+                <a:ea typeface="에스코어 드림 4 Regular" panose="020B0503030302020204" pitchFamily="34" charset="-127"/>
+              </a:rPr>
+              <a:t>했었지만</a:t>
+            </a:r>
+            <a:r>
+              <a:rPr lang="en-US" altLang="ko-KR" b="1" u="sng" dirty="0">
+                <a:latin typeface="에스코어 드림 4 Regular" panose="020B0503030302020204" pitchFamily="34" charset="-127"/>
+                <a:ea typeface="에스코어 드림 4 Regular" panose="020B0503030302020204" pitchFamily="34" charset="-127"/>
+              </a:rPr>
+              <a:t>, </a:t>
+            </a:r>
+            <a:r>
+              <a:rPr lang="ko-KR" altLang="en-US" b="1" u="sng" dirty="0">
+                <a:latin typeface="에스코어 드림 4 Regular" panose="020B0503030302020204" pitchFamily="34" charset="-127"/>
+                <a:ea typeface="에스코어 드림 4 Regular" panose="020B0503030302020204" pitchFamily="34" charset="-127"/>
+              </a:rPr>
+              <a:t>멘토님의 조언을 듣고 파생변수를 설정해볼 수 있었고</a:t>
+            </a:r>
+            <a:endParaRPr lang="en-US" altLang="ko-KR" b="1" u="sng" dirty="0">
+              <a:latin typeface="에스코어 드림 4 Regular" panose="020B0503030302020204" pitchFamily="34" charset="-127"/>
+              <a:ea typeface="에스코어 드림 4 Regular" panose="020B0503030302020204" pitchFamily="34" charset="-127"/>
+            </a:endParaRPr>
+          </a:p>
+          <a:p>
+            <a:r>
+              <a:rPr lang="ko-KR" altLang="en-US" b="1" u="sng" dirty="0">
+                <a:latin typeface="에스코어 드림 4 Regular" panose="020B0503030302020204" pitchFamily="34" charset="-127"/>
+                <a:ea typeface="에스코어 드림 4 Regular" panose="020B0503030302020204" pitchFamily="34" charset="-127"/>
+              </a:rPr>
+              <a:t>그 결과 더 유의미한 결과를 얻을 수 있었다</a:t>
+            </a:r>
+            <a:r>
+              <a:rPr lang="en-US" altLang="ko-KR" b="1" u="sng" dirty="0">
+                <a:latin typeface="에스코어 드림 4 Regular" panose="020B0503030302020204" pitchFamily="34" charset="-127"/>
+                <a:ea typeface="에스코어 드림 4 Regular" panose="020B0503030302020204" pitchFamily="34" charset="-127"/>
+              </a:rPr>
+              <a:t>. </a:t>
+            </a:r>
+            <a:r>
+              <a:rPr lang="ko-KR" altLang="en-US" b="1" u="sng" dirty="0">
+                <a:latin typeface="에스코어 드림 4 Regular" panose="020B0503030302020204" pitchFamily="34" charset="-127"/>
+                <a:ea typeface="에스코어 드림 4 Regular" panose="020B0503030302020204" pitchFamily="34" charset="-127"/>
+              </a:rPr>
+              <a:t>이를 통해 파생 변수처럼 데이터를 다양한 각도로 바라볼 줄 아는</a:t>
+            </a:r>
+            <a:endParaRPr lang="en-US" altLang="ko-KR" b="1" u="sng" dirty="0">
+              <a:latin typeface="에스코어 드림 4 Regular" panose="020B0503030302020204" pitchFamily="34" charset="-127"/>
+              <a:ea typeface="에스코어 드림 4 Regular" panose="020B0503030302020204" pitchFamily="34" charset="-127"/>
+            </a:endParaRPr>
+          </a:p>
+          <a:p>
+            <a:r>
+              <a:rPr lang="ko-KR" altLang="en-US" b="1" u="sng" dirty="0">
+                <a:latin typeface="에스코어 드림 4 Regular" panose="020B0503030302020204" pitchFamily="34" charset="-127"/>
+                <a:ea typeface="에스코어 드림 4 Regular" panose="020B0503030302020204" pitchFamily="34" charset="-127"/>
+              </a:rPr>
+              <a:t>힘이 중요함을 체감할 수 있었던 프로젝트였다</a:t>
+            </a:r>
+            <a:r>
+              <a:rPr lang="en-US" altLang="ko-KR" b="1" u="sng" dirty="0">
+                <a:latin typeface="에스코어 드림 4 Regular" panose="020B0503030302020204" pitchFamily="34" charset="-127"/>
+                <a:ea typeface="에스코어 드림 4 Regular" panose="020B0503030302020204" pitchFamily="34" charset="-127"/>
+              </a:rPr>
+              <a:t>.</a:t>
+            </a:r>
+          </a:p>
+          <a:p>
+            <a:endParaRPr lang="en-US" altLang="ko-KR" b="1" u="sng" dirty="0">
+              <a:latin typeface="에스코어 드림 4 Regular" panose="020B0503030302020204" pitchFamily="34" charset="-127"/>
+              <a:ea typeface="에스코어 드림 4 Regular" panose="020B0503030302020204" pitchFamily="34" charset="-127"/>
+            </a:endParaRPr>
+          </a:p>
+        </p:txBody>
+      </p:sp>
+      <p:sp>
+        <p:nvSpPr>
+          <p:cNvPr id="14" name="TextBox 13">
+            <a:extLst>
+              <a:ext uri="{FF2B5EF4-FFF2-40B4-BE49-F238E27FC236}">
+                <a16:creationId xmlns:a16="http://schemas.microsoft.com/office/drawing/2014/main" id="{D58A6128-E0DB-4D12-BA7A-DA58639FFD18}"/>
+              </a:ext>
+            </a:extLst>
+          </p:cNvPr>
+          <p:cNvSpPr txBox="1"/>
+          <p:nvPr/>
+        </p:nvSpPr>
+        <p:spPr>
+          <a:xfrm>
+            <a:off x="6096000" y="3587601"/>
+            <a:ext cx="5865708" cy="1754326"/>
+          </a:xfrm>
+          <a:prstGeom prst="rect">
+            <a:avLst/>
+          </a:prstGeom>
+          <a:noFill/>
+        </p:spPr>
+        <p:txBody>
+          <a:bodyPr wrap="none" rtlCol="0">
+            <a:spAutoFit/>
+          </a:bodyPr>
+          <a:lstStyle/>
+          <a:p>
+            <a:r>
+              <a:rPr lang="en-US" altLang="ko-KR" u="sng" dirty="0">
+                <a:latin typeface="에스코어 드림 4 Regular" panose="020B0503030302020204" pitchFamily="34" charset="-127"/>
+                <a:ea typeface="에스코어 드림 4 Regular" panose="020B0503030302020204" pitchFamily="34" charset="-127"/>
+              </a:rPr>
+              <a:t>Methodology</a:t>
+            </a:r>
+          </a:p>
+          <a:p>
+            <a:pPr marL="285750" indent="-285750">
+              <a:buFont typeface="Wingdings" panose="05000000000000000000" pitchFamily="2" charset="2"/>
+              <a:buChar char="ü"/>
+            </a:pPr>
+            <a:endParaRPr lang="en-US" altLang="ko-KR" dirty="0">
+              <a:latin typeface="에스코어 드림 4 Regular" panose="020B0503030302020204" pitchFamily="34" charset="-127"/>
+              <a:ea typeface="에스코어 드림 4 Regular" panose="020B0503030302020204" pitchFamily="34" charset="-127"/>
+            </a:endParaRPr>
+          </a:p>
+          <a:p>
+            <a:pPr marL="285750" indent="-285750">
+              <a:buFont typeface="Wingdings" panose="05000000000000000000" pitchFamily="2" charset="2"/>
+              <a:buChar char="ü"/>
+            </a:pPr>
+            <a:r>
+              <a:rPr lang="ko-KR" altLang="en-US" dirty="0" err="1">
+                <a:latin typeface="에스코어 드림 4 Regular" panose="020B0503030302020204" pitchFamily="34" charset="-127"/>
+                <a:ea typeface="에스코어 드림 4 Regular" panose="020B0503030302020204" pitchFamily="34" charset="-127"/>
+              </a:rPr>
+              <a:t>헤도닉</a:t>
+            </a:r>
+            <a:r>
+              <a:rPr lang="ko-KR" altLang="en-US" dirty="0">
+                <a:latin typeface="에스코어 드림 4 Regular" panose="020B0503030302020204" pitchFamily="34" charset="-127"/>
+                <a:ea typeface="에스코어 드림 4 Regular" panose="020B0503030302020204" pitchFamily="34" charset="-127"/>
+              </a:rPr>
+              <a:t> 가격모형을 베이스로 하여 연구모형 구축</a:t>
+            </a:r>
+            <a:endParaRPr lang="en-US" altLang="ko-KR" dirty="0">
+              <a:latin typeface="에스코어 드림 4 Regular" panose="020B0503030302020204" pitchFamily="34" charset="-127"/>
+              <a:ea typeface="에스코어 드림 4 Regular" panose="020B0503030302020204" pitchFamily="34" charset="-127"/>
+            </a:endParaRPr>
+          </a:p>
+          <a:p>
+            <a:pPr marL="285750" indent="-285750">
+              <a:buFont typeface="Wingdings" panose="05000000000000000000" pitchFamily="2" charset="2"/>
+              <a:buChar char="ü"/>
+            </a:pPr>
+            <a:r>
+              <a:rPr lang="ko-KR" altLang="en-US" dirty="0">
+                <a:latin typeface="에스코어 드림 4 Regular" panose="020B0503030302020204" pitchFamily="34" charset="-127"/>
+                <a:ea typeface="에스코어 드림 4 Regular" panose="020B0503030302020204" pitchFamily="34" charset="-127"/>
+              </a:rPr>
+              <a:t>다양한 </a:t>
+            </a:r>
+            <a:r>
+              <a:rPr lang="en-US" altLang="ko-KR" dirty="0">
+                <a:latin typeface="에스코어 드림 4 Regular" panose="020B0503030302020204" pitchFamily="34" charset="-127"/>
+                <a:ea typeface="에스코어 드림 4 Regular" panose="020B0503030302020204" pitchFamily="34" charset="-127"/>
+              </a:rPr>
+              <a:t>ML</a:t>
+            </a:r>
+            <a:r>
+              <a:rPr lang="ko-KR" altLang="en-US" dirty="0">
+                <a:latin typeface="에스코어 드림 4 Regular" panose="020B0503030302020204" pitchFamily="34" charset="-127"/>
+                <a:ea typeface="에스코어 드림 4 Regular" panose="020B0503030302020204" pitchFamily="34" charset="-127"/>
+              </a:rPr>
+              <a:t>알고리즘을 시도하여</a:t>
+            </a:r>
+            <a:r>
+              <a:rPr lang="en-US" altLang="ko-KR" dirty="0">
+                <a:latin typeface="에스코어 드림 4 Regular" panose="020B0503030302020204" pitchFamily="34" charset="-127"/>
+                <a:ea typeface="에스코어 드림 4 Regular" panose="020B0503030302020204" pitchFamily="34" charset="-127"/>
+              </a:rPr>
+              <a:t>, </a:t>
+            </a:r>
+            <a:r>
+              <a:rPr lang="ko-KR" altLang="en-US" dirty="0">
+                <a:latin typeface="에스코어 드림 4 Regular" panose="020B0503030302020204" pitchFamily="34" charset="-127"/>
+                <a:ea typeface="에스코어 드림 4 Regular" panose="020B0503030302020204" pitchFamily="34" charset="-127"/>
+              </a:rPr>
+              <a:t>최적의 알고리즘 도출</a:t>
+            </a:r>
+            <a:endParaRPr lang="en-US" altLang="ko-KR" dirty="0">
+              <a:latin typeface="에스코어 드림 4 Regular" panose="020B0503030302020204" pitchFamily="34" charset="-127"/>
+              <a:ea typeface="에스코어 드림 4 Regular" panose="020B0503030302020204" pitchFamily="34" charset="-127"/>
+            </a:endParaRPr>
+          </a:p>
+          <a:p>
+            <a:pPr lvl="1"/>
+            <a:r>
+              <a:rPr lang="ko-KR" altLang="en-US" dirty="0">
+                <a:latin typeface="에스코어 드림 4 Regular" panose="020B0503030302020204" pitchFamily="34" charset="-127"/>
+                <a:ea typeface="에스코어 드림 4 Regular" panose="020B0503030302020204" pitchFamily="34" charset="-127"/>
+              </a:rPr>
+              <a:t>👉 </a:t>
+            </a:r>
+            <a:r>
+              <a:rPr lang="en-US" altLang="ko-KR" dirty="0">
+                <a:latin typeface="에스코어 드림 4 Regular" panose="020B0503030302020204" pitchFamily="34" charset="-127"/>
+                <a:ea typeface="에스코어 드림 4 Regular" panose="020B0503030302020204" pitchFamily="34" charset="-127"/>
+              </a:rPr>
+              <a:t>KNN, DT, RF, GBM, LGBM, </a:t>
+            </a:r>
+            <a:r>
+              <a:rPr lang="en-US" altLang="ko-KR" dirty="0" err="1">
+                <a:latin typeface="에스코어 드림 4 Regular" panose="020B0503030302020204" pitchFamily="34" charset="-127"/>
+                <a:ea typeface="에스코어 드림 4 Regular" panose="020B0503030302020204" pitchFamily="34" charset="-127"/>
+              </a:rPr>
+              <a:t>Xgboost</a:t>
+            </a:r>
+            <a:r>
+              <a:rPr lang="en-US" altLang="ko-KR" dirty="0">
+                <a:latin typeface="에스코어 드림 4 Regular" panose="020B0503030302020204" pitchFamily="34" charset="-127"/>
+                <a:ea typeface="에스코어 드림 4 Regular" panose="020B0503030302020204" pitchFamily="34" charset="-127"/>
+              </a:rPr>
+              <a:t> </a:t>
+            </a:r>
+            <a:r>
+              <a:rPr lang="ko-KR" altLang="en-US" dirty="0">
+                <a:latin typeface="에스코어 드림 4 Regular" panose="020B0503030302020204" pitchFamily="34" charset="-127"/>
+                <a:ea typeface="에스코어 드림 4 Regular" panose="020B0503030302020204" pitchFamily="34" charset="-127"/>
+              </a:rPr>
+              <a:t>비교</a:t>
+            </a:r>
+            <a:endParaRPr lang="en-US" altLang="ko-KR" dirty="0">
+              <a:latin typeface="에스코어 드림 4 Regular" panose="020B0503030302020204" pitchFamily="34" charset="-127"/>
+              <a:ea typeface="에스코어 드림 4 Regular" panose="020B0503030302020204" pitchFamily="34" charset="-127"/>
+            </a:endParaRPr>
+          </a:p>
+          <a:p>
+            <a:pPr lvl="1"/>
+            <a:r>
+              <a:rPr lang="ko-KR" altLang="en-US" dirty="0">
+                <a:latin typeface="에스코어 드림 4 Regular" panose="020B0503030302020204" pitchFamily="34" charset="-127"/>
+                <a:ea typeface="에스코어 드림 4 Regular" panose="020B0503030302020204" pitchFamily="34" charset="-127"/>
+              </a:rPr>
+              <a:t>👉 모델 성능은 </a:t>
+            </a:r>
+            <a:r>
+              <a:rPr lang="en-US" altLang="ko-KR" dirty="0">
+                <a:latin typeface="에스코어 드림 4 Regular" panose="020B0503030302020204" pitchFamily="34" charset="-127"/>
+                <a:ea typeface="에스코어 드림 4 Regular" panose="020B0503030302020204" pitchFamily="34" charset="-127"/>
+              </a:rPr>
+              <a:t>MSE &amp; RMSE</a:t>
+            </a:r>
+            <a:r>
+              <a:rPr lang="ko-KR" altLang="en-US" dirty="0">
+                <a:latin typeface="에스코어 드림 4 Regular" panose="020B0503030302020204" pitchFamily="34" charset="-127"/>
+                <a:ea typeface="에스코어 드림 4 Regular" panose="020B0503030302020204" pitchFamily="34" charset="-127"/>
+              </a:rPr>
+              <a:t>를 통해 비교</a:t>
+            </a:r>
+            <a:endParaRPr lang="en-US" altLang="ko-KR" dirty="0">
+              <a:latin typeface="에스코어 드림 4 Regular" panose="020B0503030302020204" pitchFamily="34" charset="-127"/>
+              <a:ea typeface="에스코어 드림 4 Regular" panose="020B0503030302020204" pitchFamily="34" charset="-127"/>
+            </a:endParaRPr>
+          </a:p>
+        </p:txBody>
+      </p:sp>
+    </p:spTree>
+    <p:extLst>
+      <p:ext uri="{BB962C8B-B14F-4D97-AF65-F5344CB8AC3E}">
+        <p14:creationId xmlns:p14="http://schemas.microsoft.com/office/powerpoint/2010/main" val="3589254892"/>
       </p:ext>
     </p:extLst>
   </p:cSld>

--- a/포트폴리오 NEW.pptx
+++ b/포트폴리오 NEW.pptx
@@ -12,10 +12,10 @@
     <p:sldId id="259" r:id="rId6"/>
     <p:sldId id="260" r:id="rId7"/>
     <p:sldId id="278" r:id="rId8"/>
-    <p:sldId id="277" r:id="rId9"/>
-    <p:sldId id="279" r:id="rId10"/>
-    <p:sldId id="281" r:id="rId11"/>
-    <p:sldId id="280" r:id="rId12"/>
+    <p:sldId id="281" r:id="rId9"/>
+    <p:sldId id="280" r:id="rId10"/>
+    <p:sldId id="277" r:id="rId11"/>
+    <p:sldId id="279" r:id="rId12"/>
     <p:sldId id="266" r:id="rId13"/>
     <p:sldId id="272" r:id="rId14"/>
     <p:sldId id="273" r:id="rId15"/>
@@ -8969,7 +8969,7 @@
         <p:spPr>
           <a:xfrm>
             <a:off x="454470" y="5018543"/>
-            <a:ext cx="11008142" cy="1477328"/>
+            <a:ext cx="11027378" cy="2031325"/>
           </a:xfrm>
           <a:prstGeom prst="rect">
             <a:avLst/>
@@ -8997,96 +8997,97 @@
             </a:endParaRPr>
           </a:p>
           <a:p>
+            <a:pPr marL="342900" indent="-342900">
+              <a:buAutoNum type="arabicPeriod"/>
+            </a:pPr>
             <a:r>
               <a:rPr lang="ko-KR" altLang="en-US" b="1" u="sng" dirty="0">
                 <a:latin typeface="에스코어 드림 4 Regular" panose="020B0503030302020204" pitchFamily="34" charset="-127"/>
                 <a:ea typeface="에스코어 드림 4 Regular" panose="020B0503030302020204" pitchFamily="34" charset="-127"/>
               </a:rPr>
-              <a:t>분석 과정에서 가장 많이 시행착오를 겪었던 부분은 형태소 분석이었다</a:t>
-            </a:r>
-            <a:r>
-              <a:rPr lang="en-US" altLang="ko-KR" b="1" u="sng" dirty="0">
-                <a:latin typeface="에스코어 드림 4 Regular" panose="020B0503030302020204" pitchFamily="34" charset="-127"/>
-                <a:ea typeface="에스코어 드림 4 Regular" panose="020B0503030302020204" pitchFamily="34" charset="-127"/>
-              </a:rPr>
-              <a:t>. </a:t>
+              <a:t>형태소 분석</a:t>
+            </a:r>
+            <a:r>
+              <a:rPr lang="ko-KR" altLang="en-US" dirty="0">
+                <a:latin typeface="에스코어 드림 4 Regular" panose="020B0503030302020204" pitchFamily="34" charset="-127"/>
+                <a:ea typeface="에스코어 드림 4 Regular" panose="020B0503030302020204" pitchFamily="34" charset="-127"/>
+              </a:rPr>
+              <a:t>이 제대로 이루어지지 않으면 군집 분석에서 잘못 생성된 단어가 집계되는 등의 오류가 높아짐</a:t>
+            </a:r>
+            <a:r>
+              <a:rPr lang="en-US" altLang="ko-KR" dirty="0">
+                <a:latin typeface="에스코어 드림 4 Regular" panose="020B0503030302020204" pitchFamily="34" charset="-127"/>
+                <a:ea typeface="에스코어 드림 4 Regular" panose="020B0503030302020204" pitchFamily="34" charset="-127"/>
+              </a:rPr>
+              <a:t>.</a:t>
+            </a:r>
+          </a:p>
+          <a:p>
+            <a:pPr marL="342900" indent="-342900">
+              <a:buAutoNum type="arabicPeriod"/>
+            </a:pPr>
+            <a:r>
+              <a:rPr lang="ko-KR" altLang="en-US" dirty="0">
+                <a:latin typeface="에스코어 드림 4 Regular" panose="020B0503030302020204" pitchFamily="34" charset="-127"/>
+                <a:ea typeface="에스코어 드림 4 Regular" panose="020B0503030302020204" pitchFamily="34" charset="-127"/>
+              </a:rPr>
+              <a:t>서비스에서 요구하는 기능을 정의할 때엔 </a:t>
             </a:r>
             <a:r>
               <a:rPr lang="ko-KR" altLang="en-US" b="1" u="sng" dirty="0">
                 <a:latin typeface="에스코어 드림 4 Regular" panose="020B0503030302020204" pitchFamily="34" charset="-127"/>
                 <a:ea typeface="에스코어 드림 4 Regular" panose="020B0503030302020204" pitchFamily="34" charset="-127"/>
               </a:rPr>
-              <a:t>군집화 단계에서 계속해서 잘못 </a:t>
-            </a:r>
-            <a:endParaRPr lang="en-US" altLang="ko-KR" b="1" u="sng" dirty="0">
+              <a:t>구현의 우선순위와 필요 작업목록</a:t>
+            </a:r>
+            <a:r>
+              <a:rPr lang="ko-KR" altLang="en-US" dirty="0">
+                <a:latin typeface="에스코어 드림 4 Regular" panose="020B0503030302020204" pitchFamily="34" charset="-127"/>
+                <a:ea typeface="에스코어 드림 4 Regular" panose="020B0503030302020204" pitchFamily="34" charset="-127"/>
+              </a:rPr>
+              <a:t>을 계산해야 함</a:t>
+            </a:r>
+            <a:r>
+              <a:rPr lang="en-US" altLang="ko-KR" dirty="0">
+                <a:latin typeface="에스코어 드림 4 Regular" panose="020B0503030302020204" pitchFamily="34" charset="-127"/>
+                <a:ea typeface="에스코어 드림 4 Regular" panose="020B0503030302020204" pitchFamily="34" charset="-127"/>
+              </a:rPr>
+              <a:t>.</a:t>
+            </a:r>
+          </a:p>
+          <a:p>
+            <a:pPr marL="342900" indent="-342900">
+              <a:buAutoNum type="arabicPeriod"/>
+            </a:pPr>
+            <a:r>
+              <a:rPr lang="ko-KR" altLang="en-US" dirty="0">
+                <a:latin typeface="에스코어 드림 4 Regular" panose="020B0503030302020204" pitchFamily="34" charset="-127"/>
+                <a:ea typeface="에스코어 드림 4 Regular" panose="020B0503030302020204" pitchFamily="34" charset="-127"/>
+              </a:rPr>
+              <a:t>텍스트 데이터만으로도 공간디자인적 특성을 구분하여 분류하는 것이 가능함</a:t>
+            </a:r>
+            <a:r>
+              <a:rPr lang="en-US" altLang="ko-KR" dirty="0">
+                <a:latin typeface="에스코어 드림 4 Regular" panose="020B0503030302020204" pitchFamily="34" charset="-127"/>
+                <a:ea typeface="에스코어 드림 4 Regular" panose="020B0503030302020204" pitchFamily="34" charset="-127"/>
+              </a:rPr>
+              <a:t>..</a:t>
+            </a:r>
+          </a:p>
+          <a:p>
+            <a:pPr marL="342900" indent="-342900">
+              <a:buAutoNum type="arabicPeriod"/>
+            </a:pPr>
+            <a:endParaRPr lang="en-US" altLang="ko-KR" dirty="0">
               <a:latin typeface="에스코어 드림 4 Regular" panose="020B0503030302020204" pitchFamily="34" charset="-127"/>
               <a:ea typeface="에스코어 드림 4 Regular" panose="020B0503030302020204" pitchFamily="34" charset="-127"/>
             </a:endParaRPr>
           </a:p>
           <a:p>
-            <a:r>
-              <a:rPr lang="ko-KR" altLang="en-US" b="1" u="sng" dirty="0">
-                <a:latin typeface="에스코어 드림 4 Regular" panose="020B0503030302020204" pitchFamily="34" charset="-127"/>
-                <a:ea typeface="에스코어 드림 4 Regular" panose="020B0503030302020204" pitchFamily="34" charset="-127"/>
-              </a:rPr>
-              <a:t>분리된 단어들이 나타나 분석결과의 품질을 낮추게 되었다</a:t>
-            </a:r>
-            <a:r>
-              <a:rPr lang="en-US" altLang="ko-KR" b="1" u="sng" dirty="0">
-                <a:latin typeface="에스코어 드림 4 Regular" panose="020B0503030302020204" pitchFamily="34" charset="-127"/>
-                <a:ea typeface="에스코어 드림 4 Regular" panose="020B0503030302020204" pitchFamily="34" charset="-127"/>
-              </a:rPr>
-              <a:t>. </a:t>
-            </a:r>
-            <a:r>
-              <a:rPr lang="ko-KR" altLang="en-US" b="1" u="sng" dirty="0">
-                <a:latin typeface="에스코어 드림 4 Regular" panose="020B0503030302020204" pitchFamily="34" charset="-127"/>
-                <a:ea typeface="에스코어 드림 4 Regular" panose="020B0503030302020204" pitchFamily="34" charset="-127"/>
-              </a:rPr>
-              <a:t>사용자 사전을 만들어 이를 보완할 수 있었지만</a:t>
-            </a:r>
-            <a:endParaRPr lang="en-US" altLang="ko-KR" b="1" u="sng" dirty="0">
-              <a:latin typeface="에스코어 드림 4 Regular" panose="020B0503030302020204" pitchFamily="34" charset="-127"/>
-              <a:ea typeface="에스코어 드림 4 Regular" panose="020B0503030302020204" pitchFamily="34" charset="-127"/>
-            </a:endParaRPr>
-          </a:p>
-          <a:p>
-            <a:r>
-              <a:rPr lang="ko-KR" altLang="en-US" b="1" u="sng" dirty="0">
-                <a:latin typeface="에스코어 드림 4 Regular" panose="020B0503030302020204" pitchFamily="34" charset="-127"/>
-                <a:ea typeface="에스코어 드림 4 Regular" panose="020B0503030302020204" pitchFamily="34" charset="-127"/>
-              </a:rPr>
-              <a:t>완벽하다고는 말할 수 없었고 텍스트 분석에서 정제</a:t>
-            </a:r>
-            <a:r>
-              <a:rPr lang="en-US" altLang="ko-KR" b="1" u="sng" dirty="0">
-                <a:latin typeface="에스코어 드림 4 Regular" panose="020B0503030302020204" pitchFamily="34" charset="-127"/>
-                <a:ea typeface="에스코어 드림 4 Regular" panose="020B0503030302020204" pitchFamily="34" charset="-127"/>
-              </a:rPr>
-              <a:t>(Cleansing)</a:t>
-            </a:r>
-            <a:r>
-              <a:rPr lang="ko-KR" altLang="en-US" b="1" u="sng" dirty="0">
-                <a:latin typeface="에스코어 드림 4 Regular" panose="020B0503030302020204" pitchFamily="34" charset="-127"/>
-                <a:ea typeface="에스코어 드림 4 Regular" panose="020B0503030302020204" pitchFamily="34" charset="-127"/>
-              </a:rPr>
-              <a:t>의 중요성을 다시 한 번 느낄 수 있었다</a:t>
-            </a:r>
-            <a:r>
-              <a:rPr lang="en-US" altLang="ko-KR" b="1" u="sng" dirty="0">
-                <a:latin typeface="에스코어 드림 4 Regular" panose="020B0503030302020204" pitchFamily="34" charset="-127"/>
-                <a:ea typeface="에스코어 드림 4 Regular" panose="020B0503030302020204" pitchFamily="34" charset="-127"/>
-              </a:rPr>
-              <a:t>.</a:t>
-            </a:r>
-            <a:r>
-              <a:rPr lang="ko-KR" altLang="en-US" b="1" u="sng" dirty="0">
-                <a:latin typeface="에스코어 드림 4 Regular" panose="020B0503030302020204" pitchFamily="34" charset="-127"/>
-                <a:ea typeface="에스코어 드림 4 Regular" panose="020B0503030302020204" pitchFamily="34" charset="-127"/>
-              </a:rPr>
-              <a:t> </a:t>
-            </a:r>
-            <a:endParaRPr lang="en-US" altLang="ko-KR" b="1" u="sng" dirty="0">
+            <a:pPr marL="342900" indent="-342900">
+              <a:buAutoNum type="arabicPeriod"/>
+            </a:pPr>
+            <a:endParaRPr lang="en-US" altLang="ko-KR" dirty="0">
               <a:latin typeface="에스코어 드림 4 Regular" panose="020B0503030302020204" pitchFamily="34" charset="-127"/>
               <a:ea typeface="에스코어 드림 4 Regular" panose="020B0503030302020204" pitchFamily="34" charset="-127"/>
             </a:endParaRPr>
@@ -9748,6 +9749,491 @@
 </file>
 
 <file path=ppt/slides/slide5.xml><?xml version="1.0" encoding="utf-8"?>
+<p:sld xmlns:a="http://schemas.openxmlformats.org/drawingml/2006/main" xmlns:r="http://schemas.openxmlformats.org/officeDocument/2006/relationships" xmlns:p="http://schemas.openxmlformats.org/presentationml/2006/main">
+  <p:cSld>
+    <p:spTree>
+      <p:nvGrpSpPr>
+        <p:cNvPr id="1" name=""/>
+        <p:cNvGrpSpPr/>
+        <p:nvPr/>
+      </p:nvGrpSpPr>
+      <p:grpSpPr>
+        <a:xfrm>
+          <a:off x="0" y="0"/>
+          <a:ext cx="0" cy="0"/>
+          <a:chOff x="0" y="0"/>
+          <a:chExt cx="0" cy="0"/>
+        </a:xfrm>
+      </p:grpSpPr>
+      <p:sp>
+        <p:nvSpPr>
+          <p:cNvPr id="27" name="TextBox 26"/>
+          <p:cNvSpPr txBox="1"/>
+          <p:nvPr/>
+        </p:nvSpPr>
+        <p:spPr>
+          <a:xfrm>
+            <a:off x="1172022" y="451481"/>
+            <a:ext cx="2296845" cy="707886"/>
+          </a:xfrm>
+          <a:prstGeom prst="rect">
+            <a:avLst/>
+          </a:prstGeom>
+          <a:noFill/>
+        </p:spPr>
+        <p:txBody>
+          <a:bodyPr wrap="square" rtlCol="0">
+            <a:spAutoFit/>
+          </a:bodyPr>
+          <a:lstStyle/>
+          <a:p>
+            <a:r>
+              <a:rPr lang="en-US" altLang="ko-KR" sz="4000" dirty="0">
+                <a:solidFill>
+                  <a:srgbClr val="1D1D1D"/>
+                </a:solidFill>
+                <a:latin typeface="에스코어 드림 6 Bold" panose="020B0703030302020204" pitchFamily="34" charset="-127"/>
+                <a:ea typeface="에스코어 드림 6 Bold" panose="020B0703030302020204" pitchFamily="34" charset="-127"/>
+              </a:rPr>
+              <a:t>Projects</a:t>
+            </a:r>
+            <a:endParaRPr lang="ko-KR" altLang="en-US" sz="4000" dirty="0">
+              <a:solidFill>
+                <a:srgbClr val="1D1D1D"/>
+              </a:solidFill>
+              <a:latin typeface="에스코어 드림 6 Bold" panose="020B0703030302020204" pitchFamily="34" charset="-127"/>
+              <a:ea typeface="에스코어 드림 6 Bold" panose="020B0703030302020204" pitchFamily="34" charset="-127"/>
+            </a:endParaRPr>
+          </a:p>
+        </p:txBody>
+      </p:sp>
+      <p:sp>
+        <p:nvSpPr>
+          <p:cNvPr id="30" name="TextBox 29"/>
+          <p:cNvSpPr txBox="1"/>
+          <p:nvPr/>
+        </p:nvSpPr>
+        <p:spPr>
+          <a:xfrm>
+            <a:off x="195473" y="311719"/>
+            <a:ext cx="976549" cy="923330"/>
+          </a:xfrm>
+          <a:prstGeom prst="rect">
+            <a:avLst/>
+          </a:prstGeom>
+          <a:noFill/>
+        </p:spPr>
+        <p:txBody>
+          <a:bodyPr wrap="none" rtlCol="0">
+            <a:spAutoFit/>
+          </a:bodyPr>
+          <a:lstStyle/>
+          <a:p>
+            <a:r>
+              <a:rPr lang="en-US" altLang="ko-KR" sz="5400" spc="-300" dirty="0">
+                <a:solidFill>
+                  <a:srgbClr val="1D1D1D"/>
+                </a:solidFill>
+                <a:latin typeface="에스코어 드림 7 ExtraBold" panose="020B0803030302020204" pitchFamily="34" charset="-127"/>
+                <a:ea typeface="에스코어 드림 7 ExtraBold" panose="020B0803030302020204" pitchFamily="34" charset="-127"/>
+              </a:rPr>
+              <a:t>01</a:t>
+            </a:r>
+            <a:endParaRPr lang="ko-KR" altLang="en-US" sz="5400" spc="-300" dirty="0">
+              <a:solidFill>
+                <a:srgbClr val="1D1D1D"/>
+              </a:solidFill>
+              <a:latin typeface="에스코어 드림 7 ExtraBold" panose="020B0803030302020204" pitchFamily="34" charset="-127"/>
+              <a:ea typeface="에스코어 드림 7 ExtraBold" panose="020B0803030302020204" pitchFamily="34" charset="-127"/>
+            </a:endParaRPr>
+          </a:p>
+        </p:txBody>
+      </p:sp>
+      <p:sp>
+        <p:nvSpPr>
+          <p:cNvPr id="3" name="직사각형 2"/>
+          <p:cNvSpPr/>
+          <p:nvPr/>
+        </p:nvSpPr>
+        <p:spPr>
+          <a:xfrm>
+            <a:off x="363362" y="1327678"/>
+            <a:ext cx="7585153" cy="461665"/>
+          </a:xfrm>
+          <a:prstGeom prst="rect">
+            <a:avLst/>
+          </a:prstGeom>
+        </p:spPr>
+        <p:txBody>
+          <a:bodyPr wrap="none">
+            <a:spAutoFit/>
+          </a:bodyPr>
+          <a:lstStyle/>
+          <a:p>
+            <a:r>
+              <a:rPr lang="en-US" altLang="ko-KR" sz="2400" dirty="0">
+                <a:latin typeface="에스코어 드림 6 Bold" panose="020B0703030302020204" pitchFamily="34" charset="-127"/>
+                <a:ea typeface="에스코어 드림 6 Bold" panose="020B0703030302020204" pitchFamily="34" charset="-127"/>
+              </a:rPr>
+              <a:t>Outcomes : </a:t>
+            </a:r>
+            <a:r>
+              <a:rPr lang="ko-KR" altLang="en-US" sz="2400" dirty="0">
+                <a:latin typeface="에스코어 드림 6 Bold" panose="020B0703030302020204" pitchFamily="34" charset="-127"/>
+                <a:ea typeface="에스코어 드림 6 Bold" panose="020B0703030302020204" pitchFamily="34" charset="-127"/>
+              </a:rPr>
+              <a:t>요구사항 명세서 </a:t>
+            </a:r>
+            <a:r>
+              <a:rPr lang="en-US" altLang="ko-KR" sz="2400" dirty="0">
+                <a:latin typeface="에스코어 드림 6 Bold" panose="020B0703030302020204" pitchFamily="34" charset="-127"/>
+                <a:ea typeface="에스코어 드림 6 Bold" panose="020B0703030302020204" pitchFamily="34" charset="-127"/>
+              </a:rPr>
+              <a:t>&amp; </a:t>
+            </a:r>
+            <a:r>
+              <a:rPr lang="ko-KR" altLang="en-US" sz="2400" dirty="0" err="1">
+                <a:latin typeface="에스코어 드림 6 Bold" panose="020B0703030302020204" pitchFamily="34" charset="-127"/>
+                <a:ea typeface="에스코어 드림 6 Bold" panose="020B0703030302020204" pitchFamily="34" charset="-127"/>
+              </a:rPr>
+              <a:t>유즈케이스</a:t>
+            </a:r>
+            <a:r>
+              <a:rPr lang="ko-KR" altLang="en-US" sz="2400" dirty="0">
+                <a:latin typeface="에스코어 드림 6 Bold" panose="020B0703030302020204" pitchFamily="34" charset="-127"/>
+                <a:ea typeface="에스코어 드림 6 Bold" panose="020B0703030302020204" pitchFamily="34" charset="-127"/>
+              </a:rPr>
+              <a:t> 다이어그램</a:t>
+            </a:r>
+            <a:endParaRPr lang="en-US" altLang="ko-KR" sz="2400" dirty="0">
+              <a:latin typeface="에스코어 드림 6 Bold" panose="020B0703030302020204" pitchFamily="34" charset="-127"/>
+              <a:ea typeface="에스코어 드림 6 Bold" panose="020B0703030302020204" pitchFamily="34" charset="-127"/>
+            </a:endParaRPr>
+          </a:p>
+        </p:txBody>
+      </p:sp>
+      <p:pic>
+        <p:nvPicPr>
+          <p:cNvPr id="4" name="그림 3">
+            <a:extLst>
+              <a:ext uri="{FF2B5EF4-FFF2-40B4-BE49-F238E27FC236}">
+                <a16:creationId xmlns:a16="http://schemas.microsoft.com/office/drawing/2014/main" id="{CFAE4DCC-A2ED-4E6B-8CC0-8A2FDDAF8500}"/>
+              </a:ext>
+            </a:extLst>
+          </p:cNvPr>
+          <p:cNvPicPr>
+            <a:picLocks noChangeAspect="1"/>
+          </p:cNvPicPr>
+          <p:nvPr/>
+        </p:nvPicPr>
+        <p:blipFill>
+          <a:blip r:embed="rId2"/>
+          <a:stretch>
+            <a:fillRect/>
+          </a:stretch>
+        </p:blipFill>
+        <p:spPr>
+          <a:xfrm>
+            <a:off x="683747" y="2218081"/>
+            <a:ext cx="5174129" cy="3776990"/>
+          </a:xfrm>
+          <a:prstGeom prst="rect">
+            <a:avLst/>
+          </a:prstGeom>
+        </p:spPr>
+      </p:pic>
+      <p:pic>
+        <p:nvPicPr>
+          <p:cNvPr id="6" name="그림 5">
+            <a:extLst>
+              <a:ext uri="{FF2B5EF4-FFF2-40B4-BE49-F238E27FC236}">
+                <a16:creationId xmlns:a16="http://schemas.microsoft.com/office/drawing/2014/main" id="{189D9E8C-4689-4345-A63D-966E4EB8F94E}"/>
+              </a:ext>
+            </a:extLst>
+          </p:cNvPr>
+          <p:cNvPicPr>
+            <a:picLocks noChangeAspect="1"/>
+          </p:cNvPicPr>
+          <p:nvPr/>
+        </p:nvPicPr>
+        <p:blipFill>
+          <a:blip r:embed="rId3">
+            <a:extLst>
+              <a:ext uri="{28A0092B-C50C-407E-A947-70E740481C1C}">
+                <a14:useLocalDpi xmlns:a14="http://schemas.microsoft.com/office/drawing/2010/main" val="0"/>
+              </a:ext>
+            </a:extLst>
+          </a:blip>
+          <a:stretch>
+            <a:fillRect/>
+          </a:stretch>
+        </p:blipFill>
+        <p:spPr>
+          <a:xfrm>
+            <a:off x="6334125" y="2218080"/>
+            <a:ext cx="5314950" cy="3776989"/>
+          </a:xfrm>
+          <a:prstGeom prst="rect">
+            <a:avLst/>
+          </a:prstGeom>
+        </p:spPr>
+      </p:pic>
+    </p:spTree>
+    <p:extLst>
+      <p:ext uri="{BB962C8B-B14F-4D97-AF65-F5344CB8AC3E}">
+        <p14:creationId xmlns:p14="http://schemas.microsoft.com/office/powerpoint/2010/main" val="3792823739"/>
+      </p:ext>
+    </p:extLst>
+  </p:cSld>
+  <p:clrMapOvr>
+    <a:masterClrMapping/>
+  </p:clrMapOvr>
+</p:sld>
+</file>
+
+<file path=ppt/slides/slide6.xml><?xml version="1.0" encoding="utf-8"?>
+<p:sld xmlns:a="http://schemas.openxmlformats.org/drawingml/2006/main" xmlns:r="http://schemas.openxmlformats.org/officeDocument/2006/relationships" xmlns:p="http://schemas.openxmlformats.org/presentationml/2006/main">
+  <p:cSld>
+    <p:spTree>
+      <p:nvGrpSpPr>
+        <p:cNvPr id="1" name=""/>
+        <p:cNvGrpSpPr/>
+        <p:nvPr/>
+      </p:nvGrpSpPr>
+      <p:grpSpPr>
+        <a:xfrm>
+          <a:off x="0" y="0"/>
+          <a:ext cx="0" cy="0"/>
+          <a:chOff x="0" y="0"/>
+          <a:chExt cx="0" cy="0"/>
+        </a:xfrm>
+      </p:grpSpPr>
+      <p:sp>
+        <p:nvSpPr>
+          <p:cNvPr id="27" name="TextBox 26"/>
+          <p:cNvSpPr txBox="1"/>
+          <p:nvPr/>
+        </p:nvSpPr>
+        <p:spPr>
+          <a:xfrm>
+            <a:off x="1172022" y="451481"/>
+            <a:ext cx="2296845" cy="707886"/>
+          </a:xfrm>
+          <a:prstGeom prst="rect">
+            <a:avLst/>
+          </a:prstGeom>
+          <a:noFill/>
+        </p:spPr>
+        <p:txBody>
+          <a:bodyPr wrap="square" rtlCol="0">
+            <a:spAutoFit/>
+          </a:bodyPr>
+          <a:lstStyle/>
+          <a:p>
+            <a:r>
+              <a:rPr lang="en-US" altLang="ko-KR" sz="4000" dirty="0">
+                <a:solidFill>
+                  <a:srgbClr val="1D1D1D"/>
+                </a:solidFill>
+                <a:latin typeface="에스코어 드림 6 Bold" panose="020B0703030302020204" pitchFamily="34" charset="-127"/>
+                <a:ea typeface="에스코어 드림 6 Bold" panose="020B0703030302020204" pitchFamily="34" charset="-127"/>
+              </a:rPr>
+              <a:t>Projects</a:t>
+            </a:r>
+            <a:endParaRPr lang="ko-KR" altLang="en-US" sz="4000" dirty="0">
+              <a:solidFill>
+                <a:srgbClr val="1D1D1D"/>
+              </a:solidFill>
+              <a:latin typeface="에스코어 드림 6 Bold" panose="020B0703030302020204" pitchFamily="34" charset="-127"/>
+              <a:ea typeface="에스코어 드림 6 Bold" panose="020B0703030302020204" pitchFamily="34" charset="-127"/>
+            </a:endParaRPr>
+          </a:p>
+        </p:txBody>
+      </p:sp>
+      <p:sp>
+        <p:nvSpPr>
+          <p:cNvPr id="30" name="TextBox 29"/>
+          <p:cNvSpPr txBox="1"/>
+          <p:nvPr/>
+        </p:nvSpPr>
+        <p:spPr>
+          <a:xfrm>
+            <a:off x="195473" y="311719"/>
+            <a:ext cx="976549" cy="923330"/>
+          </a:xfrm>
+          <a:prstGeom prst="rect">
+            <a:avLst/>
+          </a:prstGeom>
+          <a:noFill/>
+        </p:spPr>
+        <p:txBody>
+          <a:bodyPr wrap="none" rtlCol="0">
+            <a:spAutoFit/>
+          </a:bodyPr>
+          <a:lstStyle/>
+          <a:p>
+            <a:r>
+              <a:rPr lang="en-US" altLang="ko-KR" sz="5400" spc="-300" dirty="0">
+                <a:solidFill>
+                  <a:srgbClr val="1D1D1D"/>
+                </a:solidFill>
+                <a:latin typeface="에스코어 드림 7 ExtraBold" panose="020B0803030302020204" pitchFamily="34" charset="-127"/>
+                <a:ea typeface="에스코어 드림 7 ExtraBold" panose="020B0803030302020204" pitchFamily="34" charset="-127"/>
+              </a:rPr>
+              <a:t>01</a:t>
+            </a:r>
+            <a:endParaRPr lang="ko-KR" altLang="en-US" sz="5400" spc="-300" dirty="0">
+              <a:solidFill>
+                <a:srgbClr val="1D1D1D"/>
+              </a:solidFill>
+              <a:latin typeface="에스코어 드림 7 ExtraBold" panose="020B0803030302020204" pitchFamily="34" charset="-127"/>
+              <a:ea typeface="에스코어 드림 7 ExtraBold" panose="020B0803030302020204" pitchFamily="34" charset="-127"/>
+            </a:endParaRPr>
+          </a:p>
+        </p:txBody>
+      </p:sp>
+      <p:sp>
+        <p:nvSpPr>
+          <p:cNvPr id="3" name="직사각형 2"/>
+          <p:cNvSpPr/>
+          <p:nvPr/>
+        </p:nvSpPr>
+        <p:spPr>
+          <a:xfrm>
+            <a:off x="363362" y="1327678"/>
+            <a:ext cx="5294463" cy="461665"/>
+          </a:xfrm>
+          <a:prstGeom prst="rect">
+            <a:avLst/>
+          </a:prstGeom>
+        </p:spPr>
+        <p:txBody>
+          <a:bodyPr wrap="none">
+            <a:spAutoFit/>
+          </a:bodyPr>
+          <a:lstStyle/>
+          <a:p>
+            <a:r>
+              <a:rPr lang="en-US" altLang="ko-KR" sz="2400" dirty="0">
+                <a:latin typeface="에스코어 드림 6 Bold" panose="020B0703030302020204" pitchFamily="34" charset="-127"/>
+                <a:ea typeface="에스코어 드림 6 Bold" panose="020B0703030302020204" pitchFamily="34" charset="-127"/>
+              </a:rPr>
+              <a:t>Outcomes : </a:t>
+            </a:r>
+            <a:r>
+              <a:rPr lang="ko-KR" altLang="en-US" sz="2400" dirty="0">
+                <a:latin typeface="에스코어 드림 6 Bold" panose="020B0703030302020204" pitchFamily="34" charset="-127"/>
+                <a:ea typeface="에스코어 드림 6 Bold" panose="020B0703030302020204" pitchFamily="34" charset="-127"/>
+              </a:rPr>
+              <a:t>화면</a:t>
+            </a:r>
+            <a:r>
+              <a:rPr lang="en-US" altLang="ko-KR" sz="2400" dirty="0">
+                <a:latin typeface="에스코어 드림 6 Bold" panose="020B0703030302020204" pitchFamily="34" charset="-127"/>
+                <a:ea typeface="에스코어 드림 6 Bold" panose="020B0703030302020204" pitchFamily="34" charset="-127"/>
+              </a:rPr>
+              <a:t> </a:t>
+            </a:r>
+            <a:r>
+              <a:rPr lang="ko-KR" altLang="en-US" sz="2400" dirty="0">
+                <a:latin typeface="에스코어 드림 6 Bold" panose="020B0703030302020204" pitchFamily="34" charset="-127"/>
+                <a:ea typeface="에스코어 드림 6 Bold" panose="020B0703030302020204" pitchFamily="34" charset="-127"/>
+              </a:rPr>
+              <a:t>설계서 및 실제 화면</a:t>
+            </a:r>
+            <a:endParaRPr lang="en-US" altLang="ko-KR" sz="2400" dirty="0">
+              <a:latin typeface="에스코어 드림 6 Bold" panose="020B0703030302020204" pitchFamily="34" charset="-127"/>
+              <a:ea typeface="에스코어 드림 6 Bold" panose="020B0703030302020204" pitchFamily="34" charset="-127"/>
+            </a:endParaRPr>
+          </a:p>
+        </p:txBody>
+      </p:sp>
+      <p:pic>
+        <p:nvPicPr>
+          <p:cNvPr id="4" name="그림 3">
+            <a:extLst>
+              <a:ext uri="{FF2B5EF4-FFF2-40B4-BE49-F238E27FC236}">
+                <a16:creationId xmlns:a16="http://schemas.microsoft.com/office/drawing/2014/main" id="{53115F24-8343-456E-A7F4-DFBD45DAE280}"/>
+              </a:ext>
+            </a:extLst>
+          </p:cNvPr>
+          <p:cNvPicPr>
+            <a:picLocks noChangeAspect="1"/>
+          </p:cNvPicPr>
+          <p:nvPr/>
+        </p:nvPicPr>
+        <p:blipFill>
+          <a:blip r:embed="rId2">
+            <a:extLst>
+              <a:ext uri="{28A0092B-C50C-407E-A947-70E740481C1C}">
+                <a14:useLocalDpi xmlns:a14="http://schemas.microsoft.com/office/drawing/2010/main" val="0"/>
+              </a:ext>
+            </a:extLst>
+          </a:blip>
+          <a:stretch>
+            <a:fillRect/>
+          </a:stretch>
+        </p:blipFill>
+        <p:spPr>
+          <a:xfrm>
+            <a:off x="6436782" y="2081211"/>
+            <a:ext cx="5105751" cy="3505200"/>
+          </a:xfrm>
+          <a:prstGeom prst="rect">
+            <a:avLst/>
+          </a:prstGeom>
+        </p:spPr>
+      </p:pic>
+      <p:pic>
+        <p:nvPicPr>
+          <p:cNvPr id="6" name="그림 5">
+            <a:extLst>
+              <a:ext uri="{FF2B5EF4-FFF2-40B4-BE49-F238E27FC236}">
+                <a16:creationId xmlns:a16="http://schemas.microsoft.com/office/drawing/2014/main" id="{FEA941CC-193E-49D3-B5EE-DC3CBFE08A61}"/>
+              </a:ext>
+            </a:extLst>
+          </p:cNvPr>
+          <p:cNvPicPr>
+            <a:picLocks noChangeAspect="1"/>
+          </p:cNvPicPr>
+          <p:nvPr/>
+        </p:nvPicPr>
+        <p:blipFill>
+          <a:blip r:embed="rId3">
+            <a:extLst>
+              <a:ext uri="{28A0092B-C50C-407E-A947-70E740481C1C}">
+                <a14:useLocalDpi xmlns:a14="http://schemas.microsoft.com/office/drawing/2010/main" val="0"/>
+              </a:ext>
+            </a:extLst>
+          </a:blip>
+          <a:stretch>
+            <a:fillRect/>
+          </a:stretch>
+        </p:blipFill>
+        <p:spPr>
+          <a:xfrm>
+            <a:off x="649467" y="2081211"/>
+            <a:ext cx="5008358" cy="3505200"/>
+          </a:xfrm>
+          <a:prstGeom prst="rect">
+            <a:avLst/>
+          </a:prstGeom>
+        </p:spPr>
+      </p:pic>
+    </p:spTree>
+    <p:extLst>
+      <p:ext uri="{BB962C8B-B14F-4D97-AF65-F5344CB8AC3E}">
+        <p14:creationId xmlns:p14="http://schemas.microsoft.com/office/powerpoint/2010/main" val="776678114"/>
+      </p:ext>
+    </p:extLst>
+  </p:cSld>
+  <p:clrMapOvr>
+    <a:masterClrMapping/>
+  </p:clrMapOvr>
+</p:sld>
+</file>
+
+<file path=ppt/slides/slide7.xml><?xml version="1.0" encoding="utf-8"?>
 <p:sld xmlns:a="http://schemas.openxmlformats.org/drawingml/2006/main" xmlns:r="http://schemas.openxmlformats.org/officeDocument/2006/relationships" xmlns:p="http://schemas.openxmlformats.org/presentationml/2006/main">
   <p:cSld>
     <p:spTree>
@@ -10199,7 +10685,7 @@
         </p:nvSpPr>
         <p:spPr>
           <a:xfrm>
-            <a:off x="7935976" y="5630684"/>
+            <a:off x="7729587" y="5630684"/>
             <a:ext cx="2803973" cy="400110"/>
           </a:xfrm>
           <a:prstGeom prst="rect">
@@ -10213,7 +10699,7 @@
           <a:lstStyle/>
           <a:p>
             <a:r>
-              <a:rPr lang="ko-KR" altLang="en-US" sz="2000">
+              <a:rPr lang="ko-KR" altLang="en-US" sz="2000" dirty="0">
                 <a:latin typeface="에스코어 드림 5 Medium" panose="020B0503030302020204" pitchFamily="34" charset="-127"/>
                 <a:ea typeface="에스코어 드림 5 Medium" panose="020B0503030302020204" pitchFamily="34" charset="-127"/>
               </a:rPr>
@@ -10246,7 +10732,7 @@
 </p:sld>
 </file>
 
-<file path=ppt/slides/slide6.xml><?xml version="1.0" encoding="utf-8"?>
+<file path=ppt/slides/slide8.xml><?xml version="1.0" encoding="utf-8"?>
 <p:sld xmlns:a="http://schemas.openxmlformats.org/drawingml/2006/main" xmlns:r="http://schemas.openxmlformats.org/officeDocument/2006/relationships" xmlns:p="http://schemas.openxmlformats.org/presentationml/2006/main">
   <p:cSld>
     <p:spTree>
@@ -11109,491 +11595,6 @@
     <p:extLst>
       <p:ext uri="{BB962C8B-B14F-4D97-AF65-F5344CB8AC3E}">
         <p14:creationId xmlns:p14="http://schemas.microsoft.com/office/powerpoint/2010/main" val="2059899005"/>
-      </p:ext>
-    </p:extLst>
-  </p:cSld>
-  <p:clrMapOvr>
-    <a:masterClrMapping/>
-  </p:clrMapOvr>
-</p:sld>
-</file>
-
-<file path=ppt/slides/slide7.xml><?xml version="1.0" encoding="utf-8"?>
-<p:sld xmlns:a="http://schemas.openxmlformats.org/drawingml/2006/main" xmlns:r="http://schemas.openxmlformats.org/officeDocument/2006/relationships" xmlns:p="http://schemas.openxmlformats.org/presentationml/2006/main">
-  <p:cSld>
-    <p:spTree>
-      <p:nvGrpSpPr>
-        <p:cNvPr id="1" name=""/>
-        <p:cNvGrpSpPr/>
-        <p:nvPr/>
-      </p:nvGrpSpPr>
-      <p:grpSpPr>
-        <a:xfrm>
-          <a:off x="0" y="0"/>
-          <a:ext cx="0" cy="0"/>
-          <a:chOff x="0" y="0"/>
-          <a:chExt cx="0" cy="0"/>
-        </a:xfrm>
-      </p:grpSpPr>
-      <p:sp>
-        <p:nvSpPr>
-          <p:cNvPr id="27" name="TextBox 26"/>
-          <p:cNvSpPr txBox="1"/>
-          <p:nvPr/>
-        </p:nvSpPr>
-        <p:spPr>
-          <a:xfrm>
-            <a:off x="1172022" y="451481"/>
-            <a:ext cx="2296845" cy="707886"/>
-          </a:xfrm>
-          <a:prstGeom prst="rect">
-            <a:avLst/>
-          </a:prstGeom>
-          <a:noFill/>
-        </p:spPr>
-        <p:txBody>
-          <a:bodyPr wrap="square" rtlCol="0">
-            <a:spAutoFit/>
-          </a:bodyPr>
-          <a:lstStyle/>
-          <a:p>
-            <a:r>
-              <a:rPr lang="en-US" altLang="ko-KR" sz="4000" dirty="0">
-                <a:solidFill>
-                  <a:srgbClr val="1D1D1D"/>
-                </a:solidFill>
-                <a:latin typeface="에스코어 드림 6 Bold" panose="020B0703030302020204" pitchFamily="34" charset="-127"/>
-                <a:ea typeface="에스코어 드림 6 Bold" panose="020B0703030302020204" pitchFamily="34" charset="-127"/>
-              </a:rPr>
-              <a:t>Projects</a:t>
-            </a:r>
-            <a:endParaRPr lang="ko-KR" altLang="en-US" sz="4000" dirty="0">
-              <a:solidFill>
-                <a:srgbClr val="1D1D1D"/>
-              </a:solidFill>
-              <a:latin typeface="에스코어 드림 6 Bold" panose="020B0703030302020204" pitchFamily="34" charset="-127"/>
-              <a:ea typeface="에스코어 드림 6 Bold" panose="020B0703030302020204" pitchFamily="34" charset="-127"/>
-            </a:endParaRPr>
-          </a:p>
-        </p:txBody>
-      </p:sp>
-      <p:sp>
-        <p:nvSpPr>
-          <p:cNvPr id="30" name="TextBox 29"/>
-          <p:cNvSpPr txBox="1"/>
-          <p:nvPr/>
-        </p:nvSpPr>
-        <p:spPr>
-          <a:xfrm>
-            <a:off x="195473" y="311719"/>
-            <a:ext cx="976549" cy="923330"/>
-          </a:xfrm>
-          <a:prstGeom prst="rect">
-            <a:avLst/>
-          </a:prstGeom>
-          <a:noFill/>
-        </p:spPr>
-        <p:txBody>
-          <a:bodyPr wrap="none" rtlCol="0">
-            <a:spAutoFit/>
-          </a:bodyPr>
-          <a:lstStyle/>
-          <a:p>
-            <a:r>
-              <a:rPr lang="en-US" altLang="ko-KR" sz="5400" spc="-300" dirty="0">
-                <a:solidFill>
-                  <a:srgbClr val="1D1D1D"/>
-                </a:solidFill>
-                <a:latin typeface="에스코어 드림 7 ExtraBold" panose="020B0803030302020204" pitchFamily="34" charset="-127"/>
-                <a:ea typeface="에스코어 드림 7 ExtraBold" panose="020B0803030302020204" pitchFamily="34" charset="-127"/>
-              </a:rPr>
-              <a:t>01</a:t>
-            </a:r>
-            <a:endParaRPr lang="ko-KR" altLang="en-US" sz="5400" spc="-300" dirty="0">
-              <a:solidFill>
-                <a:srgbClr val="1D1D1D"/>
-              </a:solidFill>
-              <a:latin typeface="에스코어 드림 7 ExtraBold" panose="020B0803030302020204" pitchFamily="34" charset="-127"/>
-              <a:ea typeface="에스코어 드림 7 ExtraBold" panose="020B0803030302020204" pitchFamily="34" charset="-127"/>
-            </a:endParaRPr>
-          </a:p>
-        </p:txBody>
-      </p:sp>
-      <p:sp>
-        <p:nvSpPr>
-          <p:cNvPr id="3" name="직사각형 2"/>
-          <p:cNvSpPr/>
-          <p:nvPr/>
-        </p:nvSpPr>
-        <p:spPr>
-          <a:xfrm>
-            <a:off x="363362" y="1327678"/>
-            <a:ext cx="7585153" cy="461665"/>
-          </a:xfrm>
-          <a:prstGeom prst="rect">
-            <a:avLst/>
-          </a:prstGeom>
-        </p:spPr>
-        <p:txBody>
-          <a:bodyPr wrap="none">
-            <a:spAutoFit/>
-          </a:bodyPr>
-          <a:lstStyle/>
-          <a:p>
-            <a:r>
-              <a:rPr lang="en-US" altLang="ko-KR" sz="2400" dirty="0">
-                <a:latin typeface="에스코어 드림 6 Bold" panose="020B0703030302020204" pitchFamily="34" charset="-127"/>
-                <a:ea typeface="에스코어 드림 6 Bold" panose="020B0703030302020204" pitchFamily="34" charset="-127"/>
-              </a:rPr>
-              <a:t>Outcomes : </a:t>
-            </a:r>
-            <a:r>
-              <a:rPr lang="ko-KR" altLang="en-US" sz="2400" dirty="0">
-                <a:latin typeface="에스코어 드림 6 Bold" panose="020B0703030302020204" pitchFamily="34" charset="-127"/>
-                <a:ea typeface="에스코어 드림 6 Bold" panose="020B0703030302020204" pitchFamily="34" charset="-127"/>
-              </a:rPr>
-              <a:t>요구사항 명세서 </a:t>
-            </a:r>
-            <a:r>
-              <a:rPr lang="en-US" altLang="ko-KR" sz="2400" dirty="0">
-                <a:latin typeface="에스코어 드림 6 Bold" panose="020B0703030302020204" pitchFamily="34" charset="-127"/>
-                <a:ea typeface="에스코어 드림 6 Bold" panose="020B0703030302020204" pitchFamily="34" charset="-127"/>
-              </a:rPr>
-              <a:t>&amp; </a:t>
-            </a:r>
-            <a:r>
-              <a:rPr lang="ko-KR" altLang="en-US" sz="2400" dirty="0" err="1">
-                <a:latin typeface="에스코어 드림 6 Bold" panose="020B0703030302020204" pitchFamily="34" charset="-127"/>
-                <a:ea typeface="에스코어 드림 6 Bold" panose="020B0703030302020204" pitchFamily="34" charset="-127"/>
-              </a:rPr>
-              <a:t>유즈케이스</a:t>
-            </a:r>
-            <a:r>
-              <a:rPr lang="ko-KR" altLang="en-US" sz="2400" dirty="0">
-                <a:latin typeface="에스코어 드림 6 Bold" panose="020B0703030302020204" pitchFamily="34" charset="-127"/>
-                <a:ea typeface="에스코어 드림 6 Bold" panose="020B0703030302020204" pitchFamily="34" charset="-127"/>
-              </a:rPr>
-              <a:t> 다이어그램</a:t>
-            </a:r>
-            <a:endParaRPr lang="en-US" altLang="ko-KR" sz="2400" dirty="0">
-              <a:latin typeface="에스코어 드림 6 Bold" panose="020B0703030302020204" pitchFamily="34" charset="-127"/>
-              <a:ea typeface="에스코어 드림 6 Bold" panose="020B0703030302020204" pitchFamily="34" charset="-127"/>
-            </a:endParaRPr>
-          </a:p>
-        </p:txBody>
-      </p:sp>
-      <p:pic>
-        <p:nvPicPr>
-          <p:cNvPr id="4" name="그림 3">
-            <a:extLst>
-              <a:ext uri="{FF2B5EF4-FFF2-40B4-BE49-F238E27FC236}">
-                <a16:creationId xmlns:a16="http://schemas.microsoft.com/office/drawing/2014/main" id="{CFAE4DCC-A2ED-4E6B-8CC0-8A2FDDAF8500}"/>
-              </a:ext>
-            </a:extLst>
-          </p:cNvPr>
-          <p:cNvPicPr>
-            <a:picLocks noChangeAspect="1"/>
-          </p:cNvPicPr>
-          <p:nvPr/>
-        </p:nvPicPr>
-        <p:blipFill>
-          <a:blip r:embed="rId2"/>
-          <a:stretch>
-            <a:fillRect/>
-          </a:stretch>
-        </p:blipFill>
-        <p:spPr>
-          <a:xfrm>
-            <a:off x="683747" y="2218081"/>
-            <a:ext cx="5174129" cy="3776990"/>
-          </a:xfrm>
-          <a:prstGeom prst="rect">
-            <a:avLst/>
-          </a:prstGeom>
-        </p:spPr>
-      </p:pic>
-      <p:pic>
-        <p:nvPicPr>
-          <p:cNvPr id="6" name="그림 5">
-            <a:extLst>
-              <a:ext uri="{FF2B5EF4-FFF2-40B4-BE49-F238E27FC236}">
-                <a16:creationId xmlns:a16="http://schemas.microsoft.com/office/drawing/2014/main" id="{189D9E8C-4689-4345-A63D-966E4EB8F94E}"/>
-              </a:ext>
-            </a:extLst>
-          </p:cNvPr>
-          <p:cNvPicPr>
-            <a:picLocks noChangeAspect="1"/>
-          </p:cNvPicPr>
-          <p:nvPr/>
-        </p:nvPicPr>
-        <p:blipFill>
-          <a:blip r:embed="rId3">
-            <a:extLst>
-              <a:ext uri="{28A0092B-C50C-407E-A947-70E740481C1C}">
-                <a14:useLocalDpi xmlns:a14="http://schemas.microsoft.com/office/drawing/2010/main" val="0"/>
-              </a:ext>
-            </a:extLst>
-          </a:blip>
-          <a:stretch>
-            <a:fillRect/>
-          </a:stretch>
-        </p:blipFill>
-        <p:spPr>
-          <a:xfrm>
-            <a:off x="6334125" y="2218080"/>
-            <a:ext cx="5314950" cy="3776989"/>
-          </a:xfrm>
-          <a:prstGeom prst="rect">
-            <a:avLst/>
-          </a:prstGeom>
-        </p:spPr>
-      </p:pic>
-    </p:spTree>
-    <p:extLst>
-      <p:ext uri="{BB962C8B-B14F-4D97-AF65-F5344CB8AC3E}">
-        <p14:creationId xmlns:p14="http://schemas.microsoft.com/office/powerpoint/2010/main" val="3792823739"/>
-      </p:ext>
-    </p:extLst>
-  </p:cSld>
-  <p:clrMapOvr>
-    <a:masterClrMapping/>
-  </p:clrMapOvr>
-</p:sld>
-</file>
-
-<file path=ppt/slides/slide8.xml><?xml version="1.0" encoding="utf-8"?>
-<p:sld xmlns:a="http://schemas.openxmlformats.org/drawingml/2006/main" xmlns:r="http://schemas.openxmlformats.org/officeDocument/2006/relationships" xmlns:p="http://schemas.openxmlformats.org/presentationml/2006/main">
-  <p:cSld>
-    <p:spTree>
-      <p:nvGrpSpPr>
-        <p:cNvPr id="1" name=""/>
-        <p:cNvGrpSpPr/>
-        <p:nvPr/>
-      </p:nvGrpSpPr>
-      <p:grpSpPr>
-        <a:xfrm>
-          <a:off x="0" y="0"/>
-          <a:ext cx="0" cy="0"/>
-          <a:chOff x="0" y="0"/>
-          <a:chExt cx="0" cy="0"/>
-        </a:xfrm>
-      </p:grpSpPr>
-      <p:sp>
-        <p:nvSpPr>
-          <p:cNvPr id="27" name="TextBox 26"/>
-          <p:cNvSpPr txBox="1"/>
-          <p:nvPr/>
-        </p:nvSpPr>
-        <p:spPr>
-          <a:xfrm>
-            <a:off x="1172022" y="451481"/>
-            <a:ext cx="2296845" cy="707886"/>
-          </a:xfrm>
-          <a:prstGeom prst="rect">
-            <a:avLst/>
-          </a:prstGeom>
-          <a:noFill/>
-        </p:spPr>
-        <p:txBody>
-          <a:bodyPr wrap="square" rtlCol="0">
-            <a:spAutoFit/>
-          </a:bodyPr>
-          <a:lstStyle/>
-          <a:p>
-            <a:r>
-              <a:rPr lang="en-US" altLang="ko-KR" sz="4000" dirty="0">
-                <a:solidFill>
-                  <a:srgbClr val="1D1D1D"/>
-                </a:solidFill>
-                <a:latin typeface="에스코어 드림 6 Bold" panose="020B0703030302020204" pitchFamily="34" charset="-127"/>
-                <a:ea typeface="에스코어 드림 6 Bold" panose="020B0703030302020204" pitchFamily="34" charset="-127"/>
-              </a:rPr>
-              <a:t>Projects</a:t>
-            </a:r>
-            <a:endParaRPr lang="ko-KR" altLang="en-US" sz="4000" dirty="0">
-              <a:solidFill>
-                <a:srgbClr val="1D1D1D"/>
-              </a:solidFill>
-              <a:latin typeface="에스코어 드림 6 Bold" panose="020B0703030302020204" pitchFamily="34" charset="-127"/>
-              <a:ea typeface="에스코어 드림 6 Bold" panose="020B0703030302020204" pitchFamily="34" charset="-127"/>
-            </a:endParaRPr>
-          </a:p>
-        </p:txBody>
-      </p:sp>
-      <p:sp>
-        <p:nvSpPr>
-          <p:cNvPr id="30" name="TextBox 29"/>
-          <p:cNvSpPr txBox="1"/>
-          <p:nvPr/>
-        </p:nvSpPr>
-        <p:spPr>
-          <a:xfrm>
-            <a:off x="195473" y="311719"/>
-            <a:ext cx="976549" cy="923330"/>
-          </a:xfrm>
-          <a:prstGeom prst="rect">
-            <a:avLst/>
-          </a:prstGeom>
-          <a:noFill/>
-        </p:spPr>
-        <p:txBody>
-          <a:bodyPr wrap="none" rtlCol="0">
-            <a:spAutoFit/>
-          </a:bodyPr>
-          <a:lstStyle/>
-          <a:p>
-            <a:r>
-              <a:rPr lang="en-US" altLang="ko-KR" sz="5400" spc="-300" dirty="0">
-                <a:solidFill>
-                  <a:srgbClr val="1D1D1D"/>
-                </a:solidFill>
-                <a:latin typeface="에스코어 드림 7 ExtraBold" panose="020B0803030302020204" pitchFamily="34" charset="-127"/>
-                <a:ea typeface="에스코어 드림 7 ExtraBold" panose="020B0803030302020204" pitchFamily="34" charset="-127"/>
-              </a:rPr>
-              <a:t>01</a:t>
-            </a:r>
-            <a:endParaRPr lang="ko-KR" altLang="en-US" sz="5400" spc="-300" dirty="0">
-              <a:solidFill>
-                <a:srgbClr val="1D1D1D"/>
-              </a:solidFill>
-              <a:latin typeface="에스코어 드림 7 ExtraBold" panose="020B0803030302020204" pitchFamily="34" charset="-127"/>
-              <a:ea typeface="에스코어 드림 7 ExtraBold" panose="020B0803030302020204" pitchFamily="34" charset="-127"/>
-            </a:endParaRPr>
-          </a:p>
-        </p:txBody>
-      </p:sp>
-      <p:sp>
-        <p:nvSpPr>
-          <p:cNvPr id="3" name="직사각형 2"/>
-          <p:cNvSpPr/>
-          <p:nvPr/>
-        </p:nvSpPr>
-        <p:spPr>
-          <a:xfrm>
-            <a:off x="363362" y="1327678"/>
-            <a:ext cx="5294463" cy="461665"/>
-          </a:xfrm>
-          <a:prstGeom prst="rect">
-            <a:avLst/>
-          </a:prstGeom>
-        </p:spPr>
-        <p:txBody>
-          <a:bodyPr wrap="none">
-            <a:spAutoFit/>
-          </a:bodyPr>
-          <a:lstStyle/>
-          <a:p>
-            <a:r>
-              <a:rPr lang="en-US" altLang="ko-KR" sz="2400" dirty="0">
-                <a:latin typeface="에스코어 드림 6 Bold" panose="020B0703030302020204" pitchFamily="34" charset="-127"/>
-                <a:ea typeface="에스코어 드림 6 Bold" panose="020B0703030302020204" pitchFamily="34" charset="-127"/>
-              </a:rPr>
-              <a:t>Outcomes : </a:t>
-            </a:r>
-            <a:r>
-              <a:rPr lang="ko-KR" altLang="en-US" sz="2400" dirty="0">
-                <a:latin typeface="에스코어 드림 6 Bold" panose="020B0703030302020204" pitchFamily="34" charset="-127"/>
-                <a:ea typeface="에스코어 드림 6 Bold" panose="020B0703030302020204" pitchFamily="34" charset="-127"/>
-              </a:rPr>
-              <a:t>화면</a:t>
-            </a:r>
-            <a:r>
-              <a:rPr lang="en-US" altLang="ko-KR" sz="2400" dirty="0">
-                <a:latin typeface="에스코어 드림 6 Bold" panose="020B0703030302020204" pitchFamily="34" charset="-127"/>
-                <a:ea typeface="에스코어 드림 6 Bold" panose="020B0703030302020204" pitchFamily="34" charset="-127"/>
-              </a:rPr>
-              <a:t> </a:t>
-            </a:r>
-            <a:r>
-              <a:rPr lang="ko-KR" altLang="en-US" sz="2400" dirty="0">
-                <a:latin typeface="에스코어 드림 6 Bold" panose="020B0703030302020204" pitchFamily="34" charset="-127"/>
-                <a:ea typeface="에스코어 드림 6 Bold" panose="020B0703030302020204" pitchFamily="34" charset="-127"/>
-              </a:rPr>
-              <a:t>설계서 및 실제 화면</a:t>
-            </a:r>
-            <a:endParaRPr lang="en-US" altLang="ko-KR" sz="2400" dirty="0">
-              <a:latin typeface="에스코어 드림 6 Bold" panose="020B0703030302020204" pitchFamily="34" charset="-127"/>
-              <a:ea typeface="에스코어 드림 6 Bold" panose="020B0703030302020204" pitchFamily="34" charset="-127"/>
-            </a:endParaRPr>
-          </a:p>
-        </p:txBody>
-      </p:sp>
-      <p:pic>
-        <p:nvPicPr>
-          <p:cNvPr id="4" name="그림 3">
-            <a:extLst>
-              <a:ext uri="{FF2B5EF4-FFF2-40B4-BE49-F238E27FC236}">
-                <a16:creationId xmlns:a16="http://schemas.microsoft.com/office/drawing/2014/main" id="{53115F24-8343-456E-A7F4-DFBD45DAE280}"/>
-              </a:ext>
-            </a:extLst>
-          </p:cNvPr>
-          <p:cNvPicPr>
-            <a:picLocks noChangeAspect="1"/>
-          </p:cNvPicPr>
-          <p:nvPr/>
-        </p:nvPicPr>
-        <p:blipFill>
-          <a:blip r:embed="rId2">
-            <a:extLst>
-              <a:ext uri="{28A0092B-C50C-407E-A947-70E740481C1C}">
-                <a14:useLocalDpi xmlns:a14="http://schemas.microsoft.com/office/drawing/2010/main" val="0"/>
-              </a:ext>
-            </a:extLst>
-          </a:blip>
-          <a:stretch>
-            <a:fillRect/>
-          </a:stretch>
-        </p:blipFill>
-        <p:spPr>
-          <a:xfrm>
-            <a:off x="6436782" y="2081211"/>
-            <a:ext cx="5105751" cy="3505200"/>
-          </a:xfrm>
-          <a:prstGeom prst="rect">
-            <a:avLst/>
-          </a:prstGeom>
-        </p:spPr>
-      </p:pic>
-      <p:pic>
-        <p:nvPicPr>
-          <p:cNvPr id="6" name="그림 5">
-            <a:extLst>
-              <a:ext uri="{FF2B5EF4-FFF2-40B4-BE49-F238E27FC236}">
-                <a16:creationId xmlns:a16="http://schemas.microsoft.com/office/drawing/2014/main" id="{FEA941CC-193E-49D3-B5EE-DC3CBFE08A61}"/>
-              </a:ext>
-            </a:extLst>
-          </p:cNvPr>
-          <p:cNvPicPr>
-            <a:picLocks noChangeAspect="1"/>
-          </p:cNvPicPr>
-          <p:nvPr/>
-        </p:nvPicPr>
-        <p:blipFill>
-          <a:blip r:embed="rId3">
-            <a:extLst>
-              <a:ext uri="{28A0092B-C50C-407E-A947-70E740481C1C}">
-                <a14:useLocalDpi xmlns:a14="http://schemas.microsoft.com/office/drawing/2010/main" val="0"/>
-              </a:ext>
-            </a:extLst>
-          </a:blip>
-          <a:stretch>
-            <a:fillRect/>
-          </a:stretch>
-        </p:blipFill>
-        <p:spPr>
-          <a:xfrm>
-            <a:off x="649467" y="2081211"/>
-            <a:ext cx="5008358" cy="3505200"/>
-          </a:xfrm>
-          <a:prstGeom prst="rect">
-            <a:avLst/>
-          </a:prstGeom>
-        </p:spPr>
-      </p:pic>
-    </p:spTree>
-    <p:extLst>
-      <p:ext uri="{BB962C8B-B14F-4D97-AF65-F5344CB8AC3E}">
-        <p14:creationId xmlns:p14="http://schemas.microsoft.com/office/powerpoint/2010/main" val="776678114"/>
       </p:ext>
     </p:extLst>
   </p:cSld>
